--- a/CPlusPlus/03_essential_cpp_mod.pptx
+++ b/CPlusPlus/03_essential_cpp_mod.pptx
@@ -5,7 +5,7 @@
     <p:sldMasterId id="2147483660" r:id="rId1"/>
   </p:sldMasterIdLst>
   <p:notesMasterIdLst>
-    <p:notesMasterId r:id="rId7"/>
+    <p:notesMasterId r:id="rId13"/>
   </p:notesMasterIdLst>
   <p:sldIdLst>
     <p:sldId id="257" r:id="rId2"/>
@@ -13,6 +13,12 @@
     <p:sldId id="261" r:id="rId4"/>
     <p:sldId id="262" r:id="rId5"/>
     <p:sldId id="263" r:id="rId6"/>
+    <p:sldId id="264" r:id="rId7"/>
+    <p:sldId id="265" r:id="rId8"/>
+    <p:sldId id="266" r:id="rId9"/>
+    <p:sldId id="267" r:id="rId10"/>
+    <p:sldId id="268" r:id="rId11"/>
+    <p:sldId id="269" r:id="rId12"/>
   </p:sldIdLst>
   <p:sldSz cx="9144000" cy="6858000" type="screen4x3"/>
   <p:notesSz cx="6858000" cy="9144000"/>
@@ -201,7 +207,7 @@
           <a:p>
             <a:fld id="{65F1378B-C2AB-4698-A639-9C0E3F833333}" type="datetimeFigureOut">
               <a:rPr lang="en-US" smtClean="0"/>
-              <a:t>2017-02-22</a:t>
+              <a:t>2017-02-23</a:t>
             </a:fld>
             <a:endParaRPr lang="en-US"/>
           </a:p>
@@ -600,7 +606,7 @@
           <a:p>
             <a:fld id="{5786021F-A61E-4517-8760-BC87D1A92FA2}" type="datetime1">
               <a:rPr lang="en-US" smtClean="0"/>
-              <a:t>2017-02-22</a:t>
+              <a:t>2017-02-23</a:t>
             </a:fld>
             <a:endParaRPr lang="en-US"/>
           </a:p>
@@ -770,7 +776,7 @@
           <a:p>
             <a:fld id="{1319E2CA-33D9-482F-BBF4-3C2EF9A11FD9}" type="datetime1">
               <a:rPr lang="en-US" smtClean="0"/>
-              <a:t>2017-02-22</a:t>
+              <a:t>2017-02-23</a:t>
             </a:fld>
             <a:endParaRPr lang="en-US"/>
           </a:p>
@@ -950,7 +956,7 @@
           <a:p>
             <a:fld id="{E0855842-D24D-4D96-893F-FC8253D498B3}" type="datetime1">
               <a:rPr lang="en-US" smtClean="0"/>
-              <a:t>2017-02-22</a:t>
+              <a:t>2017-02-23</a:t>
             </a:fld>
             <a:endParaRPr lang="en-US"/>
           </a:p>
@@ -1120,7 +1126,7 @@
           <a:p>
             <a:fld id="{4F17A02C-CCD5-4EAA-AD62-6AF1BBBA5098}" type="datetime1">
               <a:rPr lang="en-US" smtClean="0"/>
-              <a:t>2017-02-22</a:t>
+              <a:t>2017-02-23</a:t>
             </a:fld>
             <a:endParaRPr lang="en-US"/>
           </a:p>
@@ -1364,7 +1370,7 @@
           <a:p>
             <a:fld id="{3C16106F-9685-4E44-9262-E438E92F03CD}" type="datetime1">
               <a:rPr lang="en-US" smtClean="0"/>
-              <a:t>2017-02-22</a:t>
+              <a:t>2017-02-23</a:t>
             </a:fld>
             <a:endParaRPr lang="en-US"/>
           </a:p>
@@ -1596,7 +1602,7 @@
           <a:p>
             <a:fld id="{BA74F6A0-DDD4-49C4-A22A-B3084067F398}" type="datetime1">
               <a:rPr lang="en-US" smtClean="0"/>
-              <a:t>2017-02-22</a:t>
+              <a:t>2017-02-23</a:t>
             </a:fld>
             <a:endParaRPr lang="en-US"/>
           </a:p>
@@ -1963,7 +1969,7 @@
           <a:p>
             <a:fld id="{EFA42ADE-A4E3-4963-8866-B76841D074B7}" type="datetime1">
               <a:rPr lang="en-US" smtClean="0"/>
-              <a:t>2017-02-22</a:t>
+              <a:t>2017-02-23</a:t>
             </a:fld>
             <a:endParaRPr lang="en-US"/>
           </a:p>
@@ -2081,7 +2087,7 @@
           <a:p>
             <a:fld id="{9BF63FB9-06BC-40F3-9571-396BEEB1EB3D}" type="datetime1">
               <a:rPr lang="en-US" smtClean="0"/>
-              <a:t>2017-02-22</a:t>
+              <a:t>2017-02-23</a:t>
             </a:fld>
             <a:endParaRPr lang="en-US"/>
           </a:p>
@@ -2176,7 +2182,7 @@
           <a:p>
             <a:fld id="{A2766F7D-06DD-44B0-8ACC-315F25A1E086}" type="datetime1">
               <a:rPr lang="en-US" smtClean="0"/>
-              <a:t>2017-02-22</a:t>
+              <a:t>2017-02-23</a:t>
             </a:fld>
             <a:endParaRPr lang="en-US"/>
           </a:p>
@@ -2453,7 +2459,7 @@
           <a:p>
             <a:fld id="{19AB181A-4E09-4B9D-B55E-138F3038D59A}" type="datetime1">
               <a:rPr lang="en-US" smtClean="0"/>
-              <a:t>2017-02-22</a:t>
+              <a:t>2017-02-23</a:t>
             </a:fld>
             <a:endParaRPr lang="en-US"/>
           </a:p>
@@ -2710,7 +2716,7 @@
           <a:p>
             <a:fld id="{DABD2A41-686D-44E1-829D-0CDE584BAA73}" type="datetime1">
               <a:rPr lang="en-US" smtClean="0"/>
-              <a:t>2017-02-22</a:t>
+              <a:t>2017-02-23</a:t>
             </a:fld>
             <a:endParaRPr lang="en-US"/>
           </a:p>
@@ -2923,7 +2929,7 @@
           <a:p>
             <a:fld id="{6FCAA38F-FF33-40B5-8182-D4E420F5D6EB}" type="datetime1">
               <a:rPr lang="en-US" smtClean="0"/>
-              <a:t>2017-02-22</a:t>
+              <a:t>2017-02-23</a:t>
             </a:fld>
             <a:endParaRPr lang="en-US"/>
           </a:p>
@@ -3491,6 +3497,1037 @@
 </p:sld>
 </file>
 
+<file path=ppt/slides/slide10.xml><?xml version="1.0" encoding="utf-8"?>
+<p:sld xmlns:a="http://schemas.openxmlformats.org/drawingml/2006/main" xmlns:r="http://schemas.openxmlformats.org/officeDocument/2006/relationships" xmlns:p="http://schemas.openxmlformats.org/presentationml/2006/main">
+  <p:cSld>
+    <p:spTree>
+      <p:nvGrpSpPr>
+        <p:cNvPr id="1" name=""/>
+        <p:cNvGrpSpPr/>
+        <p:nvPr/>
+      </p:nvGrpSpPr>
+      <p:grpSpPr>
+        <a:xfrm>
+          <a:off x="0" y="0"/>
+          <a:ext cx="0" cy="0"/>
+          <a:chOff x="0" y="0"/>
+          <a:chExt cx="0" cy="0"/>
+        </a:xfrm>
+      </p:grpSpPr>
+      <p:sp>
+        <p:nvSpPr>
+          <p:cNvPr id="2" name="Title 1"/>
+          <p:cNvSpPr>
+            <a:spLocks noGrp="1"/>
+          </p:cNvSpPr>
+          <p:nvPr>
+            <p:ph type="title"/>
+          </p:nvPr>
+        </p:nvSpPr>
+        <p:spPr/>
+        <p:txBody>
+          <a:bodyPr/>
+          <a:lstStyle/>
+          <a:p>
+            <a:r>
+              <a:rPr lang="en-US" dirty="0" smtClean="0"/>
+              <a:t>More rules</a:t>
+            </a:r>
+            <a:endParaRPr lang="en-US" dirty="0"/>
+          </a:p>
+        </p:txBody>
+      </p:sp>
+      <p:sp>
+        <p:nvSpPr>
+          <p:cNvPr id="3" name="Content Placeholder 2"/>
+          <p:cNvSpPr>
+            <a:spLocks noGrp="1"/>
+          </p:cNvSpPr>
+          <p:nvPr>
+            <p:ph idx="1"/>
+          </p:nvPr>
+        </p:nvSpPr>
+        <p:spPr/>
+        <p:txBody>
+          <a:bodyPr/>
+          <a:lstStyle/>
+          <a:p>
+            <a:r>
+              <a:rPr lang="en-US" dirty="0" smtClean="0"/>
+              <a:t>Linking</a:t>
+            </a:r>
+          </a:p>
+          <a:p>
+            <a:endParaRPr lang="en-US" dirty="0"/>
+          </a:p>
+          <a:p>
+            <a:endParaRPr lang="en-US" dirty="0" smtClean="0"/>
+          </a:p>
+          <a:p>
+            <a:endParaRPr lang="en-US" dirty="0"/>
+          </a:p>
+          <a:p>
+            <a:endParaRPr lang="en-US" dirty="0" smtClean="0"/>
+          </a:p>
+          <a:p>
+            <a:endParaRPr lang="en-US" dirty="0"/>
+          </a:p>
+          <a:p>
+            <a:endParaRPr lang="en-US" dirty="0" smtClean="0"/>
+          </a:p>
+          <a:p>
+            <a:r>
+              <a:rPr lang="en-US" dirty="0" smtClean="0"/>
+              <a:t>Default target</a:t>
+            </a:r>
+            <a:endParaRPr lang="en-US" dirty="0"/>
+          </a:p>
+        </p:txBody>
+      </p:sp>
+      <p:sp>
+        <p:nvSpPr>
+          <p:cNvPr id="4" name="Slide Number Placeholder 3"/>
+          <p:cNvSpPr>
+            <a:spLocks noGrp="1"/>
+          </p:cNvSpPr>
+          <p:nvPr>
+            <p:ph type="sldNum" sz="quarter" idx="12"/>
+          </p:nvPr>
+        </p:nvSpPr>
+        <p:spPr/>
+        <p:txBody>
+          <a:bodyPr/>
+          <a:lstStyle/>
+          <a:p>
+            <a:fld id="{2F8BA72C-5DC7-4014-AC42-C5F5AAAF9B79}" type="slidenum">
+              <a:rPr lang="en-US" smtClean="0"/>
+              <a:t>10</a:t>
+            </a:fld>
+            <a:endParaRPr lang="en-US"/>
+          </a:p>
+        </p:txBody>
+      </p:sp>
+      <p:sp>
+        <p:nvSpPr>
+          <p:cNvPr id="5" name="TextBox 4"/>
+          <p:cNvSpPr txBox="1"/>
+          <p:nvPr/>
+        </p:nvSpPr>
+        <p:spPr>
+          <a:xfrm>
+            <a:off x="1189090" y="3124013"/>
+            <a:ext cx="6275155" cy="584775"/>
+          </a:xfrm>
+          <a:prstGeom prst="rect">
+            <a:avLst/>
+          </a:prstGeom>
+          <a:solidFill>
+            <a:schemeClr val="bg1">
+              <a:lumMod val="75000"/>
+            </a:schemeClr>
+          </a:solidFill>
+        </p:spPr>
+        <p:txBody>
+          <a:bodyPr wrap="square" rtlCol="0">
+            <a:spAutoFit/>
+          </a:bodyPr>
+          <a:lstStyle/>
+          <a:p>
+            <a:r>
+              <a:rPr lang="nn-NO" sz="1600" dirty="0">
+                <a:latin typeface="Courier New" pitchFamily="49" charset="0"/>
+                <a:cs typeface="Courier New" pitchFamily="49" charset="0"/>
+              </a:rPr>
+              <a:t>particles.exe: particle.o main.o</a:t>
+            </a:r>
+          </a:p>
+          <a:p>
+            <a:r>
+              <a:rPr lang="nn-NO" sz="1600" dirty="0">
+                <a:latin typeface="Courier New" pitchFamily="49" charset="0"/>
+                <a:cs typeface="Courier New" pitchFamily="49" charset="0"/>
+              </a:rPr>
+              <a:t>	$(CXX)  $(CXXFLAGS)   -o $@  $^  $(LIBS)</a:t>
+            </a:r>
+          </a:p>
+        </p:txBody>
+      </p:sp>
+      <p:grpSp>
+        <p:nvGrpSpPr>
+          <p:cNvPr id="6" name="Group 5"/>
+          <p:cNvGrpSpPr/>
+          <p:nvPr/>
+        </p:nvGrpSpPr>
+        <p:grpSpPr>
+          <a:xfrm>
+            <a:off x="364822" y="2364402"/>
+            <a:ext cx="2270222" cy="755733"/>
+            <a:chOff x="2762059" y="2809139"/>
+            <a:chExt cx="2270222" cy="755733"/>
+          </a:xfrm>
+        </p:grpSpPr>
+        <p:sp>
+          <p:nvSpPr>
+            <p:cNvPr id="7" name="TextBox 6"/>
+            <p:cNvSpPr txBox="1"/>
+            <p:nvPr/>
+          </p:nvSpPr>
+          <p:spPr>
+            <a:xfrm>
+              <a:off x="2762059" y="2809139"/>
+              <a:ext cx="2270222" cy="400110"/>
+            </a:xfrm>
+            <a:prstGeom prst="rect">
+              <a:avLst/>
+            </a:prstGeom>
+            <a:solidFill>
+              <a:schemeClr val="bg1"/>
+            </a:solidFill>
+            <a:ln w="19050">
+              <a:solidFill>
+                <a:schemeClr val="tx1"/>
+              </a:solidFill>
+            </a:ln>
+          </p:spPr>
+          <p:txBody>
+            <a:bodyPr wrap="square" rtlCol="0">
+              <a:spAutoFit/>
+            </a:bodyPr>
+            <a:lstStyle/>
+            <a:p>
+              <a:r>
+                <a:rPr lang="en-US" sz="2000" dirty="0" smtClean="0"/>
+                <a:t>target = executable</a:t>
+              </a:r>
+              <a:endParaRPr lang="en-US" sz="2000" dirty="0">
+                <a:latin typeface="Courier New" panose="02070309020205020404" pitchFamily="49" charset="0"/>
+                <a:cs typeface="Courier New" panose="02070309020205020404" pitchFamily="49" charset="0"/>
+              </a:endParaRPr>
+            </a:p>
+          </p:txBody>
+        </p:sp>
+        <p:cxnSp>
+          <p:nvCxnSpPr>
+            <p:cNvPr id="8" name="Straight Arrow Connector 7"/>
+            <p:cNvCxnSpPr>
+              <a:stCxn id="7" idx="2"/>
+            </p:cNvCxnSpPr>
+            <p:nvPr/>
+          </p:nvCxnSpPr>
+          <p:spPr>
+            <a:xfrm>
+              <a:off x="3897170" y="3209249"/>
+              <a:ext cx="562899" cy="355623"/>
+            </a:xfrm>
+            <a:prstGeom prst="straightConnector1">
+              <a:avLst/>
+            </a:prstGeom>
+            <a:ln w="19050">
+              <a:solidFill>
+                <a:schemeClr val="tx1"/>
+              </a:solidFill>
+              <a:tailEnd type="stealth" w="lg" len="lg"/>
+            </a:ln>
+          </p:spPr>
+          <p:style>
+            <a:lnRef idx="1">
+              <a:schemeClr val="accent1"/>
+            </a:lnRef>
+            <a:fillRef idx="0">
+              <a:schemeClr val="accent1"/>
+            </a:fillRef>
+            <a:effectRef idx="0">
+              <a:schemeClr val="accent1"/>
+            </a:effectRef>
+            <a:fontRef idx="minor">
+              <a:schemeClr val="tx1"/>
+            </a:fontRef>
+          </p:style>
+        </p:cxnSp>
+      </p:grpSp>
+      <p:grpSp>
+        <p:nvGrpSpPr>
+          <p:cNvPr id="9" name="Group 8"/>
+          <p:cNvGrpSpPr/>
+          <p:nvPr/>
+        </p:nvGrpSpPr>
+        <p:grpSpPr>
+          <a:xfrm>
+            <a:off x="3273627" y="2364402"/>
+            <a:ext cx="2822374" cy="771642"/>
+            <a:chOff x="2762059" y="2809139"/>
+            <a:chExt cx="2822374" cy="771642"/>
+          </a:xfrm>
+        </p:grpSpPr>
+        <p:sp>
+          <p:nvSpPr>
+            <p:cNvPr id="10" name="TextBox 9"/>
+            <p:cNvSpPr txBox="1"/>
+            <p:nvPr/>
+          </p:nvSpPr>
+          <p:spPr>
+            <a:xfrm>
+              <a:off x="2762059" y="2809139"/>
+              <a:ext cx="2822374" cy="400110"/>
+            </a:xfrm>
+            <a:prstGeom prst="rect">
+              <a:avLst/>
+            </a:prstGeom>
+            <a:solidFill>
+              <a:schemeClr val="bg1"/>
+            </a:solidFill>
+            <a:ln w="19050">
+              <a:solidFill>
+                <a:schemeClr val="tx1"/>
+              </a:solidFill>
+            </a:ln>
+          </p:spPr>
+          <p:txBody>
+            <a:bodyPr wrap="square" rtlCol="0">
+              <a:spAutoFit/>
+            </a:bodyPr>
+            <a:lstStyle/>
+            <a:p>
+              <a:r>
+                <a:rPr lang="en-US" sz="2000" dirty="0" smtClean="0"/>
+                <a:t>dependency = object files</a:t>
+              </a:r>
+              <a:endParaRPr lang="en-US" sz="2000" dirty="0">
+                <a:latin typeface="Courier New" panose="02070309020205020404" pitchFamily="49" charset="0"/>
+                <a:cs typeface="Courier New" panose="02070309020205020404" pitchFamily="49" charset="0"/>
+              </a:endParaRPr>
+            </a:p>
+          </p:txBody>
+        </p:sp>
+        <p:cxnSp>
+          <p:nvCxnSpPr>
+            <p:cNvPr id="11" name="Straight Arrow Connector 10"/>
+            <p:cNvCxnSpPr>
+              <a:stCxn id="10" idx="2"/>
+            </p:cNvCxnSpPr>
+            <p:nvPr/>
+          </p:nvCxnSpPr>
+          <p:spPr>
+            <a:xfrm flipH="1">
+              <a:off x="3932613" y="3209249"/>
+              <a:ext cx="240633" cy="371532"/>
+            </a:xfrm>
+            <a:prstGeom prst="straightConnector1">
+              <a:avLst/>
+            </a:prstGeom>
+            <a:ln w="19050">
+              <a:solidFill>
+                <a:schemeClr val="tx1"/>
+              </a:solidFill>
+              <a:tailEnd type="stealth" w="lg" len="lg"/>
+            </a:ln>
+          </p:spPr>
+          <p:style>
+            <a:lnRef idx="1">
+              <a:schemeClr val="accent1"/>
+            </a:lnRef>
+            <a:fillRef idx="0">
+              <a:schemeClr val="accent1"/>
+            </a:fillRef>
+            <a:effectRef idx="0">
+              <a:schemeClr val="accent1"/>
+            </a:effectRef>
+            <a:fontRef idx="minor">
+              <a:schemeClr val="tx1"/>
+            </a:fontRef>
+          </p:style>
+        </p:cxnSp>
+      </p:grpSp>
+      <p:grpSp>
+        <p:nvGrpSpPr>
+          <p:cNvPr id="12" name="Group 11"/>
+          <p:cNvGrpSpPr/>
+          <p:nvPr/>
+        </p:nvGrpSpPr>
+        <p:grpSpPr>
+          <a:xfrm>
+            <a:off x="1189090" y="3775918"/>
+            <a:ext cx="6275155" cy="1302357"/>
+            <a:chOff x="551860" y="5584723"/>
+            <a:chExt cx="6275155" cy="1302357"/>
+          </a:xfrm>
+        </p:grpSpPr>
+        <p:sp>
+          <p:nvSpPr>
+            <p:cNvPr id="13" name="TextBox 12"/>
+            <p:cNvSpPr txBox="1"/>
+            <p:nvPr/>
+          </p:nvSpPr>
+          <p:spPr>
+            <a:xfrm>
+              <a:off x="551860" y="6302305"/>
+              <a:ext cx="6275155" cy="584775"/>
+            </a:xfrm>
+            <a:prstGeom prst="rect">
+              <a:avLst/>
+            </a:prstGeom>
+            <a:solidFill>
+              <a:schemeClr val="bg1">
+                <a:lumMod val="75000"/>
+              </a:schemeClr>
+            </a:solidFill>
+          </p:spPr>
+          <p:txBody>
+            <a:bodyPr wrap="square" rtlCol="0">
+              <a:spAutoFit/>
+            </a:bodyPr>
+            <a:lstStyle/>
+            <a:p>
+              <a:r>
+                <a:rPr lang="nn-NO" sz="1600" dirty="0" smtClean="0">
+                  <a:latin typeface="Courier New" pitchFamily="49" charset="0"/>
+                  <a:cs typeface="Courier New" pitchFamily="49" charset="0"/>
+                </a:rPr>
+                <a:t>g++  -O2 -g -Wall -stc=c++11  -o particles.exe \</a:t>
+              </a:r>
+            </a:p>
+            <a:p>
+              <a:r>
+                <a:rPr lang="nn-NO" sz="1600" dirty="0" smtClean="0">
+                  <a:latin typeface="Courier New" pitchFamily="49" charset="0"/>
+                  <a:cs typeface="Courier New" pitchFamily="49" charset="0"/>
+                </a:rPr>
+                <a:t>    particle.o main.o  -lm</a:t>
+              </a:r>
+              <a:endParaRPr lang="nn-NO" sz="1600" dirty="0">
+                <a:latin typeface="Courier New" pitchFamily="49" charset="0"/>
+                <a:cs typeface="Courier New" pitchFamily="49" charset="0"/>
+              </a:endParaRPr>
+            </a:p>
+          </p:txBody>
+        </p:sp>
+        <p:cxnSp>
+          <p:nvCxnSpPr>
+            <p:cNvPr id="14" name="Straight Arrow Connector 13"/>
+            <p:cNvCxnSpPr/>
+            <p:nvPr/>
+          </p:nvCxnSpPr>
+          <p:spPr>
+            <a:xfrm>
+              <a:off x="3087330" y="5584723"/>
+              <a:ext cx="0" cy="650452"/>
+            </a:xfrm>
+            <a:prstGeom prst="straightConnector1">
+              <a:avLst/>
+            </a:prstGeom>
+            <a:ln w="76200">
+              <a:solidFill>
+                <a:schemeClr val="tx1"/>
+              </a:solidFill>
+              <a:tailEnd type="stealth"/>
+            </a:ln>
+          </p:spPr>
+          <p:style>
+            <a:lnRef idx="1">
+              <a:schemeClr val="accent1"/>
+            </a:lnRef>
+            <a:fillRef idx="0">
+              <a:schemeClr val="accent1"/>
+            </a:fillRef>
+            <a:effectRef idx="0">
+              <a:schemeClr val="accent1"/>
+            </a:effectRef>
+            <a:fontRef idx="minor">
+              <a:schemeClr val="tx1"/>
+            </a:fontRef>
+          </p:style>
+        </p:cxnSp>
+      </p:grpSp>
+      <p:sp>
+        <p:nvSpPr>
+          <p:cNvPr id="19" name="TextBox 18"/>
+          <p:cNvSpPr txBox="1"/>
+          <p:nvPr/>
+        </p:nvSpPr>
+        <p:spPr>
+          <a:xfrm>
+            <a:off x="1189089" y="5884575"/>
+            <a:ext cx="6275155" cy="338554"/>
+          </a:xfrm>
+          <a:prstGeom prst="rect">
+            <a:avLst/>
+          </a:prstGeom>
+          <a:solidFill>
+            <a:schemeClr val="bg1">
+              <a:lumMod val="75000"/>
+            </a:schemeClr>
+          </a:solidFill>
+        </p:spPr>
+        <p:txBody>
+          <a:bodyPr wrap="square" rtlCol="0">
+            <a:spAutoFit/>
+          </a:bodyPr>
+          <a:lstStyle/>
+          <a:p>
+            <a:r>
+              <a:rPr lang="nn-NO" sz="1600" dirty="0" smtClean="0">
+                <a:latin typeface="Courier New" pitchFamily="49" charset="0"/>
+                <a:cs typeface="Courier New" pitchFamily="49" charset="0"/>
+              </a:rPr>
+              <a:t>all: particles.exe</a:t>
+            </a:r>
+            <a:endParaRPr lang="nn-NO" sz="1600" dirty="0">
+              <a:latin typeface="Courier New" pitchFamily="49" charset="0"/>
+              <a:cs typeface="Courier New" pitchFamily="49" charset="0"/>
+            </a:endParaRPr>
+          </a:p>
+        </p:txBody>
+      </p:sp>
+      <p:grpSp>
+        <p:nvGrpSpPr>
+          <p:cNvPr id="20" name="Group 19"/>
+          <p:cNvGrpSpPr/>
+          <p:nvPr/>
+        </p:nvGrpSpPr>
+        <p:grpSpPr>
+          <a:xfrm>
+            <a:off x="5931706" y="2364402"/>
+            <a:ext cx="2101249" cy="976103"/>
+            <a:chOff x="2125286" y="2809139"/>
+            <a:chExt cx="2101249" cy="976103"/>
+          </a:xfrm>
+        </p:grpSpPr>
+        <p:sp>
+          <p:nvSpPr>
+            <p:cNvPr id="21" name="TextBox 20"/>
+            <p:cNvSpPr txBox="1"/>
+            <p:nvPr/>
+          </p:nvSpPr>
+          <p:spPr>
+            <a:xfrm>
+              <a:off x="2762060" y="2809139"/>
+              <a:ext cx="1464475" cy="400110"/>
+            </a:xfrm>
+            <a:prstGeom prst="rect">
+              <a:avLst/>
+            </a:prstGeom>
+            <a:solidFill>
+              <a:schemeClr val="bg1"/>
+            </a:solidFill>
+            <a:ln w="19050">
+              <a:solidFill>
+                <a:schemeClr val="tx1"/>
+              </a:solidFill>
+            </a:ln>
+          </p:spPr>
+          <p:txBody>
+            <a:bodyPr wrap="square" rtlCol="0">
+              <a:spAutoFit/>
+            </a:bodyPr>
+            <a:lstStyle/>
+            <a:p>
+              <a:r>
+                <a:rPr lang="en-US" sz="2000" dirty="0" smtClean="0"/>
+                <a:t>action = link</a:t>
+              </a:r>
+              <a:endParaRPr lang="en-US" sz="2000" dirty="0">
+                <a:latin typeface="Courier New" panose="02070309020205020404" pitchFamily="49" charset="0"/>
+                <a:cs typeface="Courier New" panose="02070309020205020404" pitchFamily="49" charset="0"/>
+              </a:endParaRPr>
+            </a:p>
+          </p:txBody>
+        </p:sp>
+        <p:cxnSp>
+          <p:nvCxnSpPr>
+            <p:cNvPr id="22" name="Straight Arrow Connector 21"/>
+            <p:cNvCxnSpPr>
+              <a:stCxn id="21" idx="2"/>
+            </p:cNvCxnSpPr>
+            <p:nvPr/>
+          </p:nvCxnSpPr>
+          <p:spPr>
+            <a:xfrm flipH="1">
+              <a:off x="2125286" y="3209249"/>
+              <a:ext cx="1369012" cy="575993"/>
+            </a:xfrm>
+            <a:prstGeom prst="straightConnector1">
+              <a:avLst/>
+            </a:prstGeom>
+            <a:ln w="19050">
+              <a:solidFill>
+                <a:schemeClr val="tx1"/>
+              </a:solidFill>
+              <a:tailEnd type="stealth" w="lg" len="lg"/>
+            </a:ln>
+          </p:spPr>
+          <p:style>
+            <a:lnRef idx="1">
+              <a:schemeClr val="accent1"/>
+            </a:lnRef>
+            <a:fillRef idx="0">
+              <a:schemeClr val="accent1"/>
+            </a:fillRef>
+            <a:effectRef idx="0">
+              <a:schemeClr val="accent1"/>
+            </a:effectRef>
+            <a:fontRef idx="minor">
+              <a:schemeClr val="tx1"/>
+            </a:fontRef>
+          </p:style>
+        </p:cxnSp>
+      </p:grpSp>
+    </p:spTree>
+    <p:extLst>
+      <p:ext uri="{BB962C8B-B14F-4D97-AF65-F5344CB8AC3E}">
+        <p14:creationId xmlns:p14="http://schemas.microsoft.com/office/powerpoint/2010/main" val="3269703699"/>
+      </p:ext>
+    </p:extLst>
+  </p:cSld>
+  <p:clrMapOvr>
+    <a:masterClrMapping/>
+  </p:clrMapOvr>
+  <p:timing>
+    <p:tnLst>
+      <p:par>
+        <p:cTn id="1" dur="indefinite" restart="never" nodeType="tmRoot">
+          <p:childTnLst>
+            <p:seq concurrent="1" nextAc="seek">
+              <p:cTn id="2" dur="indefinite" nodeType="mainSeq">
+                <p:childTnLst>
+                  <p:par>
+                    <p:cTn id="3" fill="hold">
+                      <p:stCondLst>
+                        <p:cond delay="indefinite"/>
+                        <p:cond evt="onBegin" delay="0">
+                          <p:tn val="2"/>
+                        </p:cond>
+                      </p:stCondLst>
+                      <p:childTnLst>
+                        <p:par>
+                          <p:cTn id="4" fill="hold">
+                            <p:stCondLst>
+                              <p:cond delay="0"/>
+                            </p:stCondLst>
+                            <p:childTnLst>
+                              <p:par>
+                                <p:cTn id="5" presetID="1" presetClass="entr" presetSubtype="0" fill="hold" grpId="0" nodeType="withEffect">
+                                  <p:stCondLst>
+                                    <p:cond delay="0"/>
+                                  </p:stCondLst>
+                                  <p:childTnLst>
+                                    <p:set>
+                                      <p:cBhvr>
+                                        <p:cTn id="6" dur="1" fill="hold">
+                                          <p:stCondLst>
+                                            <p:cond delay="0"/>
+                                          </p:stCondLst>
+                                        </p:cTn>
+                                        <p:tgtEl>
+                                          <p:spTgt spid="3">
+                                            <p:txEl>
+                                              <p:pRg st="0" end="0"/>
+                                            </p:txEl>
+                                          </p:spTgt>
+                                        </p:tgtEl>
+                                        <p:attrNameLst>
+                                          <p:attrName>style.visibility</p:attrName>
+                                        </p:attrNameLst>
+                                      </p:cBhvr>
+                                      <p:to>
+                                        <p:strVal val="visible"/>
+                                      </p:to>
+                                    </p:set>
+                                  </p:childTnLst>
+                                </p:cTn>
+                              </p:par>
+                            </p:childTnLst>
+                          </p:cTn>
+                        </p:par>
+                      </p:childTnLst>
+                    </p:cTn>
+                  </p:par>
+                  <p:par>
+                    <p:cTn id="7" fill="hold">
+                      <p:stCondLst>
+                        <p:cond delay="indefinite"/>
+                      </p:stCondLst>
+                      <p:childTnLst>
+                        <p:par>
+                          <p:cTn id="8" fill="hold">
+                            <p:stCondLst>
+                              <p:cond delay="0"/>
+                            </p:stCondLst>
+                            <p:childTnLst>
+                              <p:par>
+                                <p:cTn id="9" presetID="1" presetClass="entr" presetSubtype="0" fill="hold" nodeType="clickEffect">
+                                  <p:stCondLst>
+                                    <p:cond delay="0"/>
+                                  </p:stCondLst>
+                                  <p:childTnLst>
+                                    <p:set>
+                                      <p:cBhvr>
+                                        <p:cTn id="10" dur="1" fill="hold">
+                                          <p:stCondLst>
+                                            <p:cond delay="0"/>
+                                          </p:stCondLst>
+                                        </p:cTn>
+                                        <p:tgtEl>
+                                          <p:spTgt spid="6"/>
+                                        </p:tgtEl>
+                                        <p:attrNameLst>
+                                          <p:attrName>style.visibility</p:attrName>
+                                        </p:attrNameLst>
+                                      </p:cBhvr>
+                                      <p:to>
+                                        <p:strVal val="visible"/>
+                                      </p:to>
+                                    </p:set>
+                                  </p:childTnLst>
+                                </p:cTn>
+                              </p:par>
+                            </p:childTnLst>
+                          </p:cTn>
+                        </p:par>
+                      </p:childTnLst>
+                    </p:cTn>
+                  </p:par>
+                  <p:par>
+                    <p:cTn id="11" fill="hold">
+                      <p:stCondLst>
+                        <p:cond delay="indefinite"/>
+                      </p:stCondLst>
+                      <p:childTnLst>
+                        <p:par>
+                          <p:cTn id="12" fill="hold">
+                            <p:stCondLst>
+                              <p:cond delay="0"/>
+                            </p:stCondLst>
+                            <p:childTnLst>
+                              <p:par>
+                                <p:cTn id="13" presetID="1" presetClass="entr" presetSubtype="0" fill="hold" nodeType="clickEffect">
+                                  <p:stCondLst>
+                                    <p:cond delay="0"/>
+                                  </p:stCondLst>
+                                  <p:childTnLst>
+                                    <p:set>
+                                      <p:cBhvr>
+                                        <p:cTn id="14" dur="1" fill="hold">
+                                          <p:stCondLst>
+                                            <p:cond delay="0"/>
+                                          </p:stCondLst>
+                                        </p:cTn>
+                                        <p:tgtEl>
+                                          <p:spTgt spid="9"/>
+                                        </p:tgtEl>
+                                        <p:attrNameLst>
+                                          <p:attrName>style.visibility</p:attrName>
+                                        </p:attrNameLst>
+                                      </p:cBhvr>
+                                      <p:to>
+                                        <p:strVal val="visible"/>
+                                      </p:to>
+                                    </p:set>
+                                  </p:childTnLst>
+                                </p:cTn>
+                              </p:par>
+                            </p:childTnLst>
+                          </p:cTn>
+                        </p:par>
+                      </p:childTnLst>
+                    </p:cTn>
+                  </p:par>
+                  <p:par>
+                    <p:cTn id="15" fill="hold">
+                      <p:stCondLst>
+                        <p:cond delay="indefinite"/>
+                      </p:stCondLst>
+                      <p:childTnLst>
+                        <p:par>
+                          <p:cTn id="16" fill="hold">
+                            <p:stCondLst>
+                              <p:cond delay="0"/>
+                            </p:stCondLst>
+                            <p:childTnLst>
+                              <p:par>
+                                <p:cTn id="17" presetID="1" presetClass="entr" presetSubtype="0" fill="hold" nodeType="clickEffect">
+                                  <p:stCondLst>
+                                    <p:cond delay="0"/>
+                                  </p:stCondLst>
+                                  <p:childTnLst>
+                                    <p:set>
+                                      <p:cBhvr>
+                                        <p:cTn id="18" dur="1" fill="hold">
+                                          <p:stCondLst>
+                                            <p:cond delay="0"/>
+                                          </p:stCondLst>
+                                        </p:cTn>
+                                        <p:tgtEl>
+                                          <p:spTgt spid="20"/>
+                                        </p:tgtEl>
+                                        <p:attrNameLst>
+                                          <p:attrName>style.visibility</p:attrName>
+                                        </p:attrNameLst>
+                                      </p:cBhvr>
+                                      <p:to>
+                                        <p:strVal val="visible"/>
+                                      </p:to>
+                                    </p:set>
+                                  </p:childTnLst>
+                                </p:cTn>
+                              </p:par>
+                            </p:childTnLst>
+                          </p:cTn>
+                        </p:par>
+                      </p:childTnLst>
+                    </p:cTn>
+                  </p:par>
+                  <p:par>
+                    <p:cTn id="19" fill="hold">
+                      <p:stCondLst>
+                        <p:cond delay="indefinite"/>
+                      </p:stCondLst>
+                      <p:childTnLst>
+                        <p:par>
+                          <p:cTn id="20" fill="hold">
+                            <p:stCondLst>
+                              <p:cond delay="0"/>
+                            </p:stCondLst>
+                            <p:childTnLst>
+                              <p:par>
+                                <p:cTn id="21" presetID="1" presetClass="entr" presetSubtype="0" fill="hold" nodeType="clickEffect">
+                                  <p:stCondLst>
+                                    <p:cond delay="0"/>
+                                  </p:stCondLst>
+                                  <p:childTnLst>
+                                    <p:set>
+                                      <p:cBhvr>
+                                        <p:cTn id="22" dur="1" fill="hold">
+                                          <p:stCondLst>
+                                            <p:cond delay="0"/>
+                                          </p:stCondLst>
+                                        </p:cTn>
+                                        <p:tgtEl>
+                                          <p:spTgt spid="12"/>
+                                        </p:tgtEl>
+                                        <p:attrNameLst>
+                                          <p:attrName>style.visibility</p:attrName>
+                                        </p:attrNameLst>
+                                      </p:cBhvr>
+                                      <p:to>
+                                        <p:strVal val="visible"/>
+                                      </p:to>
+                                    </p:set>
+                                  </p:childTnLst>
+                                </p:cTn>
+                              </p:par>
+                            </p:childTnLst>
+                          </p:cTn>
+                        </p:par>
+                      </p:childTnLst>
+                    </p:cTn>
+                  </p:par>
+                  <p:par>
+                    <p:cTn id="23" fill="hold">
+                      <p:stCondLst>
+                        <p:cond delay="indefinite"/>
+                      </p:stCondLst>
+                      <p:childTnLst>
+                        <p:par>
+                          <p:cTn id="24" fill="hold">
+                            <p:stCondLst>
+                              <p:cond delay="0"/>
+                            </p:stCondLst>
+                            <p:childTnLst>
+                              <p:par>
+                                <p:cTn id="25" presetID="1" presetClass="entr" presetSubtype="0" fill="hold" grpId="0" nodeType="clickEffect">
+                                  <p:stCondLst>
+                                    <p:cond delay="0"/>
+                                  </p:stCondLst>
+                                  <p:childTnLst>
+                                    <p:set>
+                                      <p:cBhvr>
+                                        <p:cTn id="26" dur="1" fill="hold">
+                                          <p:stCondLst>
+                                            <p:cond delay="0"/>
+                                          </p:stCondLst>
+                                        </p:cTn>
+                                        <p:tgtEl>
+                                          <p:spTgt spid="3">
+                                            <p:txEl>
+                                              <p:pRg st="7" end="7"/>
+                                            </p:txEl>
+                                          </p:spTgt>
+                                        </p:tgtEl>
+                                        <p:attrNameLst>
+                                          <p:attrName>style.visibility</p:attrName>
+                                        </p:attrNameLst>
+                                      </p:cBhvr>
+                                      <p:to>
+                                        <p:strVal val="visible"/>
+                                      </p:to>
+                                    </p:set>
+                                  </p:childTnLst>
+                                </p:cTn>
+                              </p:par>
+                              <p:par>
+                                <p:cTn id="27" presetID="1" presetClass="entr" presetSubtype="0" fill="hold" grpId="0" nodeType="withEffect">
+                                  <p:stCondLst>
+                                    <p:cond delay="0"/>
+                                  </p:stCondLst>
+                                  <p:childTnLst>
+                                    <p:set>
+                                      <p:cBhvr>
+                                        <p:cTn id="28" dur="1" fill="hold">
+                                          <p:stCondLst>
+                                            <p:cond delay="0"/>
+                                          </p:stCondLst>
+                                        </p:cTn>
+                                        <p:tgtEl>
+                                          <p:spTgt spid="19"/>
+                                        </p:tgtEl>
+                                        <p:attrNameLst>
+                                          <p:attrName>style.visibility</p:attrName>
+                                        </p:attrNameLst>
+                                      </p:cBhvr>
+                                      <p:to>
+                                        <p:strVal val="visible"/>
+                                      </p:to>
+                                    </p:set>
+                                  </p:childTnLst>
+                                </p:cTn>
+                              </p:par>
+                            </p:childTnLst>
+                          </p:cTn>
+                        </p:par>
+                      </p:childTnLst>
+                    </p:cTn>
+                  </p:par>
+                </p:childTnLst>
+              </p:cTn>
+              <p:prevCondLst>
+                <p:cond evt="onPrev" delay="0">
+                  <p:tgtEl>
+                    <p:sldTgt/>
+                  </p:tgtEl>
+                </p:cond>
+              </p:prevCondLst>
+              <p:nextCondLst>
+                <p:cond evt="onNext" delay="0">
+                  <p:tgtEl>
+                    <p:sldTgt/>
+                  </p:tgtEl>
+                </p:cond>
+              </p:nextCondLst>
+            </p:seq>
+          </p:childTnLst>
+        </p:cTn>
+      </p:par>
+    </p:tnLst>
+    <p:bldLst>
+      <p:bldP spid="3" grpId="0" uiExpand="1" build="p"/>
+      <p:bldP spid="19" grpId="0" animBg="1"/>
+    </p:bldLst>
+  </p:timing>
+</p:sld>
+</file>
+
+<file path=ppt/slides/slide11.xml><?xml version="1.0" encoding="utf-8"?>
+<p:sld xmlns:a="http://schemas.openxmlformats.org/drawingml/2006/main" xmlns:r="http://schemas.openxmlformats.org/officeDocument/2006/relationships" xmlns:p="http://schemas.openxmlformats.org/presentationml/2006/main">
+  <p:cSld>
+    <p:spTree>
+      <p:nvGrpSpPr>
+        <p:cNvPr id="1" name=""/>
+        <p:cNvGrpSpPr/>
+        <p:nvPr/>
+      </p:nvGrpSpPr>
+      <p:grpSpPr>
+        <a:xfrm>
+          <a:off x="0" y="0"/>
+          <a:ext cx="0" cy="0"/>
+          <a:chOff x="0" y="0"/>
+          <a:chExt cx="0" cy="0"/>
+        </a:xfrm>
+      </p:grpSpPr>
+      <p:sp>
+        <p:nvSpPr>
+          <p:cNvPr id="2" name="Title 1"/>
+          <p:cNvSpPr>
+            <a:spLocks noGrp="1"/>
+          </p:cNvSpPr>
+          <p:nvPr>
+            <p:ph type="title"/>
+          </p:nvPr>
+        </p:nvSpPr>
+        <p:spPr/>
+        <p:txBody>
+          <a:bodyPr/>
+          <a:lstStyle/>
+          <a:p>
+            <a:r>
+              <a:rPr lang="en-US" dirty="0" smtClean="0"/>
+              <a:t>Using make</a:t>
+            </a:r>
+            <a:endParaRPr lang="en-US" dirty="0"/>
+          </a:p>
+        </p:txBody>
+      </p:sp>
+      <p:sp>
+        <p:nvSpPr>
+          <p:cNvPr id="3" name="Content Placeholder 2"/>
+          <p:cNvSpPr>
+            <a:spLocks noGrp="1"/>
+          </p:cNvSpPr>
+          <p:nvPr>
+            <p:ph idx="1"/>
+          </p:nvPr>
+        </p:nvSpPr>
+        <p:spPr/>
+        <p:txBody>
+          <a:bodyPr/>
+          <a:lstStyle/>
+          <a:p>
+            <a:endParaRPr lang="en-US"/>
+          </a:p>
+        </p:txBody>
+      </p:sp>
+      <p:sp>
+        <p:nvSpPr>
+          <p:cNvPr id="4" name="Slide Number Placeholder 3"/>
+          <p:cNvSpPr>
+            <a:spLocks noGrp="1"/>
+          </p:cNvSpPr>
+          <p:nvPr>
+            <p:ph type="sldNum" sz="quarter" idx="12"/>
+          </p:nvPr>
+        </p:nvSpPr>
+        <p:spPr/>
+        <p:txBody>
+          <a:bodyPr/>
+          <a:lstStyle/>
+          <a:p>
+            <a:fld id="{2F8BA72C-5DC7-4014-AC42-C5F5AAAF9B79}" type="slidenum">
+              <a:rPr lang="en-US" smtClean="0"/>
+              <a:t>11</a:t>
+            </a:fld>
+            <a:endParaRPr lang="en-US"/>
+          </a:p>
+        </p:txBody>
+      </p:sp>
+    </p:spTree>
+    <p:extLst>
+      <p:ext uri="{BB962C8B-B14F-4D97-AF65-F5344CB8AC3E}">
+        <p14:creationId xmlns:p14="http://schemas.microsoft.com/office/powerpoint/2010/main" val="1737809427"/>
+      </p:ext>
+    </p:extLst>
+  </p:cSld>
+  <p:clrMapOvr>
+    <a:masterClrMapping/>
+  </p:clrMapOvr>
+  <p:timing>
+    <p:tnLst>
+      <p:par>
+        <p:cTn id="1" dur="indefinite" restart="never" nodeType="tmRoot"/>
+      </p:par>
+    </p:tnLst>
+  </p:timing>
+</p:sld>
+</file>
+
 <file path=ppt/slides/slide2.xml><?xml version="1.0" encoding="utf-8"?>
 <p:sld xmlns:a="http://schemas.openxmlformats.org/drawingml/2006/main" xmlns:r="http://schemas.openxmlformats.org/officeDocument/2006/relationships" xmlns:p="http://schemas.openxmlformats.org/presentationml/2006/main">
   <p:cSld>
@@ -3882,6 +4919,13 @@
   <p:clrMapOvr>
     <a:masterClrMapping/>
   </p:clrMapOvr>
+  <p:timing>
+    <p:tnLst>
+      <p:par>
+        <p:cTn id="1" dur="indefinite" restart="never" nodeType="tmRoot"/>
+      </p:par>
+    </p:tnLst>
+  </p:timing>
 </p:sld>
 </file>
 
@@ -4854,6 +5898,4955 @@
         </p:cTn>
       </p:par>
     </p:tnLst>
+  </p:timing>
+</p:sld>
+</file>
+
+<file path=ppt/slides/slide6.xml><?xml version="1.0" encoding="utf-8"?>
+<p:sld xmlns:a="http://schemas.openxmlformats.org/drawingml/2006/main" xmlns:r="http://schemas.openxmlformats.org/officeDocument/2006/relationships" xmlns:p="http://schemas.openxmlformats.org/presentationml/2006/main">
+  <p:cSld>
+    <p:spTree>
+      <p:nvGrpSpPr>
+        <p:cNvPr id="1" name=""/>
+        <p:cNvGrpSpPr/>
+        <p:nvPr/>
+      </p:nvGrpSpPr>
+      <p:grpSpPr>
+        <a:xfrm>
+          <a:off x="0" y="0"/>
+          <a:ext cx="0" cy="0"/>
+          <a:chOff x="0" y="0"/>
+          <a:chExt cx="0" cy="0"/>
+        </a:xfrm>
+      </p:grpSpPr>
+      <p:sp>
+        <p:nvSpPr>
+          <p:cNvPr id="2" name="Title 1"/>
+          <p:cNvSpPr>
+            <a:spLocks noGrp="1"/>
+          </p:cNvSpPr>
+          <p:nvPr>
+            <p:ph type="title"/>
+          </p:nvPr>
+        </p:nvSpPr>
+        <p:spPr/>
+        <p:txBody>
+          <a:bodyPr/>
+          <a:lstStyle/>
+          <a:p>
+            <a:r>
+              <a:rPr lang="en-US" dirty="0" smtClean="0"/>
+              <a:t>Using the class</a:t>
+            </a:r>
+            <a:endParaRPr lang="en-US" dirty="0"/>
+          </a:p>
+        </p:txBody>
+      </p:sp>
+      <p:sp>
+        <p:nvSpPr>
+          <p:cNvPr id="3" name="Slide Number Placeholder 2"/>
+          <p:cNvSpPr>
+            <a:spLocks noGrp="1"/>
+          </p:cNvSpPr>
+          <p:nvPr>
+            <p:ph type="sldNum" sz="quarter" idx="12"/>
+          </p:nvPr>
+        </p:nvSpPr>
+        <p:spPr/>
+        <p:txBody>
+          <a:bodyPr/>
+          <a:lstStyle/>
+          <a:p>
+            <a:fld id="{2F8BA72C-5DC7-4014-AC42-C5F5AAAF9B79}" type="slidenum">
+              <a:rPr lang="en-US" smtClean="0"/>
+              <a:t>6</a:t>
+            </a:fld>
+            <a:endParaRPr lang="en-US"/>
+          </a:p>
+        </p:txBody>
+      </p:sp>
+      <p:grpSp>
+        <p:nvGrpSpPr>
+          <p:cNvPr id="4" name="Group 3"/>
+          <p:cNvGrpSpPr/>
+          <p:nvPr/>
+        </p:nvGrpSpPr>
+        <p:grpSpPr>
+          <a:xfrm>
+            <a:off x="628650" y="1825625"/>
+            <a:ext cx="6672417" cy="2800767"/>
+            <a:chOff x="628650" y="1825625"/>
+            <a:chExt cx="6672417" cy="2800767"/>
+          </a:xfrm>
+        </p:grpSpPr>
+        <p:sp>
+          <p:nvSpPr>
+            <p:cNvPr id="5" name="TextBox 4"/>
+            <p:cNvSpPr txBox="1"/>
+            <p:nvPr/>
+          </p:nvSpPr>
+          <p:spPr>
+            <a:xfrm>
+              <a:off x="628650" y="1825625"/>
+              <a:ext cx="6672417" cy="2800767"/>
+            </a:xfrm>
+            <a:prstGeom prst="rect">
+              <a:avLst/>
+            </a:prstGeom>
+            <a:solidFill>
+              <a:schemeClr val="bg1">
+                <a:lumMod val="75000"/>
+              </a:schemeClr>
+            </a:solidFill>
+          </p:spPr>
+          <p:txBody>
+            <a:bodyPr wrap="square" rtlCol="0">
+              <a:spAutoFit/>
+            </a:bodyPr>
+            <a:lstStyle/>
+            <a:p>
+              <a:r>
+                <a:rPr lang="nn-NO" sz="1600" dirty="0" smtClean="0">
+                  <a:latin typeface="Courier New" pitchFamily="49" charset="0"/>
+                  <a:cs typeface="Courier New" pitchFamily="49" charset="0"/>
+                </a:rPr>
+                <a:t>#include &lt;iostream&gt;</a:t>
+              </a:r>
+            </a:p>
+            <a:p>
+              <a:r>
+                <a:rPr lang="nn-NO" sz="1600" b="1" dirty="0" smtClean="0">
+                  <a:solidFill>
+                    <a:srgbClr val="C00000"/>
+                  </a:solidFill>
+                  <a:latin typeface="Courier New" pitchFamily="49" charset="0"/>
+                  <a:cs typeface="Courier New" pitchFamily="49" charset="0"/>
+                </a:rPr>
+                <a:t>#</a:t>
+              </a:r>
+              <a:r>
+                <a:rPr lang="nn-NO" sz="1600" b="1" dirty="0">
+                  <a:solidFill>
+                    <a:srgbClr val="C00000"/>
+                  </a:solidFill>
+                  <a:latin typeface="Courier New" pitchFamily="49" charset="0"/>
+                  <a:cs typeface="Courier New" pitchFamily="49" charset="0"/>
+                </a:rPr>
+                <a:t>include "particle.h"</a:t>
+              </a:r>
+            </a:p>
+            <a:p>
+              <a:r>
+                <a:rPr lang="nn-NO" sz="1600" dirty="0" smtClean="0">
+                  <a:latin typeface="Courier New" pitchFamily="49" charset="0"/>
+                  <a:cs typeface="Courier New" pitchFamily="49" charset="0"/>
+                </a:rPr>
+                <a:t>using </a:t>
+              </a:r>
+              <a:r>
+                <a:rPr lang="nn-NO" sz="1600" dirty="0">
+                  <a:latin typeface="Courier New" pitchFamily="49" charset="0"/>
+                  <a:cs typeface="Courier New" pitchFamily="49" charset="0"/>
+                </a:rPr>
+                <a:t>namespace std;</a:t>
+              </a:r>
+            </a:p>
+            <a:p>
+              <a:endParaRPr lang="nn-NO" sz="1600" dirty="0">
+                <a:latin typeface="Courier New" pitchFamily="49" charset="0"/>
+                <a:cs typeface="Courier New" pitchFamily="49" charset="0"/>
+              </a:endParaRPr>
+            </a:p>
+            <a:p>
+              <a:r>
+                <a:rPr lang="nn-NO" sz="1600" dirty="0" smtClean="0">
+                  <a:latin typeface="Courier New" pitchFamily="49" charset="0"/>
+                  <a:cs typeface="Courier New" pitchFamily="49" charset="0"/>
+                </a:rPr>
+                <a:t>int main() {</a:t>
+              </a:r>
+            </a:p>
+            <a:p>
+              <a:r>
+                <a:rPr lang="nn-NO" sz="1600" dirty="0">
+                  <a:latin typeface="Courier New" pitchFamily="49" charset="0"/>
+                  <a:cs typeface="Courier New" pitchFamily="49" charset="0"/>
+                </a:rPr>
+                <a:t> </a:t>
+              </a:r>
+              <a:r>
+                <a:rPr lang="nn-NO" sz="1600" dirty="0" smtClean="0">
+                  <a:latin typeface="Courier New" pitchFamily="49" charset="0"/>
+                  <a:cs typeface="Courier New" pitchFamily="49" charset="0"/>
+                </a:rPr>
+                <a:t>   Particle p(0.0, 0.0, 0.0, 1.0);</a:t>
+              </a:r>
+            </a:p>
+            <a:p>
+              <a:r>
+                <a:rPr lang="nn-NO" sz="1600" dirty="0">
+                  <a:latin typeface="Courier New" pitchFamily="49" charset="0"/>
+                  <a:cs typeface="Courier New" pitchFamily="49" charset="0"/>
+                </a:rPr>
+                <a:t> </a:t>
+              </a:r>
+              <a:r>
+                <a:rPr lang="nn-NO" sz="1600" dirty="0" smtClean="0">
+                  <a:latin typeface="Courier New" pitchFamily="49" charset="0"/>
+                  <a:cs typeface="Courier New" pitchFamily="49" charset="0"/>
+                </a:rPr>
+                <a:t>   p.move(0.3, 0.5, 0.7);</a:t>
+              </a:r>
+            </a:p>
+            <a:p>
+              <a:r>
+                <a:rPr lang="nn-NO" sz="1600" dirty="0">
+                  <a:latin typeface="Courier New" pitchFamily="49" charset="0"/>
+                  <a:cs typeface="Courier New" pitchFamily="49" charset="0"/>
+                </a:rPr>
+                <a:t> </a:t>
+              </a:r>
+              <a:r>
+                <a:rPr lang="nn-NO" sz="1600" dirty="0" smtClean="0">
+                  <a:latin typeface="Courier New" pitchFamily="49" charset="0"/>
+                  <a:cs typeface="Courier New" pitchFamily="49" charset="0"/>
+                </a:rPr>
+                <a:t>   cout &lt;&lt; p.x() &lt;&lt; ", " &lt;&lt; p.y() &lt;&lt; ", "</a:t>
+              </a:r>
+            </a:p>
+            <a:p>
+              <a:r>
+                <a:rPr lang="nn-NO" sz="1600" dirty="0">
+                  <a:latin typeface="Courier New" pitchFamily="49" charset="0"/>
+                  <a:cs typeface="Courier New" pitchFamily="49" charset="0"/>
+                </a:rPr>
+                <a:t> </a:t>
+              </a:r>
+              <a:r>
+                <a:rPr lang="nn-NO" sz="1600" dirty="0" smtClean="0">
+                  <a:latin typeface="Courier New" pitchFamily="49" charset="0"/>
+                  <a:cs typeface="Courier New" pitchFamily="49" charset="0"/>
+                </a:rPr>
+                <a:t>        &lt;&lt; p.z() &lt;&lt; endl;</a:t>
+              </a:r>
+            </a:p>
+            <a:p>
+              <a:r>
+                <a:rPr lang="nn-NO" sz="1600" dirty="0">
+                  <a:latin typeface="Courier New" pitchFamily="49" charset="0"/>
+                  <a:cs typeface="Courier New" pitchFamily="49" charset="0"/>
+                </a:rPr>
+                <a:t> </a:t>
+              </a:r>
+              <a:r>
+                <a:rPr lang="nn-NO" sz="1600" dirty="0" smtClean="0">
+                  <a:latin typeface="Courier New" pitchFamily="49" charset="0"/>
+                  <a:cs typeface="Courier New" pitchFamily="49" charset="0"/>
+                </a:rPr>
+                <a:t>   return 0</a:t>
+              </a:r>
+              <a:endParaRPr lang="nn-NO" sz="1600" dirty="0">
+                <a:latin typeface="Courier New" pitchFamily="49" charset="0"/>
+                <a:cs typeface="Courier New" pitchFamily="49" charset="0"/>
+              </a:endParaRPr>
+            </a:p>
+            <a:p>
+              <a:r>
+                <a:rPr lang="nn-NO" sz="1600" dirty="0" smtClean="0">
+                  <a:latin typeface="Courier New" pitchFamily="49" charset="0"/>
+                  <a:cs typeface="Courier New" pitchFamily="49" charset="0"/>
+                </a:rPr>
+                <a:t>}</a:t>
+              </a:r>
+              <a:endParaRPr lang="nn-NO" sz="1600" dirty="0">
+                <a:latin typeface="Courier New" pitchFamily="49" charset="0"/>
+                <a:cs typeface="Courier New" pitchFamily="49" charset="0"/>
+              </a:endParaRPr>
+            </a:p>
+          </p:txBody>
+        </p:sp>
+        <p:sp>
+          <p:nvSpPr>
+            <p:cNvPr id="6" name="TextBox 5"/>
+            <p:cNvSpPr txBox="1"/>
+            <p:nvPr/>
+          </p:nvSpPr>
+          <p:spPr>
+            <a:xfrm>
+              <a:off x="6353808" y="1825625"/>
+              <a:ext cx="928459" cy="276999"/>
+            </a:xfrm>
+            <a:prstGeom prst="rect">
+              <a:avLst/>
+            </a:prstGeom>
+            <a:solidFill>
+              <a:schemeClr val="bg1"/>
+            </a:solidFill>
+            <a:ln>
+              <a:solidFill>
+                <a:schemeClr val="tx1"/>
+              </a:solidFill>
+            </a:ln>
+          </p:spPr>
+          <p:txBody>
+            <a:bodyPr wrap="none" rtlCol="0">
+              <a:spAutoFit/>
+            </a:bodyPr>
+            <a:lstStyle/>
+            <a:p>
+              <a:r>
+                <a:rPr lang="en-US" sz="1200" dirty="0" smtClean="0">
+                  <a:latin typeface="Courier New" panose="02070309020205020404" pitchFamily="49" charset="0"/>
+                  <a:cs typeface="Courier New" panose="02070309020205020404" pitchFamily="49" charset="0"/>
+                </a:rPr>
+                <a:t>main.cpp</a:t>
+              </a:r>
+              <a:endParaRPr lang="en-US" sz="1200" dirty="0">
+                <a:latin typeface="Courier New" panose="02070309020205020404" pitchFamily="49" charset="0"/>
+                <a:cs typeface="Courier New" panose="02070309020205020404" pitchFamily="49" charset="0"/>
+              </a:endParaRPr>
+            </a:p>
+          </p:txBody>
+        </p:sp>
+      </p:grpSp>
+      <p:grpSp>
+        <p:nvGrpSpPr>
+          <p:cNvPr id="7" name="Group 6"/>
+          <p:cNvGrpSpPr/>
+          <p:nvPr/>
+        </p:nvGrpSpPr>
+        <p:grpSpPr>
+          <a:xfrm>
+            <a:off x="3333138" y="2275903"/>
+            <a:ext cx="3254476" cy="406521"/>
+            <a:chOff x="421568" y="2783993"/>
+            <a:chExt cx="3254476" cy="406521"/>
+          </a:xfrm>
+        </p:grpSpPr>
+        <p:sp>
+          <p:nvSpPr>
+            <p:cNvPr id="8" name="TextBox 7"/>
+            <p:cNvSpPr txBox="1"/>
+            <p:nvPr/>
+          </p:nvSpPr>
+          <p:spPr>
+            <a:xfrm>
+              <a:off x="1748722" y="2790404"/>
+              <a:ext cx="1927322" cy="400110"/>
+            </a:xfrm>
+            <a:prstGeom prst="rect">
+              <a:avLst/>
+            </a:prstGeom>
+            <a:solidFill>
+              <a:schemeClr val="bg1"/>
+            </a:solidFill>
+            <a:ln w="19050">
+              <a:solidFill>
+                <a:srgbClr val="C00000"/>
+              </a:solidFill>
+            </a:ln>
+          </p:spPr>
+          <p:txBody>
+            <a:bodyPr wrap="square" rtlCol="0">
+              <a:spAutoFit/>
+            </a:bodyPr>
+            <a:lstStyle/>
+            <a:p>
+              <a:r>
+                <a:rPr lang="en-US" sz="2000" dirty="0" smtClean="0">
+                  <a:solidFill>
+                    <a:srgbClr val="C00000"/>
+                  </a:solidFill>
+                </a:rPr>
+                <a:t>class declaration</a:t>
+              </a:r>
+              <a:endParaRPr lang="en-US" sz="2000" dirty="0">
+                <a:solidFill>
+                  <a:srgbClr val="C00000"/>
+                </a:solidFill>
+                <a:latin typeface="Courier New" panose="02070309020205020404" pitchFamily="49" charset="0"/>
+                <a:cs typeface="Courier New" panose="02070309020205020404" pitchFamily="49" charset="0"/>
+              </a:endParaRPr>
+            </a:p>
+          </p:txBody>
+        </p:sp>
+        <p:cxnSp>
+          <p:nvCxnSpPr>
+            <p:cNvPr id="9" name="Straight Arrow Connector 8"/>
+            <p:cNvCxnSpPr>
+              <a:stCxn id="8" idx="1"/>
+            </p:cNvCxnSpPr>
+            <p:nvPr/>
+          </p:nvCxnSpPr>
+          <p:spPr>
+            <a:xfrm flipH="1" flipV="1">
+              <a:off x="421568" y="2783993"/>
+              <a:ext cx="1327154" cy="206466"/>
+            </a:xfrm>
+            <a:prstGeom prst="straightConnector1">
+              <a:avLst/>
+            </a:prstGeom>
+            <a:ln w="19050">
+              <a:solidFill>
+                <a:srgbClr val="C00000"/>
+              </a:solidFill>
+              <a:tailEnd type="stealth" w="lg" len="lg"/>
+            </a:ln>
+          </p:spPr>
+          <p:style>
+            <a:lnRef idx="1">
+              <a:schemeClr val="accent1"/>
+            </a:lnRef>
+            <a:fillRef idx="0">
+              <a:schemeClr val="accent1"/>
+            </a:fillRef>
+            <a:effectRef idx="0">
+              <a:schemeClr val="accent1"/>
+            </a:effectRef>
+            <a:fontRef idx="minor">
+              <a:schemeClr val="tx1"/>
+            </a:fontRef>
+          </p:style>
+        </p:cxnSp>
+      </p:grpSp>
+    </p:spTree>
+    <p:extLst>
+      <p:ext uri="{BB962C8B-B14F-4D97-AF65-F5344CB8AC3E}">
+        <p14:creationId xmlns:p14="http://schemas.microsoft.com/office/powerpoint/2010/main" val="1105856755"/>
+      </p:ext>
+    </p:extLst>
+  </p:cSld>
+  <p:clrMapOvr>
+    <a:masterClrMapping/>
+  </p:clrMapOvr>
+  <p:timing>
+    <p:tnLst>
+      <p:par>
+        <p:cTn id="1" dur="indefinite" restart="never" nodeType="tmRoot">
+          <p:childTnLst>
+            <p:seq concurrent="1" nextAc="seek">
+              <p:cTn id="2" dur="indefinite" nodeType="mainSeq">
+                <p:childTnLst>
+                  <p:par>
+                    <p:cTn id="3" fill="hold">
+                      <p:stCondLst>
+                        <p:cond delay="indefinite"/>
+                      </p:stCondLst>
+                      <p:childTnLst>
+                        <p:par>
+                          <p:cTn id="4" fill="hold">
+                            <p:stCondLst>
+                              <p:cond delay="0"/>
+                            </p:stCondLst>
+                            <p:childTnLst>
+                              <p:par>
+                                <p:cTn id="5" presetID="1" presetClass="entr" presetSubtype="0" fill="hold" nodeType="clickEffect">
+                                  <p:stCondLst>
+                                    <p:cond delay="0"/>
+                                  </p:stCondLst>
+                                  <p:childTnLst>
+                                    <p:set>
+                                      <p:cBhvr>
+                                        <p:cTn id="6" dur="1" fill="hold">
+                                          <p:stCondLst>
+                                            <p:cond delay="0"/>
+                                          </p:stCondLst>
+                                        </p:cTn>
+                                        <p:tgtEl>
+                                          <p:spTgt spid="7"/>
+                                        </p:tgtEl>
+                                        <p:attrNameLst>
+                                          <p:attrName>style.visibility</p:attrName>
+                                        </p:attrNameLst>
+                                      </p:cBhvr>
+                                      <p:to>
+                                        <p:strVal val="visible"/>
+                                      </p:to>
+                                    </p:set>
+                                  </p:childTnLst>
+                                </p:cTn>
+                              </p:par>
+                            </p:childTnLst>
+                          </p:cTn>
+                        </p:par>
+                      </p:childTnLst>
+                    </p:cTn>
+                  </p:par>
+                </p:childTnLst>
+              </p:cTn>
+              <p:prevCondLst>
+                <p:cond evt="onPrev" delay="0">
+                  <p:tgtEl>
+                    <p:sldTgt/>
+                  </p:tgtEl>
+                </p:cond>
+              </p:prevCondLst>
+              <p:nextCondLst>
+                <p:cond evt="onNext" delay="0">
+                  <p:tgtEl>
+                    <p:sldTgt/>
+                  </p:tgtEl>
+                </p:cond>
+              </p:nextCondLst>
+            </p:seq>
+          </p:childTnLst>
+        </p:cTn>
+      </p:par>
+    </p:tnLst>
+  </p:timing>
+</p:sld>
+</file>
+
+<file path=ppt/slides/slide7.xml><?xml version="1.0" encoding="utf-8"?>
+<p:sld xmlns:a="http://schemas.openxmlformats.org/drawingml/2006/main" xmlns:r="http://schemas.openxmlformats.org/officeDocument/2006/relationships" xmlns:p="http://schemas.openxmlformats.org/presentationml/2006/main">
+  <p:cSld>
+    <p:spTree>
+      <p:nvGrpSpPr>
+        <p:cNvPr id="1" name=""/>
+        <p:cNvGrpSpPr/>
+        <p:nvPr/>
+      </p:nvGrpSpPr>
+      <p:grpSpPr>
+        <a:xfrm>
+          <a:off x="0" y="0"/>
+          <a:ext cx="0" cy="0"/>
+          <a:chOff x="0" y="0"/>
+          <a:chExt cx="0" cy="0"/>
+        </a:xfrm>
+      </p:grpSpPr>
+      <p:sp>
+        <p:nvSpPr>
+          <p:cNvPr id="2" name="Title 1"/>
+          <p:cNvSpPr>
+            <a:spLocks noGrp="1"/>
+          </p:cNvSpPr>
+          <p:nvPr>
+            <p:ph type="title"/>
+          </p:nvPr>
+        </p:nvSpPr>
+        <p:spPr/>
+        <p:txBody>
+          <a:bodyPr/>
+          <a:lstStyle/>
+          <a:p>
+            <a:r>
+              <a:rPr lang="en-US" dirty="0" smtClean="0"/>
+              <a:t>Build process</a:t>
+            </a:r>
+            <a:endParaRPr lang="en-US" dirty="0"/>
+          </a:p>
+        </p:txBody>
+      </p:sp>
+      <p:sp>
+        <p:nvSpPr>
+          <p:cNvPr id="3" name="Content Placeholder 2"/>
+          <p:cNvSpPr>
+            <a:spLocks noGrp="1"/>
+          </p:cNvSpPr>
+          <p:nvPr>
+            <p:ph idx="1"/>
+          </p:nvPr>
+        </p:nvSpPr>
+        <p:spPr/>
+        <p:txBody>
+          <a:bodyPr>
+            <a:normAutofit lnSpcReduction="10000"/>
+          </a:bodyPr>
+          <a:lstStyle/>
+          <a:p>
+            <a:r>
+              <a:rPr lang="en-US" dirty="0" smtClean="0"/>
+              <a:t>Preprocessing</a:t>
+            </a:r>
+          </a:p>
+          <a:p>
+            <a:pPr lvl="1"/>
+            <a:r>
+              <a:rPr lang="en-US" dirty="0" smtClean="0"/>
+              <a:t>processes, e.g., </a:t>
+            </a:r>
+            <a:r>
+              <a:rPr lang="en-US" dirty="0" smtClean="0">
+                <a:latin typeface="Courier New" panose="02070309020205020404" pitchFamily="49" charset="0"/>
+                <a:cs typeface="Courier New" panose="02070309020205020404" pitchFamily="49" charset="0"/>
+              </a:rPr>
+              <a:t>#include …</a:t>
+            </a:r>
+          </a:p>
+          <a:p>
+            <a:pPr lvl="1"/>
+            <a:r>
+              <a:rPr lang="en-US" dirty="0" smtClean="0"/>
+              <a:t>called  by compiler</a:t>
+            </a:r>
+          </a:p>
+          <a:p>
+            <a:endParaRPr lang="en-US" dirty="0" smtClean="0"/>
+          </a:p>
+          <a:p>
+            <a:r>
+              <a:rPr lang="en-US" dirty="0" smtClean="0"/>
+              <a:t>Compilation</a:t>
+            </a:r>
+          </a:p>
+          <a:p>
+            <a:pPr lvl="1"/>
+            <a:r>
+              <a:rPr lang="en-US" dirty="0" smtClean="0"/>
+              <a:t>create object file</a:t>
+            </a:r>
+          </a:p>
+          <a:p>
+            <a:pPr lvl="1"/>
+            <a:endParaRPr lang="en-US" dirty="0"/>
+          </a:p>
+          <a:p>
+            <a:endParaRPr lang="en-US" dirty="0" smtClean="0"/>
+          </a:p>
+          <a:p>
+            <a:r>
+              <a:rPr lang="en-US" dirty="0" smtClean="0"/>
+              <a:t>Linking</a:t>
+            </a:r>
+          </a:p>
+          <a:p>
+            <a:pPr lvl="1"/>
+            <a:r>
+              <a:rPr lang="en-US" dirty="0" smtClean="0"/>
+              <a:t>create executable</a:t>
+            </a:r>
+            <a:endParaRPr lang="en-US" dirty="0"/>
+          </a:p>
+        </p:txBody>
+      </p:sp>
+      <p:sp>
+        <p:nvSpPr>
+          <p:cNvPr id="4" name="Slide Number Placeholder 3"/>
+          <p:cNvSpPr>
+            <a:spLocks noGrp="1"/>
+          </p:cNvSpPr>
+          <p:nvPr>
+            <p:ph type="sldNum" sz="quarter" idx="12"/>
+          </p:nvPr>
+        </p:nvSpPr>
+        <p:spPr/>
+        <p:txBody>
+          <a:bodyPr/>
+          <a:lstStyle/>
+          <a:p>
+            <a:fld id="{2F8BA72C-5DC7-4014-AC42-C5F5AAAF9B79}" type="slidenum">
+              <a:rPr lang="en-US" smtClean="0"/>
+              <a:t>7</a:t>
+            </a:fld>
+            <a:endParaRPr lang="en-US"/>
+          </a:p>
+        </p:txBody>
+      </p:sp>
+      <p:grpSp>
+        <p:nvGrpSpPr>
+          <p:cNvPr id="49" name="Group 48"/>
+          <p:cNvGrpSpPr/>
+          <p:nvPr/>
+        </p:nvGrpSpPr>
+        <p:grpSpPr>
+          <a:xfrm>
+            <a:off x="5533138" y="1083025"/>
+            <a:ext cx="3359015" cy="2333265"/>
+            <a:chOff x="5533138" y="1083025"/>
+            <a:chExt cx="3359015" cy="2333265"/>
+          </a:xfrm>
+        </p:grpSpPr>
+        <p:grpSp>
+          <p:nvGrpSpPr>
+            <p:cNvPr id="7" name="Group 6"/>
+            <p:cNvGrpSpPr/>
+            <p:nvPr/>
+          </p:nvGrpSpPr>
+          <p:grpSpPr>
+            <a:xfrm>
+              <a:off x="5533138" y="1651817"/>
+              <a:ext cx="1047082" cy="790269"/>
+              <a:chOff x="1452743" y="2458065"/>
+              <a:chExt cx="1047082" cy="790269"/>
+            </a:xfrm>
+          </p:grpSpPr>
+          <p:sp>
+            <p:nvSpPr>
+              <p:cNvPr id="5" name="Folded Corner 4"/>
+              <p:cNvSpPr/>
+              <p:nvPr/>
+            </p:nvSpPr>
+            <p:spPr>
+              <a:xfrm>
+                <a:off x="1789471" y="2458065"/>
+                <a:ext cx="373626" cy="501445"/>
+              </a:xfrm>
+              <a:prstGeom prst="foldedCorner">
+                <a:avLst/>
+              </a:prstGeom>
+            </p:spPr>
+            <p:style>
+              <a:lnRef idx="1">
+                <a:schemeClr val="accent4"/>
+              </a:lnRef>
+              <a:fillRef idx="2">
+                <a:schemeClr val="accent4"/>
+              </a:fillRef>
+              <a:effectRef idx="1">
+                <a:schemeClr val="accent4"/>
+              </a:effectRef>
+              <a:fontRef idx="minor">
+                <a:schemeClr val="dk1"/>
+              </a:fontRef>
+            </p:style>
+            <p:txBody>
+              <a:bodyPr rtlCol="0" anchor="ctr"/>
+              <a:lstStyle/>
+              <a:p>
+                <a:pPr algn="ctr"/>
+                <a:endParaRPr lang="en-US">
+                  <a:ln>
+                    <a:solidFill>
+                      <a:sysClr val="windowText" lastClr="000000"/>
+                    </a:solidFill>
+                  </a:ln>
+                </a:endParaRPr>
+              </a:p>
+            </p:txBody>
+          </p:sp>
+          <p:sp>
+            <p:nvSpPr>
+              <p:cNvPr id="6" name="TextBox 5"/>
+              <p:cNvSpPr txBox="1"/>
+              <p:nvPr/>
+            </p:nvSpPr>
+            <p:spPr>
+              <a:xfrm>
+                <a:off x="1452743" y="2940557"/>
+                <a:ext cx="1047082" cy="307777"/>
+              </a:xfrm>
+              <a:prstGeom prst="rect">
+                <a:avLst/>
+              </a:prstGeom>
+              <a:noFill/>
+            </p:spPr>
+            <p:txBody>
+              <a:bodyPr wrap="none" rtlCol="0">
+                <a:spAutoFit/>
+              </a:bodyPr>
+              <a:lstStyle/>
+              <a:p>
+                <a:r>
+                  <a:rPr lang="en-US" sz="1400" dirty="0" smtClean="0"/>
+                  <a:t>particle.cpp</a:t>
+                </a:r>
+                <a:endParaRPr lang="en-US" sz="1400" dirty="0"/>
+              </a:p>
+            </p:txBody>
+          </p:sp>
+        </p:grpSp>
+        <p:grpSp>
+          <p:nvGrpSpPr>
+            <p:cNvPr id="8" name="Group 7"/>
+            <p:cNvGrpSpPr/>
+            <p:nvPr/>
+          </p:nvGrpSpPr>
+          <p:grpSpPr>
+            <a:xfrm>
+              <a:off x="6803927" y="1083025"/>
+              <a:ext cx="877163" cy="799390"/>
+              <a:chOff x="1452743" y="2448944"/>
+              <a:chExt cx="877163" cy="799390"/>
+            </a:xfrm>
+          </p:grpSpPr>
+          <p:sp>
+            <p:nvSpPr>
+              <p:cNvPr id="9" name="Folded Corner 8"/>
+              <p:cNvSpPr/>
+              <p:nvPr/>
+            </p:nvSpPr>
+            <p:spPr>
+              <a:xfrm>
+                <a:off x="1704511" y="2448944"/>
+                <a:ext cx="373626" cy="501445"/>
+              </a:xfrm>
+              <a:prstGeom prst="foldedCorner">
+                <a:avLst/>
+              </a:prstGeom>
+            </p:spPr>
+            <p:style>
+              <a:lnRef idx="1">
+                <a:schemeClr val="accent4"/>
+              </a:lnRef>
+              <a:fillRef idx="2">
+                <a:schemeClr val="accent4"/>
+              </a:fillRef>
+              <a:effectRef idx="1">
+                <a:schemeClr val="accent4"/>
+              </a:effectRef>
+              <a:fontRef idx="minor">
+                <a:schemeClr val="dk1"/>
+              </a:fontRef>
+            </p:style>
+            <p:txBody>
+              <a:bodyPr rtlCol="0" anchor="ctr"/>
+              <a:lstStyle/>
+              <a:p>
+                <a:pPr algn="ctr"/>
+                <a:endParaRPr lang="en-US">
+                  <a:ln>
+                    <a:solidFill>
+                      <a:sysClr val="windowText" lastClr="000000"/>
+                    </a:solidFill>
+                  </a:ln>
+                </a:endParaRPr>
+              </a:p>
+            </p:txBody>
+          </p:sp>
+          <p:sp>
+            <p:nvSpPr>
+              <p:cNvPr id="10" name="TextBox 9"/>
+              <p:cNvSpPr txBox="1"/>
+              <p:nvPr/>
+            </p:nvSpPr>
+            <p:spPr>
+              <a:xfrm>
+                <a:off x="1452743" y="2940557"/>
+                <a:ext cx="877163" cy="307777"/>
+              </a:xfrm>
+              <a:prstGeom prst="rect">
+                <a:avLst/>
+              </a:prstGeom>
+              <a:noFill/>
+            </p:spPr>
+            <p:txBody>
+              <a:bodyPr wrap="none" rtlCol="0">
+                <a:spAutoFit/>
+              </a:bodyPr>
+              <a:lstStyle/>
+              <a:p>
+                <a:r>
+                  <a:rPr lang="en-US" sz="1400" dirty="0" err="1" smtClean="0"/>
+                  <a:t>particle.h</a:t>
+                </a:r>
+                <a:endParaRPr lang="en-US" sz="1400" dirty="0"/>
+              </a:p>
+            </p:txBody>
+          </p:sp>
+        </p:grpSp>
+        <p:grpSp>
+          <p:nvGrpSpPr>
+            <p:cNvPr id="11" name="Group 10"/>
+            <p:cNvGrpSpPr/>
+            <p:nvPr/>
+          </p:nvGrpSpPr>
+          <p:grpSpPr>
+            <a:xfrm>
+              <a:off x="5626912" y="2617060"/>
+              <a:ext cx="859531" cy="797754"/>
+              <a:chOff x="1461558" y="2448944"/>
+              <a:chExt cx="859531" cy="797754"/>
+            </a:xfrm>
+          </p:grpSpPr>
+          <p:sp>
+            <p:nvSpPr>
+              <p:cNvPr id="12" name="Folded Corner 11"/>
+              <p:cNvSpPr/>
+              <p:nvPr/>
+            </p:nvSpPr>
+            <p:spPr>
+              <a:xfrm>
+                <a:off x="1704511" y="2448944"/>
+                <a:ext cx="373626" cy="501445"/>
+              </a:xfrm>
+              <a:prstGeom prst="foldedCorner">
+                <a:avLst/>
+              </a:prstGeom>
+            </p:spPr>
+            <p:style>
+              <a:lnRef idx="1">
+                <a:schemeClr val="accent4"/>
+              </a:lnRef>
+              <a:fillRef idx="2">
+                <a:schemeClr val="accent4"/>
+              </a:fillRef>
+              <a:effectRef idx="1">
+                <a:schemeClr val="accent4"/>
+              </a:effectRef>
+              <a:fontRef idx="minor">
+                <a:schemeClr val="dk1"/>
+              </a:fontRef>
+            </p:style>
+            <p:txBody>
+              <a:bodyPr rtlCol="0" anchor="ctr"/>
+              <a:lstStyle/>
+              <a:p>
+                <a:pPr algn="ctr"/>
+                <a:endParaRPr lang="en-US">
+                  <a:ln>
+                    <a:solidFill>
+                      <a:sysClr val="windowText" lastClr="000000"/>
+                    </a:solidFill>
+                  </a:ln>
+                </a:endParaRPr>
+              </a:p>
+            </p:txBody>
+          </p:sp>
+          <p:sp>
+            <p:nvSpPr>
+              <p:cNvPr id="13" name="TextBox 12"/>
+              <p:cNvSpPr txBox="1"/>
+              <p:nvPr/>
+            </p:nvSpPr>
+            <p:spPr>
+              <a:xfrm>
+                <a:off x="1461558" y="2938921"/>
+                <a:ext cx="859531" cy="307777"/>
+              </a:xfrm>
+              <a:prstGeom prst="rect">
+                <a:avLst/>
+              </a:prstGeom>
+              <a:noFill/>
+            </p:spPr>
+            <p:txBody>
+              <a:bodyPr wrap="none" rtlCol="0">
+                <a:spAutoFit/>
+              </a:bodyPr>
+              <a:lstStyle/>
+              <a:p>
+                <a:r>
+                  <a:rPr lang="en-US" sz="1400" dirty="0" smtClean="0"/>
+                  <a:t>main.cpp</a:t>
+                </a:r>
+                <a:endParaRPr lang="en-US" sz="1400" dirty="0"/>
+              </a:p>
+            </p:txBody>
+          </p:sp>
+        </p:grpSp>
+        <p:cxnSp>
+          <p:nvCxnSpPr>
+            <p:cNvPr id="15" name="Straight Arrow Connector 14"/>
+            <p:cNvCxnSpPr>
+              <a:stCxn id="9" idx="1"/>
+              <a:endCxn id="5" idx="3"/>
+            </p:cNvCxnSpPr>
+            <p:nvPr/>
+          </p:nvCxnSpPr>
+          <p:spPr>
+            <a:xfrm flipH="1">
+              <a:off x="6243492" y="1333748"/>
+              <a:ext cx="812203" cy="568792"/>
+            </a:xfrm>
+            <a:prstGeom prst="straightConnector1">
+              <a:avLst/>
+            </a:prstGeom>
+            <a:ln>
+              <a:solidFill>
+                <a:schemeClr val="tx1"/>
+              </a:solidFill>
+              <a:tailEnd type="stealth" w="lg" len="lg"/>
+            </a:ln>
+          </p:spPr>
+          <p:style>
+            <a:lnRef idx="1">
+              <a:schemeClr val="accent1"/>
+            </a:lnRef>
+            <a:fillRef idx="0">
+              <a:schemeClr val="accent1"/>
+            </a:fillRef>
+            <a:effectRef idx="0">
+              <a:schemeClr val="accent1"/>
+            </a:effectRef>
+            <a:fontRef idx="minor">
+              <a:schemeClr val="tx1"/>
+            </a:fontRef>
+          </p:style>
+        </p:cxnSp>
+        <p:cxnSp>
+          <p:nvCxnSpPr>
+            <p:cNvPr id="16" name="Straight Arrow Connector 15"/>
+            <p:cNvCxnSpPr>
+              <a:stCxn id="9" idx="1"/>
+              <a:endCxn id="12" idx="3"/>
+            </p:cNvCxnSpPr>
+            <p:nvPr/>
+          </p:nvCxnSpPr>
+          <p:spPr>
+            <a:xfrm flipH="1">
+              <a:off x="6243491" y="1333748"/>
+              <a:ext cx="812204" cy="1534035"/>
+            </a:xfrm>
+            <a:prstGeom prst="straightConnector1">
+              <a:avLst/>
+            </a:prstGeom>
+            <a:ln>
+              <a:solidFill>
+                <a:schemeClr val="tx1"/>
+              </a:solidFill>
+              <a:tailEnd type="stealth" w="lg" len="lg"/>
+            </a:ln>
+          </p:spPr>
+          <p:style>
+            <a:lnRef idx="1">
+              <a:schemeClr val="accent1"/>
+            </a:lnRef>
+            <a:fillRef idx="0">
+              <a:schemeClr val="accent1"/>
+            </a:fillRef>
+            <a:effectRef idx="0">
+              <a:schemeClr val="accent1"/>
+            </a:effectRef>
+            <a:fontRef idx="minor">
+              <a:schemeClr val="tx1"/>
+            </a:fontRef>
+          </p:style>
+        </p:cxnSp>
+        <p:grpSp>
+          <p:nvGrpSpPr>
+            <p:cNvPr id="20" name="Group 19"/>
+            <p:cNvGrpSpPr/>
+            <p:nvPr/>
+          </p:nvGrpSpPr>
+          <p:grpSpPr>
+            <a:xfrm>
+              <a:off x="7804996" y="1653293"/>
+              <a:ext cx="1087157" cy="790269"/>
+              <a:chOff x="1452743" y="2458065"/>
+              <a:chExt cx="1087157" cy="790269"/>
+            </a:xfrm>
+          </p:grpSpPr>
+          <p:sp>
+            <p:nvSpPr>
+              <p:cNvPr id="21" name="Folded Corner 20"/>
+              <p:cNvSpPr/>
+              <p:nvPr/>
+            </p:nvSpPr>
+            <p:spPr>
+              <a:xfrm>
+                <a:off x="1789471" y="2458065"/>
+                <a:ext cx="373626" cy="501445"/>
+              </a:xfrm>
+              <a:prstGeom prst="foldedCorner">
+                <a:avLst/>
+              </a:prstGeom>
+            </p:spPr>
+            <p:style>
+              <a:lnRef idx="1">
+                <a:schemeClr val="accent4"/>
+              </a:lnRef>
+              <a:fillRef idx="2">
+                <a:schemeClr val="accent4"/>
+              </a:fillRef>
+              <a:effectRef idx="1">
+                <a:schemeClr val="accent4"/>
+              </a:effectRef>
+              <a:fontRef idx="minor">
+                <a:schemeClr val="dk1"/>
+              </a:fontRef>
+            </p:style>
+            <p:txBody>
+              <a:bodyPr rtlCol="0" anchor="ctr"/>
+              <a:lstStyle/>
+              <a:p>
+                <a:pPr algn="ctr"/>
+                <a:endParaRPr lang="en-US">
+                  <a:ln>
+                    <a:solidFill>
+                      <a:sysClr val="windowText" lastClr="000000"/>
+                    </a:solidFill>
+                  </a:ln>
+                </a:endParaRPr>
+              </a:p>
+            </p:txBody>
+          </p:sp>
+          <p:sp>
+            <p:nvSpPr>
+              <p:cNvPr id="22" name="TextBox 21"/>
+              <p:cNvSpPr txBox="1"/>
+              <p:nvPr/>
+            </p:nvSpPr>
+            <p:spPr>
+              <a:xfrm>
+                <a:off x="1452743" y="2940557"/>
+                <a:ext cx="1087157" cy="307777"/>
+              </a:xfrm>
+              <a:prstGeom prst="rect">
+                <a:avLst/>
+              </a:prstGeom>
+              <a:noFill/>
+            </p:spPr>
+            <p:txBody>
+              <a:bodyPr wrap="none" rtlCol="0">
+                <a:spAutoFit/>
+              </a:bodyPr>
+              <a:lstStyle/>
+              <a:p>
+                <a:r>
+                  <a:rPr lang="en-US" sz="1400" dirty="0" smtClean="0"/>
+                  <a:t>particle.cpp'</a:t>
+                </a:r>
+                <a:endParaRPr lang="en-US" sz="1400" dirty="0"/>
+              </a:p>
+            </p:txBody>
+          </p:sp>
+        </p:grpSp>
+        <p:grpSp>
+          <p:nvGrpSpPr>
+            <p:cNvPr id="23" name="Group 22"/>
+            <p:cNvGrpSpPr/>
+            <p:nvPr/>
+          </p:nvGrpSpPr>
+          <p:grpSpPr>
+            <a:xfrm>
+              <a:off x="7898770" y="2618536"/>
+              <a:ext cx="899605" cy="797754"/>
+              <a:chOff x="1461558" y="2448944"/>
+              <a:chExt cx="899605" cy="797754"/>
+            </a:xfrm>
+          </p:grpSpPr>
+          <p:sp>
+            <p:nvSpPr>
+              <p:cNvPr id="24" name="Folded Corner 23"/>
+              <p:cNvSpPr/>
+              <p:nvPr/>
+            </p:nvSpPr>
+            <p:spPr>
+              <a:xfrm>
+                <a:off x="1704511" y="2448944"/>
+                <a:ext cx="373626" cy="501445"/>
+              </a:xfrm>
+              <a:prstGeom prst="foldedCorner">
+                <a:avLst/>
+              </a:prstGeom>
+            </p:spPr>
+            <p:style>
+              <a:lnRef idx="1">
+                <a:schemeClr val="accent4"/>
+              </a:lnRef>
+              <a:fillRef idx="2">
+                <a:schemeClr val="accent4"/>
+              </a:fillRef>
+              <a:effectRef idx="1">
+                <a:schemeClr val="accent4"/>
+              </a:effectRef>
+              <a:fontRef idx="minor">
+                <a:schemeClr val="dk1"/>
+              </a:fontRef>
+            </p:style>
+            <p:txBody>
+              <a:bodyPr rtlCol="0" anchor="ctr"/>
+              <a:lstStyle/>
+              <a:p>
+                <a:pPr algn="ctr"/>
+                <a:endParaRPr lang="en-US">
+                  <a:ln>
+                    <a:solidFill>
+                      <a:sysClr val="windowText" lastClr="000000"/>
+                    </a:solidFill>
+                  </a:ln>
+                </a:endParaRPr>
+              </a:p>
+            </p:txBody>
+          </p:sp>
+          <p:sp>
+            <p:nvSpPr>
+              <p:cNvPr id="25" name="TextBox 24"/>
+              <p:cNvSpPr txBox="1"/>
+              <p:nvPr/>
+            </p:nvSpPr>
+            <p:spPr>
+              <a:xfrm>
+                <a:off x="1461558" y="2938921"/>
+                <a:ext cx="899605" cy="307777"/>
+              </a:xfrm>
+              <a:prstGeom prst="rect">
+                <a:avLst/>
+              </a:prstGeom>
+              <a:noFill/>
+            </p:spPr>
+            <p:txBody>
+              <a:bodyPr wrap="none" rtlCol="0">
+                <a:spAutoFit/>
+              </a:bodyPr>
+              <a:lstStyle/>
+              <a:p>
+                <a:r>
+                  <a:rPr lang="en-US" sz="1400" dirty="0" smtClean="0"/>
+                  <a:t>main.cpp'</a:t>
+                </a:r>
+                <a:endParaRPr lang="en-US" sz="1400" dirty="0"/>
+              </a:p>
+            </p:txBody>
+          </p:sp>
+        </p:grpSp>
+        <p:cxnSp>
+          <p:nvCxnSpPr>
+            <p:cNvPr id="27" name="Straight Arrow Connector 26"/>
+            <p:cNvCxnSpPr/>
+            <p:nvPr/>
+          </p:nvCxnSpPr>
+          <p:spPr>
+            <a:xfrm>
+              <a:off x="7012497" y="2124725"/>
+              <a:ext cx="668593" cy="0"/>
+            </a:xfrm>
+            <a:prstGeom prst="straightConnector1">
+              <a:avLst/>
+            </a:prstGeom>
+            <a:ln w="76200">
+              <a:solidFill>
+                <a:schemeClr val="tx1"/>
+              </a:solidFill>
+              <a:tailEnd type="stealth"/>
+            </a:ln>
+          </p:spPr>
+          <p:style>
+            <a:lnRef idx="1">
+              <a:schemeClr val="accent1"/>
+            </a:lnRef>
+            <a:fillRef idx="0">
+              <a:schemeClr val="accent1"/>
+            </a:fillRef>
+            <a:effectRef idx="0">
+              <a:schemeClr val="accent1"/>
+            </a:effectRef>
+            <a:fontRef idx="minor">
+              <a:schemeClr val="tx1"/>
+            </a:fontRef>
+          </p:style>
+        </p:cxnSp>
+        <p:cxnSp>
+          <p:nvCxnSpPr>
+            <p:cNvPr id="28" name="Straight Arrow Connector 27"/>
+            <p:cNvCxnSpPr/>
+            <p:nvPr/>
+          </p:nvCxnSpPr>
+          <p:spPr>
+            <a:xfrm>
+              <a:off x="7012497" y="2971606"/>
+              <a:ext cx="668593" cy="0"/>
+            </a:xfrm>
+            <a:prstGeom prst="straightConnector1">
+              <a:avLst/>
+            </a:prstGeom>
+            <a:ln w="76200">
+              <a:solidFill>
+                <a:schemeClr val="tx1"/>
+              </a:solidFill>
+              <a:tailEnd type="stealth"/>
+            </a:ln>
+          </p:spPr>
+          <p:style>
+            <a:lnRef idx="1">
+              <a:schemeClr val="accent1"/>
+            </a:lnRef>
+            <a:fillRef idx="0">
+              <a:schemeClr val="accent1"/>
+            </a:fillRef>
+            <a:effectRef idx="0">
+              <a:schemeClr val="accent1"/>
+            </a:effectRef>
+            <a:fontRef idx="minor">
+              <a:schemeClr val="tx1"/>
+            </a:fontRef>
+          </p:style>
+        </p:cxnSp>
+      </p:grpSp>
+      <p:grpSp>
+        <p:nvGrpSpPr>
+          <p:cNvPr id="50" name="Group 49"/>
+          <p:cNvGrpSpPr/>
+          <p:nvPr/>
+        </p:nvGrpSpPr>
+        <p:grpSpPr>
+          <a:xfrm>
+            <a:off x="5514609" y="3530362"/>
+            <a:ext cx="3149021" cy="1764473"/>
+            <a:chOff x="5514609" y="3530362"/>
+            <a:chExt cx="3149021" cy="1764473"/>
+          </a:xfrm>
+        </p:grpSpPr>
+        <p:grpSp>
+          <p:nvGrpSpPr>
+            <p:cNvPr id="29" name="Group 28"/>
+            <p:cNvGrpSpPr/>
+            <p:nvPr/>
+          </p:nvGrpSpPr>
+          <p:grpSpPr>
+            <a:xfrm>
+              <a:off x="5514609" y="3530362"/>
+              <a:ext cx="1087157" cy="790269"/>
+              <a:chOff x="1452743" y="2458065"/>
+              <a:chExt cx="1087157" cy="790269"/>
+            </a:xfrm>
+          </p:grpSpPr>
+          <p:sp>
+            <p:nvSpPr>
+              <p:cNvPr id="30" name="Folded Corner 29"/>
+              <p:cNvSpPr/>
+              <p:nvPr/>
+            </p:nvSpPr>
+            <p:spPr>
+              <a:xfrm>
+                <a:off x="1789471" y="2458065"/>
+                <a:ext cx="373626" cy="501445"/>
+              </a:xfrm>
+              <a:prstGeom prst="foldedCorner">
+                <a:avLst/>
+              </a:prstGeom>
+            </p:spPr>
+            <p:style>
+              <a:lnRef idx="1">
+                <a:schemeClr val="accent4"/>
+              </a:lnRef>
+              <a:fillRef idx="2">
+                <a:schemeClr val="accent4"/>
+              </a:fillRef>
+              <a:effectRef idx="1">
+                <a:schemeClr val="accent4"/>
+              </a:effectRef>
+              <a:fontRef idx="minor">
+                <a:schemeClr val="dk1"/>
+              </a:fontRef>
+            </p:style>
+            <p:txBody>
+              <a:bodyPr rtlCol="0" anchor="ctr"/>
+              <a:lstStyle/>
+              <a:p>
+                <a:pPr algn="ctr"/>
+                <a:endParaRPr lang="en-US">
+                  <a:ln>
+                    <a:solidFill>
+                      <a:sysClr val="windowText" lastClr="000000"/>
+                    </a:solidFill>
+                  </a:ln>
+                </a:endParaRPr>
+              </a:p>
+            </p:txBody>
+          </p:sp>
+          <p:sp>
+            <p:nvSpPr>
+              <p:cNvPr id="31" name="TextBox 30"/>
+              <p:cNvSpPr txBox="1"/>
+              <p:nvPr/>
+            </p:nvSpPr>
+            <p:spPr>
+              <a:xfrm>
+                <a:off x="1452743" y="2940557"/>
+                <a:ext cx="1087157" cy="307777"/>
+              </a:xfrm>
+              <a:prstGeom prst="rect">
+                <a:avLst/>
+              </a:prstGeom>
+              <a:noFill/>
+            </p:spPr>
+            <p:txBody>
+              <a:bodyPr wrap="none" rtlCol="0">
+                <a:spAutoFit/>
+              </a:bodyPr>
+              <a:lstStyle/>
+              <a:p>
+                <a:r>
+                  <a:rPr lang="en-US" sz="1400" dirty="0" smtClean="0"/>
+                  <a:t>particle.cpp'</a:t>
+                </a:r>
+                <a:endParaRPr lang="en-US" sz="1400" dirty="0"/>
+              </a:p>
+            </p:txBody>
+          </p:sp>
+        </p:grpSp>
+        <p:grpSp>
+          <p:nvGrpSpPr>
+            <p:cNvPr id="32" name="Group 31"/>
+            <p:cNvGrpSpPr/>
+            <p:nvPr/>
+          </p:nvGrpSpPr>
+          <p:grpSpPr>
+            <a:xfrm>
+              <a:off x="5608383" y="4495605"/>
+              <a:ext cx="899605" cy="797754"/>
+              <a:chOff x="1461558" y="2448944"/>
+              <a:chExt cx="899605" cy="797754"/>
+            </a:xfrm>
+          </p:grpSpPr>
+          <p:sp>
+            <p:nvSpPr>
+              <p:cNvPr id="33" name="Folded Corner 32"/>
+              <p:cNvSpPr/>
+              <p:nvPr/>
+            </p:nvSpPr>
+            <p:spPr>
+              <a:xfrm>
+                <a:off x="1704511" y="2448944"/>
+                <a:ext cx="373626" cy="501445"/>
+              </a:xfrm>
+              <a:prstGeom prst="foldedCorner">
+                <a:avLst/>
+              </a:prstGeom>
+            </p:spPr>
+            <p:style>
+              <a:lnRef idx="1">
+                <a:schemeClr val="accent4"/>
+              </a:lnRef>
+              <a:fillRef idx="2">
+                <a:schemeClr val="accent4"/>
+              </a:fillRef>
+              <a:effectRef idx="1">
+                <a:schemeClr val="accent4"/>
+              </a:effectRef>
+              <a:fontRef idx="minor">
+                <a:schemeClr val="dk1"/>
+              </a:fontRef>
+            </p:style>
+            <p:txBody>
+              <a:bodyPr rtlCol="0" anchor="ctr"/>
+              <a:lstStyle/>
+              <a:p>
+                <a:pPr algn="ctr"/>
+                <a:endParaRPr lang="en-US">
+                  <a:ln>
+                    <a:solidFill>
+                      <a:sysClr val="windowText" lastClr="000000"/>
+                    </a:solidFill>
+                  </a:ln>
+                </a:endParaRPr>
+              </a:p>
+            </p:txBody>
+          </p:sp>
+          <p:sp>
+            <p:nvSpPr>
+              <p:cNvPr id="34" name="TextBox 33"/>
+              <p:cNvSpPr txBox="1"/>
+              <p:nvPr/>
+            </p:nvSpPr>
+            <p:spPr>
+              <a:xfrm>
+                <a:off x="1461558" y="2938921"/>
+                <a:ext cx="899605" cy="307777"/>
+              </a:xfrm>
+              <a:prstGeom prst="rect">
+                <a:avLst/>
+              </a:prstGeom>
+              <a:noFill/>
+            </p:spPr>
+            <p:txBody>
+              <a:bodyPr wrap="none" rtlCol="0">
+                <a:spAutoFit/>
+              </a:bodyPr>
+              <a:lstStyle/>
+              <a:p>
+                <a:r>
+                  <a:rPr lang="en-US" sz="1400" dirty="0" smtClean="0"/>
+                  <a:t>main.cpp'</a:t>
+                </a:r>
+                <a:endParaRPr lang="en-US" sz="1400" dirty="0"/>
+              </a:p>
+            </p:txBody>
+          </p:sp>
+        </p:grpSp>
+        <p:grpSp>
+          <p:nvGrpSpPr>
+            <p:cNvPr id="35" name="Group 34"/>
+            <p:cNvGrpSpPr/>
+            <p:nvPr/>
+          </p:nvGrpSpPr>
+          <p:grpSpPr>
+            <a:xfrm>
+              <a:off x="7786467" y="3551226"/>
+              <a:ext cx="877163" cy="770881"/>
+              <a:chOff x="1452743" y="2477453"/>
+              <a:chExt cx="877163" cy="770881"/>
+            </a:xfrm>
+          </p:grpSpPr>
+          <p:sp>
+            <p:nvSpPr>
+              <p:cNvPr id="36" name="Folded Corner 35"/>
+              <p:cNvSpPr/>
+              <p:nvPr/>
+            </p:nvSpPr>
+            <p:spPr>
+              <a:xfrm>
+                <a:off x="1650188" y="2477453"/>
+                <a:ext cx="373626" cy="501445"/>
+              </a:xfrm>
+              <a:prstGeom prst="foldedCorner">
+                <a:avLst/>
+              </a:prstGeom>
+            </p:spPr>
+            <p:style>
+              <a:lnRef idx="1">
+                <a:schemeClr val="accent4"/>
+              </a:lnRef>
+              <a:fillRef idx="2">
+                <a:schemeClr val="accent4"/>
+              </a:fillRef>
+              <a:effectRef idx="1">
+                <a:schemeClr val="accent4"/>
+              </a:effectRef>
+              <a:fontRef idx="minor">
+                <a:schemeClr val="dk1"/>
+              </a:fontRef>
+            </p:style>
+            <p:txBody>
+              <a:bodyPr rtlCol="0" anchor="ctr"/>
+              <a:lstStyle/>
+              <a:p>
+                <a:pPr algn="ctr"/>
+                <a:endParaRPr lang="en-US">
+                  <a:ln>
+                    <a:solidFill>
+                      <a:sysClr val="windowText" lastClr="000000"/>
+                    </a:solidFill>
+                  </a:ln>
+                </a:endParaRPr>
+              </a:p>
+            </p:txBody>
+          </p:sp>
+          <p:sp>
+            <p:nvSpPr>
+              <p:cNvPr id="37" name="TextBox 36"/>
+              <p:cNvSpPr txBox="1"/>
+              <p:nvPr/>
+            </p:nvSpPr>
+            <p:spPr>
+              <a:xfrm>
+                <a:off x="1452743" y="2940557"/>
+                <a:ext cx="877163" cy="307777"/>
+              </a:xfrm>
+              <a:prstGeom prst="rect">
+                <a:avLst/>
+              </a:prstGeom>
+              <a:noFill/>
+            </p:spPr>
+            <p:txBody>
+              <a:bodyPr wrap="none" rtlCol="0">
+                <a:spAutoFit/>
+              </a:bodyPr>
+              <a:lstStyle/>
+              <a:p>
+                <a:r>
+                  <a:rPr lang="en-US" sz="1400" dirty="0" err="1" smtClean="0"/>
+                  <a:t>particle.o</a:t>
+                </a:r>
+                <a:endParaRPr lang="en-US" sz="1400" dirty="0"/>
+              </a:p>
+            </p:txBody>
+          </p:sp>
+        </p:grpSp>
+        <p:grpSp>
+          <p:nvGrpSpPr>
+            <p:cNvPr id="38" name="Group 37"/>
+            <p:cNvGrpSpPr/>
+            <p:nvPr/>
+          </p:nvGrpSpPr>
+          <p:grpSpPr>
+            <a:xfrm>
+              <a:off x="7880241" y="4466899"/>
+              <a:ext cx="689612" cy="827936"/>
+              <a:chOff x="1461558" y="2418762"/>
+              <a:chExt cx="689612" cy="827936"/>
+            </a:xfrm>
+          </p:grpSpPr>
+          <p:sp>
+            <p:nvSpPr>
+              <p:cNvPr id="39" name="Folded Corner 38"/>
+              <p:cNvSpPr/>
+              <p:nvPr/>
+            </p:nvSpPr>
+            <p:spPr>
+              <a:xfrm>
+                <a:off x="1639258" y="2418762"/>
+                <a:ext cx="373626" cy="501445"/>
+              </a:xfrm>
+              <a:prstGeom prst="foldedCorner">
+                <a:avLst/>
+              </a:prstGeom>
+            </p:spPr>
+            <p:style>
+              <a:lnRef idx="1">
+                <a:schemeClr val="accent4"/>
+              </a:lnRef>
+              <a:fillRef idx="2">
+                <a:schemeClr val="accent4"/>
+              </a:fillRef>
+              <a:effectRef idx="1">
+                <a:schemeClr val="accent4"/>
+              </a:effectRef>
+              <a:fontRef idx="minor">
+                <a:schemeClr val="dk1"/>
+              </a:fontRef>
+            </p:style>
+            <p:txBody>
+              <a:bodyPr rtlCol="0" anchor="ctr"/>
+              <a:lstStyle/>
+              <a:p>
+                <a:pPr algn="ctr"/>
+                <a:endParaRPr lang="en-US">
+                  <a:ln>
+                    <a:solidFill>
+                      <a:sysClr val="windowText" lastClr="000000"/>
+                    </a:solidFill>
+                  </a:ln>
+                </a:endParaRPr>
+              </a:p>
+            </p:txBody>
+          </p:sp>
+          <p:sp>
+            <p:nvSpPr>
+              <p:cNvPr id="40" name="TextBox 39"/>
+              <p:cNvSpPr txBox="1"/>
+              <p:nvPr/>
+            </p:nvSpPr>
+            <p:spPr>
+              <a:xfrm>
+                <a:off x="1461558" y="2938921"/>
+                <a:ext cx="689612" cy="307777"/>
+              </a:xfrm>
+              <a:prstGeom prst="rect">
+                <a:avLst/>
+              </a:prstGeom>
+              <a:noFill/>
+            </p:spPr>
+            <p:txBody>
+              <a:bodyPr wrap="none" rtlCol="0">
+                <a:spAutoFit/>
+              </a:bodyPr>
+              <a:lstStyle/>
+              <a:p>
+                <a:r>
+                  <a:rPr lang="en-US" sz="1400" dirty="0" err="1" smtClean="0"/>
+                  <a:t>main.o</a:t>
+                </a:r>
+                <a:endParaRPr lang="en-US" sz="1400" dirty="0"/>
+              </a:p>
+            </p:txBody>
+          </p:sp>
+        </p:grpSp>
+        <p:cxnSp>
+          <p:nvCxnSpPr>
+            <p:cNvPr id="41" name="Straight Arrow Connector 40"/>
+            <p:cNvCxnSpPr/>
+            <p:nvPr/>
+          </p:nvCxnSpPr>
+          <p:spPr>
+            <a:xfrm>
+              <a:off x="6993968" y="4003270"/>
+              <a:ext cx="668593" cy="0"/>
+            </a:xfrm>
+            <a:prstGeom prst="straightConnector1">
+              <a:avLst/>
+            </a:prstGeom>
+            <a:ln w="76200">
+              <a:solidFill>
+                <a:schemeClr val="tx1"/>
+              </a:solidFill>
+              <a:tailEnd type="stealth"/>
+            </a:ln>
+          </p:spPr>
+          <p:style>
+            <a:lnRef idx="1">
+              <a:schemeClr val="accent1"/>
+            </a:lnRef>
+            <a:fillRef idx="0">
+              <a:schemeClr val="accent1"/>
+            </a:fillRef>
+            <a:effectRef idx="0">
+              <a:schemeClr val="accent1"/>
+            </a:effectRef>
+            <a:fontRef idx="minor">
+              <a:schemeClr val="tx1"/>
+            </a:fontRef>
+          </p:style>
+        </p:cxnSp>
+        <p:cxnSp>
+          <p:nvCxnSpPr>
+            <p:cNvPr id="42" name="Straight Arrow Connector 41"/>
+            <p:cNvCxnSpPr/>
+            <p:nvPr/>
+          </p:nvCxnSpPr>
+          <p:spPr>
+            <a:xfrm>
+              <a:off x="6993968" y="4850151"/>
+              <a:ext cx="668593" cy="0"/>
+            </a:xfrm>
+            <a:prstGeom prst="straightConnector1">
+              <a:avLst/>
+            </a:prstGeom>
+            <a:ln w="76200">
+              <a:solidFill>
+                <a:schemeClr val="tx1"/>
+              </a:solidFill>
+              <a:tailEnd type="stealth"/>
+            </a:ln>
+          </p:spPr>
+          <p:style>
+            <a:lnRef idx="1">
+              <a:schemeClr val="accent1"/>
+            </a:lnRef>
+            <a:fillRef idx="0">
+              <a:schemeClr val="accent1"/>
+            </a:fillRef>
+            <a:effectRef idx="0">
+              <a:schemeClr val="accent1"/>
+            </a:effectRef>
+            <a:fontRef idx="minor">
+              <a:schemeClr val="tx1"/>
+            </a:fontRef>
+          </p:style>
+        </p:cxnSp>
+      </p:grpSp>
+      <p:grpSp>
+        <p:nvGrpSpPr>
+          <p:cNvPr id="55" name="Group 54"/>
+          <p:cNvGrpSpPr/>
+          <p:nvPr/>
+        </p:nvGrpSpPr>
+        <p:grpSpPr>
+          <a:xfrm>
+            <a:off x="4785209" y="5564409"/>
+            <a:ext cx="4051314" cy="860732"/>
+            <a:chOff x="4785209" y="5564409"/>
+            <a:chExt cx="4051314" cy="860732"/>
+          </a:xfrm>
+        </p:grpSpPr>
+        <p:grpSp>
+          <p:nvGrpSpPr>
+            <p:cNvPr id="43" name="Group 42"/>
+            <p:cNvGrpSpPr/>
+            <p:nvPr/>
+          </p:nvGrpSpPr>
+          <p:grpSpPr>
+            <a:xfrm>
+              <a:off x="4785209" y="5634388"/>
+              <a:ext cx="877163" cy="770881"/>
+              <a:chOff x="1452743" y="2477453"/>
+              <a:chExt cx="877163" cy="770881"/>
+            </a:xfrm>
+          </p:grpSpPr>
+          <p:sp>
+            <p:nvSpPr>
+              <p:cNvPr id="44" name="Folded Corner 43"/>
+              <p:cNvSpPr/>
+              <p:nvPr/>
+            </p:nvSpPr>
+            <p:spPr>
+              <a:xfrm>
+                <a:off x="1650188" y="2477453"/>
+                <a:ext cx="373626" cy="501445"/>
+              </a:xfrm>
+              <a:prstGeom prst="foldedCorner">
+                <a:avLst/>
+              </a:prstGeom>
+            </p:spPr>
+            <p:style>
+              <a:lnRef idx="1">
+                <a:schemeClr val="accent4"/>
+              </a:lnRef>
+              <a:fillRef idx="2">
+                <a:schemeClr val="accent4"/>
+              </a:fillRef>
+              <a:effectRef idx="1">
+                <a:schemeClr val="accent4"/>
+              </a:effectRef>
+              <a:fontRef idx="minor">
+                <a:schemeClr val="dk1"/>
+              </a:fontRef>
+            </p:style>
+            <p:txBody>
+              <a:bodyPr rtlCol="0" anchor="ctr"/>
+              <a:lstStyle/>
+              <a:p>
+                <a:pPr algn="ctr"/>
+                <a:endParaRPr lang="en-US">
+                  <a:ln>
+                    <a:solidFill>
+                      <a:sysClr val="windowText" lastClr="000000"/>
+                    </a:solidFill>
+                  </a:ln>
+                </a:endParaRPr>
+              </a:p>
+            </p:txBody>
+          </p:sp>
+          <p:sp>
+            <p:nvSpPr>
+              <p:cNvPr id="45" name="TextBox 44"/>
+              <p:cNvSpPr txBox="1"/>
+              <p:nvPr/>
+            </p:nvSpPr>
+            <p:spPr>
+              <a:xfrm>
+                <a:off x="1452743" y="2940557"/>
+                <a:ext cx="877163" cy="307777"/>
+              </a:xfrm>
+              <a:prstGeom prst="rect">
+                <a:avLst/>
+              </a:prstGeom>
+              <a:noFill/>
+            </p:spPr>
+            <p:txBody>
+              <a:bodyPr wrap="none" rtlCol="0">
+                <a:spAutoFit/>
+              </a:bodyPr>
+              <a:lstStyle/>
+              <a:p>
+                <a:r>
+                  <a:rPr lang="en-US" sz="1400" dirty="0" err="1" smtClean="0"/>
+                  <a:t>particle.o</a:t>
+                </a:r>
+                <a:endParaRPr lang="en-US" sz="1400" dirty="0"/>
+              </a:p>
+            </p:txBody>
+          </p:sp>
+        </p:grpSp>
+        <p:grpSp>
+          <p:nvGrpSpPr>
+            <p:cNvPr id="46" name="Group 45"/>
+            <p:cNvGrpSpPr/>
+            <p:nvPr/>
+          </p:nvGrpSpPr>
+          <p:grpSpPr>
+            <a:xfrm>
+              <a:off x="5839909" y="5634388"/>
+              <a:ext cx="689612" cy="790753"/>
+              <a:chOff x="1489454" y="2418762"/>
+              <a:chExt cx="689612" cy="790753"/>
+            </a:xfrm>
+          </p:grpSpPr>
+          <p:sp>
+            <p:nvSpPr>
+              <p:cNvPr id="47" name="Folded Corner 46"/>
+              <p:cNvSpPr/>
+              <p:nvPr/>
+            </p:nvSpPr>
+            <p:spPr>
+              <a:xfrm>
+                <a:off x="1639258" y="2418762"/>
+                <a:ext cx="373626" cy="501445"/>
+              </a:xfrm>
+              <a:prstGeom prst="foldedCorner">
+                <a:avLst/>
+              </a:prstGeom>
+            </p:spPr>
+            <p:style>
+              <a:lnRef idx="1">
+                <a:schemeClr val="accent4"/>
+              </a:lnRef>
+              <a:fillRef idx="2">
+                <a:schemeClr val="accent4"/>
+              </a:fillRef>
+              <a:effectRef idx="1">
+                <a:schemeClr val="accent4"/>
+              </a:effectRef>
+              <a:fontRef idx="minor">
+                <a:schemeClr val="dk1"/>
+              </a:fontRef>
+            </p:style>
+            <p:txBody>
+              <a:bodyPr rtlCol="0" anchor="ctr"/>
+              <a:lstStyle/>
+              <a:p>
+                <a:pPr algn="ctr"/>
+                <a:endParaRPr lang="en-US">
+                  <a:ln>
+                    <a:solidFill>
+                      <a:sysClr val="windowText" lastClr="000000"/>
+                    </a:solidFill>
+                  </a:ln>
+                </a:endParaRPr>
+              </a:p>
+            </p:txBody>
+          </p:sp>
+          <p:sp>
+            <p:nvSpPr>
+              <p:cNvPr id="48" name="TextBox 47"/>
+              <p:cNvSpPr txBox="1"/>
+              <p:nvPr/>
+            </p:nvSpPr>
+            <p:spPr>
+              <a:xfrm>
+                <a:off x="1489454" y="2901738"/>
+                <a:ext cx="689612" cy="307777"/>
+              </a:xfrm>
+              <a:prstGeom prst="rect">
+                <a:avLst/>
+              </a:prstGeom>
+              <a:noFill/>
+            </p:spPr>
+            <p:txBody>
+              <a:bodyPr wrap="none" rtlCol="0">
+                <a:spAutoFit/>
+              </a:bodyPr>
+              <a:lstStyle/>
+              <a:p>
+                <a:r>
+                  <a:rPr lang="en-US" sz="1400" dirty="0" err="1" smtClean="0"/>
+                  <a:t>main.o</a:t>
+                </a:r>
+                <a:endParaRPr lang="en-US" sz="1400" dirty="0"/>
+              </a:p>
+            </p:txBody>
+          </p:sp>
+        </p:grpSp>
+        <p:cxnSp>
+          <p:nvCxnSpPr>
+            <p:cNvPr id="51" name="Straight Arrow Connector 50"/>
+            <p:cNvCxnSpPr/>
+            <p:nvPr/>
+          </p:nvCxnSpPr>
+          <p:spPr>
+            <a:xfrm>
+              <a:off x="6993967" y="5885110"/>
+              <a:ext cx="668593" cy="0"/>
+            </a:xfrm>
+            <a:prstGeom prst="straightConnector1">
+              <a:avLst/>
+            </a:prstGeom>
+            <a:ln w="76200">
+              <a:solidFill>
+                <a:schemeClr val="tx1"/>
+              </a:solidFill>
+              <a:tailEnd type="stealth"/>
+            </a:ln>
+          </p:spPr>
+          <p:style>
+            <a:lnRef idx="1">
+              <a:schemeClr val="accent1"/>
+            </a:lnRef>
+            <a:fillRef idx="0">
+              <a:schemeClr val="accent1"/>
+            </a:fillRef>
+            <a:effectRef idx="0">
+              <a:schemeClr val="accent1"/>
+            </a:effectRef>
+            <a:fontRef idx="minor">
+              <a:schemeClr val="tx1"/>
+            </a:fontRef>
+          </p:style>
+        </p:cxnSp>
+        <p:grpSp>
+          <p:nvGrpSpPr>
+            <p:cNvPr id="52" name="Group 51"/>
+            <p:cNvGrpSpPr/>
+            <p:nvPr/>
+          </p:nvGrpSpPr>
+          <p:grpSpPr>
+            <a:xfrm>
+              <a:off x="7732759" y="5564409"/>
+              <a:ext cx="1103764" cy="790753"/>
+              <a:chOff x="1341972" y="2418762"/>
+              <a:chExt cx="1103764" cy="790753"/>
+            </a:xfrm>
+          </p:grpSpPr>
+          <p:sp>
+            <p:nvSpPr>
+              <p:cNvPr id="53" name="Folded Corner 52"/>
+              <p:cNvSpPr/>
+              <p:nvPr/>
+            </p:nvSpPr>
+            <p:spPr>
+              <a:xfrm>
+                <a:off x="1639258" y="2418762"/>
+                <a:ext cx="373626" cy="501445"/>
+              </a:xfrm>
+              <a:prstGeom prst="foldedCorner">
+                <a:avLst/>
+              </a:prstGeom>
+            </p:spPr>
+            <p:style>
+              <a:lnRef idx="1">
+                <a:schemeClr val="accent4"/>
+              </a:lnRef>
+              <a:fillRef idx="2">
+                <a:schemeClr val="accent4"/>
+              </a:fillRef>
+              <a:effectRef idx="1">
+                <a:schemeClr val="accent4"/>
+              </a:effectRef>
+              <a:fontRef idx="minor">
+                <a:schemeClr val="dk1"/>
+              </a:fontRef>
+            </p:style>
+            <p:txBody>
+              <a:bodyPr rtlCol="0" anchor="ctr"/>
+              <a:lstStyle/>
+              <a:p>
+                <a:pPr algn="ctr"/>
+                <a:endParaRPr lang="en-US">
+                  <a:ln>
+                    <a:solidFill>
+                      <a:sysClr val="windowText" lastClr="000000"/>
+                    </a:solidFill>
+                  </a:ln>
+                </a:endParaRPr>
+              </a:p>
+            </p:txBody>
+          </p:sp>
+          <p:sp>
+            <p:nvSpPr>
+              <p:cNvPr id="54" name="TextBox 53"/>
+              <p:cNvSpPr txBox="1"/>
+              <p:nvPr/>
+            </p:nvSpPr>
+            <p:spPr>
+              <a:xfrm>
+                <a:off x="1341972" y="2901738"/>
+                <a:ext cx="1103764" cy="307777"/>
+              </a:xfrm>
+              <a:prstGeom prst="rect">
+                <a:avLst/>
+              </a:prstGeom>
+              <a:noFill/>
+            </p:spPr>
+            <p:txBody>
+              <a:bodyPr wrap="none" rtlCol="0">
+                <a:spAutoFit/>
+              </a:bodyPr>
+              <a:lstStyle/>
+              <a:p>
+                <a:r>
+                  <a:rPr lang="en-US" sz="1400" dirty="0" smtClean="0"/>
+                  <a:t>particles.exe</a:t>
+                </a:r>
+                <a:endParaRPr lang="en-US" sz="1400" dirty="0"/>
+              </a:p>
+            </p:txBody>
+          </p:sp>
+        </p:grpSp>
+      </p:grpSp>
+    </p:spTree>
+    <p:extLst>
+      <p:ext uri="{BB962C8B-B14F-4D97-AF65-F5344CB8AC3E}">
+        <p14:creationId xmlns:p14="http://schemas.microsoft.com/office/powerpoint/2010/main" val="12363937"/>
+      </p:ext>
+    </p:extLst>
+  </p:cSld>
+  <p:clrMapOvr>
+    <a:masterClrMapping/>
+  </p:clrMapOvr>
+  <p:timing>
+    <p:tnLst>
+      <p:par>
+        <p:cTn id="1" dur="indefinite" restart="never" nodeType="tmRoot">
+          <p:childTnLst>
+            <p:seq concurrent="1" nextAc="seek">
+              <p:cTn id="2" dur="indefinite" nodeType="mainSeq">
+                <p:childTnLst>
+                  <p:par>
+                    <p:cTn id="3" fill="hold">
+                      <p:stCondLst>
+                        <p:cond delay="indefinite"/>
+                      </p:stCondLst>
+                      <p:childTnLst>
+                        <p:par>
+                          <p:cTn id="4" fill="hold">
+                            <p:stCondLst>
+                              <p:cond delay="0"/>
+                            </p:stCondLst>
+                            <p:childTnLst>
+                              <p:par>
+                                <p:cTn id="5" presetID="1" presetClass="entr" presetSubtype="0" fill="hold" grpId="0" nodeType="clickEffect">
+                                  <p:stCondLst>
+                                    <p:cond delay="0"/>
+                                  </p:stCondLst>
+                                  <p:childTnLst>
+                                    <p:set>
+                                      <p:cBhvr>
+                                        <p:cTn id="6" dur="1" fill="hold">
+                                          <p:stCondLst>
+                                            <p:cond delay="0"/>
+                                          </p:stCondLst>
+                                        </p:cTn>
+                                        <p:tgtEl>
+                                          <p:spTgt spid="3">
+                                            <p:txEl>
+                                              <p:pRg st="0" end="0"/>
+                                            </p:txEl>
+                                          </p:spTgt>
+                                        </p:tgtEl>
+                                        <p:attrNameLst>
+                                          <p:attrName>style.visibility</p:attrName>
+                                        </p:attrNameLst>
+                                      </p:cBhvr>
+                                      <p:to>
+                                        <p:strVal val="visible"/>
+                                      </p:to>
+                                    </p:set>
+                                  </p:childTnLst>
+                                </p:cTn>
+                              </p:par>
+                              <p:par>
+                                <p:cTn id="7" presetID="1" presetClass="entr" presetSubtype="0" fill="hold" grpId="0" nodeType="withEffect">
+                                  <p:stCondLst>
+                                    <p:cond delay="0"/>
+                                  </p:stCondLst>
+                                  <p:childTnLst>
+                                    <p:set>
+                                      <p:cBhvr>
+                                        <p:cTn id="8" dur="1" fill="hold">
+                                          <p:stCondLst>
+                                            <p:cond delay="0"/>
+                                          </p:stCondLst>
+                                        </p:cTn>
+                                        <p:tgtEl>
+                                          <p:spTgt spid="3">
+                                            <p:txEl>
+                                              <p:pRg st="1" end="1"/>
+                                            </p:txEl>
+                                          </p:spTgt>
+                                        </p:tgtEl>
+                                        <p:attrNameLst>
+                                          <p:attrName>style.visibility</p:attrName>
+                                        </p:attrNameLst>
+                                      </p:cBhvr>
+                                      <p:to>
+                                        <p:strVal val="visible"/>
+                                      </p:to>
+                                    </p:set>
+                                  </p:childTnLst>
+                                </p:cTn>
+                              </p:par>
+                              <p:par>
+                                <p:cTn id="9" presetID="1" presetClass="entr" presetSubtype="0" fill="hold" grpId="0" nodeType="withEffect">
+                                  <p:stCondLst>
+                                    <p:cond delay="0"/>
+                                  </p:stCondLst>
+                                  <p:childTnLst>
+                                    <p:set>
+                                      <p:cBhvr>
+                                        <p:cTn id="10" dur="1" fill="hold">
+                                          <p:stCondLst>
+                                            <p:cond delay="0"/>
+                                          </p:stCondLst>
+                                        </p:cTn>
+                                        <p:tgtEl>
+                                          <p:spTgt spid="3">
+                                            <p:txEl>
+                                              <p:pRg st="2" end="2"/>
+                                            </p:txEl>
+                                          </p:spTgt>
+                                        </p:tgtEl>
+                                        <p:attrNameLst>
+                                          <p:attrName>style.visibility</p:attrName>
+                                        </p:attrNameLst>
+                                      </p:cBhvr>
+                                      <p:to>
+                                        <p:strVal val="visible"/>
+                                      </p:to>
+                                    </p:set>
+                                  </p:childTnLst>
+                                </p:cTn>
+                              </p:par>
+                            </p:childTnLst>
+                          </p:cTn>
+                        </p:par>
+                      </p:childTnLst>
+                    </p:cTn>
+                  </p:par>
+                  <p:par>
+                    <p:cTn id="11" fill="hold">
+                      <p:stCondLst>
+                        <p:cond delay="indefinite"/>
+                      </p:stCondLst>
+                      <p:childTnLst>
+                        <p:par>
+                          <p:cTn id="12" fill="hold">
+                            <p:stCondLst>
+                              <p:cond delay="0"/>
+                            </p:stCondLst>
+                            <p:childTnLst>
+                              <p:par>
+                                <p:cTn id="13" presetID="1" presetClass="entr" presetSubtype="0" fill="hold" nodeType="clickEffect">
+                                  <p:stCondLst>
+                                    <p:cond delay="0"/>
+                                  </p:stCondLst>
+                                  <p:childTnLst>
+                                    <p:set>
+                                      <p:cBhvr>
+                                        <p:cTn id="14" dur="1" fill="hold">
+                                          <p:stCondLst>
+                                            <p:cond delay="0"/>
+                                          </p:stCondLst>
+                                        </p:cTn>
+                                        <p:tgtEl>
+                                          <p:spTgt spid="49"/>
+                                        </p:tgtEl>
+                                        <p:attrNameLst>
+                                          <p:attrName>style.visibility</p:attrName>
+                                        </p:attrNameLst>
+                                      </p:cBhvr>
+                                      <p:to>
+                                        <p:strVal val="visible"/>
+                                      </p:to>
+                                    </p:set>
+                                  </p:childTnLst>
+                                </p:cTn>
+                              </p:par>
+                            </p:childTnLst>
+                          </p:cTn>
+                        </p:par>
+                      </p:childTnLst>
+                    </p:cTn>
+                  </p:par>
+                  <p:par>
+                    <p:cTn id="15" fill="hold">
+                      <p:stCondLst>
+                        <p:cond delay="indefinite"/>
+                      </p:stCondLst>
+                      <p:childTnLst>
+                        <p:par>
+                          <p:cTn id="16" fill="hold">
+                            <p:stCondLst>
+                              <p:cond delay="0"/>
+                            </p:stCondLst>
+                            <p:childTnLst>
+                              <p:par>
+                                <p:cTn id="17" presetID="1" presetClass="entr" presetSubtype="0" fill="hold" grpId="0" nodeType="clickEffect">
+                                  <p:stCondLst>
+                                    <p:cond delay="0"/>
+                                  </p:stCondLst>
+                                  <p:childTnLst>
+                                    <p:set>
+                                      <p:cBhvr>
+                                        <p:cTn id="18" dur="1" fill="hold">
+                                          <p:stCondLst>
+                                            <p:cond delay="0"/>
+                                          </p:stCondLst>
+                                        </p:cTn>
+                                        <p:tgtEl>
+                                          <p:spTgt spid="3">
+                                            <p:txEl>
+                                              <p:pRg st="4" end="4"/>
+                                            </p:txEl>
+                                          </p:spTgt>
+                                        </p:tgtEl>
+                                        <p:attrNameLst>
+                                          <p:attrName>style.visibility</p:attrName>
+                                        </p:attrNameLst>
+                                      </p:cBhvr>
+                                      <p:to>
+                                        <p:strVal val="visible"/>
+                                      </p:to>
+                                    </p:set>
+                                  </p:childTnLst>
+                                </p:cTn>
+                              </p:par>
+                              <p:par>
+                                <p:cTn id="19" presetID="1" presetClass="entr" presetSubtype="0" fill="hold" grpId="0" nodeType="withEffect">
+                                  <p:stCondLst>
+                                    <p:cond delay="0"/>
+                                  </p:stCondLst>
+                                  <p:childTnLst>
+                                    <p:set>
+                                      <p:cBhvr>
+                                        <p:cTn id="20" dur="1" fill="hold">
+                                          <p:stCondLst>
+                                            <p:cond delay="0"/>
+                                          </p:stCondLst>
+                                        </p:cTn>
+                                        <p:tgtEl>
+                                          <p:spTgt spid="3">
+                                            <p:txEl>
+                                              <p:pRg st="5" end="5"/>
+                                            </p:txEl>
+                                          </p:spTgt>
+                                        </p:tgtEl>
+                                        <p:attrNameLst>
+                                          <p:attrName>style.visibility</p:attrName>
+                                        </p:attrNameLst>
+                                      </p:cBhvr>
+                                      <p:to>
+                                        <p:strVal val="visible"/>
+                                      </p:to>
+                                    </p:set>
+                                  </p:childTnLst>
+                                </p:cTn>
+                              </p:par>
+                            </p:childTnLst>
+                          </p:cTn>
+                        </p:par>
+                      </p:childTnLst>
+                    </p:cTn>
+                  </p:par>
+                  <p:par>
+                    <p:cTn id="21" fill="hold">
+                      <p:stCondLst>
+                        <p:cond delay="indefinite"/>
+                      </p:stCondLst>
+                      <p:childTnLst>
+                        <p:par>
+                          <p:cTn id="22" fill="hold">
+                            <p:stCondLst>
+                              <p:cond delay="0"/>
+                            </p:stCondLst>
+                            <p:childTnLst>
+                              <p:par>
+                                <p:cTn id="23" presetID="1" presetClass="entr" presetSubtype="0" fill="hold" nodeType="clickEffect">
+                                  <p:stCondLst>
+                                    <p:cond delay="0"/>
+                                  </p:stCondLst>
+                                  <p:childTnLst>
+                                    <p:set>
+                                      <p:cBhvr>
+                                        <p:cTn id="24" dur="1" fill="hold">
+                                          <p:stCondLst>
+                                            <p:cond delay="0"/>
+                                          </p:stCondLst>
+                                        </p:cTn>
+                                        <p:tgtEl>
+                                          <p:spTgt spid="50"/>
+                                        </p:tgtEl>
+                                        <p:attrNameLst>
+                                          <p:attrName>style.visibility</p:attrName>
+                                        </p:attrNameLst>
+                                      </p:cBhvr>
+                                      <p:to>
+                                        <p:strVal val="visible"/>
+                                      </p:to>
+                                    </p:set>
+                                  </p:childTnLst>
+                                </p:cTn>
+                              </p:par>
+                            </p:childTnLst>
+                          </p:cTn>
+                        </p:par>
+                      </p:childTnLst>
+                    </p:cTn>
+                  </p:par>
+                  <p:par>
+                    <p:cTn id="25" fill="hold">
+                      <p:stCondLst>
+                        <p:cond delay="indefinite"/>
+                      </p:stCondLst>
+                      <p:childTnLst>
+                        <p:par>
+                          <p:cTn id="26" fill="hold">
+                            <p:stCondLst>
+                              <p:cond delay="0"/>
+                            </p:stCondLst>
+                            <p:childTnLst>
+                              <p:par>
+                                <p:cTn id="27" presetID="1" presetClass="entr" presetSubtype="0" fill="hold" grpId="0" nodeType="clickEffect">
+                                  <p:stCondLst>
+                                    <p:cond delay="0"/>
+                                  </p:stCondLst>
+                                  <p:childTnLst>
+                                    <p:set>
+                                      <p:cBhvr>
+                                        <p:cTn id="28" dur="1" fill="hold">
+                                          <p:stCondLst>
+                                            <p:cond delay="0"/>
+                                          </p:stCondLst>
+                                        </p:cTn>
+                                        <p:tgtEl>
+                                          <p:spTgt spid="3">
+                                            <p:txEl>
+                                              <p:pRg st="8" end="8"/>
+                                            </p:txEl>
+                                          </p:spTgt>
+                                        </p:tgtEl>
+                                        <p:attrNameLst>
+                                          <p:attrName>style.visibility</p:attrName>
+                                        </p:attrNameLst>
+                                      </p:cBhvr>
+                                      <p:to>
+                                        <p:strVal val="visible"/>
+                                      </p:to>
+                                    </p:set>
+                                  </p:childTnLst>
+                                </p:cTn>
+                              </p:par>
+                              <p:par>
+                                <p:cTn id="29" presetID="1" presetClass="entr" presetSubtype="0" fill="hold" grpId="0" nodeType="withEffect">
+                                  <p:stCondLst>
+                                    <p:cond delay="0"/>
+                                  </p:stCondLst>
+                                  <p:childTnLst>
+                                    <p:set>
+                                      <p:cBhvr>
+                                        <p:cTn id="30" dur="1" fill="hold">
+                                          <p:stCondLst>
+                                            <p:cond delay="0"/>
+                                          </p:stCondLst>
+                                        </p:cTn>
+                                        <p:tgtEl>
+                                          <p:spTgt spid="3">
+                                            <p:txEl>
+                                              <p:pRg st="9" end="9"/>
+                                            </p:txEl>
+                                          </p:spTgt>
+                                        </p:tgtEl>
+                                        <p:attrNameLst>
+                                          <p:attrName>style.visibility</p:attrName>
+                                        </p:attrNameLst>
+                                      </p:cBhvr>
+                                      <p:to>
+                                        <p:strVal val="visible"/>
+                                      </p:to>
+                                    </p:set>
+                                  </p:childTnLst>
+                                </p:cTn>
+                              </p:par>
+                            </p:childTnLst>
+                          </p:cTn>
+                        </p:par>
+                      </p:childTnLst>
+                    </p:cTn>
+                  </p:par>
+                  <p:par>
+                    <p:cTn id="31" fill="hold">
+                      <p:stCondLst>
+                        <p:cond delay="indefinite"/>
+                      </p:stCondLst>
+                      <p:childTnLst>
+                        <p:par>
+                          <p:cTn id="32" fill="hold">
+                            <p:stCondLst>
+                              <p:cond delay="0"/>
+                            </p:stCondLst>
+                            <p:childTnLst>
+                              <p:par>
+                                <p:cTn id="33" presetID="1" presetClass="entr" presetSubtype="0" fill="hold" nodeType="clickEffect">
+                                  <p:stCondLst>
+                                    <p:cond delay="0"/>
+                                  </p:stCondLst>
+                                  <p:childTnLst>
+                                    <p:set>
+                                      <p:cBhvr>
+                                        <p:cTn id="34" dur="1" fill="hold">
+                                          <p:stCondLst>
+                                            <p:cond delay="0"/>
+                                          </p:stCondLst>
+                                        </p:cTn>
+                                        <p:tgtEl>
+                                          <p:spTgt spid="55"/>
+                                        </p:tgtEl>
+                                        <p:attrNameLst>
+                                          <p:attrName>style.visibility</p:attrName>
+                                        </p:attrNameLst>
+                                      </p:cBhvr>
+                                      <p:to>
+                                        <p:strVal val="visible"/>
+                                      </p:to>
+                                    </p:set>
+                                  </p:childTnLst>
+                                </p:cTn>
+                              </p:par>
+                            </p:childTnLst>
+                          </p:cTn>
+                        </p:par>
+                      </p:childTnLst>
+                    </p:cTn>
+                  </p:par>
+                </p:childTnLst>
+              </p:cTn>
+              <p:prevCondLst>
+                <p:cond evt="onPrev" delay="0">
+                  <p:tgtEl>
+                    <p:sldTgt/>
+                  </p:tgtEl>
+                </p:cond>
+              </p:prevCondLst>
+              <p:nextCondLst>
+                <p:cond evt="onNext" delay="0">
+                  <p:tgtEl>
+                    <p:sldTgt/>
+                  </p:tgtEl>
+                </p:cond>
+              </p:nextCondLst>
+            </p:seq>
+          </p:childTnLst>
+        </p:cTn>
+      </p:par>
+    </p:tnLst>
+    <p:bldLst>
+      <p:bldP spid="3" grpId="0" uiExpand="1" build="p"/>
+    </p:bldLst>
+  </p:timing>
+</p:sld>
+</file>
+
+<file path=ppt/slides/slide8.xml><?xml version="1.0" encoding="utf-8"?>
+<p:sld xmlns:a="http://schemas.openxmlformats.org/drawingml/2006/main" xmlns:r="http://schemas.openxmlformats.org/officeDocument/2006/relationships" xmlns:p="http://schemas.openxmlformats.org/presentationml/2006/main">
+  <p:cSld>
+    <p:spTree>
+      <p:nvGrpSpPr>
+        <p:cNvPr id="1" name=""/>
+        <p:cNvGrpSpPr/>
+        <p:nvPr/>
+      </p:nvGrpSpPr>
+      <p:grpSpPr>
+        <a:xfrm>
+          <a:off x="0" y="0"/>
+          <a:ext cx="0" cy="0"/>
+          <a:chOff x="0" y="0"/>
+          <a:chExt cx="0" cy="0"/>
+        </a:xfrm>
+      </p:grpSpPr>
+      <p:sp>
+        <p:nvSpPr>
+          <p:cNvPr id="2" name="Title 1"/>
+          <p:cNvSpPr>
+            <a:spLocks noGrp="1"/>
+          </p:cNvSpPr>
+          <p:nvPr>
+            <p:ph type="title"/>
+          </p:nvPr>
+        </p:nvSpPr>
+        <p:spPr/>
+        <p:txBody>
+          <a:bodyPr/>
+          <a:lstStyle/>
+          <a:p>
+            <a:r>
+              <a:rPr lang="en-US" dirty="0" smtClean="0"/>
+              <a:t>Make file</a:t>
+            </a:r>
+            <a:endParaRPr lang="en-US" dirty="0"/>
+          </a:p>
+        </p:txBody>
+      </p:sp>
+      <p:sp>
+        <p:nvSpPr>
+          <p:cNvPr id="3" name="Slide Number Placeholder 2"/>
+          <p:cNvSpPr>
+            <a:spLocks noGrp="1"/>
+          </p:cNvSpPr>
+          <p:nvPr>
+            <p:ph type="sldNum" sz="quarter" idx="12"/>
+          </p:nvPr>
+        </p:nvSpPr>
+        <p:spPr/>
+        <p:txBody>
+          <a:bodyPr/>
+          <a:lstStyle/>
+          <a:p>
+            <a:fld id="{2F8BA72C-5DC7-4014-AC42-C5F5AAAF9B79}" type="slidenum">
+              <a:rPr lang="en-US" smtClean="0"/>
+              <a:t>8</a:t>
+            </a:fld>
+            <a:endParaRPr lang="en-US"/>
+          </a:p>
+        </p:txBody>
+      </p:sp>
+      <p:grpSp>
+        <p:nvGrpSpPr>
+          <p:cNvPr id="4" name="Group 3"/>
+          <p:cNvGrpSpPr/>
+          <p:nvPr/>
+        </p:nvGrpSpPr>
+        <p:grpSpPr>
+          <a:xfrm>
+            <a:off x="628650" y="1825625"/>
+            <a:ext cx="6672417" cy="3539430"/>
+            <a:chOff x="628650" y="1825625"/>
+            <a:chExt cx="6672417" cy="3539430"/>
+          </a:xfrm>
+        </p:grpSpPr>
+        <p:sp>
+          <p:nvSpPr>
+            <p:cNvPr id="5" name="TextBox 4"/>
+            <p:cNvSpPr txBox="1"/>
+            <p:nvPr/>
+          </p:nvSpPr>
+          <p:spPr>
+            <a:xfrm>
+              <a:off x="628650" y="1825625"/>
+              <a:ext cx="6672417" cy="3539430"/>
+            </a:xfrm>
+            <a:prstGeom prst="rect">
+              <a:avLst/>
+            </a:prstGeom>
+            <a:solidFill>
+              <a:schemeClr val="bg1">
+                <a:lumMod val="75000"/>
+              </a:schemeClr>
+            </a:solidFill>
+          </p:spPr>
+          <p:txBody>
+            <a:bodyPr wrap="square" rtlCol="0">
+              <a:spAutoFit/>
+            </a:bodyPr>
+            <a:lstStyle/>
+            <a:p>
+              <a:r>
+                <a:rPr lang="nn-NO" sz="1600" dirty="0" smtClean="0">
+                  <a:latin typeface="Courier New" pitchFamily="49" charset="0"/>
+                  <a:cs typeface="Courier New" pitchFamily="49" charset="0"/>
+                </a:rPr>
+                <a:t>CXX = g++</a:t>
+              </a:r>
+            </a:p>
+            <a:p>
+              <a:r>
+                <a:rPr lang="nn-NO" sz="1600" dirty="0" smtClean="0">
+                  <a:latin typeface="Courier New" pitchFamily="49" charset="0"/>
+                  <a:cs typeface="Courier New" pitchFamily="49" charset="0"/>
+                </a:rPr>
+                <a:t>CXXFLAGS = -O2  -g  -Wall  -std=c++14</a:t>
+              </a:r>
+            </a:p>
+            <a:p>
+              <a:r>
+                <a:rPr lang="nn-NO" sz="1600" dirty="0" smtClean="0">
+                  <a:latin typeface="Courier New" pitchFamily="49" charset="0"/>
+                  <a:cs typeface="Courier New" pitchFamily="49" charset="0"/>
+                </a:rPr>
+                <a:t>LIBS = -lm</a:t>
+              </a:r>
+            </a:p>
+            <a:p>
+              <a:endParaRPr lang="nn-NO" sz="1600" dirty="0">
+                <a:latin typeface="Courier New" pitchFamily="49" charset="0"/>
+                <a:cs typeface="Courier New" pitchFamily="49" charset="0"/>
+              </a:endParaRPr>
+            </a:p>
+            <a:p>
+              <a:r>
+                <a:rPr lang="nn-NO" sz="1600" dirty="0" smtClean="0">
+                  <a:latin typeface="Courier New" pitchFamily="49" charset="0"/>
+                  <a:cs typeface="Courier New" pitchFamily="49" charset="0"/>
+                </a:rPr>
+                <a:t>all: particles.exe</a:t>
+              </a:r>
+            </a:p>
+            <a:p>
+              <a:endParaRPr lang="nn-NO" sz="1600" dirty="0">
+                <a:latin typeface="Courier New" pitchFamily="49" charset="0"/>
+                <a:cs typeface="Courier New" pitchFamily="49" charset="0"/>
+              </a:endParaRPr>
+            </a:p>
+            <a:p>
+              <a:r>
+                <a:rPr lang="nn-NO" sz="1600" dirty="0" smtClean="0">
+                  <a:latin typeface="Courier New" pitchFamily="49" charset="0"/>
+                  <a:cs typeface="Courier New" pitchFamily="49" charset="0"/>
+                </a:rPr>
+                <a:t>particles.exe: particle.o main.o</a:t>
+              </a:r>
+            </a:p>
+            <a:p>
+              <a:r>
+                <a:rPr lang="nn-NO" sz="1600" dirty="0" smtClean="0">
+                  <a:latin typeface="Courier New" pitchFamily="49" charset="0"/>
+                  <a:cs typeface="Courier New" pitchFamily="49" charset="0"/>
+                </a:rPr>
+                <a:t>	$(CXX)  $(CXXFLAGS)   -o $@  $^  $(LIBS)</a:t>
+              </a:r>
+            </a:p>
+            <a:p>
+              <a:endParaRPr lang="nn-NO" sz="1600" dirty="0">
+                <a:latin typeface="Courier New" pitchFamily="49" charset="0"/>
+                <a:cs typeface="Courier New" pitchFamily="49" charset="0"/>
+              </a:endParaRPr>
+            </a:p>
+            <a:p>
+              <a:r>
+                <a:rPr lang="nn-NO" sz="1600" dirty="0" smtClean="0">
+                  <a:latin typeface="Courier New" pitchFamily="49" charset="0"/>
+                  <a:cs typeface="Courier New" pitchFamily="49" charset="0"/>
+                </a:rPr>
+                <a:t>%.o: %.cpp</a:t>
+              </a:r>
+            </a:p>
+            <a:p>
+              <a:r>
+                <a:rPr lang="nn-NO" sz="1600" dirty="0">
+                  <a:latin typeface="Courier New" pitchFamily="49" charset="0"/>
+                  <a:cs typeface="Courier New" pitchFamily="49" charset="0"/>
+                </a:rPr>
+                <a:t>	</a:t>
+              </a:r>
+              <a:r>
+                <a:rPr lang="nn-NO" sz="1600" dirty="0" smtClean="0">
+                  <a:latin typeface="Courier New" pitchFamily="49" charset="0"/>
+                  <a:cs typeface="Courier New" pitchFamily="49" charset="0"/>
+                </a:rPr>
+                <a:t>$(CXX)  $(CXXFLAGS)  -c  -o $@  $^</a:t>
+              </a:r>
+            </a:p>
+            <a:p>
+              <a:endParaRPr lang="nn-NO" sz="1600" dirty="0">
+                <a:latin typeface="Courier New" pitchFamily="49" charset="0"/>
+                <a:cs typeface="Courier New" pitchFamily="49" charset="0"/>
+              </a:endParaRPr>
+            </a:p>
+            <a:p>
+              <a:r>
+                <a:rPr lang="nn-NO" sz="1600" dirty="0" smtClean="0">
+                  <a:latin typeface="Courier New" pitchFamily="49" charset="0"/>
+                  <a:cs typeface="Courier New" pitchFamily="49" charset="0"/>
+                </a:rPr>
+                <a:t>clean:</a:t>
+              </a:r>
+            </a:p>
+            <a:p>
+              <a:r>
+                <a:rPr lang="nn-NO" sz="1600" dirty="0">
+                  <a:latin typeface="Courier New" pitchFamily="49" charset="0"/>
+                  <a:cs typeface="Courier New" pitchFamily="49" charset="0"/>
+                </a:rPr>
+                <a:t>	</a:t>
+              </a:r>
+              <a:r>
+                <a:rPr lang="nn-NO" sz="1600" dirty="0" smtClean="0">
+                  <a:latin typeface="Courier New" pitchFamily="49" charset="0"/>
+                  <a:cs typeface="Courier New" pitchFamily="49" charset="0"/>
+                </a:rPr>
+                <a:t>rm -f particles.exe *.o</a:t>
+              </a:r>
+              <a:endParaRPr lang="nn-NO" sz="1600" dirty="0">
+                <a:latin typeface="Courier New" pitchFamily="49" charset="0"/>
+                <a:cs typeface="Courier New" pitchFamily="49" charset="0"/>
+              </a:endParaRPr>
+            </a:p>
+          </p:txBody>
+        </p:sp>
+        <p:sp>
+          <p:nvSpPr>
+            <p:cNvPr id="6" name="TextBox 5"/>
+            <p:cNvSpPr txBox="1"/>
+            <p:nvPr/>
+          </p:nvSpPr>
+          <p:spPr>
+            <a:xfrm>
+              <a:off x="6353808" y="1825625"/>
+              <a:ext cx="928459" cy="276999"/>
+            </a:xfrm>
+            <a:prstGeom prst="rect">
+              <a:avLst/>
+            </a:prstGeom>
+            <a:solidFill>
+              <a:schemeClr val="bg1"/>
+            </a:solidFill>
+            <a:ln>
+              <a:solidFill>
+                <a:schemeClr val="tx1"/>
+              </a:solidFill>
+            </a:ln>
+          </p:spPr>
+          <p:txBody>
+            <a:bodyPr wrap="none" rtlCol="0">
+              <a:spAutoFit/>
+            </a:bodyPr>
+            <a:lstStyle/>
+            <a:p>
+              <a:r>
+                <a:rPr lang="en-US" sz="1200" dirty="0" err="1" smtClean="0">
+                  <a:latin typeface="Courier New" panose="02070309020205020404" pitchFamily="49" charset="0"/>
+                  <a:cs typeface="Courier New" panose="02070309020205020404" pitchFamily="49" charset="0"/>
+                </a:rPr>
+                <a:t>Makefile</a:t>
+              </a:r>
+              <a:endParaRPr lang="en-US" sz="1200" dirty="0">
+                <a:latin typeface="Courier New" panose="02070309020205020404" pitchFamily="49" charset="0"/>
+                <a:cs typeface="Courier New" panose="02070309020205020404" pitchFamily="49" charset="0"/>
+              </a:endParaRPr>
+            </a:p>
+          </p:txBody>
+        </p:sp>
+      </p:grpSp>
+      <p:grpSp>
+        <p:nvGrpSpPr>
+          <p:cNvPr id="7" name="Group 6"/>
+          <p:cNvGrpSpPr/>
+          <p:nvPr/>
+        </p:nvGrpSpPr>
+        <p:grpSpPr>
+          <a:xfrm>
+            <a:off x="1995948" y="1133128"/>
+            <a:ext cx="4640827" cy="830996"/>
+            <a:chOff x="-964783" y="2790404"/>
+            <a:chExt cx="4640827" cy="830996"/>
+          </a:xfrm>
+        </p:grpSpPr>
+        <p:sp>
+          <p:nvSpPr>
+            <p:cNvPr id="8" name="TextBox 7"/>
+            <p:cNvSpPr txBox="1"/>
+            <p:nvPr/>
+          </p:nvSpPr>
+          <p:spPr>
+            <a:xfrm>
+              <a:off x="1748722" y="2790404"/>
+              <a:ext cx="1927322" cy="400110"/>
+            </a:xfrm>
+            <a:prstGeom prst="rect">
+              <a:avLst/>
+            </a:prstGeom>
+            <a:solidFill>
+              <a:schemeClr val="bg1"/>
+            </a:solidFill>
+            <a:ln w="19050">
+              <a:solidFill>
+                <a:schemeClr val="tx1"/>
+              </a:solidFill>
+            </a:ln>
+          </p:spPr>
+          <p:txBody>
+            <a:bodyPr wrap="square" rtlCol="0">
+              <a:spAutoFit/>
+            </a:bodyPr>
+            <a:lstStyle/>
+            <a:p>
+              <a:r>
+                <a:rPr lang="en-US" sz="2000" dirty="0" smtClean="0"/>
+                <a:t>compiler to use</a:t>
+              </a:r>
+              <a:endParaRPr lang="en-US" sz="2000" dirty="0">
+                <a:latin typeface="Courier New" panose="02070309020205020404" pitchFamily="49" charset="0"/>
+                <a:cs typeface="Courier New" panose="02070309020205020404" pitchFamily="49" charset="0"/>
+              </a:endParaRPr>
+            </a:p>
+          </p:txBody>
+        </p:sp>
+        <p:cxnSp>
+          <p:nvCxnSpPr>
+            <p:cNvPr id="9" name="Straight Arrow Connector 8"/>
+            <p:cNvCxnSpPr>
+              <a:stCxn id="8" idx="1"/>
+            </p:cNvCxnSpPr>
+            <p:nvPr/>
+          </p:nvCxnSpPr>
+          <p:spPr>
+            <a:xfrm flipH="1">
+              <a:off x="-964783" y="2990459"/>
+              <a:ext cx="2713505" cy="630941"/>
+            </a:xfrm>
+            <a:prstGeom prst="straightConnector1">
+              <a:avLst/>
+            </a:prstGeom>
+            <a:ln w="19050">
+              <a:solidFill>
+                <a:schemeClr val="tx1"/>
+              </a:solidFill>
+              <a:tailEnd type="stealth" w="lg" len="lg"/>
+            </a:ln>
+          </p:spPr>
+          <p:style>
+            <a:lnRef idx="1">
+              <a:schemeClr val="accent1"/>
+            </a:lnRef>
+            <a:fillRef idx="0">
+              <a:schemeClr val="accent1"/>
+            </a:fillRef>
+            <a:effectRef idx="0">
+              <a:schemeClr val="accent1"/>
+            </a:effectRef>
+            <a:fontRef idx="minor">
+              <a:schemeClr val="tx1"/>
+            </a:fontRef>
+          </p:style>
+        </p:cxnSp>
+      </p:grpSp>
+      <p:grpSp>
+        <p:nvGrpSpPr>
+          <p:cNvPr id="11" name="Group 10"/>
+          <p:cNvGrpSpPr/>
+          <p:nvPr/>
+        </p:nvGrpSpPr>
+        <p:grpSpPr>
+          <a:xfrm>
+            <a:off x="5338916" y="2237560"/>
+            <a:ext cx="3176434" cy="413419"/>
+            <a:chOff x="499610" y="2777095"/>
+            <a:chExt cx="3176434" cy="413419"/>
+          </a:xfrm>
+        </p:grpSpPr>
+        <p:sp>
+          <p:nvSpPr>
+            <p:cNvPr id="12" name="TextBox 11"/>
+            <p:cNvSpPr txBox="1"/>
+            <p:nvPr/>
+          </p:nvSpPr>
+          <p:spPr>
+            <a:xfrm>
+              <a:off x="1748722" y="2790404"/>
+              <a:ext cx="1927322" cy="400110"/>
+            </a:xfrm>
+            <a:prstGeom prst="rect">
+              <a:avLst/>
+            </a:prstGeom>
+            <a:solidFill>
+              <a:schemeClr val="bg1"/>
+            </a:solidFill>
+            <a:ln w="19050">
+              <a:solidFill>
+                <a:schemeClr val="tx1"/>
+              </a:solidFill>
+            </a:ln>
+          </p:spPr>
+          <p:txBody>
+            <a:bodyPr wrap="square" rtlCol="0">
+              <a:spAutoFit/>
+            </a:bodyPr>
+            <a:lstStyle/>
+            <a:p>
+              <a:r>
+                <a:rPr lang="en-US" sz="2000" dirty="0" smtClean="0"/>
+                <a:t>compiler options</a:t>
+              </a:r>
+              <a:endParaRPr lang="en-US" sz="2000" dirty="0">
+                <a:latin typeface="Courier New" panose="02070309020205020404" pitchFamily="49" charset="0"/>
+                <a:cs typeface="Courier New" panose="02070309020205020404" pitchFamily="49" charset="0"/>
+              </a:endParaRPr>
+            </a:p>
+          </p:txBody>
+        </p:sp>
+        <p:cxnSp>
+          <p:nvCxnSpPr>
+            <p:cNvPr id="13" name="Straight Arrow Connector 12"/>
+            <p:cNvCxnSpPr>
+              <a:stCxn id="12" idx="1"/>
+            </p:cNvCxnSpPr>
+            <p:nvPr/>
+          </p:nvCxnSpPr>
+          <p:spPr>
+            <a:xfrm flipH="1" flipV="1">
+              <a:off x="499610" y="2777095"/>
+              <a:ext cx="1249112" cy="213364"/>
+            </a:xfrm>
+            <a:prstGeom prst="straightConnector1">
+              <a:avLst/>
+            </a:prstGeom>
+            <a:ln w="19050">
+              <a:solidFill>
+                <a:schemeClr val="tx1"/>
+              </a:solidFill>
+              <a:tailEnd type="stealth" w="lg" len="lg"/>
+            </a:ln>
+          </p:spPr>
+          <p:style>
+            <a:lnRef idx="1">
+              <a:schemeClr val="accent1"/>
+            </a:lnRef>
+            <a:fillRef idx="0">
+              <a:schemeClr val="accent1"/>
+            </a:fillRef>
+            <a:effectRef idx="0">
+              <a:schemeClr val="accent1"/>
+            </a:effectRef>
+            <a:fontRef idx="minor">
+              <a:schemeClr val="tx1"/>
+            </a:fontRef>
+          </p:style>
+        </p:cxnSp>
+      </p:grpSp>
+      <p:grpSp>
+        <p:nvGrpSpPr>
+          <p:cNvPr id="16" name="Group 15"/>
+          <p:cNvGrpSpPr/>
+          <p:nvPr/>
+        </p:nvGrpSpPr>
+        <p:grpSpPr>
+          <a:xfrm>
+            <a:off x="2084439" y="2524534"/>
+            <a:ext cx="6430911" cy="672479"/>
+            <a:chOff x="-2754867" y="2518035"/>
+            <a:chExt cx="6430911" cy="672479"/>
+          </a:xfrm>
+        </p:grpSpPr>
+        <p:sp>
+          <p:nvSpPr>
+            <p:cNvPr id="17" name="TextBox 16"/>
+            <p:cNvSpPr txBox="1"/>
+            <p:nvPr/>
+          </p:nvSpPr>
+          <p:spPr>
+            <a:xfrm>
+              <a:off x="1748722" y="2790404"/>
+              <a:ext cx="1927322" cy="400110"/>
+            </a:xfrm>
+            <a:prstGeom prst="rect">
+              <a:avLst/>
+            </a:prstGeom>
+            <a:solidFill>
+              <a:schemeClr val="bg1"/>
+            </a:solidFill>
+            <a:ln w="19050">
+              <a:solidFill>
+                <a:schemeClr val="tx1"/>
+              </a:solidFill>
+            </a:ln>
+          </p:spPr>
+          <p:txBody>
+            <a:bodyPr wrap="square" rtlCol="0">
+              <a:spAutoFit/>
+            </a:bodyPr>
+            <a:lstStyle/>
+            <a:p>
+              <a:r>
+                <a:rPr lang="en-US" sz="2000" dirty="0" smtClean="0"/>
+                <a:t>libraries to use</a:t>
+              </a:r>
+              <a:endParaRPr lang="en-US" sz="2000" dirty="0">
+                <a:latin typeface="Courier New" panose="02070309020205020404" pitchFamily="49" charset="0"/>
+                <a:cs typeface="Courier New" panose="02070309020205020404" pitchFamily="49" charset="0"/>
+              </a:endParaRPr>
+            </a:p>
+          </p:txBody>
+        </p:sp>
+        <p:cxnSp>
+          <p:nvCxnSpPr>
+            <p:cNvPr id="18" name="Straight Arrow Connector 17"/>
+            <p:cNvCxnSpPr>
+              <a:stCxn id="17" idx="1"/>
+            </p:cNvCxnSpPr>
+            <p:nvPr/>
+          </p:nvCxnSpPr>
+          <p:spPr>
+            <a:xfrm flipH="1" flipV="1">
+              <a:off x="-2754867" y="2518035"/>
+              <a:ext cx="4503589" cy="472424"/>
+            </a:xfrm>
+            <a:prstGeom prst="straightConnector1">
+              <a:avLst/>
+            </a:prstGeom>
+            <a:ln w="19050">
+              <a:solidFill>
+                <a:schemeClr val="tx1"/>
+              </a:solidFill>
+              <a:tailEnd type="stealth" w="lg" len="lg"/>
+            </a:ln>
+          </p:spPr>
+          <p:style>
+            <a:lnRef idx="1">
+              <a:schemeClr val="accent1"/>
+            </a:lnRef>
+            <a:fillRef idx="0">
+              <a:schemeClr val="accent1"/>
+            </a:fillRef>
+            <a:effectRef idx="0">
+              <a:schemeClr val="accent1"/>
+            </a:effectRef>
+            <a:fontRef idx="minor">
+              <a:schemeClr val="tx1"/>
+            </a:fontRef>
+          </p:style>
+        </p:cxnSp>
+      </p:grpSp>
+      <p:grpSp>
+        <p:nvGrpSpPr>
+          <p:cNvPr id="20" name="Group 19"/>
+          <p:cNvGrpSpPr/>
+          <p:nvPr/>
+        </p:nvGrpSpPr>
+        <p:grpSpPr>
+          <a:xfrm>
+            <a:off x="6588028" y="3781544"/>
+            <a:ext cx="1927322" cy="533210"/>
+            <a:chOff x="1748722" y="2676039"/>
+            <a:chExt cx="1927322" cy="533210"/>
+          </a:xfrm>
+        </p:grpSpPr>
+        <p:sp>
+          <p:nvSpPr>
+            <p:cNvPr id="21" name="TextBox 20"/>
+            <p:cNvSpPr txBox="1"/>
+            <p:nvPr/>
+          </p:nvSpPr>
+          <p:spPr>
+            <a:xfrm>
+              <a:off x="2762059" y="2809139"/>
+              <a:ext cx="913985" cy="400110"/>
+            </a:xfrm>
+            <a:prstGeom prst="rect">
+              <a:avLst/>
+            </a:prstGeom>
+            <a:solidFill>
+              <a:schemeClr val="bg1"/>
+            </a:solidFill>
+            <a:ln w="19050">
+              <a:solidFill>
+                <a:schemeClr val="tx1"/>
+              </a:solidFill>
+            </a:ln>
+          </p:spPr>
+          <p:txBody>
+            <a:bodyPr wrap="square" rtlCol="0">
+              <a:spAutoFit/>
+            </a:bodyPr>
+            <a:lstStyle/>
+            <a:p>
+              <a:r>
+                <a:rPr lang="en-US" sz="2000" dirty="0" smtClean="0"/>
+                <a:t>linking</a:t>
+              </a:r>
+              <a:endParaRPr lang="en-US" sz="2000" dirty="0">
+                <a:latin typeface="Courier New" panose="02070309020205020404" pitchFamily="49" charset="0"/>
+                <a:cs typeface="Courier New" panose="02070309020205020404" pitchFamily="49" charset="0"/>
+              </a:endParaRPr>
+            </a:p>
+          </p:txBody>
+        </p:sp>
+        <p:cxnSp>
+          <p:nvCxnSpPr>
+            <p:cNvPr id="22" name="Straight Arrow Connector 21"/>
+            <p:cNvCxnSpPr>
+              <a:stCxn id="21" idx="1"/>
+            </p:cNvCxnSpPr>
+            <p:nvPr/>
+          </p:nvCxnSpPr>
+          <p:spPr>
+            <a:xfrm flipH="1" flipV="1">
+              <a:off x="1748722" y="2676039"/>
+              <a:ext cx="1013337" cy="333155"/>
+            </a:xfrm>
+            <a:prstGeom prst="straightConnector1">
+              <a:avLst/>
+            </a:prstGeom>
+            <a:ln w="19050">
+              <a:solidFill>
+                <a:schemeClr val="tx1"/>
+              </a:solidFill>
+              <a:tailEnd type="stealth" w="lg" len="lg"/>
+            </a:ln>
+          </p:spPr>
+          <p:style>
+            <a:lnRef idx="1">
+              <a:schemeClr val="accent1"/>
+            </a:lnRef>
+            <a:fillRef idx="0">
+              <a:schemeClr val="accent1"/>
+            </a:fillRef>
+            <a:effectRef idx="0">
+              <a:schemeClr val="accent1"/>
+            </a:effectRef>
+            <a:fontRef idx="minor">
+              <a:schemeClr val="tx1"/>
+            </a:fontRef>
+          </p:style>
+        </p:cxnSp>
+      </p:grpSp>
+      <p:grpSp>
+        <p:nvGrpSpPr>
+          <p:cNvPr id="25" name="Group 24"/>
+          <p:cNvGrpSpPr/>
+          <p:nvPr/>
+        </p:nvGrpSpPr>
+        <p:grpSpPr>
+          <a:xfrm>
+            <a:off x="6017342" y="4492521"/>
+            <a:ext cx="2494214" cy="451386"/>
+            <a:chOff x="1278509" y="2778348"/>
+            <a:chExt cx="2494214" cy="451386"/>
+          </a:xfrm>
+        </p:grpSpPr>
+        <p:sp>
+          <p:nvSpPr>
+            <p:cNvPr id="26" name="TextBox 25"/>
+            <p:cNvSpPr txBox="1"/>
+            <p:nvPr/>
+          </p:nvSpPr>
+          <p:spPr>
+            <a:xfrm>
+              <a:off x="2562234" y="2829624"/>
+              <a:ext cx="1210489" cy="400110"/>
+            </a:xfrm>
+            <a:prstGeom prst="rect">
+              <a:avLst/>
+            </a:prstGeom>
+            <a:solidFill>
+              <a:schemeClr val="bg1"/>
+            </a:solidFill>
+            <a:ln w="19050">
+              <a:solidFill>
+                <a:schemeClr val="tx1"/>
+              </a:solidFill>
+            </a:ln>
+          </p:spPr>
+          <p:txBody>
+            <a:bodyPr wrap="square" rtlCol="0">
+              <a:spAutoFit/>
+            </a:bodyPr>
+            <a:lstStyle/>
+            <a:p>
+              <a:r>
+                <a:rPr lang="en-US" sz="2000" dirty="0" smtClean="0"/>
+                <a:t>compiling</a:t>
+              </a:r>
+              <a:endParaRPr lang="en-US" sz="2000" dirty="0">
+                <a:latin typeface="Courier New" panose="02070309020205020404" pitchFamily="49" charset="0"/>
+                <a:cs typeface="Courier New" panose="02070309020205020404" pitchFamily="49" charset="0"/>
+              </a:endParaRPr>
+            </a:p>
+          </p:txBody>
+        </p:sp>
+        <p:cxnSp>
+          <p:nvCxnSpPr>
+            <p:cNvPr id="27" name="Straight Arrow Connector 26"/>
+            <p:cNvCxnSpPr>
+              <a:stCxn id="26" idx="1"/>
+            </p:cNvCxnSpPr>
+            <p:nvPr/>
+          </p:nvCxnSpPr>
+          <p:spPr>
+            <a:xfrm flipH="1" flipV="1">
+              <a:off x="1278509" y="2778348"/>
+              <a:ext cx="1283725" cy="251331"/>
+            </a:xfrm>
+            <a:prstGeom prst="straightConnector1">
+              <a:avLst/>
+            </a:prstGeom>
+            <a:ln w="19050">
+              <a:solidFill>
+                <a:schemeClr val="tx1"/>
+              </a:solidFill>
+              <a:tailEnd type="stealth" w="lg" len="lg"/>
+            </a:ln>
+          </p:spPr>
+          <p:style>
+            <a:lnRef idx="1">
+              <a:schemeClr val="accent1"/>
+            </a:lnRef>
+            <a:fillRef idx="0">
+              <a:schemeClr val="accent1"/>
+            </a:fillRef>
+            <a:effectRef idx="0">
+              <a:schemeClr val="accent1"/>
+            </a:effectRef>
+            <a:fontRef idx="minor">
+              <a:schemeClr val="tx1"/>
+            </a:fontRef>
+          </p:style>
+        </p:cxnSp>
+      </p:grpSp>
+      <p:grpSp>
+        <p:nvGrpSpPr>
+          <p:cNvPr id="30" name="Group 29"/>
+          <p:cNvGrpSpPr/>
+          <p:nvPr/>
+        </p:nvGrpSpPr>
+        <p:grpSpPr>
+          <a:xfrm>
+            <a:off x="4798142" y="5209887"/>
+            <a:ext cx="3713414" cy="635697"/>
+            <a:chOff x="59309" y="2594037"/>
+            <a:chExt cx="3713414" cy="635697"/>
+          </a:xfrm>
+        </p:grpSpPr>
+        <p:sp>
+          <p:nvSpPr>
+            <p:cNvPr id="31" name="TextBox 30"/>
+            <p:cNvSpPr txBox="1"/>
+            <p:nvPr/>
+          </p:nvSpPr>
+          <p:spPr>
+            <a:xfrm>
+              <a:off x="2562234" y="2829624"/>
+              <a:ext cx="1210489" cy="400110"/>
+            </a:xfrm>
+            <a:prstGeom prst="rect">
+              <a:avLst/>
+            </a:prstGeom>
+            <a:solidFill>
+              <a:schemeClr val="bg1"/>
+            </a:solidFill>
+            <a:ln w="19050">
+              <a:solidFill>
+                <a:schemeClr val="tx1"/>
+              </a:solidFill>
+            </a:ln>
+          </p:spPr>
+          <p:txBody>
+            <a:bodyPr wrap="square" rtlCol="0">
+              <a:spAutoFit/>
+            </a:bodyPr>
+            <a:lstStyle/>
+            <a:p>
+              <a:r>
+                <a:rPr lang="en-US" sz="2000" dirty="0" smtClean="0"/>
+                <a:t>clean up</a:t>
+              </a:r>
+              <a:endParaRPr lang="en-US" sz="2000" dirty="0">
+                <a:latin typeface="Courier New" panose="02070309020205020404" pitchFamily="49" charset="0"/>
+                <a:cs typeface="Courier New" panose="02070309020205020404" pitchFamily="49" charset="0"/>
+              </a:endParaRPr>
+            </a:p>
+          </p:txBody>
+        </p:sp>
+        <p:cxnSp>
+          <p:nvCxnSpPr>
+            <p:cNvPr id="32" name="Straight Arrow Connector 31"/>
+            <p:cNvCxnSpPr>
+              <a:stCxn id="31" idx="1"/>
+            </p:cNvCxnSpPr>
+            <p:nvPr/>
+          </p:nvCxnSpPr>
+          <p:spPr>
+            <a:xfrm flipH="1" flipV="1">
+              <a:off x="59309" y="2594037"/>
+              <a:ext cx="2502925" cy="435642"/>
+            </a:xfrm>
+            <a:prstGeom prst="straightConnector1">
+              <a:avLst/>
+            </a:prstGeom>
+            <a:ln w="19050">
+              <a:solidFill>
+                <a:schemeClr val="tx1"/>
+              </a:solidFill>
+              <a:tailEnd type="stealth" w="lg" len="lg"/>
+            </a:ln>
+          </p:spPr>
+          <p:style>
+            <a:lnRef idx="1">
+              <a:schemeClr val="accent1"/>
+            </a:lnRef>
+            <a:fillRef idx="0">
+              <a:schemeClr val="accent1"/>
+            </a:fillRef>
+            <a:effectRef idx="0">
+              <a:schemeClr val="accent1"/>
+            </a:effectRef>
+            <a:fontRef idx="minor">
+              <a:schemeClr val="tx1"/>
+            </a:fontRef>
+          </p:style>
+        </p:cxnSp>
+      </p:grpSp>
+    </p:spTree>
+    <p:extLst>
+      <p:ext uri="{BB962C8B-B14F-4D97-AF65-F5344CB8AC3E}">
+        <p14:creationId xmlns:p14="http://schemas.microsoft.com/office/powerpoint/2010/main" val="4246392540"/>
+      </p:ext>
+    </p:extLst>
+  </p:cSld>
+  <p:clrMapOvr>
+    <a:masterClrMapping/>
+  </p:clrMapOvr>
+  <p:timing>
+    <p:tnLst>
+      <p:par>
+        <p:cTn id="1" dur="indefinite" restart="never" nodeType="tmRoot">
+          <p:childTnLst>
+            <p:seq concurrent="1" nextAc="seek">
+              <p:cTn id="2" dur="indefinite" nodeType="mainSeq">
+                <p:childTnLst>
+                  <p:par>
+                    <p:cTn id="3" fill="hold">
+                      <p:stCondLst>
+                        <p:cond delay="indefinite"/>
+                      </p:stCondLst>
+                      <p:childTnLst>
+                        <p:par>
+                          <p:cTn id="4" fill="hold">
+                            <p:stCondLst>
+                              <p:cond delay="0"/>
+                            </p:stCondLst>
+                            <p:childTnLst>
+                              <p:par>
+                                <p:cTn id="5" presetID="1" presetClass="entr" presetSubtype="0" fill="hold" nodeType="clickEffect">
+                                  <p:stCondLst>
+                                    <p:cond delay="0"/>
+                                  </p:stCondLst>
+                                  <p:childTnLst>
+                                    <p:set>
+                                      <p:cBhvr>
+                                        <p:cTn id="6" dur="1" fill="hold">
+                                          <p:stCondLst>
+                                            <p:cond delay="0"/>
+                                          </p:stCondLst>
+                                        </p:cTn>
+                                        <p:tgtEl>
+                                          <p:spTgt spid="7"/>
+                                        </p:tgtEl>
+                                        <p:attrNameLst>
+                                          <p:attrName>style.visibility</p:attrName>
+                                        </p:attrNameLst>
+                                      </p:cBhvr>
+                                      <p:to>
+                                        <p:strVal val="visible"/>
+                                      </p:to>
+                                    </p:set>
+                                  </p:childTnLst>
+                                </p:cTn>
+                              </p:par>
+                            </p:childTnLst>
+                          </p:cTn>
+                        </p:par>
+                      </p:childTnLst>
+                    </p:cTn>
+                  </p:par>
+                  <p:par>
+                    <p:cTn id="7" fill="hold">
+                      <p:stCondLst>
+                        <p:cond delay="indefinite"/>
+                      </p:stCondLst>
+                      <p:childTnLst>
+                        <p:par>
+                          <p:cTn id="8" fill="hold">
+                            <p:stCondLst>
+                              <p:cond delay="0"/>
+                            </p:stCondLst>
+                            <p:childTnLst>
+                              <p:par>
+                                <p:cTn id="9" presetID="1" presetClass="entr" presetSubtype="0" fill="hold" nodeType="clickEffect">
+                                  <p:stCondLst>
+                                    <p:cond delay="0"/>
+                                  </p:stCondLst>
+                                  <p:childTnLst>
+                                    <p:set>
+                                      <p:cBhvr>
+                                        <p:cTn id="10" dur="1" fill="hold">
+                                          <p:stCondLst>
+                                            <p:cond delay="0"/>
+                                          </p:stCondLst>
+                                        </p:cTn>
+                                        <p:tgtEl>
+                                          <p:spTgt spid="11"/>
+                                        </p:tgtEl>
+                                        <p:attrNameLst>
+                                          <p:attrName>style.visibility</p:attrName>
+                                        </p:attrNameLst>
+                                      </p:cBhvr>
+                                      <p:to>
+                                        <p:strVal val="visible"/>
+                                      </p:to>
+                                    </p:set>
+                                  </p:childTnLst>
+                                </p:cTn>
+                              </p:par>
+                            </p:childTnLst>
+                          </p:cTn>
+                        </p:par>
+                      </p:childTnLst>
+                    </p:cTn>
+                  </p:par>
+                  <p:par>
+                    <p:cTn id="11" fill="hold">
+                      <p:stCondLst>
+                        <p:cond delay="indefinite"/>
+                      </p:stCondLst>
+                      <p:childTnLst>
+                        <p:par>
+                          <p:cTn id="12" fill="hold">
+                            <p:stCondLst>
+                              <p:cond delay="0"/>
+                            </p:stCondLst>
+                            <p:childTnLst>
+                              <p:par>
+                                <p:cTn id="13" presetID="1" presetClass="entr" presetSubtype="0" fill="hold" nodeType="clickEffect">
+                                  <p:stCondLst>
+                                    <p:cond delay="0"/>
+                                  </p:stCondLst>
+                                  <p:childTnLst>
+                                    <p:set>
+                                      <p:cBhvr>
+                                        <p:cTn id="14" dur="1" fill="hold">
+                                          <p:stCondLst>
+                                            <p:cond delay="0"/>
+                                          </p:stCondLst>
+                                        </p:cTn>
+                                        <p:tgtEl>
+                                          <p:spTgt spid="16"/>
+                                        </p:tgtEl>
+                                        <p:attrNameLst>
+                                          <p:attrName>style.visibility</p:attrName>
+                                        </p:attrNameLst>
+                                      </p:cBhvr>
+                                      <p:to>
+                                        <p:strVal val="visible"/>
+                                      </p:to>
+                                    </p:set>
+                                  </p:childTnLst>
+                                </p:cTn>
+                              </p:par>
+                            </p:childTnLst>
+                          </p:cTn>
+                        </p:par>
+                      </p:childTnLst>
+                    </p:cTn>
+                  </p:par>
+                  <p:par>
+                    <p:cTn id="15" fill="hold">
+                      <p:stCondLst>
+                        <p:cond delay="indefinite"/>
+                      </p:stCondLst>
+                      <p:childTnLst>
+                        <p:par>
+                          <p:cTn id="16" fill="hold">
+                            <p:stCondLst>
+                              <p:cond delay="0"/>
+                            </p:stCondLst>
+                            <p:childTnLst>
+                              <p:par>
+                                <p:cTn id="17" presetID="1" presetClass="entr" presetSubtype="0" fill="hold" nodeType="clickEffect">
+                                  <p:stCondLst>
+                                    <p:cond delay="0"/>
+                                  </p:stCondLst>
+                                  <p:childTnLst>
+                                    <p:set>
+                                      <p:cBhvr>
+                                        <p:cTn id="18" dur="1" fill="hold">
+                                          <p:stCondLst>
+                                            <p:cond delay="0"/>
+                                          </p:stCondLst>
+                                        </p:cTn>
+                                        <p:tgtEl>
+                                          <p:spTgt spid="20"/>
+                                        </p:tgtEl>
+                                        <p:attrNameLst>
+                                          <p:attrName>style.visibility</p:attrName>
+                                        </p:attrNameLst>
+                                      </p:cBhvr>
+                                      <p:to>
+                                        <p:strVal val="visible"/>
+                                      </p:to>
+                                    </p:set>
+                                  </p:childTnLst>
+                                </p:cTn>
+                              </p:par>
+                            </p:childTnLst>
+                          </p:cTn>
+                        </p:par>
+                      </p:childTnLst>
+                    </p:cTn>
+                  </p:par>
+                  <p:par>
+                    <p:cTn id="19" fill="hold">
+                      <p:stCondLst>
+                        <p:cond delay="indefinite"/>
+                      </p:stCondLst>
+                      <p:childTnLst>
+                        <p:par>
+                          <p:cTn id="20" fill="hold">
+                            <p:stCondLst>
+                              <p:cond delay="0"/>
+                            </p:stCondLst>
+                            <p:childTnLst>
+                              <p:par>
+                                <p:cTn id="21" presetID="1" presetClass="entr" presetSubtype="0" fill="hold" nodeType="clickEffect">
+                                  <p:stCondLst>
+                                    <p:cond delay="0"/>
+                                  </p:stCondLst>
+                                  <p:childTnLst>
+                                    <p:set>
+                                      <p:cBhvr>
+                                        <p:cTn id="22" dur="1" fill="hold">
+                                          <p:stCondLst>
+                                            <p:cond delay="0"/>
+                                          </p:stCondLst>
+                                        </p:cTn>
+                                        <p:tgtEl>
+                                          <p:spTgt spid="25"/>
+                                        </p:tgtEl>
+                                        <p:attrNameLst>
+                                          <p:attrName>style.visibility</p:attrName>
+                                        </p:attrNameLst>
+                                      </p:cBhvr>
+                                      <p:to>
+                                        <p:strVal val="visible"/>
+                                      </p:to>
+                                    </p:set>
+                                  </p:childTnLst>
+                                </p:cTn>
+                              </p:par>
+                            </p:childTnLst>
+                          </p:cTn>
+                        </p:par>
+                      </p:childTnLst>
+                    </p:cTn>
+                  </p:par>
+                  <p:par>
+                    <p:cTn id="23" fill="hold">
+                      <p:stCondLst>
+                        <p:cond delay="indefinite"/>
+                      </p:stCondLst>
+                      <p:childTnLst>
+                        <p:par>
+                          <p:cTn id="24" fill="hold">
+                            <p:stCondLst>
+                              <p:cond delay="0"/>
+                            </p:stCondLst>
+                            <p:childTnLst>
+                              <p:par>
+                                <p:cTn id="25" presetID="1" presetClass="entr" presetSubtype="0" fill="hold" nodeType="clickEffect">
+                                  <p:stCondLst>
+                                    <p:cond delay="0"/>
+                                  </p:stCondLst>
+                                  <p:childTnLst>
+                                    <p:set>
+                                      <p:cBhvr>
+                                        <p:cTn id="26" dur="1" fill="hold">
+                                          <p:stCondLst>
+                                            <p:cond delay="0"/>
+                                          </p:stCondLst>
+                                        </p:cTn>
+                                        <p:tgtEl>
+                                          <p:spTgt spid="30"/>
+                                        </p:tgtEl>
+                                        <p:attrNameLst>
+                                          <p:attrName>style.visibility</p:attrName>
+                                        </p:attrNameLst>
+                                      </p:cBhvr>
+                                      <p:to>
+                                        <p:strVal val="visible"/>
+                                      </p:to>
+                                    </p:set>
+                                  </p:childTnLst>
+                                </p:cTn>
+                              </p:par>
+                            </p:childTnLst>
+                          </p:cTn>
+                        </p:par>
+                      </p:childTnLst>
+                    </p:cTn>
+                  </p:par>
+                </p:childTnLst>
+              </p:cTn>
+              <p:prevCondLst>
+                <p:cond evt="onPrev" delay="0">
+                  <p:tgtEl>
+                    <p:sldTgt/>
+                  </p:tgtEl>
+                </p:cond>
+              </p:prevCondLst>
+              <p:nextCondLst>
+                <p:cond evt="onNext" delay="0">
+                  <p:tgtEl>
+                    <p:sldTgt/>
+                  </p:tgtEl>
+                </p:cond>
+              </p:nextCondLst>
+            </p:seq>
+          </p:childTnLst>
+        </p:cTn>
+      </p:par>
+    </p:tnLst>
+  </p:timing>
+</p:sld>
+</file>
+
+<file path=ppt/slides/slide9.xml><?xml version="1.0" encoding="utf-8"?>
+<p:sld xmlns:a="http://schemas.openxmlformats.org/drawingml/2006/main" xmlns:r="http://schemas.openxmlformats.org/officeDocument/2006/relationships" xmlns:p="http://schemas.openxmlformats.org/presentationml/2006/main">
+  <p:cSld>
+    <p:spTree>
+      <p:nvGrpSpPr>
+        <p:cNvPr id="1" name=""/>
+        <p:cNvGrpSpPr/>
+        <p:nvPr/>
+      </p:nvGrpSpPr>
+      <p:grpSpPr>
+        <a:xfrm>
+          <a:off x="0" y="0"/>
+          <a:ext cx="0" cy="0"/>
+          <a:chOff x="0" y="0"/>
+          <a:chExt cx="0" cy="0"/>
+        </a:xfrm>
+      </p:grpSpPr>
+      <p:sp>
+        <p:nvSpPr>
+          <p:cNvPr id="2" name="Title 1"/>
+          <p:cNvSpPr>
+            <a:spLocks noGrp="1"/>
+          </p:cNvSpPr>
+          <p:nvPr>
+            <p:ph type="title"/>
+          </p:nvPr>
+        </p:nvSpPr>
+        <p:spPr/>
+        <p:txBody>
+          <a:bodyPr/>
+          <a:lstStyle/>
+          <a:p>
+            <a:r>
+              <a:rPr lang="en-US" dirty="0" smtClean="0"/>
+              <a:t>Make rule</a:t>
+            </a:r>
+            <a:endParaRPr lang="en-US" dirty="0"/>
+          </a:p>
+        </p:txBody>
+      </p:sp>
+      <p:sp>
+        <p:nvSpPr>
+          <p:cNvPr id="3" name="Content Placeholder 2"/>
+          <p:cNvSpPr>
+            <a:spLocks noGrp="1"/>
+          </p:cNvSpPr>
+          <p:nvPr>
+            <p:ph idx="1"/>
+          </p:nvPr>
+        </p:nvSpPr>
+        <p:spPr/>
+        <p:txBody>
+          <a:bodyPr/>
+          <a:lstStyle/>
+          <a:p>
+            <a:r>
+              <a:rPr lang="en-US" dirty="0" smtClean="0"/>
+              <a:t>Recipe</a:t>
+            </a:r>
+          </a:p>
+          <a:p>
+            <a:pPr lvl="1"/>
+            <a:r>
+              <a:rPr lang="en-US" dirty="0" smtClean="0"/>
+              <a:t>target: what to make</a:t>
+            </a:r>
+          </a:p>
+          <a:p>
+            <a:pPr lvl="1"/>
+            <a:r>
+              <a:rPr lang="en-US" dirty="0" smtClean="0"/>
+              <a:t>dependency: what artifacts are required</a:t>
+            </a:r>
+          </a:p>
+          <a:p>
+            <a:pPr lvl="1"/>
+            <a:r>
+              <a:rPr lang="en-US" dirty="0" smtClean="0"/>
+              <a:t>action: how to do it</a:t>
+            </a:r>
+          </a:p>
+          <a:p>
+            <a:r>
+              <a:rPr lang="en-US" dirty="0" smtClean="0"/>
+              <a:t>E.g., how to create object files?</a:t>
+            </a:r>
+            <a:endParaRPr lang="en-US" dirty="0"/>
+          </a:p>
+        </p:txBody>
+      </p:sp>
+      <p:sp>
+        <p:nvSpPr>
+          <p:cNvPr id="4" name="Slide Number Placeholder 3"/>
+          <p:cNvSpPr>
+            <a:spLocks noGrp="1"/>
+          </p:cNvSpPr>
+          <p:nvPr>
+            <p:ph type="sldNum" sz="quarter" idx="12"/>
+          </p:nvPr>
+        </p:nvSpPr>
+        <p:spPr/>
+        <p:txBody>
+          <a:bodyPr/>
+          <a:lstStyle/>
+          <a:p>
+            <a:fld id="{2F8BA72C-5DC7-4014-AC42-C5F5AAAF9B79}" type="slidenum">
+              <a:rPr lang="en-US" smtClean="0"/>
+              <a:t>9</a:t>
+            </a:fld>
+            <a:endParaRPr lang="en-US"/>
+          </a:p>
+        </p:txBody>
+      </p:sp>
+      <p:sp>
+        <p:nvSpPr>
+          <p:cNvPr id="6" name="TextBox 5"/>
+          <p:cNvSpPr txBox="1"/>
+          <p:nvPr/>
+        </p:nvSpPr>
+        <p:spPr>
+          <a:xfrm>
+            <a:off x="1847852" y="4903124"/>
+            <a:ext cx="5487015" cy="584775"/>
+          </a:xfrm>
+          <a:prstGeom prst="rect">
+            <a:avLst/>
+          </a:prstGeom>
+          <a:solidFill>
+            <a:schemeClr val="bg1">
+              <a:lumMod val="75000"/>
+            </a:schemeClr>
+          </a:solidFill>
+        </p:spPr>
+        <p:txBody>
+          <a:bodyPr wrap="square" rtlCol="0">
+            <a:spAutoFit/>
+          </a:bodyPr>
+          <a:lstStyle/>
+          <a:p>
+            <a:r>
+              <a:rPr lang="nn-NO" sz="1600" dirty="0">
+                <a:latin typeface="Courier New" pitchFamily="49" charset="0"/>
+                <a:cs typeface="Courier New" pitchFamily="49" charset="0"/>
+              </a:rPr>
+              <a:t>%.o: %.cpp</a:t>
+            </a:r>
+          </a:p>
+          <a:p>
+            <a:r>
+              <a:rPr lang="nn-NO" sz="1600" dirty="0">
+                <a:latin typeface="Courier New" pitchFamily="49" charset="0"/>
+                <a:cs typeface="Courier New" pitchFamily="49" charset="0"/>
+              </a:rPr>
+              <a:t>	$(CXX)  $(CXXFLAGS)  </a:t>
+            </a:r>
+            <a:r>
+              <a:rPr lang="nn-NO" sz="1600" b="1" dirty="0">
+                <a:solidFill>
+                  <a:srgbClr val="C00000"/>
+                </a:solidFill>
+                <a:latin typeface="Courier New" pitchFamily="49" charset="0"/>
+                <a:cs typeface="Courier New" pitchFamily="49" charset="0"/>
+              </a:rPr>
+              <a:t>-c</a:t>
+            </a:r>
+            <a:r>
+              <a:rPr lang="nn-NO" sz="1600" dirty="0">
+                <a:latin typeface="Courier New" pitchFamily="49" charset="0"/>
+                <a:cs typeface="Courier New" pitchFamily="49" charset="0"/>
+              </a:rPr>
+              <a:t>  -o $@  $^</a:t>
+            </a:r>
+          </a:p>
+        </p:txBody>
+      </p:sp>
+      <p:grpSp>
+        <p:nvGrpSpPr>
+          <p:cNvPr id="8" name="Group 7"/>
+          <p:cNvGrpSpPr/>
+          <p:nvPr/>
+        </p:nvGrpSpPr>
+        <p:grpSpPr>
+          <a:xfrm>
+            <a:off x="335326" y="4021455"/>
+            <a:ext cx="2073577" cy="953668"/>
+            <a:chOff x="2762059" y="2809139"/>
+            <a:chExt cx="2073577" cy="953668"/>
+          </a:xfrm>
+        </p:grpSpPr>
+        <p:sp>
+          <p:nvSpPr>
+            <p:cNvPr id="9" name="TextBox 8"/>
+            <p:cNvSpPr txBox="1"/>
+            <p:nvPr/>
+          </p:nvSpPr>
+          <p:spPr>
+            <a:xfrm>
+              <a:off x="2762059" y="2809139"/>
+              <a:ext cx="2073577" cy="400110"/>
+            </a:xfrm>
+            <a:prstGeom prst="rect">
+              <a:avLst/>
+            </a:prstGeom>
+            <a:solidFill>
+              <a:schemeClr val="bg1"/>
+            </a:solidFill>
+            <a:ln w="19050">
+              <a:solidFill>
+                <a:schemeClr val="tx1"/>
+              </a:solidFill>
+            </a:ln>
+          </p:spPr>
+          <p:txBody>
+            <a:bodyPr wrap="square" rtlCol="0">
+              <a:spAutoFit/>
+            </a:bodyPr>
+            <a:lstStyle/>
+            <a:p>
+              <a:r>
+                <a:rPr lang="en-US" sz="2000" dirty="0" smtClean="0"/>
+                <a:t>target = object file</a:t>
+              </a:r>
+              <a:endParaRPr lang="en-US" sz="2000" dirty="0">
+                <a:latin typeface="Courier New" panose="02070309020205020404" pitchFamily="49" charset="0"/>
+                <a:cs typeface="Courier New" panose="02070309020205020404" pitchFamily="49" charset="0"/>
+              </a:endParaRPr>
+            </a:p>
+          </p:txBody>
+        </p:sp>
+        <p:cxnSp>
+          <p:nvCxnSpPr>
+            <p:cNvPr id="10" name="Straight Arrow Connector 9"/>
+            <p:cNvCxnSpPr>
+              <a:stCxn id="9" idx="2"/>
+            </p:cNvCxnSpPr>
+            <p:nvPr/>
+          </p:nvCxnSpPr>
+          <p:spPr>
+            <a:xfrm>
+              <a:off x="3798848" y="3209249"/>
+              <a:ext cx="741820" cy="553558"/>
+            </a:xfrm>
+            <a:prstGeom prst="straightConnector1">
+              <a:avLst/>
+            </a:prstGeom>
+            <a:ln w="19050">
+              <a:solidFill>
+                <a:schemeClr val="tx1"/>
+              </a:solidFill>
+              <a:tailEnd type="stealth" w="lg" len="lg"/>
+            </a:ln>
+          </p:spPr>
+          <p:style>
+            <a:lnRef idx="1">
+              <a:schemeClr val="accent1"/>
+            </a:lnRef>
+            <a:fillRef idx="0">
+              <a:schemeClr val="accent1"/>
+            </a:fillRef>
+            <a:effectRef idx="0">
+              <a:schemeClr val="accent1"/>
+            </a:effectRef>
+            <a:fontRef idx="minor">
+              <a:schemeClr val="tx1"/>
+            </a:fontRef>
+          </p:style>
+        </p:cxnSp>
+      </p:grpSp>
+      <p:grpSp>
+        <p:nvGrpSpPr>
+          <p:cNvPr id="15" name="Group 14"/>
+          <p:cNvGrpSpPr/>
+          <p:nvPr/>
+        </p:nvGrpSpPr>
+        <p:grpSpPr>
+          <a:xfrm>
+            <a:off x="2898871" y="4021455"/>
+            <a:ext cx="3246289" cy="953668"/>
+            <a:chOff x="2762058" y="2809139"/>
+            <a:chExt cx="3246289" cy="953668"/>
+          </a:xfrm>
+        </p:grpSpPr>
+        <p:sp>
+          <p:nvSpPr>
+            <p:cNvPr id="16" name="TextBox 15"/>
+            <p:cNvSpPr txBox="1"/>
+            <p:nvPr/>
+          </p:nvSpPr>
+          <p:spPr>
+            <a:xfrm>
+              <a:off x="2762058" y="2809139"/>
+              <a:ext cx="3246289" cy="400110"/>
+            </a:xfrm>
+            <a:prstGeom prst="rect">
+              <a:avLst/>
+            </a:prstGeom>
+            <a:solidFill>
+              <a:schemeClr val="bg1"/>
+            </a:solidFill>
+            <a:ln w="19050">
+              <a:solidFill>
+                <a:schemeClr val="tx1"/>
+              </a:solidFill>
+            </a:ln>
+          </p:spPr>
+          <p:txBody>
+            <a:bodyPr wrap="square" rtlCol="0">
+              <a:spAutoFit/>
+            </a:bodyPr>
+            <a:lstStyle/>
+            <a:p>
+              <a:r>
+                <a:rPr lang="en-US" sz="2000" dirty="0" smtClean="0"/>
+                <a:t>dependency = C++ source file</a:t>
+              </a:r>
+              <a:endParaRPr lang="en-US" sz="2000" dirty="0">
+                <a:latin typeface="Courier New" panose="02070309020205020404" pitchFamily="49" charset="0"/>
+                <a:cs typeface="Courier New" panose="02070309020205020404" pitchFamily="49" charset="0"/>
+              </a:endParaRPr>
+            </a:p>
+          </p:txBody>
+        </p:sp>
+        <p:cxnSp>
+          <p:nvCxnSpPr>
+            <p:cNvPr id="17" name="Straight Arrow Connector 16"/>
+            <p:cNvCxnSpPr>
+              <a:stCxn id="16" idx="2"/>
+            </p:cNvCxnSpPr>
+            <p:nvPr/>
+          </p:nvCxnSpPr>
+          <p:spPr>
+            <a:xfrm flipH="1">
+              <a:off x="2950517" y="3209249"/>
+              <a:ext cx="1434686" cy="553558"/>
+            </a:xfrm>
+            <a:prstGeom prst="straightConnector1">
+              <a:avLst/>
+            </a:prstGeom>
+            <a:ln w="19050">
+              <a:solidFill>
+                <a:schemeClr val="tx1"/>
+              </a:solidFill>
+              <a:tailEnd type="stealth" w="lg" len="lg"/>
+            </a:ln>
+          </p:spPr>
+          <p:style>
+            <a:lnRef idx="1">
+              <a:schemeClr val="accent1"/>
+            </a:lnRef>
+            <a:fillRef idx="0">
+              <a:schemeClr val="accent1"/>
+            </a:fillRef>
+            <a:effectRef idx="0">
+              <a:schemeClr val="accent1"/>
+            </a:effectRef>
+            <a:fontRef idx="minor">
+              <a:schemeClr val="tx1"/>
+            </a:fontRef>
+          </p:style>
+        </p:cxnSp>
+      </p:grpSp>
+      <p:grpSp>
+        <p:nvGrpSpPr>
+          <p:cNvPr id="20" name="Group 19"/>
+          <p:cNvGrpSpPr/>
+          <p:nvPr/>
+        </p:nvGrpSpPr>
+        <p:grpSpPr>
+          <a:xfrm>
+            <a:off x="5502178" y="5384703"/>
+            <a:ext cx="2658596" cy="850472"/>
+            <a:chOff x="2762059" y="2358777"/>
+            <a:chExt cx="2658596" cy="850472"/>
+          </a:xfrm>
+        </p:grpSpPr>
+        <p:sp>
+          <p:nvSpPr>
+            <p:cNvPr id="21" name="TextBox 20"/>
+            <p:cNvSpPr txBox="1"/>
+            <p:nvPr/>
+          </p:nvSpPr>
+          <p:spPr>
+            <a:xfrm>
+              <a:off x="2762059" y="2809139"/>
+              <a:ext cx="2658596" cy="400110"/>
+            </a:xfrm>
+            <a:prstGeom prst="rect">
+              <a:avLst/>
+            </a:prstGeom>
+            <a:solidFill>
+              <a:schemeClr val="bg1"/>
+            </a:solidFill>
+            <a:ln w="19050">
+              <a:solidFill>
+                <a:schemeClr val="tx1"/>
+              </a:solidFill>
+            </a:ln>
+          </p:spPr>
+          <p:txBody>
+            <a:bodyPr wrap="square" rtlCol="0">
+              <a:spAutoFit/>
+            </a:bodyPr>
+            <a:lstStyle/>
+            <a:p>
+              <a:r>
+                <a:rPr lang="en-US" sz="2000" dirty="0" smtClean="0"/>
+                <a:t>only compile, don't link</a:t>
+              </a:r>
+              <a:endParaRPr lang="en-US" sz="2000" dirty="0">
+                <a:latin typeface="Courier New" panose="02070309020205020404" pitchFamily="49" charset="0"/>
+                <a:cs typeface="Courier New" panose="02070309020205020404" pitchFamily="49" charset="0"/>
+              </a:endParaRPr>
+            </a:p>
+          </p:txBody>
+        </p:sp>
+        <p:cxnSp>
+          <p:nvCxnSpPr>
+            <p:cNvPr id="22" name="Straight Arrow Connector 21"/>
+            <p:cNvCxnSpPr>
+              <a:stCxn id="21" idx="0"/>
+            </p:cNvCxnSpPr>
+            <p:nvPr/>
+          </p:nvCxnSpPr>
+          <p:spPr>
+            <a:xfrm flipH="1" flipV="1">
+              <a:off x="2974883" y="2358777"/>
+              <a:ext cx="1116474" cy="450362"/>
+            </a:xfrm>
+            <a:prstGeom prst="straightConnector1">
+              <a:avLst/>
+            </a:prstGeom>
+            <a:ln w="19050">
+              <a:solidFill>
+                <a:schemeClr val="tx1"/>
+              </a:solidFill>
+              <a:tailEnd type="stealth" w="lg" len="lg"/>
+            </a:ln>
+          </p:spPr>
+          <p:style>
+            <a:lnRef idx="1">
+              <a:schemeClr val="accent1"/>
+            </a:lnRef>
+            <a:fillRef idx="0">
+              <a:schemeClr val="accent1"/>
+            </a:fillRef>
+            <a:effectRef idx="0">
+              <a:schemeClr val="accent1"/>
+            </a:effectRef>
+            <a:fontRef idx="minor">
+              <a:schemeClr val="tx1"/>
+            </a:fontRef>
+          </p:style>
+        </p:cxnSp>
+      </p:grpSp>
+      <p:grpSp>
+        <p:nvGrpSpPr>
+          <p:cNvPr id="31" name="Group 30"/>
+          <p:cNvGrpSpPr/>
+          <p:nvPr/>
+        </p:nvGrpSpPr>
+        <p:grpSpPr>
+          <a:xfrm>
+            <a:off x="245499" y="5584723"/>
+            <a:ext cx="7738294" cy="1104104"/>
+            <a:chOff x="245499" y="5584723"/>
+            <a:chExt cx="7738294" cy="1104104"/>
+          </a:xfrm>
+        </p:grpSpPr>
+        <p:sp>
+          <p:nvSpPr>
+            <p:cNvPr id="26" name="TextBox 25"/>
+            <p:cNvSpPr txBox="1"/>
+            <p:nvPr/>
+          </p:nvSpPr>
+          <p:spPr>
+            <a:xfrm>
+              <a:off x="245499" y="6350273"/>
+              <a:ext cx="7738294" cy="338554"/>
+            </a:xfrm>
+            <a:prstGeom prst="rect">
+              <a:avLst/>
+            </a:prstGeom>
+            <a:solidFill>
+              <a:schemeClr val="bg1">
+                <a:lumMod val="75000"/>
+              </a:schemeClr>
+            </a:solidFill>
+          </p:spPr>
+          <p:txBody>
+            <a:bodyPr wrap="square" rtlCol="0">
+              <a:spAutoFit/>
+            </a:bodyPr>
+            <a:lstStyle/>
+            <a:p>
+              <a:r>
+                <a:rPr lang="nn-NO" sz="1600" dirty="0" smtClean="0">
+                  <a:latin typeface="Courier New" pitchFamily="49" charset="0"/>
+                  <a:cs typeface="Courier New" pitchFamily="49" charset="0"/>
+                </a:rPr>
+                <a:t>g++  -O2 -g -Wall -stc=c++11  -c  -o particle.o  particle.cpp</a:t>
+              </a:r>
+              <a:endParaRPr lang="nn-NO" sz="1600" dirty="0">
+                <a:latin typeface="Courier New" pitchFamily="49" charset="0"/>
+                <a:cs typeface="Courier New" pitchFamily="49" charset="0"/>
+              </a:endParaRPr>
+            </a:p>
+          </p:txBody>
+        </p:sp>
+        <p:cxnSp>
+          <p:nvCxnSpPr>
+            <p:cNvPr id="27" name="Straight Arrow Connector 26"/>
+            <p:cNvCxnSpPr/>
+            <p:nvPr/>
+          </p:nvCxnSpPr>
+          <p:spPr>
+            <a:xfrm>
+              <a:off x="3087330" y="5584723"/>
+              <a:ext cx="0" cy="650452"/>
+            </a:xfrm>
+            <a:prstGeom prst="straightConnector1">
+              <a:avLst/>
+            </a:prstGeom>
+            <a:ln w="76200">
+              <a:solidFill>
+                <a:schemeClr val="tx1"/>
+              </a:solidFill>
+              <a:tailEnd type="stealth"/>
+            </a:ln>
+          </p:spPr>
+          <p:style>
+            <a:lnRef idx="1">
+              <a:schemeClr val="accent1"/>
+            </a:lnRef>
+            <a:fillRef idx="0">
+              <a:schemeClr val="accent1"/>
+            </a:fillRef>
+            <a:effectRef idx="0">
+              <a:schemeClr val="accent1"/>
+            </a:effectRef>
+            <a:fontRef idx="minor">
+              <a:schemeClr val="tx1"/>
+            </a:fontRef>
+          </p:style>
+        </p:cxnSp>
+        <p:sp>
+          <p:nvSpPr>
+            <p:cNvPr id="30" name="TextBox 29"/>
+            <p:cNvSpPr txBox="1"/>
+            <p:nvPr/>
+          </p:nvSpPr>
+          <p:spPr>
+            <a:xfrm>
+              <a:off x="868367" y="5665788"/>
+              <a:ext cx="1883785" cy="369332"/>
+            </a:xfrm>
+            <a:prstGeom prst="rect">
+              <a:avLst/>
+            </a:prstGeom>
+            <a:noFill/>
+          </p:spPr>
+          <p:txBody>
+            <a:bodyPr wrap="none" rtlCol="0">
+              <a:spAutoFit/>
+            </a:bodyPr>
+            <a:lstStyle/>
+            <a:p>
+              <a:r>
+                <a:rPr lang="en-US" dirty="0" smtClean="0"/>
+                <a:t>for </a:t>
+              </a:r>
+              <a:r>
+                <a:rPr lang="en-US" dirty="0" err="1" smtClean="0">
+                  <a:latin typeface="Courier New" panose="02070309020205020404" pitchFamily="49" charset="0"/>
+                  <a:cs typeface="Courier New" panose="02070309020205020404" pitchFamily="49" charset="0"/>
+                </a:rPr>
+                <a:t>particle.o</a:t>
+              </a:r>
+              <a:endParaRPr lang="en-US" dirty="0">
+                <a:latin typeface="Courier New" panose="02070309020205020404" pitchFamily="49" charset="0"/>
+                <a:cs typeface="Courier New" panose="02070309020205020404" pitchFamily="49" charset="0"/>
+              </a:endParaRPr>
+            </a:p>
+          </p:txBody>
+        </p:sp>
+      </p:grpSp>
+      <p:grpSp>
+        <p:nvGrpSpPr>
+          <p:cNvPr id="32" name="Group 31"/>
+          <p:cNvGrpSpPr/>
+          <p:nvPr/>
+        </p:nvGrpSpPr>
+        <p:grpSpPr>
+          <a:xfrm>
+            <a:off x="335326" y="4818487"/>
+            <a:ext cx="2486532" cy="638195"/>
+            <a:chOff x="1590282" y="3425217"/>
+            <a:chExt cx="2486532" cy="638195"/>
+          </a:xfrm>
+        </p:grpSpPr>
+        <p:sp>
+          <p:nvSpPr>
+            <p:cNvPr id="33" name="TextBox 32"/>
+            <p:cNvSpPr txBox="1"/>
+            <p:nvPr/>
+          </p:nvSpPr>
+          <p:spPr>
+            <a:xfrm>
+              <a:off x="1590282" y="3425217"/>
+              <a:ext cx="564494" cy="400110"/>
+            </a:xfrm>
+            <a:prstGeom prst="rect">
+              <a:avLst/>
+            </a:prstGeom>
+            <a:solidFill>
+              <a:schemeClr val="bg1"/>
+            </a:solidFill>
+            <a:ln w="19050">
+              <a:solidFill>
+                <a:srgbClr val="C00000"/>
+              </a:solidFill>
+            </a:ln>
+          </p:spPr>
+          <p:txBody>
+            <a:bodyPr wrap="square" rtlCol="0">
+              <a:spAutoFit/>
+            </a:bodyPr>
+            <a:lstStyle/>
+            <a:p>
+              <a:r>
+                <a:rPr lang="en-US" sz="2000" dirty="0" smtClean="0">
+                  <a:solidFill>
+                    <a:srgbClr val="C00000"/>
+                  </a:solidFill>
+                </a:rPr>
+                <a:t>tab</a:t>
+              </a:r>
+              <a:endParaRPr lang="en-US" sz="2000" dirty="0">
+                <a:solidFill>
+                  <a:srgbClr val="C00000"/>
+                </a:solidFill>
+                <a:latin typeface="Courier New" panose="02070309020205020404" pitchFamily="49" charset="0"/>
+                <a:cs typeface="Courier New" panose="02070309020205020404" pitchFamily="49" charset="0"/>
+              </a:endParaRPr>
+            </a:p>
+          </p:txBody>
+        </p:sp>
+        <p:sp>
+          <p:nvSpPr>
+            <p:cNvPr id="34" name="Rectangle 33"/>
+            <p:cNvSpPr/>
+            <p:nvPr/>
+          </p:nvSpPr>
+          <p:spPr>
+            <a:xfrm>
+              <a:off x="3160173" y="3782568"/>
+              <a:ext cx="916641" cy="280844"/>
+            </a:xfrm>
+            <a:prstGeom prst="rect">
+              <a:avLst/>
+            </a:prstGeom>
+            <a:noFill/>
+            <a:ln w="19050">
+              <a:solidFill>
+                <a:srgbClr val="C00000"/>
+              </a:solidFill>
+            </a:ln>
+          </p:spPr>
+          <p:style>
+            <a:lnRef idx="2">
+              <a:schemeClr val="accent1">
+                <a:shade val="50000"/>
+              </a:schemeClr>
+            </a:lnRef>
+            <a:fillRef idx="1">
+              <a:schemeClr val="accent1"/>
+            </a:fillRef>
+            <a:effectRef idx="0">
+              <a:schemeClr val="accent1"/>
+            </a:effectRef>
+            <a:fontRef idx="minor">
+              <a:schemeClr val="lt1"/>
+            </a:fontRef>
+          </p:style>
+          <p:txBody>
+            <a:bodyPr rtlCol="0" anchor="ctr"/>
+            <a:lstStyle/>
+            <a:p>
+              <a:pPr algn="ctr"/>
+              <a:endParaRPr lang="en-US"/>
+            </a:p>
+          </p:txBody>
+        </p:sp>
+        <p:cxnSp>
+          <p:nvCxnSpPr>
+            <p:cNvPr id="35" name="Straight Arrow Connector 34"/>
+            <p:cNvCxnSpPr>
+              <a:stCxn id="33" idx="3"/>
+              <a:endCxn id="34" idx="1"/>
+            </p:cNvCxnSpPr>
+            <p:nvPr/>
+          </p:nvCxnSpPr>
+          <p:spPr>
+            <a:xfrm>
+              <a:off x="2154776" y="3625272"/>
+              <a:ext cx="1005397" cy="297718"/>
+            </a:xfrm>
+            <a:prstGeom prst="straightConnector1">
+              <a:avLst/>
+            </a:prstGeom>
+            <a:ln w="19050">
+              <a:solidFill>
+                <a:srgbClr val="C00000"/>
+              </a:solidFill>
+              <a:tailEnd type="stealth" w="lg" len="lg"/>
+            </a:ln>
+          </p:spPr>
+          <p:style>
+            <a:lnRef idx="1">
+              <a:schemeClr val="accent1"/>
+            </a:lnRef>
+            <a:fillRef idx="0">
+              <a:schemeClr val="accent1"/>
+            </a:fillRef>
+            <a:effectRef idx="0">
+              <a:schemeClr val="accent1"/>
+            </a:effectRef>
+            <a:fontRef idx="minor">
+              <a:schemeClr val="tx1"/>
+            </a:fontRef>
+          </p:style>
+        </p:cxnSp>
+      </p:grpSp>
+      <p:grpSp>
+        <p:nvGrpSpPr>
+          <p:cNvPr id="46" name="Group 45"/>
+          <p:cNvGrpSpPr/>
+          <p:nvPr/>
+        </p:nvGrpSpPr>
+        <p:grpSpPr>
+          <a:xfrm>
+            <a:off x="5200443" y="4014790"/>
+            <a:ext cx="3186474" cy="1203807"/>
+            <a:chOff x="1524018" y="2809139"/>
+            <a:chExt cx="3186474" cy="1203807"/>
+          </a:xfrm>
+        </p:grpSpPr>
+        <p:sp>
+          <p:nvSpPr>
+            <p:cNvPr id="47" name="TextBox 46"/>
+            <p:cNvSpPr txBox="1"/>
+            <p:nvPr/>
+          </p:nvSpPr>
+          <p:spPr>
+            <a:xfrm>
+              <a:off x="2762060" y="2809139"/>
+              <a:ext cx="1948432" cy="400110"/>
+            </a:xfrm>
+            <a:prstGeom prst="rect">
+              <a:avLst/>
+            </a:prstGeom>
+            <a:solidFill>
+              <a:schemeClr val="bg1"/>
+            </a:solidFill>
+            <a:ln w="19050">
+              <a:solidFill>
+                <a:schemeClr val="tx1"/>
+              </a:solidFill>
+            </a:ln>
+          </p:spPr>
+          <p:txBody>
+            <a:bodyPr wrap="square" rtlCol="0">
+              <a:spAutoFit/>
+            </a:bodyPr>
+            <a:lstStyle/>
+            <a:p>
+              <a:r>
+                <a:rPr lang="en-US" sz="2000" dirty="0" smtClean="0"/>
+                <a:t>action = compile</a:t>
+              </a:r>
+              <a:endParaRPr lang="en-US" sz="2000" dirty="0">
+                <a:latin typeface="Courier New" panose="02070309020205020404" pitchFamily="49" charset="0"/>
+                <a:cs typeface="Courier New" panose="02070309020205020404" pitchFamily="49" charset="0"/>
+              </a:endParaRPr>
+            </a:p>
+          </p:txBody>
+        </p:sp>
+        <p:cxnSp>
+          <p:nvCxnSpPr>
+            <p:cNvPr id="48" name="Straight Arrow Connector 47"/>
+            <p:cNvCxnSpPr>
+              <a:stCxn id="47" idx="2"/>
+            </p:cNvCxnSpPr>
+            <p:nvPr/>
+          </p:nvCxnSpPr>
+          <p:spPr>
+            <a:xfrm flipH="1">
+              <a:off x="1524018" y="3209249"/>
+              <a:ext cx="2212258" cy="803697"/>
+            </a:xfrm>
+            <a:prstGeom prst="straightConnector1">
+              <a:avLst/>
+            </a:prstGeom>
+            <a:ln w="19050">
+              <a:solidFill>
+                <a:schemeClr val="tx1"/>
+              </a:solidFill>
+              <a:tailEnd type="stealth" w="lg" len="lg"/>
+            </a:ln>
+          </p:spPr>
+          <p:style>
+            <a:lnRef idx="1">
+              <a:schemeClr val="accent1"/>
+            </a:lnRef>
+            <a:fillRef idx="0">
+              <a:schemeClr val="accent1"/>
+            </a:fillRef>
+            <a:effectRef idx="0">
+              <a:schemeClr val="accent1"/>
+            </a:effectRef>
+            <a:fontRef idx="minor">
+              <a:schemeClr val="tx1"/>
+            </a:fontRef>
+          </p:style>
+        </p:cxnSp>
+      </p:grpSp>
+    </p:spTree>
+    <p:extLst>
+      <p:ext uri="{BB962C8B-B14F-4D97-AF65-F5344CB8AC3E}">
+        <p14:creationId xmlns:p14="http://schemas.microsoft.com/office/powerpoint/2010/main" val="1625425591"/>
+      </p:ext>
+    </p:extLst>
+  </p:cSld>
+  <p:clrMapOvr>
+    <a:masterClrMapping/>
+  </p:clrMapOvr>
+  <p:timing>
+    <p:tnLst>
+      <p:par>
+        <p:cTn id="1" dur="indefinite" restart="never" nodeType="tmRoot">
+          <p:childTnLst>
+            <p:seq concurrent="1" nextAc="seek">
+              <p:cTn id="2" dur="indefinite" nodeType="mainSeq">
+                <p:childTnLst>
+                  <p:par>
+                    <p:cTn id="3" fill="hold">
+                      <p:stCondLst>
+                        <p:cond delay="indefinite"/>
+                        <p:cond evt="onBegin" delay="0">
+                          <p:tn val="2"/>
+                        </p:cond>
+                      </p:stCondLst>
+                      <p:childTnLst>
+                        <p:par>
+                          <p:cTn id="4" fill="hold">
+                            <p:stCondLst>
+                              <p:cond delay="0"/>
+                            </p:stCondLst>
+                            <p:childTnLst>
+                              <p:par>
+                                <p:cTn id="5" presetID="1" presetClass="entr" presetSubtype="0" fill="hold" grpId="0" nodeType="withEffect">
+                                  <p:stCondLst>
+                                    <p:cond delay="0"/>
+                                  </p:stCondLst>
+                                  <p:childTnLst>
+                                    <p:set>
+                                      <p:cBhvr>
+                                        <p:cTn id="6" dur="1" fill="hold">
+                                          <p:stCondLst>
+                                            <p:cond delay="0"/>
+                                          </p:stCondLst>
+                                        </p:cTn>
+                                        <p:tgtEl>
+                                          <p:spTgt spid="3">
+                                            <p:txEl>
+                                              <p:pRg st="0" end="0"/>
+                                            </p:txEl>
+                                          </p:spTgt>
+                                        </p:tgtEl>
+                                        <p:attrNameLst>
+                                          <p:attrName>style.visibility</p:attrName>
+                                        </p:attrNameLst>
+                                      </p:cBhvr>
+                                      <p:to>
+                                        <p:strVal val="visible"/>
+                                      </p:to>
+                                    </p:set>
+                                  </p:childTnLst>
+                                </p:cTn>
+                              </p:par>
+                              <p:par>
+                                <p:cTn id="7" presetID="1" presetClass="entr" presetSubtype="0" fill="hold" grpId="0" nodeType="withEffect">
+                                  <p:stCondLst>
+                                    <p:cond delay="0"/>
+                                  </p:stCondLst>
+                                  <p:childTnLst>
+                                    <p:set>
+                                      <p:cBhvr>
+                                        <p:cTn id="8" dur="1" fill="hold">
+                                          <p:stCondLst>
+                                            <p:cond delay="0"/>
+                                          </p:stCondLst>
+                                        </p:cTn>
+                                        <p:tgtEl>
+                                          <p:spTgt spid="3">
+                                            <p:txEl>
+                                              <p:pRg st="1" end="1"/>
+                                            </p:txEl>
+                                          </p:spTgt>
+                                        </p:tgtEl>
+                                        <p:attrNameLst>
+                                          <p:attrName>style.visibility</p:attrName>
+                                        </p:attrNameLst>
+                                      </p:cBhvr>
+                                      <p:to>
+                                        <p:strVal val="visible"/>
+                                      </p:to>
+                                    </p:set>
+                                  </p:childTnLst>
+                                </p:cTn>
+                              </p:par>
+                              <p:par>
+                                <p:cTn id="9" presetID="1" presetClass="entr" presetSubtype="0" fill="hold" grpId="0" nodeType="withEffect">
+                                  <p:stCondLst>
+                                    <p:cond delay="0"/>
+                                  </p:stCondLst>
+                                  <p:childTnLst>
+                                    <p:set>
+                                      <p:cBhvr>
+                                        <p:cTn id="10" dur="1" fill="hold">
+                                          <p:stCondLst>
+                                            <p:cond delay="0"/>
+                                          </p:stCondLst>
+                                        </p:cTn>
+                                        <p:tgtEl>
+                                          <p:spTgt spid="3">
+                                            <p:txEl>
+                                              <p:pRg st="2" end="2"/>
+                                            </p:txEl>
+                                          </p:spTgt>
+                                        </p:tgtEl>
+                                        <p:attrNameLst>
+                                          <p:attrName>style.visibility</p:attrName>
+                                        </p:attrNameLst>
+                                      </p:cBhvr>
+                                      <p:to>
+                                        <p:strVal val="visible"/>
+                                      </p:to>
+                                    </p:set>
+                                  </p:childTnLst>
+                                </p:cTn>
+                              </p:par>
+                              <p:par>
+                                <p:cTn id="11" presetID="1" presetClass="entr" presetSubtype="0" fill="hold" grpId="0" nodeType="withEffect">
+                                  <p:stCondLst>
+                                    <p:cond delay="0"/>
+                                  </p:stCondLst>
+                                  <p:childTnLst>
+                                    <p:set>
+                                      <p:cBhvr>
+                                        <p:cTn id="12" dur="1" fill="hold">
+                                          <p:stCondLst>
+                                            <p:cond delay="0"/>
+                                          </p:stCondLst>
+                                        </p:cTn>
+                                        <p:tgtEl>
+                                          <p:spTgt spid="3">
+                                            <p:txEl>
+                                              <p:pRg st="3" end="3"/>
+                                            </p:txEl>
+                                          </p:spTgt>
+                                        </p:tgtEl>
+                                        <p:attrNameLst>
+                                          <p:attrName>style.visibility</p:attrName>
+                                        </p:attrNameLst>
+                                      </p:cBhvr>
+                                      <p:to>
+                                        <p:strVal val="visible"/>
+                                      </p:to>
+                                    </p:set>
+                                  </p:childTnLst>
+                                </p:cTn>
+                              </p:par>
+                            </p:childTnLst>
+                          </p:cTn>
+                        </p:par>
+                      </p:childTnLst>
+                    </p:cTn>
+                  </p:par>
+                  <p:par>
+                    <p:cTn id="13" fill="hold">
+                      <p:stCondLst>
+                        <p:cond delay="indefinite"/>
+                      </p:stCondLst>
+                      <p:childTnLst>
+                        <p:par>
+                          <p:cTn id="14" fill="hold">
+                            <p:stCondLst>
+                              <p:cond delay="0"/>
+                            </p:stCondLst>
+                            <p:childTnLst>
+                              <p:par>
+                                <p:cTn id="15" presetID="1" presetClass="entr" presetSubtype="0" fill="hold" grpId="0" nodeType="clickEffect">
+                                  <p:stCondLst>
+                                    <p:cond delay="0"/>
+                                  </p:stCondLst>
+                                  <p:childTnLst>
+                                    <p:set>
+                                      <p:cBhvr>
+                                        <p:cTn id="16" dur="1" fill="hold">
+                                          <p:stCondLst>
+                                            <p:cond delay="0"/>
+                                          </p:stCondLst>
+                                        </p:cTn>
+                                        <p:tgtEl>
+                                          <p:spTgt spid="3">
+                                            <p:txEl>
+                                              <p:pRg st="4" end="4"/>
+                                            </p:txEl>
+                                          </p:spTgt>
+                                        </p:tgtEl>
+                                        <p:attrNameLst>
+                                          <p:attrName>style.visibility</p:attrName>
+                                        </p:attrNameLst>
+                                      </p:cBhvr>
+                                      <p:to>
+                                        <p:strVal val="visible"/>
+                                      </p:to>
+                                    </p:set>
+                                  </p:childTnLst>
+                                </p:cTn>
+                              </p:par>
+                            </p:childTnLst>
+                          </p:cTn>
+                        </p:par>
+                      </p:childTnLst>
+                    </p:cTn>
+                  </p:par>
+                  <p:par>
+                    <p:cTn id="17" fill="hold">
+                      <p:stCondLst>
+                        <p:cond delay="indefinite"/>
+                      </p:stCondLst>
+                      <p:childTnLst>
+                        <p:par>
+                          <p:cTn id="18" fill="hold">
+                            <p:stCondLst>
+                              <p:cond delay="0"/>
+                            </p:stCondLst>
+                            <p:childTnLst>
+                              <p:par>
+                                <p:cTn id="19" presetID="1" presetClass="entr" presetSubtype="0" fill="hold" nodeType="clickEffect">
+                                  <p:stCondLst>
+                                    <p:cond delay="0"/>
+                                  </p:stCondLst>
+                                  <p:childTnLst>
+                                    <p:set>
+                                      <p:cBhvr>
+                                        <p:cTn id="20" dur="1" fill="hold">
+                                          <p:stCondLst>
+                                            <p:cond delay="0"/>
+                                          </p:stCondLst>
+                                        </p:cTn>
+                                        <p:tgtEl>
+                                          <p:spTgt spid="8"/>
+                                        </p:tgtEl>
+                                        <p:attrNameLst>
+                                          <p:attrName>style.visibility</p:attrName>
+                                        </p:attrNameLst>
+                                      </p:cBhvr>
+                                      <p:to>
+                                        <p:strVal val="visible"/>
+                                      </p:to>
+                                    </p:set>
+                                  </p:childTnLst>
+                                </p:cTn>
+                              </p:par>
+                            </p:childTnLst>
+                          </p:cTn>
+                        </p:par>
+                      </p:childTnLst>
+                    </p:cTn>
+                  </p:par>
+                  <p:par>
+                    <p:cTn id="21" fill="hold">
+                      <p:stCondLst>
+                        <p:cond delay="indefinite"/>
+                      </p:stCondLst>
+                      <p:childTnLst>
+                        <p:par>
+                          <p:cTn id="22" fill="hold">
+                            <p:stCondLst>
+                              <p:cond delay="0"/>
+                            </p:stCondLst>
+                            <p:childTnLst>
+                              <p:par>
+                                <p:cTn id="23" presetID="1" presetClass="entr" presetSubtype="0" fill="hold" nodeType="clickEffect">
+                                  <p:stCondLst>
+                                    <p:cond delay="0"/>
+                                  </p:stCondLst>
+                                  <p:childTnLst>
+                                    <p:set>
+                                      <p:cBhvr>
+                                        <p:cTn id="24" dur="1" fill="hold">
+                                          <p:stCondLst>
+                                            <p:cond delay="0"/>
+                                          </p:stCondLst>
+                                        </p:cTn>
+                                        <p:tgtEl>
+                                          <p:spTgt spid="15"/>
+                                        </p:tgtEl>
+                                        <p:attrNameLst>
+                                          <p:attrName>style.visibility</p:attrName>
+                                        </p:attrNameLst>
+                                      </p:cBhvr>
+                                      <p:to>
+                                        <p:strVal val="visible"/>
+                                      </p:to>
+                                    </p:set>
+                                  </p:childTnLst>
+                                </p:cTn>
+                              </p:par>
+                            </p:childTnLst>
+                          </p:cTn>
+                        </p:par>
+                      </p:childTnLst>
+                    </p:cTn>
+                  </p:par>
+                  <p:par>
+                    <p:cTn id="25" fill="hold">
+                      <p:stCondLst>
+                        <p:cond delay="indefinite"/>
+                      </p:stCondLst>
+                      <p:childTnLst>
+                        <p:par>
+                          <p:cTn id="26" fill="hold">
+                            <p:stCondLst>
+                              <p:cond delay="0"/>
+                            </p:stCondLst>
+                            <p:childTnLst>
+                              <p:par>
+                                <p:cTn id="27" presetID="1" presetClass="entr" presetSubtype="0" fill="hold" nodeType="clickEffect">
+                                  <p:stCondLst>
+                                    <p:cond delay="0"/>
+                                  </p:stCondLst>
+                                  <p:childTnLst>
+                                    <p:set>
+                                      <p:cBhvr>
+                                        <p:cTn id="28" dur="1" fill="hold">
+                                          <p:stCondLst>
+                                            <p:cond delay="0"/>
+                                          </p:stCondLst>
+                                        </p:cTn>
+                                        <p:tgtEl>
+                                          <p:spTgt spid="20"/>
+                                        </p:tgtEl>
+                                        <p:attrNameLst>
+                                          <p:attrName>style.visibility</p:attrName>
+                                        </p:attrNameLst>
+                                      </p:cBhvr>
+                                      <p:to>
+                                        <p:strVal val="visible"/>
+                                      </p:to>
+                                    </p:set>
+                                  </p:childTnLst>
+                                </p:cTn>
+                              </p:par>
+                            </p:childTnLst>
+                          </p:cTn>
+                        </p:par>
+                      </p:childTnLst>
+                    </p:cTn>
+                  </p:par>
+                  <p:par>
+                    <p:cTn id="29" fill="hold">
+                      <p:stCondLst>
+                        <p:cond delay="indefinite"/>
+                      </p:stCondLst>
+                      <p:childTnLst>
+                        <p:par>
+                          <p:cTn id="30" fill="hold">
+                            <p:stCondLst>
+                              <p:cond delay="0"/>
+                            </p:stCondLst>
+                            <p:childTnLst>
+                              <p:par>
+                                <p:cTn id="31" presetID="1" presetClass="entr" presetSubtype="0" fill="hold" nodeType="clickEffect">
+                                  <p:stCondLst>
+                                    <p:cond delay="0"/>
+                                  </p:stCondLst>
+                                  <p:childTnLst>
+                                    <p:set>
+                                      <p:cBhvr>
+                                        <p:cTn id="32" dur="1" fill="hold">
+                                          <p:stCondLst>
+                                            <p:cond delay="0"/>
+                                          </p:stCondLst>
+                                        </p:cTn>
+                                        <p:tgtEl>
+                                          <p:spTgt spid="31"/>
+                                        </p:tgtEl>
+                                        <p:attrNameLst>
+                                          <p:attrName>style.visibility</p:attrName>
+                                        </p:attrNameLst>
+                                      </p:cBhvr>
+                                      <p:to>
+                                        <p:strVal val="visible"/>
+                                      </p:to>
+                                    </p:set>
+                                  </p:childTnLst>
+                                </p:cTn>
+                              </p:par>
+                            </p:childTnLst>
+                          </p:cTn>
+                        </p:par>
+                      </p:childTnLst>
+                    </p:cTn>
+                  </p:par>
+                  <p:par>
+                    <p:cTn id="33" fill="hold">
+                      <p:stCondLst>
+                        <p:cond delay="indefinite"/>
+                      </p:stCondLst>
+                      <p:childTnLst>
+                        <p:par>
+                          <p:cTn id="34" fill="hold">
+                            <p:stCondLst>
+                              <p:cond delay="0"/>
+                            </p:stCondLst>
+                            <p:childTnLst>
+                              <p:par>
+                                <p:cTn id="35" presetID="1" presetClass="entr" presetSubtype="0" fill="hold" nodeType="clickEffect">
+                                  <p:stCondLst>
+                                    <p:cond delay="0"/>
+                                  </p:stCondLst>
+                                  <p:childTnLst>
+                                    <p:set>
+                                      <p:cBhvr>
+                                        <p:cTn id="36" dur="1" fill="hold">
+                                          <p:stCondLst>
+                                            <p:cond delay="0"/>
+                                          </p:stCondLst>
+                                        </p:cTn>
+                                        <p:tgtEl>
+                                          <p:spTgt spid="32"/>
+                                        </p:tgtEl>
+                                        <p:attrNameLst>
+                                          <p:attrName>style.visibility</p:attrName>
+                                        </p:attrNameLst>
+                                      </p:cBhvr>
+                                      <p:to>
+                                        <p:strVal val="visible"/>
+                                      </p:to>
+                                    </p:set>
+                                  </p:childTnLst>
+                                </p:cTn>
+                              </p:par>
+                            </p:childTnLst>
+                          </p:cTn>
+                        </p:par>
+                      </p:childTnLst>
+                    </p:cTn>
+                  </p:par>
+                  <p:par>
+                    <p:cTn id="37" fill="hold">
+                      <p:stCondLst>
+                        <p:cond delay="indefinite"/>
+                      </p:stCondLst>
+                      <p:childTnLst>
+                        <p:par>
+                          <p:cTn id="38" fill="hold">
+                            <p:stCondLst>
+                              <p:cond delay="0"/>
+                            </p:stCondLst>
+                            <p:childTnLst>
+                              <p:par>
+                                <p:cTn id="39" presetID="1" presetClass="entr" presetSubtype="0" fill="hold" nodeType="clickEffect">
+                                  <p:stCondLst>
+                                    <p:cond delay="0"/>
+                                  </p:stCondLst>
+                                  <p:childTnLst>
+                                    <p:set>
+                                      <p:cBhvr>
+                                        <p:cTn id="40" dur="1" fill="hold">
+                                          <p:stCondLst>
+                                            <p:cond delay="0"/>
+                                          </p:stCondLst>
+                                        </p:cTn>
+                                        <p:tgtEl>
+                                          <p:spTgt spid="46"/>
+                                        </p:tgtEl>
+                                        <p:attrNameLst>
+                                          <p:attrName>style.visibility</p:attrName>
+                                        </p:attrNameLst>
+                                      </p:cBhvr>
+                                      <p:to>
+                                        <p:strVal val="visible"/>
+                                      </p:to>
+                                    </p:set>
+                                  </p:childTnLst>
+                                </p:cTn>
+                              </p:par>
+                            </p:childTnLst>
+                          </p:cTn>
+                        </p:par>
+                      </p:childTnLst>
+                    </p:cTn>
+                  </p:par>
+                </p:childTnLst>
+              </p:cTn>
+              <p:prevCondLst>
+                <p:cond evt="onPrev" delay="0">
+                  <p:tgtEl>
+                    <p:sldTgt/>
+                  </p:tgtEl>
+                </p:cond>
+              </p:prevCondLst>
+              <p:nextCondLst>
+                <p:cond evt="onNext" delay="0">
+                  <p:tgtEl>
+                    <p:sldTgt/>
+                  </p:tgtEl>
+                </p:cond>
+              </p:nextCondLst>
+            </p:seq>
+          </p:childTnLst>
+        </p:cTn>
+      </p:par>
+    </p:tnLst>
+    <p:bldLst>
+      <p:bldP spid="3" grpId="0" uiExpand="1" build="p"/>
+    </p:bldLst>
   </p:timing>
 </p:sld>
 </file>

--- a/CPlusPlus/03_essential_cpp_mod.pptx
+++ b/CPlusPlus/03_essential_cpp_mod.pptx
@@ -4481,7 +4481,43 @@
           <a:bodyPr/>
           <a:lstStyle/>
           <a:p>
-            <a:endParaRPr lang="en-US"/>
+            <a:r>
+              <a:rPr lang="en-US" dirty="0" smtClean="0"/>
+              <a:t>Build executable</a:t>
+            </a:r>
+          </a:p>
+          <a:p>
+            <a:endParaRPr lang="en-US" dirty="0"/>
+          </a:p>
+          <a:p>
+            <a:endParaRPr lang="en-US" dirty="0" smtClean="0"/>
+          </a:p>
+          <a:p>
+            <a:r>
+              <a:rPr lang="en-US" dirty="0" smtClean="0"/>
+              <a:t>Only execute targets with modified dependencies</a:t>
+            </a:r>
+          </a:p>
+          <a:p>
+            <a:pPr lvl="1"/>
+            <a:r>
+              <a:rPr lang="en-US" dirty="0" smtClean="0"/>
+              <a:t>dependency tracking</a:t>
+            </a:r>
+          </a:p>
+          <a:p>
+            <a:pPr lvl="1"/>
+            <a:r>
+              <a:rPr lang="en-US" dirty="0" smtClean="0"/>
+              <a:t>saves lots of time on large projects</a:t>
+            </a:r>
+          </a:p>
+          <a:p>
+            <a:r>
+              <a:rPr lang="en-US" dirty="0" smtClean="0"/>
+              <a:t>Clean all build artifacts</a:t>
+            </a:r>
+            <a:endParaRPr lang="en-US" dirty="0"/>
           </a:p>
         </p:txBody>
       </p:sp>
@@ -4508,6 +4544,94 @@
           </a:p>
         </p:txBody>
       </p:sp>
+      <p:sp>
+        <p:nvSpPr>
+          <p:cNvPr id="5" name="TextBox 4"/>
+          <p:cNvSpPr txBox="1"/>
+          <p:nvPr/>
+        </p:nvSpPr>
+        <p:spPr>
+          <a:xfrm>
+            <a:off x="1445341" y="2458063"/>
+            <a:ext cx="2114681" cy="369332"/>
+          </a:xfrm>
+          <a:prstGeom prst="rect">
+            <a:avLst/>
+          </a:prstGeom>
+          <a:solidFill>
+            <a:schemeClr val="tx1"/>
+          </a:solidFill>
+        </p:spPr>
+        <p:txBody>
+          <a:bodyPr wrap="square" rtlCol="0">
+            <a:spAutoFit/>
+          </a:bodyPr>
+          <a:lstStyle/>
+          <a:p>
+            <a:r>
+              <a:rPr lang="en-US" b="1" dirty="0" smtClean="0">
+                <a:solidFill>
+                  <a:schemeClr val="bg1"/>
+                </a:solidFill>
+                <a:latin typeface="Courier New" panose="02070309020205020404" pitchFamily="49" charset="0"/>
+                <a:cs typeface="Courier New" panose="02070309020205020404" pitchFamily="49" charset="0"/>
+              </a:rPr>
+              <a:t>$  make</a:t>
+            </a:r>
+            <a:endParaRPr lang="en-US" b="1" dirty="0">
+              <a:solidFill>
+                <a:schemeClr val="bg1"/>
+              </a:solidFill>
+              <a:latin typeface="Courier New" panose="02070309020205020404" pitchFamily="49" charset="0"/>
+              <a:cs typeface="Courier New" panose="02070309020205020404" pitchFamily="49" charset="0"/>
+            </a:endParaRPr>
+          </a:p>
+        </p:txBody>
+      </p:sp>
+      <p:sp>
+        <p:nvSpPr>
+          <p:cNvPr id="6" name="TextBox 5"/>
+          <p:cNvSpPr txBox="1"/>
+          <p:nvPr/>
+        </p:nvSpPr>
+        <p:spPr>
+          <a:xfrm>
+            <a:off x="1445342" y="5245506"/>
+            <a:ext cx="2114681" cy="369332"/>
+          </a:xfrm>
+          <a:prstGeom prst="rect">
+            <a:avLst/>
+          </a:prstGeom>
+          <a:solidFill>
+            <a:schemeClr val="tx1"/>
+          </a:solidFill>
+        </p:spPr>
+        <p:txBody>
+          <a:bodyPr wrap="none" rtlCol="0">
+            <a:spAutoFit/>
+          </a:bodyPr>
+          <a:lstStyle/>
+          <a:p>
+            <a:r>
+              <a:rPr lang="en-US" b="1" dirty="0" smtClean="0">
+                <a:solidFill>
+                  <a:schemeClr val="bg1"/>
+                </a:solidFill>
+                <a:latin typeface="Courier New" panose="02070309020205020404" pitchFamily="49" charset="0"/>
+                <a:cs typeface="Courier New" panose="02070309020205020404" pitchFamily="49" charset="0"/>
+              </a:rPr>
+              <a:t>$  make  clean</a:t>
+            </a:r>
+            <a:endParaRPr lang="en-US" b="1" dirty="0">
+              <a:solidFill>
+                <a:schemeClr val="bg1"/>
+              </a:solidFill>
+              <a:latin typeface="Courier New" panose="02070309020205020404" pitchFamily="49" charset="0"/>
+              <a:cs typeface="Courier New" panose="02070309020205020404" pitchFamily="49" charset="0"/>
+            </a:endParaRPr>
+          </a:p>
+        </p:txBody>
+      </p:sp>
     </p:spTree>
     <p:extLst>
       <p:ext uri="{BB962C8B-B14F-4D97-AF65-F5344CB8AC3E}">
@@ -4521,9 +4645,303 @@
   <p:timing>
     <p:tnLst>
       <p:par>
-        <p:cTn id="1" dur="indefinite" restart="never" nodeType="tmRoot"/>
+        <p:cTn id="1" dur="indefinite" restart="never" nodeType="tmRoot">
+          <p:childTnLst>
+            <p:seq concurrent="1" nextAc="seek">
+              <p:cTn id="2" dur="indefinite" nodeType="mainSeq">
+                <p:childTnLst>
+                  <p:par>
+                    <p:cTn id="3" fill="hold">
+                      <p:stCondLst>
+                        <p:cond delay="indefinite"/>
+                        <p:cond evt="onBegin" delay="0">
+                          <p:tn val="2"/>
+                        </p:cond>
+                      </p:stCondLst>
+                      <p:childTnLst>
+                        <p:par>
+                          <p:cTn id="4" fill="hold">
+                            <p:stCondLst>
+                              <p:cond delay="0"/>
+                            </p:stCondLst>
+                            <p:childTnLst>
+                              <p:par>
+                                <p:cTn id="5" presetID="1" presetClass="entr" presetSubtype="0" fill="hold" grpId="0" nodeType="withEffect">
+                                  <p:stCondLst>
+                                    <p:cond delay="0"/>
+                                  </p:stCondLst>
+                                  <p:childTnLst>
+                                    <p:set>
+                                      <p:cBhvr>
+                                        <p:cTn id="6" dur="1" fill="hold">
+                                          <p:stCondLst>
+                                            <p:cond delay="0"/>
+                                          </p:stCondLst>
+                                        </p:cTn>
+                                        <p:tgtEl>
+                                          <p:spTgt spid="3">
+                                            <p:txEl>
+                                              <p:pRg st="0" end="0"/>
+                                            </p:txEl>
+                                          </p:spTgt>
+                                        </p:tgtEl>
+                                        <p:attrNameLst>
+                                          <p:attrName>style.visibility</p:attrName>
+                                        </p:attrNameLst>
+                                      </p:cBhvr>
+                                      <p:to>
+                                        <p:strVal val="visible"/>
+                                      </p:to>
+                                    </p:set>
+                                  </p:childTnLst>
+                                </p:cTn>
+                              </p:par>
+                              <p:par>
+                                <p:cTn id="7" presetID="1" presetClass="entr" presetSubtype="0" fill="hold" grpId="0" nodeType="withEffect">
+                                  <p:stCondLst>
+                                    <p:cond delay="0"/>
+                                  </p:stCondLst>
+                                  <p:childTnLst>
+                                    <p:set>
+                                      <p:cBhvr>
+                                        <p:cTn id="8" dur="1" fill="hold">
+                                          <p:stCondLst>
+                                            <p:cond delay="0"/>
+                                          </p:stCondLst>
+                                        </p:cTn>
+                                        <p:tgtEl>
+                                          <p:spTgt spid="5"/>
+                                        </p:tgtEl>
+                                        <p:attrNameLst>
+                                          <p:attrName>style.visibility</p:attrName>
+                                        </p:attrNameLst>
+                                      </p:cBhvr>
+                                      <p:to>
+                                        <p:strVal val="visible"/>
+                                      </p:to>
+                                    </p:set>
+                                  </p:childTnLst>
+                                </p:cTn>
+                              </p:par>
+                            </p:childTnLst>
+                          </p:cTn>
+                        </p:par>
+                      </p:childTnLst>
+                    </p:cTn>
+                  </p:par>
+                  <p:par>
+                    <p:cTn id="9" fill="hold">
+                      <p:stCondLst>
+                        <p:cond delay="indefinite"/>
+                      </p:stCondLst>
+                      <p:childTnLst>
+                        <p:par>
+                          <p:cTn id="10" fill="hold">
+                            <p:stCondLst>
+                              <p:cond delay="0"/>
+                            </p:stCondLst>
+                            <p:childTnLst>
+                              <p:par>
+                                <p:cTn id="11" presetID="1" presetClass="entr" presetSubtype="0" fill="hold" grpId="0" nodeType="clickEffect">
+                                  <p:stCondLst>
+                                    <p:cond delay="0"/>
+                                  </p:stCondLst>
+                                  <p:childTnLst>
+                                    <p:set>
+                                      <p:cBhvr>
+                                        <p:cTn id="12" dur="1" fill="hold">
+                                          <p:stCondLst>
+                                            <p:cond delay="0"/>
+                                          </p:stCondLst>
+                                        </p:cTn>
+                                        <p:tgtEl>
+                                          <p:spTgt spid="3">
+                                            <p:txEl>
+                                              <p:pRg st="3" end="3"/>
+                                            </p:txEl>
+                                          </p:spTgt>
+                                        </p:tgtEl>
+                                        <p:attrNameLst>
+                                          <p:attrName>style.visibility</p:attrName>
+                                        </p:attrNameLst>
+                                      </p:cBhvr>
+                                      <p:to>
+                                        <p:strVal val="visible"/>
+                                      </p:to>
+                                    </p:set>
+                                  </p:childTnLst>
+                                </p:cTn>
+                              </p:par>
+                              <p:par>
+                                <p:cTn id="13" presetID="1" presetClass="entr" presetSubtype="0" fill="hold" grpId="0" nodeType="withEffect">
+                                  <p:stCondLst>
+                                    <p:cond delay="0"/>
+                                  </p:stCondLst>
+                                  <p:childTnLst>
+                                    <p:set>
+                                      <p:cBhvr>
+                                        <p:cTn id="14" dur="1" fill="hold">
+                                          <p:stCondLst>
+                                            <p:cond delay="0"/>
+                                          </p:stCondLst>
+                                        </p:cTn>
+                                        <p:tgtEl>
+                                          <p:spTgt spid="3">
+                                            <p:txEl>
+                                              <p:pRg st="4" end="4"/>
+                                            </p:txEl>
+                                          </p:spTgt>
+                                        </p:tgtEl>
+                                        <p:attrNameLst>
+                                          <p:attrName>style.visibility</p:attrName>
+                                        </p:attrNameLst>
+                                      </p:cBhvr>
+                                      <p:to>
+                                        <p:strVal val="visible"/>
+                                      </p:to>
+                                    </p:set>
+                                  </p:childTnLst>
+                                </p:cTn>
+                              </p:par>
+                              <p:par>
+                                <p:cTn id="15" presetID="1" presetClass="entr" presetSubtype="0" fill="hold" grpId="0" nodeType="withEffect">
+                                  <p:stCondLst>
+                                    <p:cond delay="0"/>
+                                  </p:stCondLst>
+                                  <p:childTnLst>
+                                    <p:set>
+                                      <p:cBhvr>
+                                        <p:cTn id="16" dur="1" fill="hold">
+                                          <p:stCondLst>
+                                            <p:cond delay="0"/>
+                                          </p:stCondLst>
+                                        </p:cTn>
+                                        <p:tgtEl>
+                                          <p:spTgt spid="3">
+                                            <p:txEl>
+                                              <p:pRg st="5" end="5"/>
+                                            </p:txEl>
+                                          </p:spTgt>
+                                        </p:tgtEl>
+                                        <p:attrNameLst>
+                                          <p:attrName>style.visibility</p:attrName>
+                                        </p:attrNameLst>
+                                      </p:cBhvr>
+                                      <p:to>
+                                        <p:strVal val="visible"/>
+                                      </p:to>
+                                    </p:set>
+                                  </p:childTnLst>
+                                </p:cTn>
+                              </p:par>
+                            </p:childTnLst>
+                          </p:cTn>
+                        </p:par>
+                      </p:childTnLst>
+                    </p:cTn>
+                  </p:par>
+                  <p:par>
+                    <p:cTn id="17" fill="hold">
+                      <p:stCondLst>
+                        <p:cond delay="indefinite"/>
+                      </p:stCondLst>
+                      <p:childTnLst>
+                        <p:par>
+                          <p:cTn id="18" fill="hold">
+                            <p:stCondLst>
+                              <p:cond delay="0"/>
+                            </p:stCondLst>
+                            <p:childTnLst>
+                              <p:par>
+                                <p:cTn id="19" presetID="1" presetClass="entr" presetSubtype="0" fill="hold" grpId="0" nodeType="clickEffect">
+                                  <p:stCondLst>
+                                    <p:cond delay="0"/>
+                                  </p:stCondLst>
+                                  <p:childTnLst>
+                                    <p:set>
+                                      <p:cBhvr>
+                                        <p:cTn id="20" dur="1" fill="hold">
+                                          <p:stCondLst>
+                                            <p:cond delay="0"/>
+                                          </p:stCondLst>
+                                        </p:cTn>
+                                        <p:tgtEl>
+                                          <p:spTgt spid="3">
+                                            <p:txEl>
+                                              <p:pRg st="6" end="6"/>
+                                            </p:txEl>
+                                          </p:spTgt>
+                                        </p:tgtEl>
+                                        <p:attrNameLst>
+                                          <p:attrName>style.visibility</p:attrName>
+                                        </p:attrNameLst>
+                                      </p:cBhvr>
+                                      <p:to>
+                                        <p:strVal val="visible"/>
+                                      </p:to>
+                                    </p:set>
+                                  </p:childTnLst>
+                                </p:cTn>
+                              </p:par>
+                              <p:par>
+                                <p:cTn id="21" presetID="1" presetClass="entr" presetSubtype="0" fill="hold" grpId="0" nodeType="withEffect">
+                                  <p:stCondLst>
+                                    <p:cond delay="0"/>
+                                  </p:stCondLst>
+                                  <p:childTnLst>
+                                    <p:set>
+                                      <p:cBhvr>
+                                        <p:cTn id="22" dur="1" fill="hold">
+                                          <p:stCondLst>
+                                            <p:cond delay="0"/>
+                                          </p:stCondLst>
+                                        </p:cTn>
+                                        <p:tgtEl>
+                                          <p:spTgt spid="6"/>
+                                        </p:tgtEl>
+                                        <p:attrNameLst>
+                                          <p:attrName>style.visibility</p:attrName>
+                                        </p:attrNameLst>
+                                      </p:cBhvr>
+                                      <p:to>
+                                        <p:strVal val="visible"/>
+                                      </p:to>
+                                    </p:set>
+                                  </p:childTnLst>
+                                </p:cTn>
+                              </p:par>
+                            </p:childTnLst>
+                          </p:cTn>
+                        </p:par>
+                      </p:childTnLst>
+                    </p:cTn>
+                  </p:par>
+                </p:childTnLst>
+              </p:cTn>
+              <p:prevCondLst>
+                <p:cond evt="onPrev" delay="0">
+                  <p:tgtEl>
+                    <p:sldTgt/>
+                  </p:tgtEl>
+                </p:cond>
+              </p:prevCondLst>
+              <p:nextCondLst>
+                <p:cond evt="onNext" delay="0">
+                  <p:tgtEl>
+                    <p:sldTgt/>
+                  </p:tgtEl>
+                </p:cond>
+              </p:nextCondLst>
+            </p:seq>
+          </p:childTnLst>
+        </p:cTn>
       </p:par>
     </p:tnLst>
+    <p:bldLst>
+      <p:bldP spid="3" grpId="0" uiExpand="1" build="p"/>
+      <p:bldP spid="5" grpId="0" animBg="1"/>
+      <p:bldP spid="6" grpId="0" animBg="1"/>
+    </p:bldLst>
   </p:timing>
 </p:sld>
 </file>

--- a/CPlusPlus/03_essential_cpp_mod.pptx
+++ b/CPlusPlus/03_essential_cpp_mod.pptx
@@ -5,20 +5,26 @@
     <p:sldMasterId id="2147483660" r:id="rId1"/>
   </p:sldMasterIdLst>
   <p:notesMasterIdLst>
-    <p:notesMasterId r:id="rId13"/>
+    <p:notesMasterId r:id="rId19"/>
   </p:notesMasterIdLst>
   <p:sldIdLst>
     <p:sldId id="257" r:id="rId2"/>
     <p:sldId id="258" r:id="rId3"/>
-    <p:sldId id="261" r:id="rId4"/>
-    <p:sldId id="262" r:id="rId5"/>
-    <p:sldId id="263" r:id="rId6"/>
-    <p:sldId id="264" r:id="rId7"/>
-    <p:sldId id="265" r:id="rId8"/>
-    <p:sldId id="266" r:id="rId9"/>
-    <p:sldId id="267" r:id="rId10"/>
-    <p:sldId id="268" r:id="rId11"/>
-    <p:sldId id="269" r:id="rId12"/>
+    <p:sldId id="270" r:id="rId4"/>
+    <p:sldId id="261" r:id="rId5"/>
+    <p:sldId id="262" r:id="rId6"/>
+    <p:sldId id="263" r:id="rId7"/>
+    <p:sldId id="264" r:id="rId8"/>
+    <p:sldId id="265" r:id="rId9"/>
+    <p:sldId id="271" r:id="rId10"/>
+    <p:sldId id="266" r:id="rId11"/>
+    <p:sldId id="267" r:id="rId12"/>
+    <p:sldId id="268" r:id="rId13"/>
+    <p:sldId id="269" r:id="rId14"/>
+    <p:sldId id="272" r:id="rId15"/>
+    <p:sldId id="273" r:id="rId16"/>
+    <p:sldId id="274" r:id="rId17"/>
+    <p:sldId id="275" r:id="rId18"/>
   </p:sldIdLst>
   <p:sldSz cx="9144000" cy="6858000" type="screen4x3"/>
   <p:notesSz cx="6858000" cy="9144000"/>
@@ -207,7 +213,7 @@
           <a:p>
             <a:fld id="{65F1378B-C2AB-4698-A639-9C0E3F833333}" type="datetimeFigureOut">
               <a:rPr lang="en-US" smtClean="0"/>
-              <a:t>2017-02-23</a:t>
+              <a:t>2017-02-24</a:t>
             </a:fld>
             <a:endParaRPr lang="en-US"/>
           </a:p>
@@ -606,7 +612,7 @@
           <a:p>
             <a:fld id="{5786021F-A61E-4517-8760-BC87D1A92FA2}" type="datetime1">
               <a:rPr lang="en-US" smtClean="0"/>
-              <a:t>2017-02-23</a:t>
+              <a:t>2017-02-24</a:t>
             </a:fld>
             <a:endParaRPr lang="en-US"/>
           </a:p>
@@ -776,7 +782,7 @@
           <a:p>
             <a:fld id="{1319E2CA-33D9-482F-BBF4-3C2EF9A11FD9}" type="datetime1">
               <a:rPr lang="en-US" smtClean="0"/>
-              <a:t>2017-02-23</a:t>
+              <a:t>2017-02-24</a:t>
             </a:fld>
             <a:endParaRPr lang="en-US"/>
           </a:p>
@@ -956,7 +962,7 @@
           <a:p>
             <a:fld id="{E0855842-D24D-4D96-893F-FC8253D498B3}" type="datetime1">
               <a:rPr lang="en-US" smtClean="0"/>
-              <a:t>2017-02-23</a:t>
+              <a:t>2017-02-24</a:t>
             </a:fld>
             <a:endParaRPr lang="en-US"/>
           </a:p>
@@ -1126,7 +1132,7 @@
           <a:p>
             <a:fld id="{4F17A02C-CCD5-4EAA-AD62-6AF1BBBA5098}" type="datetime1">
               <a:rPr lang="en-US" smtClean="0"/>
-              <a:t>2017-02-23</a:t>
+              <a:t>2017-02-24</a:t>
             </a:fld>
             <a:endParaRPr lang="en-US"/>
           </a:p>
@@ -1370,7 +1376,7 @@
           <a:p>
             <a:fld id="{3C16106F-9685-4E44-9262-E438E92F03CD}" type="datetime1">
               <a:rPr lang="en-US" smtClean="0"/>
-              <a:t>2017-02-23</a:t>
+              <a:t>2017-02-24</a:t>
             </a:fld>
             <a:endParaRPr lang="en-US"/>
           </a:p>
@@ -1602,7 +1608,7 @@
           <a:p>
             <a:fld id="{BA74F6A0-DDD4-49C4-A22A-B3084067F398}" type="datetime1">
               <a:rPr lang="en-US" smtClean="0"/>
-              <a:t>2017-02-23</a:t>
+              <a:t>2017-02-24</a:t>
             </a:fld>
             <a:endParaRPr lang="en-US"/>
           </a:p>
@@ -1969,7 +1975,7 @@
           <a:p>
             <a:fld id="{EFA42ADE-A4E3-4963-8866-B76841D074B7}" type="datetime1">
               <a:rPr lang="en-US" smtClean="0"/>
-              <a:t>2017-02-23</a:t>
+              <a:t>2017-02-24</a:t>
             </a:fld>
             <a:endParaRPr lang="en-US"/>
           </a:p>
@@ -2087,7 +2093,7 @@
           <a:p>
             <a:fld id="{9BF63FB9-06BC-40F3-9571-396BEEB1EB3D}" type="datetime1">
               <a:rPr lang="en-US" smtClean="0"/>
-              <a:t>2017-02-23</a:t>
+              <a:t>2017-02-24</a:t>
             </a:fld>
             <a:endParaRPr lang="en-US"/>
           </a:p>
@@ -2182,7 +2188,7 @@
           <a:p>
             <a:fld id="{A2766F7D-06DD-44B0-8ACC-315F25A1E086}" type="datetime1">
               <a:rPr lang="en-US" smtClean="0"/>
-              <a:t>2017-02-23</a:t>
+              <a:t>2017-02-24</a:t>
             </a:fld>
             <a:endParaRPr lang="en-US"/>
           </a:p>
@@ -2459,7 +2465,7 @@
           <a:p>
             <a:fld id="{19AB181A-4E09-4B9D-B55E-138F3038D59A}" type="datetime1">
               <a:rPr lang="en-US" smtClean="0"/>
-              <a:t>2017-02-23</a:t>
+              <a:t>2017-02-24</a:t>
             </a:fld>
             <a:endParaRPr lang="en-US"/>
           </a:p>
@@ -2716,7 +2722,7 @@
           <a:p>
             <a:fld id="{DABD2A41-686D-44E1-829D-0CDE584BAA73}" type="datetime1">
               <a:rPr lang="en-US" smtClean="0"/>
-              <a:t>2017-02-23</a:t>
+              <a:t>2017-02-24</a:t>
             </a:fld>
             <a:endParaRPr lang="en-US"/>
           </a:p>
@@ -2929,7 +2935,7 @@
           <a:p>
             <a:fld id="{6FCAA38F-FF33-40B5-8182-D4E420F5D6EB}" type="datetime1">
               <a:rPr lang="en-US" smtClean="0"/>
-              <a:t>2017-02-23</a:t>
+              <a:t>2017-02-24</a:t>
             </a:fld>
             <a:endParaRPr lang="en-US"/>
           </a:p>
@@ -3531,7 +3537,1159 @@
           <a:p>
             <a:r>
               <a:rPr lang="en-US" dirty="0" smtClean="0"/>
-              <a:t>More rules</a:t>
+              <a:t>Make file</a:t>
+            </a:r>
+            <a:endParaRPr lang="en-US" dirty="0"/>
+          </a:p>
+        </p:txBody>
+      </p:sp>
+      <p:sp>
+        <p:nvSpPr>
+          <p:cNvPr id="3" name="Slide Number Placeholder 2"/>
+          <p:cNvSpPr>
+            <a:spLocks noGrp="1"/>
+          </p:cNvSpPr>
+          <p:nvPr>
+            <p:ph type="sldNum" sz="quarter" idx="12"/>
+          </p:nvPr>
+        </p:nvSpPr>
+        <p:spPr/>
+        <p:txBody>
+          <a:bodyPr/>
+          <a:lstStyle/>
+          <a:p>
+            <a:fld id="{2F8BA72C-5DC7-4014-AC42-C5F5AAAF9B79}" type="slidenum">
+              <a:rPr lang="en-US" smtClean="0"/>
+              <a:t>10</a:t>
+            </a:fld>
+            <a:endParaRPr lang="en-US"/>
+          </a:p>
+        </p:txBody>
+      </p:sp>
+      <p:grpSp>
+        <p:nvGrpSpPr>
+          <p:cNvPr id="4" name="Group 3"/>
+          <p:cNvGrpSpPr/>
+          <p:nvPr/>
+        </p:nvGrpSpPr>
+        <p:grpSpPr>
+          <a:xfrm>
+            <a:off x="628650" y="1825625"/>
+            <a:ext cx="6672417" cy="3539430"/>
+            <a:chOff x="628650" y="1825625"/>
+            <a:chExt cx="6672417" cy="3539430"/>
+          </a:xfrm>
+        </p:grpSpPr>
+        <p:sp>
+          <p:nvSpPr>
+            <p:cNvPr id="5" name="TextBox 4"/>
+            <p:cNvSpPr txBox="1"/>
+            <p:nvPr/>
+          </p:nvSpPr>
+          <p:spPr>
+            <a:xfrm>
+              <a:off x="628650" y="1825625"/>
+              <a:ext cx="6672417" cy="3539430"/>
+            </a:xfrm>
+            <a:prstGeom prst="rect">
+              <a:avLst/>
+            </a:prstGeom>
+            <a:solidFill>
+              <a:schemeClr val="accent5">
+                <a:lumMod val="40000"/>
+                <a:lumOff val="60000"/>
+              </a:schemeClr>
+            </a:solidFill>
+          </p:spPr>
+          <p:txBody>
+            <a:bodyPr wrap="square" rtlCol="0">
+              <a:spAutoFit/>
+            </a:bodyPr>
+            <a:lstStyle/>
+            <a:p>
+              <a:r>
+                <a:rPr lang="nn-NO" sz="1600" dirty="0" smtClean="0">
+                  <a:latin typeface="Courier New" pitchFamily="49" charset="0"/>
+                  <a:cs typeface="Courier New" pitchFamily="49" charset="0"/>
+                </a:rPr>
+                <a:t>CXX = g++</a:t>
+              </a:r>
+            </a:p>
+            <a:p>
+              <a:r>
+                <a:rPr lang="nn-NO" sz="1600" dirty="0" smtClean="0">
+                  <a:latin typeface="Courier New" pitchFamily="49" charset="0"/>
+                  <a:cs typeface="Courier New" pitchFamily="49" charset="0"/>
+                </a:rPr>
+                <a:t>CXXFLAGS = -O2  -g  -Wall  -std=c++14</a:t>
+              </a:r>
+            </a:p>
+            <a:p>
+              <a:r>
+                <a:rPr lang="nn-NO" sz="1600" dirty="0" smtClean="0">
+                  <a:latin typeface="Courier New" pitchFamily="49" charset="0"/>
+                  <a:cs typeface="Courier New" pitchFamily="49" charset="0"/>
+                </a:rPr>
+                <a:t>LIBS = -lm</a:t>
+              </a:r>
+            </a:p>
+            <a:p>
+              <a:endParaRPr lang="nn-NO" sz="1600" dirty="0">
+                <a:latin typeface="Courier New" pitchFamily="49" charset="0"/>
+                <a:cs typeface="Courier New" pitchFamily="49" charset="0"/>
+              </a:endParaRPr>
+            </a:p>
+            <a:p>
+              <a:r>
+                <a:rPr lang="nn-NO" sz="1600" dirty="0" smtClean="0">
+                  <a:latin typeface="Courier New" pitchFamily="49" charset="0"/>
+                  <a:cs typeface="Courier New" pitchFamily="49" charset="0"/>
+                </a:rPr>
+                <a:t>all: particles.exe</a:t>
+              </a:r>
+            </a:p>
+            <a:p>
+              <a:endParaRPr lang="nn-NO" sz="1600" dirty="0">
+                <a:latin typeface="Courier New" pitchFamily="49" charset="0"/>
+                <a:cs typeface="Courier New" pitchFamily="49" charset="0"/>
+              </a:endParaRPr>
+            </a:p>
+            <a:p>
+              <a:r>
+                <a:rPr lang="nn-NO" sz="1600" dirty="0" smtClean="0">
+                  <a:latin typeface="Courier New" pitchFamily="49" charset="0"/>
+                  <a:cs typeface="Courier New" pitchFamily="49" charset="0"/>
+                </a:rPr>
+                <a:t>particles.exe: particle.o main.o</a:t>
+              </a:r>
+            </a:p>
+            <a:p>
+              <a:r>
+                <a:rPr lang="nn-NO" sz="1600" dirty="0" smtClean="0">
+                  <a:latin typeface="Courier New" pitchFamily="49" charset="0"/>
+                  <a:cs typeface="Courier New" pitchFamily="49" charset="0"/>
+                </a:rPr>
+                <a:t>	$(CXX)  $(CXXFLAGS)   -o $@  $^  $(LIBS)</a:t>
+              </a:r>
+            </a:p>
+            <a:p>
+              <a:endParaRPr lang="nn-NO" sz="1600" dirty="0">
+                <a:latin typeface="Courier New" pitchFamily="49" charset="0"/>
+                <a:cs typeface="Courier New" pitchFamily="49" charset="0"/>
+              </a:endParaRPr>
+            </a:p>
+            <a:p>
+              <a:r>
+                <a:rPr lang="nn-NO" sz="1600" dirty="0" smtClean="0">
+                  <a:latin typeface="Courier New" pitchFamily="49" charset="0"/>
+                  <a:cs typeface="Courier New" pitchFamily="49" charset="0"/>
+                </a:rPr>
+                <a:t>%.o: %.cpp</a:t>
+              </a:r>
+            </a:p>
+            <a:p>
+              <a:r>
+                <a:rPr lang="nn-NO" sz="1600" dirty="0">
+                  <a:latin typeface="Courier New" pitchFamily="49" charset="0"/>
+                  <a:cs typeface="Courier New" pitchFamily="49" charset="0"/>
+                </a:rPr>
+                <a:t>	</a:t>
+              </a:r>
+              <a:r>
+                <a:rPr lang="nn-NO" sz="1600" dirty="0" smtClean="0">
+                  <a:latin typeface="Courier New" pitchFamily="49" charset="0"/>
+                  <a:cs typeface="Courier New" pitchFamily="49" charset="0"/>
+                </a:rPr>
+                <a:t>$(CXX)  $(CXXFLAGS)  -c  -o $@  $^</a:t>
+              </a:r>
+            </a:p>
+            <a:p>
+              <a:endParaRPr lang="nn-NO" sz="1600" dirty="0">
+                <a:latin typeface="Courier New" pitchFamily="49" charset="0"/>
+                <a:cs typeface="Courier New" pitchFamily="49" charset="0"/>
+              </a:endParaRPr>
+            </a:p>
+            <a:p>
+              <a:r>
+                <a:rPr lang="nn-NO" sz="1600" dirty="0" smtClean="0">
+                  <a:latin typeface="Courier New" pitchFamily="49" charset="0"/>
+                  <a:cs typeface="Courier New" pitchFamily="49" charset="0"/>
+                </a:rPr>
+                <a:t>clean:</a:t>
+              </a:r>
+            </a:p>
+            <a:p>
+              <a:r>
+                <a:rPr lang="nn-NO" sz="1600" dirty="0">
+                  <a:latin typeface="Courier New" pitchFamily="49" charset="0"/>
+                  <a:cs typeface="Courier New" pitchFamily="49" charset="0"/>
+                </a:rPr>
+                <a:t>	</a:t>
+              </a:r>
+              <a:r>
+                <a:rPr lang="nn-NO" sz="1600" dirty="0" smtClean="0">
+                  <a:latin typeface="Courier New" pitchFamily="49" charset="0"/>
+                  <a:cs typeface="Courier New" pitchFamily="49" charset="0"/>
+                </a:rPr>
+                <a:t>rm -f particles.exe *.o</a:t>
+              </a:r>
+              <a:endParaRPr lang="nn-NO" sz="1600" dirty="0">
+                <a:latin typeface="Courier New" pitchFamily="49" charset="0"/>
+                <a:cs typeface="Courier New" pitchFamily="49" charset="0"/>
+              </a:endParaRPr>
+            </a:p>
+          </p:txBody>
+        </p:sp>
+        <p:sp>
+          <p:nvSpPr>
+            <p:cNvPr id="6" name="TextBox 5"/>
+            <p:cNvSpPr txBox="1"/>
+            <p:nvPr/>
+          </p:nvSpPr>
+          <p:spPr>
+            <a:xfrm>
+              <a:off x="6353808" y="1825625"/>
+              <a:ext cx="928459" cy="276999"/>
+            </a:xfrm>
+            <a:prstGeom prst="rect">
+              <a:avLst/>
+            </a:prstGeom>
+            <a:solidFill>
+              <a:schemeClr val="bg1"/>
+            </a:solidFill>
+            <a:ln>
+              <a:solidFill>
+                <a:schemeClr val="tx1"/>
+              </a:solidFill>
+            </a:ln>
+          </p:spPr>
+          <p:txBody>
+            <a:bodyPr wrap="none" rtlCol="0">
+              <a:spAutoFit/>
+            </a:bodyPr>
+            <a:lstStyle/>
+            <a:p>
+              <a:r>
+                <a:rPr lang="en-US" sz="1200" dirty="0" err="1" smtClean="0">
+                  <a:latin typeface="Courier New" panose="02070309020205020404" pitchFamily="49" charset="0"/>
+                  <a:cs typeface="Courier New" panose="02070309020205020404" pitchFamily="49" charset="0"/>
+                </a:rPr>
+                <a:t>Makefile</a:t>
+              </a:r>
+              <a:endParaRPr lang="en-US" sz="1200" dirty="0">
+                <a:latin typeface="Courier New" panose="02070309020205020404" pitchFamily="49" charset="0"/>
+                <a:cs typeface="Courier New" panose="02070309020205020404" pitchFamily="49" charset="0"/>
+              </a:endParaRPr>
+            </a:p>
+          </p:txBody>
+        </p:sp>
+      </p:grpSp>
+      <p:grpSp>
+        <p:nvGrpSpPr>
+          <p:cNvPr id="7" name="Group 6"/>
+          <p:cNvGrpSpPr/>
+          <p:nvPr/>
+        </p:nvGrpSpPr>
+        <p:grpSpPr>
+          <a:xfrm>
+            <a:off x="1995948" y="1133128"/>
+            <a:ext cx="4640827" cy="830996"/>
+            <a:chOff x="-964783" y="2790404"/>
+            <a:chExt cx="4640827" cy="830996"/>
+          </a:xfrm>
+        </p:grpSpPr>
+        <p:sp>
+          <p:nvSpPr>
+            <p:cNvPr id="8" name="TextBox 7"/>
+            <p:cNvSpPr txBox="1"/>
+            <p:nvPr/>
+          </p:nvSpPr>
+          <p:spPr>
+            <a:xfrm>
+              <a:off x="1748722" y="2790404"/>
+              <a:ext cx="1927322" cy="400110"/>
+            </a:xfrm>
+            <a:prstGeom prst="rect">
+              <a:avLst/>
+            </a:prstGeom>
+            <a:solidFill>
+              <a:schemeClr val="bg1"/>
+            </a:solidFill>
+            <a:ln w="19050">
+              <a:solidFill>
+                <a:schemeClr val="tx1"/>
+              </a:solidFill>
+            </a:ln>
+          </p:spPr>
+          <p:txBody>
+            <a:bodyPr wrap="square" rtlCol="0">
+              <a:spAutoFit/>
+            </a:bodyPr>
+            <a:lstStyle/>
+            <a:p>
+              <a:r>
+                <a:rPr lang="en-US" sz="2000" dirty="0" smtClean="0"/>
+                <a:t>compiler to use</a:t>
+              </a:r>
+              <a:endParaRPr lang="en-US" sz="2000" dirty="0">
+                <a:latin typeface="Courier New" panose="02070309020205020404" pitchFamily="49" charset="0"/>
+                <a:cs typeface="Courier New" panose="02070309020205020404" pitchFamily="49" charset="0"/>
+              </a:endParaRPr>
+            </a:p>
+          </p:txBody>
+        </p:sp>
+        <p:cxnSp>
+          <p:nvCxnSpPr>
+            <p:cNvPr id="9" name="Straight Arrow Connector 8"/>
+            <p:cNvCxnSpPr>
+              <a:stCxn id="8" idx="1"/>
+            </p:cNvCxnSpPr>
+            <p:nvPr/>
+          </p:nvCxnSpPr>
+          <p:spPr>
+            <a:xfrm flipH="1">
+              <a:off x="-964783" y="2990459"/>
+              <a:ext cx="2713505" cy="630941"/>
+            </a:xfrm>
+            <a:prstGeom prst="straightConnector1">
+              <a:avLst/>
+            </a:prstGeom>
+            <a:ln w="19050">
+              <a:solidFill>
+                <a:schemeClr val="tx1"/>
+              </a:solidFill>
+              <a:tailEnd type="stealth" w="lg" len="lg"/>
+            </a:ln>
+          </p:spPr>
+          <p:style>
+            <a:lnRef idx="1">
+              <a:schemeClr val="accent1"/>
+            </a:lnRef>
+            <a:fillRef idx="0">
+              <a:schemeClr val="accent1"/>
+            </a:fillRef>
+            <a:effectRef idx="0">
+              <a:schemeClr val="accent1"/>
+            </a:effectRef>
+            <a:fontRef idx="minor">
+              <a:schemeClr val="tx1"/>
+            </a:fontRef>
+          </p:style>
+        </p:cxnSp>
+      </p:grpSp>
+      <p:grpSp>
+        <p:nvGrpSpPr>
+          <p:cNvPr id="11" name="Group 10"/>
+          <p:cNvGrpSpPr/>
+          <p:nvPr/>
+        </p:nvGrpSpPr>
+        <p:grpSpPr>
+          <a:xfrm>
+            <a:off x="5338916" y="2237560"/>
+            <a:ext cx="3176434" cy="413419"/>
+            <a:chOff x="499610" y="2777095"/>
+            <a:chExt cx="3176434" cy="413419"/>
+          </a:xfrm>
+        </p:grpSpPr>
+        <p:sp>
+          <p:nvSpPr>
+            <p:cNvPr id="12" name="TextBox 11"/>
+            <p:cNvSpPr txBox="1"/>
+            <p:nvPr/>
+          </p:nvSpPr>
+          <p:spPr>
+            <a:xfrm>
+              <a:off x="1748722" y="2790404"/>
+              <a:ext cx="1927322" cy="400110"/>
+            </a:xfrm>
+            <a:prstGeom prst="rect">
+              <a:avLst/>
+            </a:prstGeom>
+            <a:solidFill>
+              <a:schemeClr val="bg1"/>
+            </a:solidFill>
+            <a:ln w="19050">
+              <a:solidFill>
+                <a:schemeClr val="tx1"/>
+              </a:solidFill>
+            </a:ln>
+          </p:spPr>
+          <p:txBody>
+            <a:bodyPr wrap="square" rtlCol="0">
+              <a:spAutoFit/>
+            </a:bodyPr>
+            <a:lstStyle/>
+            <a:p>
+              <a:r>
+                <a:rPr lang="en-US" sz="2000" dirty="0" smtClean="0"/>
+                <a:t>compiler options</a:t>
+              </a:r>
+              <a:endParaRPr lang="en-US" sz="2000" dirty="0">
+                <a:latin typeface="Courier New" panose="02070309020205020404" pitchFamily="49" charset="0"/>
+                <a:cs typeface="Courier New" panose="02070309020205020404" pitchFamily="49" charset="0"/>
+              </a:endParaRPr>
+            </a:p>
+          </p:txBody>
+        </p:sp>
+        <p:cxnSp>
+          <p:nvCxnSpPr>
+            <p:cNvPr id="13" name="Straight Arrow Connector 12"/>
+            <p:cNvCxnSpPr>
+              <a:stCxn id="12" idx="1"/>
+            </p:cNvCxnSpPr>
+            <p:nvPr/>
+          </p:nvCxnSpPr>
+          <p:spPr>
+            <a:xfrm flipH="1" flipV="1">
+              <a:off x="499610" y="2777095"/>
+              <a:ext cx="1249112" cy="213364"/>
+            </a:xfrm>
+            <a:prstGeom prst="straightConnector1">
+              <a:avLst/>
+            </a:prstGeom>
+            <a:ln w="19050">
+              <a:solidFill>
+                <a:schemeClr val="tx1"/>
+              </a:solidFill>
+              <a:tailEnd type="stealth" w="lg" len="lg"/>
+            </a:ln>
+          </p:spPr>
+          <p:style>
+            <a:lnRef idx="1">
+              <a:schemeClr val="accent1"/>
+            </a:lnRef>
+            <a:fillRef idx="0">
+              <a:schemeClr val="accent1"/>
+            </a:fillRef>
+            <a:effectRef idx="0">
+              <a:schemeClr val="accent1"/>
+            </a:effectRef>
+            <a:fontRef idx="minor">
+              <a:schemeClr val="tx1"/>
+            </a:fontRef>
+          </p:style>
+        </p:cxnSp>
+      </p:grpSp>
+      <p:grpSp>
+        <p:nvGrpSpPr>
+          <p:cNvPr id="16" name="Group 15"/>
+          <p:cNvGrpSpPr/>
+          <p:nvPr/>
+        </p:nvGrpSpPr>
+        <p:grpSpPr>
+          <a:xfrm>
+            <a:off x="2084439" y="2524534"/>
+            <a:ext cx="6430911" cy="672479"/>
+            <a:chOff x="-2754867" y="2518035"/>
+            <a:chExt cx="6430911" cy="672479"/>
+          </a:xfrm>
+        </p:grpSpPr>
+        <p:sp>
+          <p:nvSpPr>
+            <p:cNvPr id="17" name="TextBox 16"/>
+            <p:cNvSpPr txBox="1"/>
+            <p:nvPr/>
+          </p:nvSpPr>
+          <p:spPr>
+            <a:xfrm>
+              <a:off x="1748722" y="2790404"/>
+              <a:ext cx="1927322" cy="400110"/>
+            </a:xfrm>
+            <a:prstGeom prst="rect">
+              <a:avLst/>
+            </a:prstGeom>
+            <a:solidFill>
+              <a:schemeClr val="bg1"/>
+            </a:solidFill>
+            <a:ln w="19050">
+              <a:solidFill>
+                <a:schemeClr val="tx1"/>
+              </a:solidFill>
+            </a:ln>
+          </p:spPr>
+          <p:txBody>
+            <a:bodyPr wrap="square" rtlCol="0">
+              <a:spAutoFit/>
+            </a:bodyPr>
+            <a:lstStyle/>
+            <a:p>
+              <a:r>
+                <a:rPr lang="en-US" sz="2000" dirty="0" smtClean="0"/>
+                <a:t>libraries to use</a:t>
+              </a:r>
+              <a:endParaRPr lang="en-US" sz="2000" dirty="0">
+                <a:latin typeface="Courier New" panose="02070309020205020404" pitchFamily="49" charset="0"/>
+                <a:cs typeface="Courier New" panose="02070309020205020404" pitchFamily="49" charset="0"/>
+              </a:endParaRPr>
+            </a:p>
+          </p:txBody>
+        </p:sp>
+        <p:cxnSp>
+          <p:nvCxnSpPr>
+            <p:cNvPr id="18" name="Straight Arrow Connector 17"/>
+            <p:cNvCxnSpPr>
+              <a:stCxn id="17" idx="1"/>
+            </p:cNvCxnSpPr>
+            <p:nvPr/>
+          </p:nvCxnSpPr>
+          <p:spPr>
+            <a:xfrm flipH="1" flipV="1">
+              <a:off x="-2754867" y="2518035"/>
+              <a:ext cx="4503589" cy="472424"/>
+            </a:xfrm>
+            <a:prstGeom prst="straightConnector1">
+              <a:avLst/>
+            </a:prstGeom>
+            <a:ln w="19050">
+              <a:solidFill>
+                <a:schemeClr val="tx1"/>
+              </a:solidFill>
+              <a:tailEnd type="stealth" w="lg" len="lg"/>
+            </a:ln>
+          </p:spPr>
+          <p:style>
+            <a:lnRef idx="1">
+              <a:schemeClr val="accent1"/>
+            </a:lnRef>
+            <a:fillRef idx="0">
+              <a:schemeClr val="accent1"/>
+            </a:fillRef>
+            <a:effectRef idx="0">
+              <a:schemeClr val="accent1"/>
+            </a:effectRef>
+            <a:fontRef idx="minor">
+              <a:schemeClr val="tx1"/>
+            </a:fontRef>
+          </p:style>
+        </p:cxnSp>
+      </p:grpSp>
+      <p:grpSp>
+        <p:nvGrpSpPr>
+          <p:cNvPr id="20" name="Group 19"/>
+          <p:cNvGrpSpPr/>
+          <p:nvPr/>
+        </p:nvGrpSpPr>
+        <p:grpSpPr>
+          <a:xfrm>
+            <a:off x="6588028" y="3781544"/>
+            <a:ext cx="1927322" cy="533210"/>
+            <a:chOff x="1748722" y="2676039"/>
+            <a:chExt cx="1927322" cy="533210"/>
+          </a:xfrm>
+        </p:grpSpPr>
+        <p:sp>
+          <p:nvSpPr>
+            <p:cNvPr id="21" name="TextBox 20"/>
+            <p:cNvSpPr txBox="1"/>
+            <p:nvPr/>
+          </p:nvSpPr>
+          <p:spPr>
+            <a:xfrm>
+              <a:off x="2762059" y="2809139"/>
+              <a:ext cx="913985" cy="400110"/>
+            </a:xfrm>
+            <a:prstGeom prst="rect">
+              <a:avLst/>
+            </a:prstGeom>
+            <a:solidFill>
+              <a:schemeClr val="bg1"/>
+            </a:solidFill>
+            <a:ln w="19050">
+              <a:solidFill>
+                <a:schemeClr val="tx1"/>
+              </a:solidFill>
+            </a:ln>
+          </p:spPr>
+          <p:txBody>
+            <a:bodyPr wrap="square" rtlCol="0">
+              <a:spAutoFit/>
+            </a:bodyPr>
+            <a:lstStyle/>
+            <a:p>
+              <a:r>
+                <a:rPr lang="en-US" sz="2000" dirty="0" smtClean="0"/>
+                <a:t>linking</a:t>
+              </a:r>
+              <a:endParaRPr lang="en-US" sz="2000" dirty="0">
+                <a:latin typeface="Courier New" panose="02070309020205020404" pitchFamily="49" charset="0"/>
+                <a:cs typeface="Courier New" panose="02070309020205020404" pitchFamily="49" charset="0"/>
+              </a:endParaRPr>
+            </a:p>
+          </p:txBody>
+        </p:sp>
+        <p:cxnSp>
+          <p:nvCxnSpPr>
+            <p:cNvPr id="22" name="Straight Arrow Connector 21"/>
+            <p:cNvCxnSpPr>
+              <a:stCxn id="21" idx="1"/>
+            </p:cNvCxnSpPr>
+            <p:nvPr/>
+          </p:nvCxnSpPr>
+          <p:spPr>
+            <a:xfrm flipH="1" flipV="1">
+              <a:off x="1748722" y="2676039"/>
+              <a:ext cx="1013337" cy="333155"/>
+            </a:xfrm>
+            <a:prstGeom prst="straightConnector1">
+              <a:avLst/>
+            </a:prstGeom>
+            <a:ln w="19050">
+              <a:solidFill>
+                <a:schemeClr val="tx1"/>
+              </a:solidFill>
+              <a:tailEnd type="stealth" w="lg" len="lg"/>
+            </a:ln>
+          </p:spPr>
+          <p:style>
+            <a:lnRef idx="1">
+              <a:schemeClr val="accent1"/>
+            </a:lnRef>
+            <a:fillRef idx="0">
+              <a:schemeClr val="accent1"/>
+            </a:fillRef>
+            <a:effectRef idx="0">
+              <a:schemeClr val="accent1"/>
+            </a:effectRef>
+            <a:fontRef idx="minor">
+              <a:schemeClr val="tx1"/>
+            </a:fontRef>
+          </p:style>
+        </p:cxnSp>
+      </p:grpSp>
+      <p:grpSp>
+        <p:nvGrpSpPr>
+          <p:cNvPr id="25" name="Group 24"/>
+          <p:cNvGrpSpPr/>
+          <p:nvPr/>
+        </p:nvGrpSpPr>
+        <p:grpSpPr>
+          <a:xfrm>
+            <a:off x="6017342" y="4492521"/>
+            <a:ext cx="2494214" cy="451386"/>
+            <a:chOff x="1278509" y="2778348"/>
+            <a:chExt cx="2494214" cy="451386"/>
+          </a:xfrm>
+        </p:grpSpPr>
+        <p:sp>
+          <p:nvSpPr>
+            <p:cNvPr id="26" name="TextBox 25"/>
+            <p:cNvSpPr txBox="1"/>
+            <p:nvPr/>
+          </p:nvSpPr>
+          <p:spPr>
+            <a:xfrm>
+              <a:off x="2562234" y="2829624"/>
+              <a:ext cx="1210489" cy="400110"/>
+            </a:xfrm>
+            <a:prstGeom prst="rect">
+              <a:avLst/>
+            </a:prstGeom>
+            <a:solidFill>
+              <a:schemeClr val="bg1"/>
+            </a:solidFill>
+            <a:ln w="19050">
+              <a:solidFill>
+                <a:schemeClr val="tx1"/>
+              </a:solidFill>
+            </a:ln>
+          </p:spPr>
+          <p:txBody>
+            <a:bodyPr wrap="square" rtlCol="0">
+              <a:spAutoFit/>
+            </a:bodyPr>
+            <a:lstStyle/>
+            <a:p>
+              <a:r>
+                <a:rPr lang="en-US" sz="2000" dirty="0" smtClean="0"/>
+                <a:t>compiling</a:t>
+              </a:r>
+              <a:endParaRPr lang="en-US" sz="2000" dirty="0">
+                <a:latin typeface="Courier New" panose="02070309020205020404" pitchFamily="49" charset="0"/>
+                <a:cs typeface="Courier New" panose="02070309020205020404" pitchFamily="49" charset="0"/>
+              </a:endParaRPr>
+            </a:p>
+          </p:txBody>
+        </p:sp>
+        <p:cxnSp>
+          <p:nvCxnSpPr>
+            <p:cNvPr id="27" name="Straight Arrow Connector 26"/>
+            <p:cNvCxnSpPr>
+              <a:stCxn id="26" idx="1"/>
+            </p:cNvCxnSpPr>
+            <p:nvPr/>
+          </p:nvCxnSpPr>
+          <p:spPr>
+            <a:xfrm flipH="1" flipV="1">
+              <a:off x="1278509" y="2778348"/>
+              <a:ext cx="1283725" cy="251331"/>
+            </a:xfrm>
+            <a:prstGeom prst="straightConnector1">
+              <a:avLst/>
+            </a:prstGeom>
+            <a:ln w="19050">
+              <a:solidFill>
+                <a:schemeClr val="tx1"/>
+              </a:solidFill>
+              <a:tailEnd type="stealth" w="lg" len="lg"/>
+            </a:ln>
+          </p:spPr>
+          <p:style>
+            <a:lnRef idx="1">
+              <a:schemeClr val="accent1"/>
+            </a:lnRef>
+            <a:fillRef idx="0">
+              <a:schemeClr val="accent1"/>
+            </a:fillRef>
+            <a:effectRef idx="0">
+              <a:schemeClr val="accent1"/>
+            </a:effectRef>
+            <a:fontRef idx="minor">
+              <a:schemeClr val="tx1"/>
+            </a:fontRef>
+          </p:style>
+        </p:cxnSp>
+      </p:grpSp>
+      <p:grpSp>
+        <p:nvGrpSpPr>
+          <p:cNvPr id="30" name="Group 29"/>
+          <p:cNvGrpSpPr/>
+          <p:nvPr/>
+        </p:nvGrpSpPr>
+        <p:grpSpPr>
+          <a:xfrm>
+            <a:off x="4798142" y="5209887"/>
+            <a:ext cx="3713414" cy="635697"/>
+            <a:chOff x="59309" y="2594037"/>
+            <a:chExt cx="3713414" cy="635697"/>
+          </a:xfrm>
+        </p:grpSpPr>
+        <p:sp>
+          <p:nvSpPr>
+            <p:cNvPr id="31" name="TextBox 30"/>
+            <p:cNvSpPr txBox="1"/>
+            <p:nvPr/>
+          </p:nvSpPr>
+          <p:spPr>
+            <a:xfrm>
+              <a:off x="2562234" y="2829624"/>
+              <a:ext cx="1210489" cy="400110"/>
+            </a:xfrm>
+            <a:prstGeom prst="rect">
+              <a:avLst/>
+            </a:prstGeom>
+            <a:solidFill>
+              <a:schemeClr val="bg1"/>
+            </a:solidFill>
+            <a:ln w="19050">
+              <a:solidFill>
+                <a:schemeClr val="tx1"/>
+              </a:solidFill>
+            </a:ln>
+          </p:spPr>
+          <p:txBody>
+            <a:bodyPr wrap="square" rtlCol="0">
+              <a:spAutoFit/>
+            </a:bodyPr>
+            <a:lstStyle/>
+            <a:p>
+              <a:r>
+                <a:rPr lang="en-US" sz="2000" dirty="0" smtClean="0"/>
+                <a:t>clean up</a:t>
+              </a:r>
+              <a:endParaRPr lang="en-US" sz="2000" dirty="0">
+                <a:latin typeface="Courier New" panose="02070309020205020404" pitchFamily="49" charset="0"/>
+                <a:cs typeface="Courier New" panose="02070309020205020404" pitchFamily="49" charset="0"/>
+              </a:endParaRPr>
+            </a:p>
+          </p:txBody>
+        </p:sp>
+        <p:cxnSp>
+          <p:nvCxnSpPr>
+            <p:cNvPr id="32" name="Straight Arrow Connector 31"/>
+            <p:cNvCxnSpPr>
+              <a:stCxn id="31" idx="1"/>
+            </p:cNvCxnSpPr>
+            <p:nvPr/>
+          </p:nvCxnSpPr>
+          <p:spPr>
+            <a:xfrm flipH="1" flipV="1">
+              <a:off x="59309" y="2594037"/>
+              <a:ext cx="2502925" cy="435642"/>
+            </a:xfrm>
+            <a:prstGeom prst="straightConnector1">
+              <a:avLst/>
+            </a:prstGeom>
+            <a:ln w="19050">
+              <a:solidFill>
+                <a:schemeClr val="tx1"/>
+              </a:solidFill>
+              <a:tailEnd type="stealth" w="lg" len="lg"/>
+            </a:ln>
+          </p:spPr>
+          <p:style>
+            <a:lnRef idx="1">
+              <a:schemeClr val="accent1"/>
+            </a:lnRef>
+            <a:fillRef idx="0">
+              <a:schemeClr val="accent1"/>
+            </a:fillRef>
+            <a:effectRef idx="0">
+              <a:schemeClr val="accent1"/>
+            </a:effectRef>
+            <a:fontRef idx="minor">
+              <a:schemeClr val="tx1"/>
+            </a:fontRef>
+          </p:style>
+        </p:cxnSp>
+      </p:grpSp>
+    </p:spTree>
+    <p:extLst>
+      <p:ext uri="{BB962C8B-B14F-4D97-AF65-F5344CB8AC3E}">
+        <p14:creationId xmlns:p14="http://schemas.microsoft.com/office/powerpoint/2010/main" val="4246392540"/>
+      </p:ext>
+    </p:extLst>
+  </p:cSld>
+  <p:clrMapOvr>
+    <a:masterClrMapping/>
+  </p:clrMapOvr>
+  <p:timing>
+    <p:tnLst>
+      <p:par>
+        <p:cTn id="1" dur="indefinite" restart="never" nodeType="tmRoot">
+          <p:childTnLst>
+            <p:seq concurrent="1" nextAc="seek">
+              <p:cTn id="2" dur="indefinite" nodeType="mainSeq">
+                <p:childTnLst>
+                  <p:par>
+                    <p:cTn id="3" fill="hold">
+                      <p:stCondLst>
+                        <p:cond delay="indefinite"/>
+                      </p:stCondLst>
+                      <p:childTnLst>
+                        <p:par>
+                          <p:cTn id="4" fill="hold">
+                            <p:stCondLst>
+                              <p:cond delay="0"/>
+                            </p:stCondLst>
+                            <p:childTnLst>
+                              <p:par>
+                                <p:cTn id="5" presetID="1" presetClass="entr" presetSubtype="0" fill="hold" nodeType="clickEffect">
+                                  <p:stCondLst>
+                                    <p:cond delay="0"/>
+                                  </p:stCondLst>
+                                  <p:childTnLst>
+                                    <p:set>
+                                      <p:cBhvr>
+                                        <p:cTn id="6" dur="1" fill="hold">
+                                          <p:stCondLst>
+                                            <p:cond delay="0"/>
+                                          </p:stCondLst>
+                                        </p:cTn>
+                                        <p:tgtEl>
+                                          <p:spTgt spid="7"/>
+                                        </p:tgtEl>
+                                        <p:attrNameLst>
+                                          <p:attrName>style.visibility</p:attrName>
+                                        </p:attrNameLst>
+                                      </p:cBhvr>
+                                      <p:to>
+                                        <p:strVal val="visible"/>
+                                      </p:to>
+                                    </p:set>
+                                  </p:childTnLst>
+                                </p:cTn>
+                              </p:par>
+                            </p:childTnLst>
+                          </p:cTn>
+                        </p:par>
+                      </p:childTnLst>
+                    </p:cTn>
+                  </p:par>
+                  <p:par>
+                    <p:cTn id="7" fill="hold">
+                      <p:stCondLst>
+                        <p:cond delay="indefinite"/>
+                      </p:stCondLst>
+                      <p:childTnLst>
+                        <p:par>
+                          <p:cTn id="8" fill="hold">
+                            <p:stCondLst>
+                              <p:cond delay="0"/>
+                            </p:stCondLst>
+                            <p:childTnLst>
+                              <p:par>
+                                <p:cTn id="9" presetID="1" presetClass="entr" presetSubtype="0" fill="hold" nodeType="clickEffect">
+                                  <p:stCondLst>
+                                    <p:cond delay="0"/>
+                                  </p:stCondLst>
+                                  <p:childTnLst>
+                                    <p:set>
+                                      <p:cBhvr>
+                                        <p:cTn id="10" dur="1" fill="hold">
+                                          <p:stCondLst>
+                                            <p:cond delay="0"/>
+                                          </p:stCondLst>
+                                        </p:cTn>
+                                        <p:tgtEl>
+                                          <p:spTgt spid="11"/>
+                                        </p:tgtEl>
+                                        <p:attrNameLst>
+                                          <p:attrName>style.visibility</p:attrName>
+                                        </p:attrNameLst>
+                                      </p:cBhvr>
+                                      <p:to>
+                                        <p:strVal val="visible"/>
+                                      </p:to>
+                                    </p:set>
+                                  </p:childTnLst>
+                                </p:cTn>
+                              </p:par>
+                            </p:childTnLst>
+                          </p:cTn>
+                        </p:par>
+                      </p:childTnLst>
+                    </p:cTn>
+                  </p:par>
+                  <p:par>
+                    <p:cTn id="11" fill="hold">
+                      <p:stCondLst>
+                        <p:cond delay="indefinite"/>
+                      </p:stCondLst>
+                      <p:childTnLst>
+                        <p:par>
+                          <p:cTn id="12" fill="hold">
+                            <p:stCondLst>
+                              <p:cond delay="0"/>
+                            </p:stCondLst>
+                            <p:childTnLst>
+                              <p:par>
+                                <p:cTn id="13" presetID="1" presetClass="entr" presetSubtype="0" fill="hold" nodeType="clickEffect">
+                                  <p:stCondLst>
+                                    <p:cond delay="0"/>
+                                  </p:stCondLst>
+                                  <p:childTnLst>
+                                    <p:set>
+                                      <p:cBhvr>
+                                        <p:cTn id="14" dur="1" fill="hold">
+                                          <p:stCondLst>
+                                            <p:cond delay="0"/>
+                                          </p:stCondLst>
+                                        </p:cTn>
+                                        <p:tgtEl>
+                                          <p:spTgt spid="16"/>
+                                        </p:tgtEl>
+                                        <p:attrNameLst>
+                                          <p:attrName>style.visibility</p:attrName>
+                                        </p:attrNameLst>
+                                      </p:cBhvr>
+                                      <p:to>
+                                        <p:strVal val="visible"/>
+                                      </p:to>
+                                    </p:set>
+                                  </p:childTnLst>
+                                </p:cTn>
+                              </p:par>
+                            </p:childTnLst>
+                          </p:cTn>
+                        </p:par>
+                      </p:childTnLst>
+                    </p:cTn>
+                  </p:par>
+                  <p:par>
+                    <p:cTn id="15" fill="hold">
+                      <p:stCondLst>
+                        <p:cond delay="indefinite"/>
+                      </p:stCondLst>
+                      <p:childTnLst>
+                        <p:par>
+                          <p:cTn id="16" fill="hold">
+                            <p:stCondLst>
+                              <p:cond delay="0"/>
+                            </p:stCondLst>
+                            <p:childTnLst>
+                              <p:par>
+                                <p:cTn id="17" presetID="1" presetClass="entr" presetSubtype="0" fill="hold" nodeType="clickEffect">
+                                  <p:stCondLst>
+                                    <p:cond delay="0"/>
+                                  </p:stCondLst>
+                                  <p:childTnLst>
+                                    <p:set>
+                                      <p:cBhvr>
+                                        <p:cTn id="18" dur="1" fill="hold">
+                                          <p:stCondLst>
+                                            <p:cond delay="0"/>
+                                          </p:stCondLst>
+                                        </p:cTn>
+                                        <p:tgtEl>
+                                          <p:spTgt spid="20"/>
+                                        </p:tgtEl>
+                                        <p:attrNameLst>
+                                          <p:attrName>style.visibility</p:attrName>
+                                        </p:attrNameLst>
+                                      </p:cBhvr>
+                                      <p:to>
+                                        <p:strVal val="visible"/>
+                                      </p:to>
+                                    </p:set>
+                                  </p:childTnLst>
+                                </p:cTn>
+                              </p:par>
+                            </p:childTnLst>
+                          </p:cTn>
+                        </p:par>
+                      </p:childTnLst>
+                    </p:cTn>
+                  </p:par>
+                  <p:par>
+                    <p:cTn id="19" fill="hold">
+                      <p:stCondLst>
+                        <p:cond delay="indefinite"/>
+                      </p:stCondLst>
+                      <p:childTnLst>
+                        <p:par>
+                          <p:cTn id="20" fill="hold">
+                            <p:stCondLst>
+                              <p:cond delay="0"/>
+                            </p:stCondLst>
+                            <p:childTnLst>
+                              <p:par>
+                                <p:cTn id="21" presetID="1" presetClass="entr" presetSubtype="0" fill="hold" nodeType="clickEffect">
+                                  <p:stCondLst>
+                                    <p:cond delay="0"/>
+                                  </p:stCondLst>
+                                  <p:childTnLst>
+                                    <p:set>
+                                      <p:cBhvr>
+                                        <p:cTn id="22" dur="1" fill="hold">
+                                          <p:stCondLst>
+                                            <p:cond delay="0"/>
+                                          </p:stCondLst>
+                                        </p:cTn>
+                                        <p:tgtEl>
+                                          <p:spTgt spid="25"/>
+                                        </p:tgtEl>
+                                        <p:attrNameLst>
+                                          <p:attrName>style.visibility</p:attrName>
+                                        </p:attrNameLst>
+                                      </p:cBhvr>
+                                      <p:to>
+                                        <p:strVal val="visible"/>
+                                      </p:to>
+                                    </p:set>
+                                  </p:childTnLst>
+                                </p:cTn>
+                              </p:par>
+                            </p:childTnLst>
+                          </p:cTn>
+                        </p:par>
+                      </p:childTnLst>
+                    </p:cTn>
+                  </p:par>
+                  <p:par>
+                    <p:cTn id="23" fill="hold">
+                      <p:stCondLst>
+                        <p:cond delay="indefinite"/>
+                      </p:stCondLst>
+                      <p:childTnLst>
+                        <p:par>
+                          <p:cTn id="24" fill="hold">
+                            <p:stCondLst>
+                              <p:cond delay="0"/>
+                            </p:stCondLst>
+                            <p:childTnLst>
+                              <p:par>
+                                <p:cTn id="25" presetID="1" presetClass="entr" presetSubtype="0" fill="hold" nodeType="clickEffect">
+                                  <p:stCondLst>
+                                    <p:cond delay="0"/>
+                                  </p:stCondLst>
+                                  <p:childTnLst>
+                                    <p:set>
+                                      <p:cBhvr>
+                                        <p:cTn id="26" dur="1" fill="hold">
+                                          <p:stCondLst>
+                                            <p:cond delay="0"/>
+                                          </p:stCondLst>
+                                        </p:cTn>
+                                        <p:tgtEl>
+                                          <p:spTgt spid="30"/>
+                                        </p:tgtEl>
+                                        <p:attrNameLst>
+                                          <p:attrName>style.visibility</p:attrName>
+                                        </p:attrNameLst>
+                                      </p:cBhvr>
+                                      <p:to>
+                                        <p:strVal val="visible"/>
+                                      </p:to>
+                                    </p:set>
+                                  </p:childTnLst>
+                                </p:cTn>
+                              </p:par>
+                            </p:childTnLst>
+                          </p:cTn>
+                        </p:par>
+                      </p:childTnLst>
+                    </p:cTn>
+                  </p:par>
+                </p:childTnLst>
+              </p:cTn>
+              <p:prevCondLst>
+                <p:cond evt="onPrev" delay="0">
+                  <p:tgtEl>
+                    <p:sldTgt/>
+                  </p:tgtEl>
+                </p:cond>
+              </p:prevCondLst>
+              <p:nextCondLst>
+                <p:cond evt="onNext" delay="0">
+                  <p:tgtEl>
+                    <p:sldTgt/>
+                  </p:tgtEl>
+                </p:cond>
+              </p:nextCondLst>
+            </p:seq>
+          </p:childTnLst>
+        </p:cTn>
+      </p:par>
+    </p:tnLst>
+  </p:timing>
+</p:sld>
+</file>
+
+<file path=ppt/slides/slide11.xml><?xml version="1.0" encoding="utf-8"?>
+<p:sld xmlns:a="http://schemas.openxmlformats.org/drawingml/2006/main" xmlns:r="http://schemas.openxmlformats.org/officeDocument/2006/relationships" xmlns:p="http://schemas.openxmlformats.org/presentationml/2006/main">
+  <p:cSld>
+    <p:spTree>
+      <p:nvGrpSpPr>
+        <p:cNvPr id="1" name=""/>
+        <p:cNvGrpSpPr/>
+        <p:nvPr/>
+      </p:nvGrpSpPr>
+      <p:grpSpPr>
+        <a:xfrm>
+          <a:off x="0" y="0"/>
+          <a:ext cx="0" cy="0"/>
+          <a:chOff x="0" y="0"/>
+          <a:chExt cx="0" cy="0"/>
+        </a:xfrm>
+      </p:grpSpPr>
+      <p:sp>
+        <p:nvSpPr>
+          <p:cNvPr id="2" name="Title 1"/>
+          <p:cNvSpPr>
+            <a:spLocks noGrp="1"/>
+          </p:cNvSpPr>
+          <p:nvPr>
+            <p:ph type="title"/>
+          </p:nvPr>
+        </p:nvSpPr>
+        <p:spPr/>
+        <p:txBody>
+          <a:bodyPr/>
+          <a:lstStyle/>
+          <a:p>
+            <a:r>
+              <a:rPr lang="en-US" dirty="0" smtClean="0"/>
+              <a:t>Make rule</a:t>
             </a:r>
             <a:endParaRPr lang="en-US" dirty="0"/>
           </a:p>
@@ -3554,31 +4712,34 @@
           <a:p>
             <a:r>
               <a:rPr lang="en-US" dirty="0" smtClean="0"/>
-              <a:t>Linking</a:t>
-            </a:r>
-          </a:p>
-          <a:p>
-            <a:endParaRPr lang="en-US" dirty="0"/>
-          </a:p>
-          <a:p>
-            <a:endParaRPr lang="en-US" dirty="0" smtClean="0"/>
-          </a:p>
-          <a:p>
-            <a:endParaRPr lang="en-US" dirty="0"/>
-          </a:p>
-          <a:p>
-            <a:endParaRPr lang="en-US" dirty="0" smtClean="0"/>
-          </a:p>
-          <a:p>
-            <a:endParaRPr lang="en-US" dirty="0"/>
-          </a:p>
-          <a:p>
-            <a:endParaRPr lang="en-US" dirty="0" smtClean="0"/>
-          </a:p>
-          <a:p>
+              <a:t>Recipe</a:t>
+            </a:r>
+          </a:p>
+          <a:p>
+            <a:pPr lvl="1"/>
             <a:r>
               <a:rPr lang="en-US" dirty="0" smtClean="0"/>
-              <a:t>Default target</a:t>
+              <a:t>target: what to make</a:t>
+            </a:r>
+          </a:p>
+          <a:p>
+            <a:pPr lvl="1"/>
+            <a:r>
+              <a:rPr lang="en-US" dirty="0" smtClean="0"/>
+              <a:t>dependency: what artifacts are required</a:t>
+            </a:r>
+          </a:p>
+          <a:p>
+            <a:pPr lvl="1"/>
+            <a:r>
+              <a:rPr lang="en-US" dirty="0" smtClean="0"/>
+              <a:t>action: how to do it</a:t>
+            </a:r>
+          </a:p>
+          <a:p>
+            <a:r>
+              <a:rPr lang="en-US" dirty="0" smtClean="0"/>
+              <a:t>E.g., how to create object files?</a:t>
             </a:r>
             <a:endParaRPr lang="en-US" dirty="0"/>
           </a:p>
@@ -3601,7 +4762,1341 @@
           <a:p>
             <a:fld id="{2F8BA72C-5DC7-4014-AC42-C5F5AAAF9B79}" type="slidenum">
               <a:rPr lang="en-US" smtClean="0"/>
-              <a:t>10</a:t>
+              <a:t>11</a:t>
+            </a:fld>
+            <a:endParaRPr lang="en-US"/>
+          </a:p>
+        </p:txBody>
+      </p:sp>
+      <p:sp>
+        <p:nvSpPr>
+          <p:cNvPr id="6" name="TextBox 5"/>
+          <p:cNvSpPr txBox="1"/>
+          <p:nvPr/>
+        </p:nvSpPr>
+        <p:spPr>
+          <a:xfrm>
+            <a:off x="1847852" y="4903124"/>
+            <a:ext cx="5487015" cy="584775"/>
+          </a:xfrm>
+          <a:prstGeom prst="rect">
+            <a:avLst/>
+          </a:prstGeom>
+          <a:solidFill>
+            <a:schemeClr val="accent5">
+              <a:lumMod val="40000"/>
+              <a:lumOff val="60000"/>
+            </a:schemeClr>
+          </a:solidFill>
+        </p:spPr>
+        <p:txBody>
+          <a:bodyPr wrap="square" rtlCol="0">
+            <a:spAutoFit/>
+          </a:bodyPr>
+          <a:lstStyle/>
+          <a:p>
+            <a:r>
+              <a:rPr lang="nn-NO" sz="1600" dirty="0">
+                <a:latin typeface="Courier New" pitchFamily="49" charset="0"/>
+                <a:cs typeface="Courier New" pitchFamily="49" charset="0"/>
+              </a:rPr>
+              <a:t>%.o: %.cpp</a:t>
+            </a:r>
+          </a:p>
+          <a:p>
+            <a:r>
+              <a:rPr lang="nn-NO" sz="1600" dirty="0">
+                <a:latin typeface="Courier New" pitchFamily="49" charset="0"/>
+                <a:cs typeface="Courier New" pitchFamily="49" charset="0"/>
+              </a:rPr>
+              <a:t>	$(CXX)  $(CXXFLAGS)  </a:t>
+            </a:r>
+            <a:r>
+              <a:rPr lang="nn-NO" sz="1600" b="1" dirty="0">
+                <a:solidFill>
+                  <a:srgbClr val="C00000"/>
+                </a:solidFill>
+                <a:latin typeface="Courier New" pitchFamily="49" charset="0"/>
+                <a:cs typeface="Courier New" pitchFamily="49" charset="0"/>
+              </a:rPr>
+              <a:t>-c</a:t>
+            </a:r>
+            <a:r>
+              <a:rPr lang="nn-NO" sz="1600" dirty="0">
+                <a:latin typeface="Courier New" pitchFamily="49" charset="0"/>
+                <a:cs typeface="Courier New" pitchFamily="49" charset="0"/>
+              </a:rPr>
+              <a:t>  -o $@  $^</a:t>
+            </a:r>
+          </a:p>
+        </p:txBody>
+      </p:sp>
+      <p:grpSp>
+        <p:nvGrpSpPr>
+          <p:cNvPr id="8" name="Group 7"/>
+          <p:cNvGrpSpPr/>
+          <p:nvPr/>
+        </p:nvGrpSpPr>
+        <p:grpSpPr>
+          <a:xfrm>
+            <a:off x="335326" y="4021455"/>
+            <a:ext cx="2073577" cy="953668"/>
+            <a:chOff x="2762059" y="2809139"/>
+            <a:chExt cx="2073577" cy="953668"/>
+          </a:xfrm>
+        </p:grpSpPr>
+        <p:sp>
+          <p:nvSpPr>
+            <p:cNvPr id="9" name="TextBox 8"/>
+            <p:cNvSpPr txBox="1"/>
+            <p:nvPr/>
+          </p:nvSpPr>
+          <p:spPr>
+            <a:xfrm>
+              <a:off x="2762059" y="2809139"/>
+              <a:ext cx="2073577" cy="400110"/>
+            </a:xfrm>
+            <a:prstGeom prst="rect">
+              <a:avLst/>
+            </a:prstGeom>
+            <a:solidFill>
+              <a:schemeClr val="bg1"/>
+            </a:solidFill>
+            <a:ln w="19050">
+              <a:solidFill>
+                <a:schemeClr val="tx1"/>
+              </a:solidFill>
+            </a:ln>
+          </p:spPr>
+          <p:txBody>
+            <a:bodyPr wrap="square" rtlCol="0">
+              <a:spAutoFit/>
+            </a:bodyPr>
+            <a:lstStyle/>
+            <a:p>
+              <a:r>
+                <a:rPr lang="en-US" sz="2000" dirty="0" smtClean="0"/>
+                <a:t>target = object file</a:t>
+              </a:r>
+              <a:endParaRPr lang="en-US" sz="2000" dirty="0">
+                <a:latin typeface="Courier New" panose="02070309020205020404" pitchFamily="49" charset="0"/>
+                <a:cs typeface="Courier New" panose="02070309020205020404" pitchFamily="49" charset="0"/>
+              </a:endParaRPr>
+            </a:p>
+          </p:txBody>
+        </p:sp>
+        <p:cxnSp>
+          <p:nvCxnSpPr>
+            <p:cNvPr id="10" name="Straight Arrow Connector 9"/>
+            <p:cNvCxnSpPr>
+              <a:stCxn id="9" idx="2"/>
+            </p:cNvCxnSpPr>
+            <p:nvPr/>
+          </p:nvCxnSpPr>
+          <p:spPr>
+            <a:xfrm>
+              <a:off x="3798848" y="3209249"/>
+              <a:ext cx="741820" cy="553558"/>
+            </a:xfrm>
+            <a:prstGeom prst="straightConnector1">
+              <a:avLst/>
+            </a:prstGeom>
+            <a:ln w="19050">
+              <a:solidFill>
+                <a:schemeClr val="tx1"/>
+              </a:solidFill>
+              <a:tailEnd type="stealth" w="lg" len="lg"/>
+            </a:ln>
+          </p:spPr>
+          <p:style>
+            <a:lnRef idx="1">
+              <a:schemeClr val="accent1"/>
+            </a:lnRef>
+            <a:fillRef idx="0">
+              <a:schemeClr val="accent1"/>
+            </a:fillRef>
+            <a:effectRef idx="0">
+              <a:schemeClr val="accent1"/>
+            </a:effectRef>
+            <a:fontRef idx="minor">
+              <a:schemeClr val="tx1"/>
+            </a:fontRef>
+          </p:style>
+        </p:cxnSp>
+      </p:grpSp>
+      <p:grpSp>
+        <p:nvGrpSpPr>
+          <p:cNvPr id="15" name="Group 14"/>
+          <p:cNvGrpSpPr/>
+          <p:nvPr/>
+        </p:nvGrpSpPr>
+        <p:grpSpPr>
+          <a:xfrm>
+            <a:off x="2898871" y="4021455"/>
+            <a:ext cx="3246289" cy="953668"/>
+            <a:chOff x="2762058" y="2809139"/>
+            <a:chExt cx="3246289" cy="953668"/>
+          </a:xfrm>
+        </p:grpSpPr>
+        <p:sp>
+          <p:nvSpPr>
+            <p:cNvPr id="16" name="TextBox 15"/>
+            <p:cNvSpPr txBox="1"/>
+            <p:nvPr/>
+          </p:nvSpPr>
+          <p:spPr>
+            <a:xfrm>
+              <a:off x="2762058" y="2809139"/>
+              <a:ext cx="3246289" cy="400110"/>
+            </a:xfrm>
+            <a:prstGeom prst="rect">
+              <a:avLst/>
+            </a:prstGeom>
+            <a:solidFill>
+              <a:schemeClr val="bg1"/>
+            </a:solidFill>
+            <a:ln w="19050">
+              <a:solidFill>
+                <a:schemeClr val="tx1"/>
+              </a:solidFill>
+            </a:ln>
+          </p:spPr>
+          <p:txBody>
+            <a:bodyPr wrap="square" rtlCol="0">
+              <a:spAutoFit/>
+            </a:bodyPr>
+            <a:lstStyle/>
+            <a:p>
+              <a:r>
+                <a:rPr lang="en-US" sz="2000" dirty="0" smtClean="0"/>
+                <a:t>dependency = C++ source file</a:t>
+              </a:r>
+              <a:endParaRPr lang="en-US" sz="2000" dirty="0">
+                <a:latin typeface="Courier New" panose="02070309020205020404" pitchFamily="49" charset="0"/>
+                <a:cs typeface="Courier New" panose="02070309020205020404" pitchFamily="49" charset="0"/>
+              </a:endParaRPr>
+            </a:p>
+          </p:txBody>
+        </p:sp>
+        <p:cxnSp>
+          <p:nvCxnSpPr>
+            <p:cNvPr id="17" name="Straight Arrow Connector 16"/>
+            <p:cNvCxnSpPr>
+              <a:stCxn id="16" idx="2"/>
+            </p:cNvCxnSpPr>
+            <p:nvPr/>
+          </p:nvCxnSpPr>
+          <p:spPr>
+            <a:xfrm flipH="1">
+              <a:off x="2950517" y="3209249"/>
+              <a:ext cx="1434686" cy="553558"/>
+            </a:xfrm>
+            <a:prstGeom prst="straightConnector1">
+              <a:avLst/>
+            </a:prstGeom>
+            <a:ln w="19050">
+              <a:solidFill>
+                <a:schemeClr val="tx1"/>
+              </a:solidFill>
+              <a:tailEnd type="stealth" w="lg" len="lg"/>
+            </a:ln>
+          </p:spPr>
+          <p:style>
+            <a:lnRef idx="1">
+              <a:schemeClr val="accent1"/>
+            </a:lnRef>
+            <a:fillRef idx="0">
+              <a:schemeClr val="accent1"/>
+            </a:fillRef>
+            <a:effectRef idx="0">
+              <a:schemeClr val="accent1"/>
+            </a:effectRef>
+            <a:fontRef idx="minor">
+              <a:schemeClr val="tx1"/>
+            </a:fontRef>
+          </p:style>
+        </p:cxnSp>
+      </p:grpSp>
+      <p:grpSp>
+        <p:nvGrpSpPr>
+          <p:cNvPr id="20" name="Group 19"/>
+          <p:cNvGrpSpPr/>
+          <p:nvPr/>
+        </p:nvGrpSpPr>
+        <p:grpSpPr>
+          <a:xfrm>
+            <a:off x="5502178" y="5384703"/>
+            <a:ext cx="2658596" cy="850472"/>
+            <a:chOff x="2762059" y="2358777"/>
+            <a:chExt cx="2658596" cy="850472"/>
+          </a:xfrm>
+        </p:grpSpPr>
+        <p:sp>
+          <p:nvSpPr>
+            <p:cNvPr id="21" name="TextBox 20"/>
+            <p:cNvSpPr txBox="1"/>
+            <p:nvPr/>
+          </p:nvSpPr>
+          <p:spPr>
+            <a:xfrm>
+              <a:off x="2762059" y="2809139"/>
+              <a:ext cx="2658596" cy="400110"/>
+            </a:xfrm>
+            <a:prstGeom prst="rect">
+              <a:avLst/>
+            </a:prstGeom>
+            <a:solidFill>
+              <a:schemeClr val="bg1"/>
+            </a:solidFill>
+            <a:ln w="19050">
+              <a:solidFill>
+                <a:schemeClr val="tx1"/>
+              </a:solidFill>
+            </a:ln>
+          </p:spPr>
+          <p:txBody>
+            <a:bodyPr wrap="square" rtlCol="0">
+              <a:spAutoFit/>
+            </a:bodyPr>
+            <a:lstStyle/>
+            <a:p>
+              <a:r>
+                <a:rPr lang="en-US" sz="2000" dirty="0" smtClean="0"/>
+                <a:t>only compile, don't link</a:t>
+              </a:r>
+              <a:endParaRPr lang="en-US" sz="2000" dirty="0">
+                <a:latin typeface="Courier New" panose="02070309020205020404" pitchFamily="49" charset="0"/>
+                <a:cs typeface="Courier New" panose="02070309020205020404" pitchFamily="49" charset="0"/>
+              </a:endParaRPr>
+            </a:p>
+          </p:txBody>
+        </p:sp>
+        <p:cxnSp>
+          <p:nvCxnSpPr>
+            <p:cNvPr id="22" name="Straight Arrow Connector 21"/>
+            <p:cNvCxnSpPr>
+              <a:stCxn id="21" idx="0"/>
+            </p:cNvCxnSpPr>
+            <p:nvPr/>
+          </p:nvCxnSpPr>
+          <p:spPr>
+            <a:xfrm flipH="1" flipV="1">
+              <a:off x="2974883" y="2358777"/>
+              <a:ext cx="1116474" cy="450362"/>
+            </a:xfrm>
+            <a:prstGeom prst="straightConnector1">
+              <a:avLst/>
+            </a:prstGeom>
+            <a:ln w="19050">
+              <a:solidFill>
+                <a:schemeClr val="tx1"/>
+              </a:solidFill>
+              <a:tailEnd type="stealth" w="lg" len="lg"/>
+            </a:ln>
+          </p:spPr>
+          <p:style>
+            <a:lnRef idx="1">
+              <a:schemeClr val="accent1"/>
+            </a:lnRef>
+            <a:fillRef idx="0">
+              <a:schemeClr val="accent1"/>
+            </a:fillRef>
+            <a:effectRef idx="0">
+              <a:schemeClr val="accent1"/>
+            </a:effectRef>
+            <a:fontRef idx="minor">
+              <a:schemeClr val="tx1"/>
+            </a:fontRef>
+          </p:style>
+        </p:cxnSp>
+      </p:grpSp>
+      <p:grpSp>
+        <p:nvGrpSpPr>
+          <p:cNvPr id="31" name="Group 30"/>
+          <p:cNvGrpSpPr/>
+          <p:nvPr/>
+        </p:nvGrpSpPr>
+        <p:grpSpPr>
+          <a:xfrm>
+            <a:off x="245499" y="5584723"/>
+            <a:ext cx="7738294" cy="1104104"/>
+            <a:chOff x="245499" y="5584723"/>
+            <a:chExt cx="7738294" cy="1104104"/>
+          </a:xfrm>
+        </p:grpSpPr>
+        <p:sp>
+          <p:nvSpPr>
+            <p:cNvPr id="26" name="TextBox 25"/>
+            <p:cNvSpPr txBox="1"/>
+            <p:nvPr/>
+          </p:nvSpPr>
+          <p:spPr>
+            <a:xfrm>
+              <a:off x="245499" y="6350273"/>
+              <a:ext cx="7738294" cy="338554"/>
+            </a:xfrm>
+            <a:prstGeom prst="rect">
+              <a:avLst/>
+            </a:prstGeom>
+            <a:solidFill>
+              <a:schemeClr val="accent5">
+                <a:lumMod val="40000"/>
+                <a:lumOff val="60000"/>
+              </a:schemeClr>
+            </a:solidFill>
+          </p:spPr>
+          <p:txBody>
+            <a:bodyPr wrap="square" rtlCol="0">
+              <a:spAutoFit/>
+            </a:bodyPr>
+            <a:lstStyle/>
+            <a:p>
+              <a:r>
+                <a:rPr lang="nn-NO" sz="1600" dirty="0" smtClean="0">
+                  <a:latin typeface="Courier New" pitchFamily="49" charset="0"/>
+                  <a:cs typeface="Courier New" pitchFamily="49" charset="0"/>
+                </a:rPr>
+                <a:t>g++  -O2 -g -Wall -stc=c++11  -c  -o particle.o  particle.cpp</a:t>
+              </a:r>
+              <a:endParaRPr lang="nn-NO" sz="1600" dirty="0">
+                <a:latin typeface="Courier New" pitchFamily="49" charset="0"/>
+                <a:cs typeface="Courier New" pitchFamily="49" charset="0"/>
+              </a:endParaRPr>
+            </a:p>
+          </p:txBody>
+        </p:sp>
+        <p:cxnSp>
+          <p:nvCxnSpPr>
+            <p:cNvPr id="27" name="Straight Arrow Connector 26"/>
+            <p:cNvCxnSpPr/>
+            <p:nvPr/>
+          </p:nvCxnSpPr>
+          <p:spPr>
+            <a:xfrm>
+              <a:off x="3087330" y="5584723"/>
+              <a:ext cx="0" cy="650452"/>
+            </a:xfrm>
+            <a:prstGeom prst="straightConnector1">
+              <a:avLst/>
+            </a:prstGeom>
+            <a:ln w="76200">
+              <a:solidFill>
+                <a:schemeClr val="tx1"/>
+              </a:solidFill>
+              <a:tailEnd type="stealth"/>
+            </a:ln>
+          </p:spPr>
+          <p:style>
+            <a:lnRef idx="1">
+              <a:schemeClr val="accent1"/>
+            </a:lnRef>
+            <a:fillRef idx="0">
+              <a:schemeClr val="accent1"/>
+            </a:fillRef>
+            <a:effectRef idx="0">
+              <a:schemeClr val="accent1"/>
+            </a:effectRef>
+            <a:fontRef idx="minor">
+              <a:schemeClr val="tx1"/>
+            </a:fontRef>
+          </p:style>
+        </p:cxnSp>
+        <p:sp>
+          <p:nvSpPr>
+            <p:cNvPr id="30" name="TextBox 29"/>
+            <p:cNvSpPr txBox="1"/>
+            <p:nvPr/>
+          </p:nvSpPr>
+          <p:spPr>
+            <a:xfrm>
+              <a:off x="868367" y="5665788"/>
+              <a:ext cx="1883785" cy="369332"/>
+            </a:xfrm>
+            <a:prstGeom prst="rect">
+              <a:avLst/>
+            </a:prstGeom>
+            <a:noFill/>
+          </p:spPr>
+          <p:txBody>
+            <a:bodyPr wrap="none" rtlCol="0">
+              <a:spAutoFit/>
+            </a:bodyPr>
+            <a:lstStyle/>
+            <a:p>
+              <a:r>
+                <a:rPr lang="en-US" dirty="0" smtClean="0"/>
+                <a:t>for </a:t>
+              </a:r>
+              <a:r>
+                <a:rPr lang="en-US" dirty="0" err="1" smtClean="0">
+                  <a:latin typeface="Courier New" panose="02070309020205020404" pitchFamily="49" charset="0"/>
+                  <a:cs typeface="Courier New" panose="02070309020205020404" pitchFamily="49" charset="0"/>
+                </a:rPr>
+                <a:t>particle.o</a:t>
+              </a:r>
+              <a:endParaRPr lang="en-US" dirty="0">
+                <a:latin typeface="Courier New" panose="02070309020205020404" pitchFamily="49" charset="0"/>
+                <a:cs typeface="Courier New" panose="02070309020205020404" pitchFamily="49" charset="0"/>
+              </a:endParaRPr>
+            </a:p>
+          </p:txBody>
+        </p:sp>
+      </p:grpSp>
+      <p:grpSp>
+        <p:nvGrpSpPr>
+          <p:cNvPr id="32" name="Group 31"/>
+          <p:cNvGrpSpPr/>
+          <p:nvPr/>
+        </p:nvGrpSpPr>
+        <p:grpSpPr>
+          <a:xfrm>
+            <a:off x="335326" y="4818487"/>
+            <a:ext cx="2486532" cy="638195"/>
+            <a:chOff x="1590282" y="3425217"/>
+            <a:chExt cx="2486532" cy="638195"/>
+          </a:xfrm>
+        </p:grpSpPr>
+        <p:sp>
+          <p:nvSpPr>
+            <p:cNvPr id="33" name="TextBox 32"/>
+            <p:cNvSpPr txBox="1"/>
+            <p:nvPr/>
+          </p:nvSpPr>
+          <p:spPr>
+            <a:xfrm>
+              <a:off x="1590282" y="3425217"/>
+              <a:ext cx="564494" cy="400110"/>
+            </a:xfrm>
+            <a:prstGeom prst="rect">
+              <a:avLst/>
+            </a:prstGeom>
+            <a:solidFill>
+              <a:schemeClr val="bg1"/>
+            </a:solidFill>
+            <a:ln w="19050">
+              <a:solidFill>
+                <a:srgbClr val="C00000"/>
+              </a:solidFill>
+            </a:ln>
+          </p:spPr>
+          <p:txBody>
+            <a:bodyPr wrap="square" rtlCol="0">
+              <a:spAutoFit/>
+            </a:bodyPr>
+            <a:lstStyle/>
+            <a:p>
+              <a:r>
+                <a:rPr lang="en-US" sz="2000" dirty="0" smtClean="0">
+                  <a:solidFill>
+                    <a:srgbClr val="C00000"/>
+                  </a:solidFill>
+                </a:rPr>
+                <a:t>tab</a:t>
+              </a:r>
+              <a:endParaRPr lang="en-US" sz="2000" dirty="0">
+                <a:solidFill>
+                  <a:srgbClr val="C00000"/>
+                </a:solidFill>
+                <a:latin typeface="Courier New" panose="02070309020205020404" pitchFamily="49" charset="0"/>
+                <a:cs typeface="Courier New" panose="02070309020205020404" pitchFamily="49" charset="0"/>
+              </a:endParaRPr>
+            </a:p>
+          </p:txBody>
+        </p:sp>
+        <p:sp>
+          <p:nvSpPr>
+            <p:cNvPr id="34" name="Rectangle 33"/>
+            <p:cNvSpPr/>
+            <p:nvPr/>
+          </p:nvSpPr>
+          <p:spPr>
+            <a:xfrm>
+              <a:off x="3160173" y="3782568"/>
+              <a:ext cx="916641" cy="280844"/>
+            </a:xfrm>
+            <a:prstGeom prst="rect">
+              <a:avLst/>
+            </a:prstGeom>
+            <a:noFill/>
+            <a:ln w="19050">
+              <a:solidFill>
+                <a:srgbClr val="C00000"/>
+              </a:solidFill>
+            </a:ln>
+          </p:spPr>
+          <p:style>
+            <a:lnRef idx="2">
+              <a:schemeClr val="accent1">
+                <a:shade val="50000"/>
+              </a:schemeClr>
+            </a:lnRef>
+            <a:fillRef idx="1">
+              <a:schemeClr val="accent1"/>
+            </a:fillRef>
+            <a:effectRef idx="0">
+              <a:schemeClr val="accent1"/>
+            </a:effectRef>
+            <a:fontRef idx="minor">
+              <a:schemeClr val="lt1"/>
+            </a:fontRef>
+          </p:style>
+          <p:txBody>
+            <a:bodyPr rtlCol="0" anchor="ctr"/>
+            <a:lstStyle/>
+            <a:p>
+              <a:pPr algn="ctr"/>
+              <a:endParaRPr lang="en-US"/>
+            </a:p>
+          </p:txBody>
+        </p:sp>
+        <p:cxnSp>
+          <p:nvCxnSpPr>
+            <p:cNvPr id="35" name="Straight Arrow Connector 34"/>
+            <p:cNvCxnSpPr>
+              <a:stCxn id="33" idx="3"/>
+              <a:endCxn id="34" idx="1"/>
+            </p:cNvCxnSpPr>
+            <p:nvPr/>
+          </p:nvCxnSpPr>
+          <p:spPr>
+            <a:xfrm>
+              <a:off x="2154776" y="3625272"/>
+              <a:ext cx="1005397" cy="297718"/>
+            </a:xfrm>
+            <a:prstGeom prst="straightConnector1">
+              <a:avLst/>
+            </a:prstGeom>
+            <a:ln w="19050">
+              <a:solidFill>
+                <a:srgbClr val="C00000"/>
+              </a:solidFill>
+              <a:tailEnd type="stealth" w="lg" len="lg"/>
+            </a:ln>
+          </p:spPr>
+          <p:style>
+            <a:lnRef idx="1">
+              <a:schemeClr val="accent1"/>
+            </a:lnRef>
+            <a:fillRef idx="0">
+              <a:schemeClr val="accent1"/>
+            </a:fillRef>
+            <a:effectRef idx="0">
+              <a:schemeClr val="accent1"/>
+            </a:effectRef>
+            <a:fontRef idx="minor">
+              <a:schemeClr val="tx1"/>
+            </a:fontRef>
+          </p:style>
+        </p:cxnSp>
+      </p:grpSp>
+      <p:grpSp>
+        <p:nvGrpSpPr>
+          <p:cNvPr id="46" name="Group 45"/>
+          <p:cNvGrpSpPr/>
+          <p:nvPr/>
+        </p:nvGrpSpPr>
+        <p:grpSpPr>
+          <a:xfrm>
+            <a:off x="5200443" y="4014790"/>
+            <a:ext cx="3186474" cy="1203807"/>
+            <a:chOff x="1524018" y="2809139"/>
+            <a:chExt cx="3186474" cy="1203807"/>
+          </a:xfrm>
+        </p:grpSpPr>
+        <p:sp>
+          <p:nvSpPr>
+            <p:cNvPr id="47" name="TextBox 46"/>
+            <p:cNvSpPr txBox="1"/>
+            <p:nvPr/>
+          </p:nvSpPr>
+          <p:spPr>
+            <a:xfrm>
+              <a:off x="2762060" y="2809139"/>
+              <a:ext cx="1948432" cy="400110"/>
+            </a:xfrm>
+            <a:prstGeom prst="rect">
+              <a:avLst/>
+            </a:prstGeom>
+            <a:solidFill>
+              <a:schemeClr val="bg1"/>
+            </a:solidFill>
+            <a:ln w="19050">
+              <a:solidFill>
+                <a:schemeClr val="tx1"/>
+              </a:solidFill>
+            </a:ln>
+          </p:spPr>
+          <p:txBody>
+            <a:bodyPr wrap="square" rtlCol="0">
+              <a:spAutoFit/>
+            </a:bodyPr>
+            <a:lstStyle/>
+            <a:p>
+              <a:r>
+                <a:rPr lang="en-US" sz="2000" dirty="0" smtClean="0"/>
+                <a:t>action = compile</a:t>
+              </a:r>
+              <a:endParaRPr lang="en-US" sz="2000" dirty="0">
+                <a:latin typeface="Courier New" panose="02070309020205020404" pitchFamily="49" charset="0"/>
+                <a:cs typeface="Courier New" panose="02070309020205020404" pitchFamily="49" charset="0"/>
+              </a:endParaRPr>
+            </a:p>
+          </p:txBody>
+        </p:sp>
+        <p:cxnSp>
+          <p:nvCxnSpPr>
+            <p:cNvPr id="48" name="Straight Arrow Connector 47"/>
+            <p:cNvCxnSpPr>
+              <a:stCxn id="47" idx="2"/>
+            </p:cNvCxnSpPr>
+            <p:nvPr/>
+          </p:nvCxnSpPr>
+          <p:spPr>
+            <a:xfrm flipH="1">
+              <a:off x="1524018" y="3209249"/>
+              <a:ext cx="2212258" cy="803697"/>
+            </a:xfrm>
+            <a:prstGeom prst="straightConnector1">
+              <a:avLst/>
+            </a:prstGeom>
+            <a:ln w="19050">
+              <a:solidFill>
+                <a:schemeClr val="tx1"/>
+              </a:solidFill>
+              <a:tailEnd type="stealth" w="lg" len="lg"/>
+            </a:ln>
+          </p:spPr>
+          <p:style>
+            <a:lnRef idx="1">
+              <a:schemeClr val="accent1"/>
+            </a:lnRef>
+            <a:fillRef idx="0">
+              <a:schemeClr val="accent1"/>
+            </a:fillRef>
+            <a:effectRef idx="0">
+              <a:schemeClr val="accent1"/>
+            </a:effectRef>
+            <a:fontRef idx="minor">
+              <a:schemeClr val="tx1"/>
+            </a:fontRef>
+          </p:style>
+        </p:cxnSp>
+      </p:grpSp>
+    </p:spTree>
+    <p:extLst>
+      <p:ext uri="{BB962C8B-B14F-4D97-AF65-F5344CB8AC3E}">
+        <p14:creationId xmlns:p14="http://schemas.microsoft.com/office/powerpoint/2010/main" val="1625425591"/>
+      </p:ext>
+    </p:extLst>
+  </p:cSld>
+  <p:clrMapOvr>
+    <a:masterClrMapping/>
+  </p:clrMapOvr>
+  <p:timing>
+    <p:tnLst>
+      <p:par>
+        <p:cTn id="1" dur="indefinite" restart="never" nodeType="tmRoot">
+          <p:childTnLst>
+            <p:seq concurrent="1" nextAc="seek">
+              <p:cTn id="2" dur="indefinite" nodeType="mainSeq">
+                <p:childTnLst>
+                  <p:par>
+                    <p:cTn id="3" fill="hold">
+                      <p:stCondLst>
+                        <p:cond delay="indefinite"/>
+                        <p:cond evt="onBegin" delay="0">
+                          <p:tn val="2"/>
+                        </p:cond>
+                      </p:stCondLst>
+                      <p:childTnLst>
+                        <p:par>
+                          <p:cTn id="4" fill="hold">
+                            <p:stCondLst>
+                              <p:cond delay="0"/>
+                            </p:stCondLst>
+                            <p:childTnLst>
+                              <p:par>
+                                <p:cTn id="5" presetID="1" presetClass="entr" presetSubtype="0" fill="hold" grpId="0" nodeType="withEffect">
+                                  <p:stCondLst>
+                                    <p:cond delay="0"/>
+                                  </p:stCondLst>
+                                  <p:childTnLst>
+                                    <p:set>
+                                      <p:cBhvr>
+                                        <p:cTn id="6" dur="1" fill="hold">
+                                          <p:stCondLst>
+                                            <p:cond delay="0"/>
+                                          </p:stCondLst>
+                                        </p:cTn>
+                                        <p:tgtEl>
+                                          <p:spTgt spid="3">
+                                            <p:txEl>
+                                              <p:pRg st="0" end="0"/>
+                                            </p:txEl>
+                                          </p:spTgt>
+                                        </p:tgtEl>
+                                        <p:attrNameLst>
+                                          <p:attrName>style.visibility</p:attrName>
+                                        </p:attrNameLst>
+                                      </p:cBhvr>
+                                      <p:to>
+                                        <p:strVal val="visible"/>
+                                      </p:to>
+                                    </p:set>
+                                  </p:childTnLst>
+                                </p:cTn>
+                              </p:par>
+                              <p:par>
+                                <p:cTn id="7" presetID="1" presetClass="entr" presetSubtype="0" fill="hold" grpId="0" nodeType="withEffect">
+                                  <p:stCondLst>
+                                    <p:cond delay="0"/>
+                                  </p:stCondLst>
+                                  <p:childTnLst>
+                                    <p:set>
+                                      <p:cBhvr>
+                                        <p:cTn id="8" dur="1" fill="hold">
+                                          <p:stCondLst>
+                                            <p:cond delay="0"/>
+                                          </p:stCondLst>
+                                        </p:cTn>
+                                        <p:tgtEl>
+                                          <p:spTgt spid="3">
+                                            <p:txEl>
+                                              <p:pRg st="1" end="1"/>
+                                            </p:txEl>
+                                          </p:spTgt>
+                                        </p:tgtEl>
+                                        <p:attrNameLst>
+                                          <p:attrName>style.visibility</p:attrName>
+                                        </p:attrNameLst>
+                                      </p:cBhvr>
+                                      <p:to>
+                                        <p:strVal val="visible"/>
+                                      </p:to>
+                                    </p:set>
+                                  </p:childTnLst>
+                                </p:cTn>
+                              </p:par>
+                              <p:par>
+                                <p:cTn id="9" presetID="1" presetClass="entr" presetSubtype="0" fill="hold" grpId="0" nodeType="withEffect">
+                                  <p:stCondLst>
+                                    <p:cond delay="0"/>
+                                  </p:stCondLst>
+                                  <p:childTnLst>
+                                    <p:set>
+                                      <p:cBhvr>
+                                        <p:cTn id="10" dur="1" fill="hold">
+                                          <p:stCondLst>
+                                            <p:cond delay="0"/>
+                                          </p:stCondLst>
+                                        </p:cTn>
+                                        <p:tgtEl>
+                                          <p:spTgt spid="3">
+                                            <p:txEl>
+                                              <p:pRg st="2" end="2"/>
+                                            </p:txEl>
+                                          </p:spTgt>
+                                        </p:tgtEl>
+                                        <p:attrNameLst>
+                                          <p:attrName>style.visibility</p:attrName>
+                                        </p:attrNameLst>
+                                      </p:cBhvr>
+                                      <p:to>
+                                        <p:strVal val="visible"/>
+                                      </p:to>
+                                    </p:set>
+                                  </p:childTnLst>
+                                </p:cTn>
+                              </p:par>
+                              <p:par>
+                                <p:cTn id="11" presetID="1" presetClass="entr" presetSubtype="0" fill="hold" grpId="0" nodeType="withEffect">
+                                  <p:stCondLst>
+                                    <p:cond delay="0"/>
+                                  </p:stCondLst>
+                                  <p:childTnLst>
+                                    <p:set>
+                                      <p:cBhvr>
+                                        <p:cTn id="12" dur="1" fill="hold">
+                                          <p:stCondLst>
+                                            <p:cond delay="0"/>
+                                          </p:stCondLst>
+                                        </p:cTn>
+                                        <p:tgtEl>
+                                          <p:spTgt spid="3">
+                                            <p:txEl>
+                                              <p:pRg st="3" end="3"/>
+                                            </p:txEl>
+                                          </p:spTgt>
+                                        </p:tgtEl>
+                                        <p:attrNameLst>
+                                          <p:attrName>style.visibility</p:attrName>
+                                        </p:attrNameLst>
+                                      </p:cBhvr>
+                                      <p:to>
+                                        <p:strVal val="visible"/>
+                                      </p:to>
+                                    </p:set>
+                                  </p:childTnLst>
+                                </p:cTn>
+                              </p:par>
+                            </p:childTnLst>
+                          </p:cTn>
+                        </p:par>
+                      </p:childTnLst>
+                    </p:cTn>
+                  </p:par>
+                  <p:par>
+                    <p:cTn id="13" fill="hold">
+                      <p:stCondLst>
+                        <p:cond delay="indefinite"/>
+                      </p:stCondLst>
+                      <p:childTnLst>
+                        <p:par>
+                          <p:cTn id="14" fill="hold">
+                            <p:stCondLst>
+                              <p:cond delay="0"/>
+                            </p:stCondLst>
+                            <p:childTnLst>
+                              <p:par>
+                                <p:cTn id="15" presetID="1" presetClass="entr" presetSubtype="0" fill="hold" grpId="0" nodeType="clickEffect">
+                                  <p:stCondLst>
+                                    <p:cond delay="0"/>
+                                  </p:stCondLst>
+                                  <p:childTnLst>
+                                    <p:set>
+                                      <p:cBhvr>
+                                        <p:cTn id="16" dur="1" fill="hold">
+                                          <p:stCondLst>
+                                            <p:cond delay="0"/>
+                                          </p:stCondLst>
+                                        </p:cTn>
+                                        <p:tgtEl>
+                                          <p:spTgt spid="3">
+                                            <p:txEl>
+                                              <p:pRg st="4" end="4"/>
+                                            </p:txEl>
+                                          </p:spTgt>
+                                        </p:tgtEl>
+                                        <p:attrNameLst>
+                                          <p:attrName>style.visibility</p:attrName>
+                                        </p:attrNameLst>
+                                      </p:cBhvr>
+                                      <p:to>
+                                        <p:strVal val="visible"/>
+                                      </p:to>
+                                    </p:set>
+                                  </p:childTnLst>
+                                </p:cTn>
+                              </p:par>
+                            </p:childTnLst>
+                          </p:cTn>
+                        </p:par>
+                      </p:childTnLst>
+                    </p:cTn>
+                  </p:par>
+                  <p:par>
+                    <p:cTn id="17" fill="hold">
+                      <p:stCondLst>
+                        <p:cond delay="indefinite"/>
+                      </p:stCondLst>
+                      <p:childTnLst>
+                        <p:par>
+                          <p:cTn id="18" fill="hold">
+                            <p:stCondLst>
+                              <p:cond delay="0"/>
+                            </p:stCondLst>
+                            <p:childTnLst>
+                              <p:par>
+                                <p:cTn id="19" presetID="1" presetClass="entr" presetSubtype="0" fill="hold" nodeType="clickEffect">
+                                  <p:stCondLst>
+                                    <p:cond delay="0"/>
+                                  </p:stCondLst>
+                                  <p:childTnLst>
+                                    <p:set>
+                                      <p:cBhvr>
+                                        <p:cTn id="20" dur="1" fill="hold">
+                                          <p:stCondLst>
+                                            <p:cond delay="0"/>
+                                          </p:stCondLst>
+                                        </p:cTn>
+                                        <p:tgtEl>
+                                          <p:spTgt spid="8"/>
+                                        </p:tgtEl>
+                                        <p:attrNameLst>
+                                          <p:attrName>style.visibility</p:attrName>
+                                        </p:attrNameLst>
+                                      </p:cBhvr>
+                                      <p:to>
+                                        <p:strVal val="visible"/>
+                                      </p:to>
+                                    </p:set>
+                                  </p:childTnLst>
+                                </p:cTn>
+                              </p:par>
+                            </p:childTnLst>
+                          </p:cTn>
+                        </p:par>
+                      </p:childTnLst>
+                    </p:cTn>
+                  </p:par>
+                  <p:par>
+                    <p:cTn id="21" fill="hold">
+                      <p:stCondLst>
+                        <p:cond delay="indefinite"/>
+                      </p:stCondLst>
+                      <p:childTnLst>
+                        <p:par>
+                          <p:cTn id="22" fill="hold">
+                            <p:stCondLst>
+                              <p:cond delay="0"/>
+                            </p:stCondLst>
+                            <p:childTnLst>
+                              <p:par>
+                                <p:cTn id="23" presetID="1" presetClass="entr" presetSubtype="0" fill="hold" nodeType="clickEffect">
+                                  <p:stCondLst>
+                                    <p:cond delay="0"/>
+                                  </p:stCondLst>
+                                  <p:childTnLst>
+                                    <p:set>
+                                      <p:cBhvr>
+                                        <p:cTn id="24" dur="1" fill="hold">
+                                          <p:stCondLst>
+                                            <p:cond delay="0"/>
+                                          </p:stCondLst>
+                                        </p:cTn>
+                                        <p:tgtEl>
+                                          <p:spTgt spid="15"/>
+                                        </p:tgtEl>
+                                        <p:attrNameLst>
+                                          <p:attrName>style.visibility</p:attrName>
+                                        </p:attrNameLst>
+                                      </p:cBhvr>
+                                      <p:to>
+                                        <p:strVal val="visible"/>
+                                      </p:to>
+                                    </p:set>
+                                  </p:childTnLst>
+                                </p:cTn>
+                              </p:par>
+                            </p:childTnLst>
+                          </p:cTn>
+                        </p:par>
+                      </p:childTnLst>
+                    </p:cTn>
+                  </p:par>
+                  <p:par>
+                    <p:cTn id="25" fill="hold">
+                      <p:stCondLst>
+                        <p:cond delay="indefinite"/>
+                      </p:stCondLst>
+                      <p:childTnLst>
+                        <p:par>
+                          <p:cTn id="26" fill="hold">
+                            <p:stCondLst>
+                              <p:cond delay="0"/>
+                            </p:stCondLst>
+                            <p:childTnLst>
+                              <p:par>
+                                <p:cTn id="27" presetID="1" presetClass="entr" presetSubtype="0" fill="hold" nodeType="clickEffect">
+                                  <p:stCondLst>
+                                    <p:cond delay="0"/>
+                                  </p:stCondLst>
+                                  <p:childTnLst>
+                                    <p:set>
+                                      <p:cBhvr>
+                                        <p:cTn id="28" dur="1" fill="hold">
+                                          <p:stCondLst>
+                                            <p:cond delay="0"/>
+                                          </p:stCondLst>
+                                        </p:cTn>
+                                        <p:tgtEl>
+                                          <p:spTgt spid="20"/>
+                                        </p:tgtEl>
+                                        <p:attrNameLst>
+                                          <p:attrName>style.visibility</p:attrName>
+                                        </p:attrNameLst>
+                                      </p:cBhvr>
+                                      <p:to>
+                                        <p:strVal val="visible"/>
+                                      </p:to>
+                                    </p:set>
+                                  </p:childTnLst>
+                                </p:cTn>
+                              </p:par>
+                            </p:childTnLst>
+                          </p:cTn>
+                        </p:par>
+                      </p:childTnLst>
+                    </p:cTn>
+                  </p:par>
+                  <p:par>
+                    <p:cTn id="29" fill="hold">
+                      <p:stCondLst>
+                        <p:cond delay="indefinite"/>
+                      </p:stCondLst>
+                      <p:childTnLst>
+                        <p:par>
+                          <p:cTn id="30" fill="hold">
+                            <p:stCondLst>
+                              <p:cond delay="0"/>
+                            </p:stCondLst>
+                            <p:childTnLst>
+                              <p:par>
+                                <p:cTn id="31" presetID="1" presetClass="entr" presetSubtype="0" fill="hold" nodeType="clickEffect">
+                                  <p:stCondLst>
+                                    <p:cond delay="0"/>
+                                  </p:stCondLst>
+                                  <p:childTnLst>
+                                    <p:set>
+                                      <p:cBhvr>
+                                        <p:cTn id="32" dur="1" fill="hold">
+                                          <p:stCondLst>
+                                            <p:cond delay="0"/>
+                                          </p:stCondLst>
+                                        </p:cTn>
+                                        <p:tgtEl>
+                                          <p:spTgt spid="31"/>
+                                        </p:tgtEl>
+                                        <p:attrNameLst>
+                                          <p:attrName>style.visibility</p:attrName>
+                                        </p:attrNameLst>
+                                      </p:cBhvr>
+                                      <p:to>
+                                        <p:strVal val="visible"/>
+                                      </p:to>
+                                    </p:set>
+                                  </p:childTnLst>
+                                </p:cTn>
+                              </p:par>
+                            </p:childTnLst>
+                          </p:cTn>
+                        </p:par>
+                      </p:childTnLst>
+                    </p:cTn>
+                  </p:par>
+                  <p:par>
+                    <p:cTn id="33" fill="hold">
+                      <p:stCondLst>
+                        <p:cond delay="indefinite"/>
+                      </p:stCondLst>
+                      <p:childTnLst>
+                        <p:par>
+                          <p:cTn id="34" fill="hold">
+                            <p:stCondLst>
+                              <p:cond delay="0"/>
+                            </p:stCondLst>
+                            <p:childTnLst>
+                              <p:par>
+                                <p:cTn id="35" presetID="1" presetClass="entr" presetSubtype="0" fill="hold" nodeType="clickEffect">
+                                  <p:stCondLst>
+                                    <p:cond delay="0"/>
+                                  </p:stCondLst>
+                                  <p:childTnLst>
+                                    <p:set>
+                                      <p:cBhvr>
+                                        <p:cTn id="36" dur="1" fill="hold">
+                                          <p:stCondLst>
+                                            <p:cond delay="0"/>
+                                          </p:stCondLst>
+                                        </p:cTn>
+                                        <p:tgtEl>
+                                          <p:spTgt spid="32"/>
+                                        </p:tgtEl>
+                                        <p:attrNameLst>
+                                          <p:attrName>style.visibility</p:attrName>
+                                        </p:attrNameLst>
+                                      </p:cBhvr>
+                                      <p:to>
+                                        <p:strVal val="visible"/>
+                                      </p:to>
+                                    </p:set>
+                                  </p:childTnLst>
+                                </p:cTn>
+                              </p:par>
+                            </p:childTnLst>
+                          </p:cTn>
+                        </p:par>
+                      </p:childTnLst>
+                    </p:cTn>
+                  </p:par>
+                  <p:par>
+                    <p:cTn id="37" fill="hold">
+                      <p:stCondLst>
+                        <p:cond delay="indefinite"/>
+                      </p:stCondLst>
+                      <p:childTnLst>
+                        <p:par>
+                          <p:cTn id="38" fill="hold">
+                            <p:stCondLst>
+                              <p:cond delay="0"/>
+                            </p:stCondLst>
+                            <p:childTnLst>
+                              <p:par>
+                                <p:cTn id="39" presetID="1" presetClass="entr" presetSubtype="0" fill="hold" nodeType="clickEffect">
+                                  <p:stCondLst>
+                                    <p:cond delay="0"/>
+                                  </p:stCondLst>
+                                  <p:childTnLst>
+                                    <p:set>
+                                      <p:cBhvr>
+                                        <p:cTn id="40" dur="1" fill="hold">
+                                          <p:stCondLst>
+                                            <p:cond delay="0"/>
+                                          </p:stCondLst>
+                                        </p:cTn>
+                                        <p:tgtEl>
+                                          <p:spTgt spid="46"/>
+                                        </p:tgtEl>
+                                        <p:attrNameLst>
+                                          <p:attrName>style.visibility</p:attrName>
+                                        </p:attrNameLst>
+                                      </p:cBhvr>
+                                      <p:to>
+                                        <p:strVal val="visible"/>
+                                      </p:to>
+                                    </p:set>
+                                  </p:childTnLst>
+                                </p:cTn>
+                              </p:par>
+                            </p:childTnLst>
+                          </p:cTn>
+                        </p:par>
+                      </p:childTnLst>
+                    </p:cTn>
+                  </p:par>
+                </p:childTnLst>
+              </p:cTn>
+              <p:prevCondLst>
+                <p:cond evt="onPrev" delay="0">
+                  <p:tgtEl>
+                    <p:sldTgt/>
+                  </p:tgtEl>
+                </p:cond>
+              </p:prevCondLst>
+              <p:nextCondLst>
+                <p:cond evt="onNext" delay="0">
+                  <p:tgtEl>
+                    <p:sldTgt/>
+                  </p:tgtEl>
+                </p:cond>
+              </p:nextCondLst>
+            </p:seq>
+          </p:childTnLst>
+        </p:cTn>
+      </p:par>
+    </p:tnLst>
+    <p:bldLst>
+      <p:bldP spid="3" grpId="0" uiExpand="1" build="p"/>
+    </p:bldLst>
+  </p:timing>
+</p:sld>
+</file>
+
+<file path=ppt/slides/slide12.xml><?xml version="1.0" encoding="utf-8"?>
+<p:sld xmlns:a="http://schemas.openxmlformats.org/drawingml/2006/main" xmlns:r="http://schemas.openxmlformats.org/officeDocument/2006/relationships" xmlns:p="http://schemas.openxmlformats.org/presentationml/2006/main">
+  <p:cSld>
+    <p:spTree>
+      <p:nvGrpSpPr>
+        <p:cNvPr id="1" name=""/>
+        <p:cNvGrpSpPr/>
+        <p:nvPr/>
+      </p:nvGrpSpPr>
+      <p:grpSpPr>
+        <a:xfrm>
+          <a:off x="0" y="0"/>
+          <a:ext cx="0" cy="0"/>
+          <a:chOff x="0" y="0"/>
+          <a:chExt cx="0" cy="0"/>
+        </a:xfrm>
+      </p:grpSpPr>
+      <p:sp>
+        <p:nvSpPr>
+          <p:cNvPr id="2" name="Title 1"/>
+          <p:cNvSpPr>
+            <a:spLocks noGrp="1"/>
+          </p:cNvSpPr>
+          <p:nvPr>
+            <p:ph type="title"/>
+          </p:nvPr>
+        </p:nvSpPr>
+        <p:spPr/>
+        <p:txBody>
+          <a:bodyPr/>
+          <a:lstStyle/>
+          <a:p>
+            <a:r>
+              <a:rPr lang="en-US" dirty="0" smtClean="0"/>
+              <a:t>More rules</a:t>
+            </a:r>
+            <a:endParaRPr lang="en-US" dirty="0"/>
+          </a:p>
+        </p:txBody>
+      </p:sp>
+      <p:sp>
+        <p:nvSpPr>
+          <p:cNvPr id="3" name="Content Placeholder 2"/>
+          <p:cNvSpPr>
+            <a:spLocks noGrp="1"/>
+          </p:cNvSpPr>
+          <p:nvPr>
+            <p:ph idx="1"/>
+          </p:nvPr>
+        </p:nvSpPr>
+        <p:spPr/>
+        <p:txBody>
+          <a:bodyPr/>
+          <a:lstStyle/>
+          <a:p>
+            <a:r>
+              <a:rPr lang="en-US" dirty="0" smtClean="0"/>
+              <a:t>Linking</a:t>
+            </a:r>
+          </a:p>
+          <a:p>
+            <a:endParaRPr lang="en-US" dirty="0"/>
+          </a:p>
+          <a:p>
+            <a:endParaRPr lang="en-US" dirty="0" smtClean="0"/>
+          </a:p>
+          <a:p>
+            <a:endParaRPr lang="en-US" dirty="0"/>
+          </a:p>
+          <a:p>
+            <a:endParaRPr lang="en-US" dirty="0" smtClean="0"/>
+          </a:p>
+          <a:p>
+            <a:endParaRPr lang="en-US" dirty="0"/>
+          </a:p>
+          <a:p>
+            <a:endParaRPr lang="en-US" dirty="0" smtClean="0"/>
+          </a:p>
+          <a:p>
+            <a:r>
+              <a:rPr lang="en-US" dirty="0" smtClean="0"/>
+              <a:t>Default target</a:t>
+            </a:r>
+            <a:endParaRPr lang="en-US" dirty="0"/>
+          </a:p>
+        </p:txBody>
+      </p:sp>
+      <p:sp>
+        <p:nvSpPr>
+          <p:cNvPr id="4" name="Slide Number Placeholder 3"/>
+          <p:cNvSpPr>
+            <a:spLocks noGrp="1"/>
+          </p:cNvSpPr>
+          <p:nvPr>
+            <p:ph type="sldNum" sz="quarter" idx="12"/>
+          </p:nvPr>
+        </p:nvSpPr>
+        <p:spPr/>
+        <p:txBody>
+          <a:bodyPr/>
+          <a:lstStyle/>
+          <a:p>
+            <a:fld id="{2F8BA72C-5DC7-4014-AC42-C5F5AAAF9B79}" type="slidenum">
+              <a:rPr lang="en-US" smtClean="0"/>
+              <a:t>12</a:t>
             </a:fld>
             <a:endParaRPr lang="en-US"/>
           </a:p>
@@ -3622,8 +6117,9 @@
             <a:avLst/>
           </a:prstGeom>
           <a:solidFill>
-            <a:schemeClr val="bg1">
-              <a:lumMod val="75000"/>
+            <a:schemeClr val="accent5">
+              <a:lumMod val="40000"/>
+              <a:lumOff val="60000"/>
             </a:schemeClr>
           </a:solidFill>
         </p:spPr>
@@ -3867,8 +6363,9 @@
               <a:avLst/>
             </a:prstGeom>
             <a:solidFill>
-              <a:schemeClr val="bg1">
-                <a:lumMod val="75000"/>
+              <a:schemeClr val="accent5">
+                <a:lumMod val="40000"/>
+                <a:lumOff val="60000"/>
               </a:schemeClr>
             </a:solidFill>
           </p:spPr>
@@ -3953,8 +6450,9 @@
             <a:avLst/>
           </a:prstGeom>
           <a:solidFill>
-            <a:schemeClr val="bg1">
-              <a:lumMod val="75000"/>
+            <a:schemeClr val="accent5">
+              <a:lumMod val="40000"/>
+              <a:lumOff val="60000"/>
             </a:schemeClr>
           </a:solidFill>
         </p:spPr>
@@ -4426,7 +6924,7 @@
 </p:sld>
 </file>
 
-<file path=ppt/slides/slide11.xml><?xml version="1.0" encoding="utf-8"?>
+<file path=ppt/slides/slide13.xml><?xml version="1.0" encoding="utf-8"?>
 <p:sld xmlns:a="http://schemas.openxmlformats.org/drawingml/2006/main" xmlns:r="http://schemas.openxmlformats.org/officeDocument/2006/relationships" xmlns:p="http://schemas.openxmlformats.org/presentationml/2006/main">
   <p:cSld>
     <p:spTree>
@@ -4538,7 +7036,7 @@
           <a:p>
             <a:fld id="{2F8BA72C-5DC7-4014-AC42-C5F5AAAF9B79}" type="slidenum">
               <a:rPr lang="en-US" smtClean="0"/>
-              <a:t>11</a:t>
+              <a:t>13</a:t>
             </a:fld>
             <a:endParaRPr lang="en-US"/>
           </a:p>
@@ -4946,6 +7444,1618 @@
 </p:sld>
 </file>
 
+<file path=ppt/slides/slide14.xml><?xml version="1.0" encoding="utf-8"?>
+<p:sld xmlns:a="http://schemas.openxmlformats.org/drawingml/2006/main" xmlns:r="http://schemas.openxmlformats.org/officeDocument/2006/relationships" xmlns:p="http://schemas.openxmlformats.org/presentationml/2006/main">
+  <p:cSld>
+    <p:spTree>
+      <p:nvGrpSpPr>
+        <p:cNvPr id="1" name=""/>
+        <p:cNvGrpSpPr/>
+        <p:nvPr/>
+      </p:nvGrpSpPr>
+      <p:grpSpPr>
+        <a:xfrm>
+          <a:off x="0" y="0"/>
+          <a:ext cx="0" cy="0"/>
+          <a:chOff x="0" y="0"/>
+          <a:chExt cx="0" cy="0"/>
+        </a:xfrm>
+      </p:grpSpPr>
+      <p:sp>
+        <p:nvSpPr>
+          <p:cNvPr id="2" name="Title 1"/>
+          <p:cNvSpPr>
+            <a:spLocks noGrp="1"/>
+          </p:cNvSpPr>
+          <p:nvPr>
+            <p:ph type="title"/>
+          </p:nvPr>
+        </p:nvSpPr>
+        <p:spPr/>
+        <p:txBody>
+          <a:bodyPr/>
+          <a:lstStyle/>
+          <a:p>
+            <a:r>
+              <a:rPr lang="en-US" dirty="0" smtClean="0"/>
+              <a:t>Exceptions</a:t>
+            </a:r>
+            <a:endParaRPr lang="en-US" dirty="0"/>
+          </a:p>
+        </p:txBody>
+      </p:sp>
+      <p:sp>
+        <p:nvSpPr>
+          <p:cNvPr id="3" name="Text Placeholder 2"/>
+          <p:cNvSpPr>
+            <a:spLocks noGrp="1"/>
+          </p:cNvSpPr>
+          <p:nvPr>
+            <p:ph type="body" idx="1"/>
+          </p:nvPr>
+        </p:nvSpPr>
+        <p:spPr/>
+        <p:txBody>
+          <a:bodyPr/>
+          <a:lstStyle/>
+          <a:p>
+            <a:endParaRPr lang="en-US"/>
+          </a:p>
+        </p:txBody>
+      </p:sp>
+      <p:sp>
+        <p:nvSpPr>
+          <p:cNvPr id="4" name="Slide Number Placeholder 3"/>
+          <p:cNvSpPr>
+            <a:spLocks noGrp="1"/>
+          </p:cNvSpPr>
+          <p:nvPr>
+            <p:ph type="sldNum" sz="quarter" idx="12"/>
+          </p:nvPr>
+        </p:nvSpPr>
+        <p:spPr/>
+        <p:txBody>
+          <a:bodyPr/>
+          <a:lstStyle/>
+          <a:p>
+            <a:fld id="{2F8BA72C-5DC7-4014-AC42-C5F5AAAF9B79}" type="slidenum">
+              <a:rPr lang="en-US" smtClean="0"/>
+              <a:t>14</a:t>
+            </a:fld>
+            <a:endParaRPr lang="en-US"/>
+          </a:p>
+        </p:txBody>
+      </p:sp>
+    </p:spTree>
+    <p:extLst>
+      <p:ext uri="{BB962C8B-B14F-4D97-AF65-F5344CB8AC3E}">
+        <p14:creationId xmlns:p14="http://schemas.microsoft.com/office/powerpoint/2010/main" val="3986162835"/>
+      </p:ext>
+    </p:extLst>
+  </p:cSld>
+  <p:clrMapOvr>
+    <a:masterClrMapping/>
+  </p:clrMapOvr>
+  <p:timing>
+    <p:tnLst>
+      <p:par>
+        <p:cTn id="1" dur="indefinite" restart="never" nodeType="tmRoot"/>
+      </p:par>
+    </p:tnLst>
+  </p:timing>
+</p:sld>
+</file>
+
+<file path=ppt/slides/slide15.xml><?xml version="1.0" encoding="utf-8"?>
+<p:sld xmlns:a="http://schemas.openxmlformats.org/drawingml/2006/main" xmlns:r="http://schemas.openxmlformats.org/officeDocument/2006/relationships" xmlns:p="http://schemas.openxmlformats.org/presentationml/2006/main">
+  <p:cSld>
+    <p:spTree>
+      <p:nvGrpSpPr>
+        <p:cNvPr id="1" name=""/>
+        <p:cNvGrpSpPr/>
+        <p:nvPr/>
+      </p:nvGrpSpPr>
+      <p:grpSpPr>
+        <a:xfrm>
+          <a:off x="0" y="0"/>
+          <a:ext cx="0" cy="0"/>
+          <a:chOff x="0" y="0"/>
+          <a:chExt cx="0" cy="0"/>
+        </a:xfrm>
+      </p:grpSpPr>
+      <p:sp>
+        <p:nvSpPr>
+          <p:cNvPr id="2" name="Title 1"/>
+          <p:cNvSpPr>
+            <a:spLocks noGrp="1"/>
+          </p:cNvSpPr>
+          <p:nvPr>
+            <p:ph type="title"/>
+          </p:nvPr>
+        </p:nvSpPr>
+        <p:spPr/>
+        <p:txBody>
+          <a:bodyPr/>
+          <a:lstStyle/>
+          <a:p>
+            <a:r>
+              <a:rPr lang="en-US" dirty="0" smtClean="0"/>
+              <a:t>Error handling</a:t>
+            </a:r>
+            <a:endParaRPr lang="en-US" dirty="0"/>
+          </a:p>
+        </p:txBody>
+      </p:sp>
+      <p:sp>
+        <p:nvSpPr>
+          <p:cNvPr id="3" name="Content Placeholder 2"/>
+          <p:cNvSpPr>
+            <a:spLocks noGrp="1"/>
+          </p:cNvSpPr>
+          <p:nvPr>
+            <p:ph idx="1"/>
+          </p:nvPr>
+        </p:nvSpPr>
+        <p:spPr/>
+        <p:txBody>
+          <a:bodyPr/>
+          <a:lstStyle/>
+          <a:p>
+            <a:r>
+              <a:rPr lang="en-US" dirty="0" smtClean="0"/>
+              <a:t>Check for preconditions</a:t>
+            </a:r>
+          </a:p>
+          <a:p>
+            <a:pPr lvl="1"/>
+            <a:r>
+              <a:rPr lang="en-US" dirty="0" smtClean="0"/>
+              <a:t>valid arguments for functions?</a:t>
+            </a:r>
+          </a:p>
+          <a:p>
+            <a:r>
+              <a:rPr lang="en-US" dirty="0" smtClean="0"/>
+              <a:t>Invariants</a:t>
+            </a:r>
+          </a:p>
+          <a:p>
+            <a:pPr lvl="1"/>
+            <a:r>
+              <a:rPr lang="en-US" dirty="0" smtClean="0"/>
+              <a:t>valid state of object?</a:t>
+            </a:r>
+          </a:p>
+          <a:p>
+            <a:r>
+              <a:rPr lang="en-US" dirty="0" smtClean="0"/>
+              <a:t>Signal problems</a:t>
+            </a:r>
+          </a:p>
+          <a:p>
+            <a:pPr lvl="1"/>
+            <a:r>
+              <a:rPr lang="en-US" dirty="0" smtClean="0"/>
+              <a:t>don't fail silently</a:t>
+            </a:r>
+            <a:endParaRPr lang="en-US" dirty="0"/>
+          </a:p>
+        </p:txBody>
+      </p:sp>
+      <p:sp>
+        <p:nvSpPr>
+          <p:cNvPr id="4" name="Slide Number Placeholder 3"/>
+          <p:cNvSpPr>
+            <a:spLocks noGrp="1"/>
+          </p:cNvSpPr>
+          <p:nvPr>
+            <p:ph type="sldNum" sz="quarter" idx="12"/>
+          </p:nvPr>
+        </p:nvSpPr>
+        <p:spPr/>
+        <p:txBody>
+          <a:bodyPr/>
+          <a:lstStyle/>
+          <a:p>
+            <a:fld id="{2F8BA72C-5DC7-4014-AC42-C5F5AAAF9B79}" type="slidenum">
+              <a:rPr lang="en-US" smtClean="0"/>
+              <a:t>15</a:t>
+            </a:fld>
+            <a:endParaRPr lang="en-US"/>
+          </a:p>
+        </p:txBody>
+      </p:sp>
+      <p:sp>
+        <p:nvSpPr>
+          <p:cNvPr id="5" name="TextBox 4"/>
+          <p:cNvSpPr txBox="1"/>
+          <p:nvPr/>
+        </p:nvSpPr>
+        <p:spPr>
+          <a:xfrm>
+            <a:off x="3048000" y="5132439"/>
+            <a:ext cx="2869825" cy="523220"/>
+          </a:xfrm>
+          <a:prstGeom prst="rect">
+            <a:avLst/>
+          </a:prstGeom>
+          <a:noFill/>
+          <a:ln>
+            <a:solidFill>
+              <a:schemeClr val="tx1"/>
+            </a:solidFill>
+          </a:ln>
+        </p:spPr>
+        <p:txBody>
+          <a:bodyPr wrap="none" rtlCol="0">
+            <a:spAutoFit/>
+          </a:bodyPr>
+          <a:lstStyle/>
+          <a:p>
+            <a:r>
+              <a:rPr lang="en-US" sz="2800" dirty="0" smtClean="0"/>
+              <a:t>Throw exceptions!</a:t>
+            </a:r>
+            <a:endParaRPr lang="en-US" sz="2800" dirty="0"/>
+          </a:p>
+        </p:txBody>
+      </p:sp>
+    </p:spTree>
+    <p:extLst>
+      <p:ext uri="{BB962C8B-B14F-4D97-AF65-F5344CB8AC3E}">
+        <p14:creationId xmlns:p14="http://schemas.microsoft.com/office/powerpoint/2010/main" val="3967174226"/>
+      </p:ext>
+    </p:extLst>
+  </p:cSld>
+  <p:clrMapOvr>
+    <a:masterClrMapping/>
+  </p:clrMapOvr>
+  <p:timing>
+    <p:tnLst>
+      <p:par>
+        <p:cTn id="1" dur="indefinite" restart="never" nodeType="tmRoot">
+          <p:childTnLst>
+            <p:seq concurrent="1" nextAc="seek">
+              <p:cTn id="2" dur="indefinite" nodeType="mainSeq">
+                <p:childTnLst>
+                  <p:par>
+                    <p:cTn id="3" fill="hold">
+                      <p:stCondLst>
+                        <p:cond delay="indefinite"/>
+                        <p:cond evt="onBegin" delay="0">
+                          <p:tn val="2"/>
+                        </p:cond>
+                      </p:stCondLst>
+                      <p:childTnLst>
+                        <p:par>
+                          <p:cTn id="4" fill="hold">
+                            <p:stCondLst>
+                              <p:cond delay="0"/>
+                            </p:stCondLst>
+                            <p:childTnLst>
+                              <p:par>
+                                <p:cTn id="5" presetID="1" presetClass="entr" presetSubtype="0" fill="hold" grpId="0" nodeType="withEffect">
+                                  <p:stCondLst>
+                                    <p:cond delay="0"/>
+                                  </p:stCondLst>
+                                  <p:childTnLst>
+                                    <p:set>
+                                      <p:cBhvr>
+                                        <p:cTn id="6" dur="1" fill="hold">
+                                          <p:stCondLst>
+                                            <p:cond delay="0"/>
+                                          </p:stCondLst>
+                                        </p:cTn>
+                                        <p:tgtEl>
+                                          <p:spTgt spid="3">
+                                            <p:txEl>
+                                              <p:pRg st="0" end="0"/>
+                                            </p:txEl>
+                                          </p:spTgt>
+                                        </p:tgtEl>
+                                        <p:attrNameLst>
+                                          <p:attrName>style.visibility</p:attrName>
+                                        </p:attrNameLst>
+                                      </p:cBhvr>
+                                      <p:to>
+                                        <p:strVal val="visible"/>
+                                      </p:to>
+                                    </p:set>
+                                  </p:childTnLst>
+                                </p:cTn>
+                              </p:par>
+                              <p:par>
+                                <p:cTn id="7" presetID="1" presetClass="entr" presetSubtype="0" fill="hold" grpId="0" nodeType="withEffect">
+                                  <p:stCondLst>
+                                    <p:cond delay="0"/>
+                                  </p:stCondLst>
+                                  <p:childTnLst>
+                                    <p:set>
+                                      <p:cBhvr>
+                                        <p:cTn id="8" dur="1" fill="hold">
+                                          <p:stCondLst>
+                                            <p:cond delay="0"/>
+                                          </p:stCondLst>
+                                        </p:cTn>
+                                        <p:tgtEl>
+                                          <p:spTgt spid="3">
+                                            <p:txEl>
+                                              <p:pRg st="1" end="1"/>
+                                            </p:txEl>
+                                          </p:spTgt>
+                                        </p:tgtEl>
+                                        <p:attrNameLst>
+                                          <p:attrName>style.visibility</p:attrName>
+                                        </p:attrNameLst>
+                                      </p:cBhvr>
+                                      <p:to>
+                                        <p:strVal val="visible"/>
+                                      </p:to>
+                                    </p:set>
+                                  </p:childTnLst>
+                                </p:cTn>
+                              </p:par>
+                            </p:childTnLst>
+                          </p:cTn>
+                        </p:par>
+                      </p:childTnLst>
+                    </p:cTn>
+                  </p:par>
+                  <p:par>
+                    <p:cTn id="9" fill="hold">
+                      <p:stCondLst>
+                        <p:cond delay="indefinite"/>
+                      </p:stCondLst>
+                      <p:childTnLst>
+                        <p:par>
+                          <p:cTn id="10" fill="hold">
+                            <p:stCondLst>
+                              <p:cond delay="0"/>
+                            </p:stCondLst>
+                            <p:childTnLst>
+                              <p:par>
+                                <p:cTn id="11" presetID="1" presetClass="entr" presetSubtype="0" fill="hold" grpId="0" nodeType="clickEffect">
+                                  <p:stCondLst>
+                                    <p:cond delay="0"/>
+                                  </p:stCondLst>
+                                  <p:childTnLst>
+                                    <p:set>
+                                      <p:cBhvr>
+                                        <p:cTn id="12" dur="1" fill="hold">
+                                          <p:stCondLst>
+                                            <p:cond delay="0"/>
+                                          </p:stCondLst>
+                                        </p:cTn>
+                                        <p:tgtEl>
+                                          <p:spTgt spid="3">
+                                            <p:txEl>
+                                              <p:pRg st="2" end="2"/>
+                                            </p:txEl>
+                                          </p:spTgt>
+                                        </p:tgtEl>
+                                        <p:attrNameLst>
+                                          <p:attrName>style.visibility</p:attrName>
+                                        </p:attrNameLst>
+                                      </p:cBhvr>
+                                      <p:to>
+                                        <p:strVal val="visible"/>
+                                      </p:to>
+                                    </p:set>
+                                  </p:childTnLst>
+                                </p:cTn>
+                              </p:par>
+                              <p:par>
+                                <p:cTn id="13" presetID="1" presetClass="entr" presetSubtype="0" fill="hold" grpId="0" nodeType="withEffect">
+                                  <p:stCondLst>
+                                    <p:cond delay="0"/>
+                                  </p:stCondLst>
+                                  <p:childTnLst>
+                                    <p:set>
+                                      <p:cBhvr>
+                                        <p:cTn id="14" dur="1" fill="hold">
+                                          <p:stCondLst>
+                                            <p:cond delay="0"/>
+                                          </p:stCondLst>
+                                        </p:cTn>
+                                        <p:tgtEl>
+                                          <p:spTgt spid="3">
+                                            <p:txEl>
+                                              <p:pRg st="3" end="3"/>
+                                            </p:txEl>
+                                          </p:spTgt>
+                                        </p:tgtEl>
+                                        <p:attrNameLst>
+                                          <p:attrName>style.visibility</p:attrName>
+                                        </p:attrNameLst>
+                                      </p:cBhvr>
+                                      <p:to>
+                                        <p:strVal val="visible"/>
+                                      </p:to>
+                                    </p:set>
+                                  </p:childTnLst>
+                                </p:cTn>
+                              </p:par>
+                            </p:childTnLst>
+                          </p:cTn>
+                        </p:par>
+                      </p:childTnLst>
+                    </p:cTn>
+                  </p:par>
+                  <p:par>
+                    <p:cTn id="15" fill="hold">
+                      <p:stCondLst>
+                        <p:cond delay="indefinite"/>
+                      </p:stCondLst>
+                      <p:childTnLst>
+                        <p:par>
+                          <p:cTn id="16" fill="hold">
+                            <p:stCondLst>
+                              <p:cond delay="0"/>
+                            </p:stCondLst>
+                            <p:childTnLst>
+                              <p:par>
+                                <p:cTn id="17" presetID="1" presetClass="entr" presetSubtype="0" fill="hold" grpId="0" nodeType="clickEffect">
+                                  <p:stCondLst>
+                                    <p:cond delay="0"/>
+                                  </p:stCondLst>
+                                  <p:childTnLst>
+                                    <p:set>
+                                      <p:cBhvr>
+                                        <p:cTn id="18" dur="1" fill="hold">
+                                          <p:stCondLst>
+                                            <p:cond delay="0"/>
+                                          </p:stCondLst>
+                                        </p:cTn>
+                                        <p:tgtEl>
+                                          <p:spTgt spid="3">
+                                            <p:txEl>
+                                              <p:pRg st="4" end="4"/>
+                                            </p:txEl>
+                                          </p:spTgt>
+                                        </p:tgtEl>
+                                        <p:attrNameLst>
+                                          <p:attrName>style.visibility</p:attrName>
+                                        </p:attrNameLst>
+                                      </p:cBhvr>
+                                      <p:to>
+                                        <p:strVal val="visible"/>
+                                      </p:to>
+                                    </p:set>
+                                  </p:childTnLst>
+                                </p:cTn>
+                              </p:par>
+                              <p:par>
+                                <p:cTn id="19" presetID="1" presetClass="entr" presetSubtype="0" fill="hold" grpId="0" nodeType="withEffect">
+                                  <p:stCondLst>
+                                    <p:cond delay="0"/>
+                                  </p:stCondLst>
+                                  <p:childTnLst>
+                                    <p:set>
+                                      <p:cBhvr>
+                                        <p:cTn id="20" dur="1" fill="hold">
+                                          <p:stCondLst>
+                                            <p:cond delay="0"/>
+                                          </p:stCondLst>
+                                        </p:cTn>
+                                        <p:tgtEl>
+                                          <p:spTgt spid="3">
+                                            <p:txEl>
+                                              <p:pRg st="5" end="5"/>
+                                            </p:txEl>
+                                          </p:spTgt>
+                                        </p:tgtEl>
+                                        <p:attrNameLst>
+                                          <p:attrName>style.visibility</p:attrName>
+                                        </p:attrNameLst>
+                                      </p:cBhvr>
+                                      <p:to>
+                                        <p:strVal val="visible"/>
+                                      </p:to>
+                                    </p:set>
+                                  </p:childTnLst>
+                                </p:cTn>
+                              </p:par>
+                            </p:childTnLst>
+                          </p:cTn>
+                        </p:par>
+                      </p:childTnLst>
+                    </p:cTn>
+                  </p:par>
+                  <p:par>
+                    <p:cTn id="21" fill="hold">
+                      <p:stCondLst>
+                        <p:cond delay="indefinite"/>
+                      </p:stCondLst>
+                      <p:childTnLst>
+                        <p:par>
+                          <p:cTn id="22" fill="hold">
+                            <p:stCondLst>
+                              <p:cond delay="0"/>
+                            </p:stCondLst>
+                            <p:childTnLst>
+                              <p:par>
+                                <p:cTn id="23" presetID="1" presetClass="entr" presetSubtype="0" fill="hold" grpId="0" nodeType="clickEffect">
+                                  <p:stCondLst>
+                                    <p:cond delay="0"/>
+                                  </p:stCondLst>
+                                  <p:childTnLst>
+                                    <p:set>
+                                      <p:cBhvr>
+                                        <p:cTn id="24" dur="1" fill="hold">
+                                          <p:stCondLst>
+                                            <p:cond delay="0"/>
+                                          </p:stCondLst>
+                                        </p:cTn>
+                                        <p:tgtEl>
+                                          <p:spTgt spid="5"/>
+                                        </p:tgtEl>
+                                        <p:attrNameLst>
+                                          <p:attrName>style.visibility</p:attrName>
+                                        </p:attrNameLst>
+                                      </p:cBhvr>
+                                      <p:to>
+                                        <p:strVal val="visible"/>
+                                      </p:to>
+                                    </p:set>
+                                  </p:childTnLst>
+                                </p:cTn>
+                              </p:par>
+                            </p:childTnLst>
+                          </p:cTn>
+                        </p:par>
+                      </p:childTnLst>
+                    </p:cTn>
+                  </p:par>
+                </p:childTnLst>
+              </p:cTn>
+              <p:prevCondLst>
+                <p:cond evt="onPrev" delay="0">
+                  <p:tgtEl>
+                    <p:sldTgt/>
+                  </p:tgtEl>
+                </p:cond>
+              </p:prevCondLst>
+              <p:nextCondLst>
+                <p:cond evt="onNext" delay="0">
+                  <p:tgtEl>
+                    <p:sldTgt/>
+                  </p:tgtEl>
+                </p:cond>
+              </p:nextCondLst>
+            </p:seq>
+          </p:childTnLst>
+        </p:cTn>
+      </p:par>
+    </p:tnLst>
+    <p:bldLst>
+      <p:bldP spid="3" grpId="0" uiExpand="1" build="p"/>
+      <p:bldP spid="5" grpId="0" animBg="1"/>
+    </p:bldLst>
+  </p:timing>
+</p:sld>
+</file>
+
+<file path=ppt/slides/slide16.xml><?xml version="1.0" encoding="utf-8"?>
+<p:sld xmlns:a="http://schemas.openxmlformats.org/drawingml/2006/main" xmlns:r="http://schemas.openxmlformats.org/officeDocument/2006/relationships" xmlns:p="http://schemas.openxmlformats.org/presentationml/2006/main">
+  <p:cSld>
+    <p:spTree>
+      <p:nvGrpSpPr>
+        <p:cNvPr id="1" name=""/>
+        <p:cNvGrpSpPr/>
+        <p:nvPr/>
+      </p:nvGrpSpPr>
+      <p:grpSpPr>
+        <a:xfrm>
+          <a:off x="0" y="0"/>
+          <a:ext cx="0" cy="0"/>
+          <a:chOff x="0" y="0"/>
+          <a:chExt cx="0" cy="0"/>
+        </a:xfrm>
+      </p:grpSpPr>
+      <p:sp>
+        <p:nvSpPr>
+          <p:cNvPr id="2" name="Title 1"/>
+          <p:cNvSpPr>
+            <a:spLocks noGrp="1"/>
+          </p:cNvSpPr>
+          <p:nvPr>
+            <p:ph type="title"/>
+          </p:nvPr>
+        </p:nvSpPr>
+        <p:spPr/>
+        <p:txBody>
+          <a:bodyPr/>
+          <a:lstStyle/>
+          <a:p>
+            <a:r>
+              <a:rPr lang="en-US" dirty="0" smtClean="0"/>
+              <a:t>Throw exception</a:t>
+            </a:r>
+            <a:endParaRPr lang="en-US" dirty="0"/>
+          </a:p>
+        </p:txBody>
+      </p:sp>
+      <p:sp>
+        <p:nvSpPr>
+          <p:cNvPr id="3" name="Slide Number Placeholder 2"/>
+          <p:cNvSpPr>
+            <a:spLocks noGrp="1"/>
+          </p:cNvSpPr>
+          <p:nvPr>
+            <p:ph type="sldNum" sz="quarter" idx="12"/>
+          </p:nvPr>
+        </p:nvSpPr>
+        <p:spPr/>
+        <p:txBody>
+          <a:bodyPr/>
+          <a:lstStyle/>
+          <a:p>
+            <a:fld id="{2F8BA72C-5DC7-4014-AC42-C5F5AAAF9B79}" type="slidenum">
+              <a:rPr lang="en-US" smtClean="0"/>
+              <a:t>16</a:t>
+            </a:fld>
+            <a:endParaRPr lang="en-US"/>
+          </a:p>
+        </p:txBody>
+      </p:sp>
+      <p:sp>
+        <p:nvSpPr>
+          <p:cNvPr id="4" name="TextBox 3"/>
+          <p:cNvSpPr txBox="1"/>
+          <p:nvPr/>
+        </p:nvSpPr>
+        <p:spPr>
+          <a:xfrm>
+            <a:off x="1680704" y="1894981"/>
+            <a:ext cx="6971685" cy="4031873"/>
+          </a:xfrm>
+          <a:prstGeom prst="rect">
+            <a:avLst/>
+          </a:prstGeom>
+          <a:solidFill>
+            <a:schemeClr val="bg1">
+              <a:lumMod val="75000"/>
+            </a:schemeClr>
+          </a:solidFill>
+        </p:spPr>
+        <p:txBody>
+          <a:bodyPr wrap="square" rtlCol="0">
+            <a:spAutoFit/>
+          </a:bodyPr>
+          <a:lstStyle/>
+          <a:p>
+            <a:r>
+              <a:rPr lang="nn-NO" sz="1600" dirty="0" smtClean="0">
+                <a:latin typeface="Courier New" pitchFamily="49" charset="0"/>
+                <a:cs typeface="Courier New" pitchFamily="49" charset="0"/>
+              </a:rPr>
+              <a:t>#include &lt;</a:t>
+            </a:r>
+            <a:r>
+              <a:rPr lang="nn-NO" sz="1600" b="1" dirty="0" smtClean="0">
+                <a:solidFill>
+                  <a:srgbClr val="C00000"/>
+                </a:solidFill>
+                <a:latin typeface="Courier New" pitchFamily="49" charset="0"/>
+                <a:cs typeface="Courier New" pitchFamily="49" charset="0"/>
+              </a:rPr>
+              <a:t>exception</a:t>
+            </a:r>
+            <a:r>
+              <a:rPr lang="nn-NO" sz="1600" dirty="0" smtClean="0">
+                <a:latin typeface="Courier New" pitchFamily="49" charset="0"/>
+                <a:cs typeface="Courier New" pitchFamily="49" charset="0"/>
+              </a:rPr>
+              <a:t>&gt;</a:t>
+            </a:r>
+          </a:p>
+          <a:p>
+            <a:r>
+              <a:rPr lang="nn-NO" sz="1600" dirty="0" smtClean="0">
+                <a:latin typeface="Courier New" pitchFamily="49" charset="0"/>
+                <a:cs typeface="Courier New" pitchFamily="49" charset="0"/>
+              </a:rPr>
+              <a:t>using namespace std;</a:t>
+            </a:r>
+          </a:p>
+          <a:p>
+            <a:endParaRPr lang="nn-NO" sz="1600" dirty="0" smtClean="0">
+              <a:latin typeface="Courier New" pitchFamily="49" charset="0"/>
+              <a:cs typeface="Courier New" pitchFamily="49" charset="0"/>
+            </a:endParaRPr>
+          </a:p>
+          <a:p>
+            <a:r>
+              <a:rPr lang="nn-NO" sz="1600" dirty="0" smtClean="0">
+                <a:latin typeface="Courier New" pitchFamily="49" charset="0"/>
+                <a:cs typeface="Courier New" pitchFamily="49" charset="0"/>
+              </a:rPr>
+              <a:t>int </a:t>
+            </a:r>
+            <a:r>
+              <a:rPr lang="nn-NO" sz="1600" dirty="0">
+                <a:latin typeface="Courier New" pitchFamily="49" charset="0"/>
+                <a:cs typeface="Courier New" pitchFamily="49" charset="0"/>
+              </a:rPr>
+              <a:t>fac(int n) {</a:t>
+            </a:r>
+          </a:p>
+          <a:p>
+            <a:r>
+              <a:rPr lang="nn-NO" sz="1600" dirty="0">
+                <a:latin typeface="Courier New" pitchFamily="49" charset="0"/>
+                <a:cs typeface="Courier New" pitchFamily="49" charset="0"/>
+              </a:rPr>
+              <a:t>    if (n &lt; 0) {</a:t>
+            </a:r>
+          </a:p>
+          <a:p>
+            <a:r>
+              <a:rPr lang="nn-NO" sz="1600" dirty="0">
+                <a:latin typeface="Courier New" pitchFamily="49" charset="0"/>
+                <a:cs typeface="Courier New" pitchFamily="49" charset="0"/>
+              </a:rPr>
+              <a:t>        string msg("fac argument ");</a:t>
+            </a:r>
+          </a:p>
+          <a:p>
+            <a:r>
+              <a:rPr lang="nn-NO" sz="1600" dirty="0">
+                <a:latin typeface="Courier New" pitchFamily="49" charset="0"/>
+                <a:cs typeface="Courier New" pitchFamily="49" charset="0"/>
+              </a:rPr>
+              <a:t>        msg += to_string(n) + ", must be positive";</a:t>
+            </a:r>
+          </a:p>
+          <a:p>
+            <a:r>
+              <a:rPr lang="nn-NO" sz="1600" dirty="0">
+                <a:latin typeface="Courier New" pitchFamily="49" charset="0"/>
+                <a:cs typeface="Courier New" pitchFamily="49" charset="0"/>
+              </a:rPr>
+              <a:t>        </a:t>
+            </a:r>
+            <a:r>
+              <a:rPr lang="nn-NO" sz="1600" b="1" dirty="0">
+                <a:solidFill>
+                  <a:srgbClr val="C00000"/>
+                </a:solidFill>
+                <a:latin typeface="Courier New" pitchFamily="49" charset="0"/>
+                <a:cs typeface="Courier New" pitchFamily="49" charset="0"/>
+              </a:rPr>
+              <a:t>throw invalid_argument(</a:t>
+            </a:r>
+            <a:r>
+              <a:rPr lang="nn-NO" sz="1600" dirty="0">
+                <a:latin typeface="Courier New" pitchFamily="49" charset="0"/>
+                <a:cs typeface="Courier New" pitchFamily="49" charset="0"/>
+              </a:rPr>
+              <a:t>msg</a:t>
+            </a:r>
+            <a:r>
+              <a:rPr lang="nn-NO" sz="1600" b="1" dirty="0">
+                <a:solidFill>
+                  <a:srgbClr val="C00000"/>
+                </a:solidFill>
+                <a:latin typeface="Courier New" pitchFamily="49" charset="0"/>
+                <a:cs typeface="Courier New" pitchFamily="49" charset="0"/>
+              </a:rPr>
+              <a:t>)</a:t>
+            </a:r>
+            <a:r>
+              <a:rPr lang="nn-NO" sz="1600" dirty="0">
+                <a:latin typeface="Courier New" pitchFamily="49" charset="0"/>
+                <a:cs typeface="Courier New" pitchFamily="49" charset="0"/>
+              </a:rPr>
+              <a:t>;</a:t>
+            </a:r>
+          </a:p>
+          <a:p>
+            <a:r>
+              <a:rPr lang="nn-NO" sz="1600" dirty="0">
+                <a:latin typeface="Courier New" pitchFamily="49" charset="0"/>
+                <a:cs typeface="Courier New" pitchFamily="49" charset="0"/>
+              </a:rPr>
+              <a:t>    } else {</a:t>
+            </a:r>
+          </a:p>
+          <a:p>
+            <a:r>
+              <a:rPr lang="nn-NO" sz="1600" dirty="0">
+                <a:latin typeface="Courier New" pitchFamily="49" charset="0"/>
+                <a:cs typeface="Courier New" pitchFamily="49" charset="0"/>
+              </a:rPr>
+              <a:t>        int result = 1;</a:t>
+            </a:r>
+          </a:p>
+          <a:p>
+            <a:r>
+              <a:rPr lang="nn-NO" sz="1600" dirty="0">
+                <a:latin typeface="Courier New" pitchFamily="49" charset="0"/>
+                <a:cs typeface="Courier New" pitchFamily="49" charset="0"/>
+              </a:rPr>
+              <a:t>        for (int i = 2; i &lt;= n; i++) {</a:t>
+            </a:r>
+          </a:p>
+          <a:p>
+            <a:r>
+              <a:rPr lang="nn-NO" sz="1600" dirty="0">
+                <a:latin typeface="Courier New" pitchFamily="49" charset="0"/>
+                <a:cs typeface="Courier New" pitchFamily="49" charset="0"/>
+              </a:rPr>
+              <a:t>            result *= i;</a:t>
+            </a:r>
+          </a:p>
+          <a:p>
+            <a:r>
+              <a:rPr lang="nn-NO" sz="1600" dirty="0">
+                <a:latin typeface="Courier New" pitchFamily="49" charset="0"/>
+                <a:cs typeface="Courier New" pitchFamily="49" charset="0"/>
+              </a:rPr>
+              <a:t>        }</a:t>
+            </a:r>
+          </a:p>
+          <a:p>
+            <a:r>
+              <a:rPr lang="nn-NO" sz="1600" dirty="0">
+                <a:latin typeface="Courier New" pitchFamily="49" charset="0"/>
+                <a:cs typeface="Courier New" pitchFamily="49" charset="0"/>
+              </a:rPr>
+              <a:t>        return result;</a:t>
+            </a:r>
+          </a:p>
+          <a:p>
+            <a:r>
+              <a:rPr lang="nn-NO" sz="1600" dirty="0">
+                <a:latin typeface="Courier New" pitchFamily="49" charset="0"/>
+                <a:cs typeface="Courier New" pitchFamily="49" charset="0"/>
+              </a:rPr>
+              <a:t>    }</a:t>
+            </a:r>
+          </a:p>
+          <a:p>
+            <a:r>
+              <a:rPr lang="nn-NO" sz="1600" dirty="0">
+                <a:latin typeface="Courier New" pitchFamily="49" charset="0"/>
+                <a:cs typeface="Courier New" pitchFamily="49" charset="0"/>
+              </a:rPr>
+              <a:t>}</a:t>
+            </a:r>
+            <a:endParaRPr lang="nn-NO" sz="1600" dirty="0">
+              <a:latin typeface="Courier New" pitchFamily="49" charset="0"/>
+              <a:cs typeface="Courier New" pitchFamily="49" charset="0"/>
+            </a:endParaRPr>
+          </a:p>
+        </p:txBody>
+      </p:sp>
+      <p:grpSp>
+        <p:nvGrpSpPr>
+          <p:cNvPr id="5" name="Group 4"/>
+          <p:cNvGrpSpPr/>
+          <p:nvPr/>
+        </p:nvGrpSpPr>
+        <p:grpSpPr>
+          <a:xfrm>
+            <a:off x="3824751" y="2108763"/>
+            <a:ext cx="2989006" cy="929405"/>
+            <a:chOff x="1995658" y="2809139"/>
+            <a:chExt cx="2989006" cy="929405"/>
+          </a:xfrm>
+        </p:grpSpPr>
+        <p:sp>
+          <p:nvSpPr>
+            <p:cNvPr id="6" name="TextBox 5"/>
+            <p:cNvSpPr txBox="1"/>
+            <p:nvPr/>
+          </p:nvSpPr>
+          <p:spPr>
+            <a:xfrm>
+              <a:off x="2762059" y="2809139"/>
+              <a:ext cx="2222605" cy="400110"/>
+            </a:xfrm>
+            <a:prstGeom prst="rect">
+              <a:avLst/>
+            </a:prstGeom>
+            <a:solidFill>
+              <a:schemeClr val="bg1"/>
+            </a:solidFill>
+            <a:ln w="19050">
+              <a:solidFill>
+                <a:schemeClr val="tx1"/>
+              </a:solidFill>
+            </a:ln>
+          </p:spPr>
+          <p:txBody>
+            <a:bodyPr wrap="square" rtlCol="0">
+              <a:spAutoFit/>
+            </a:bodyPr>
+            <a:lstStyle/>
+            <a:p>
+              <a:r>
+                <a:rPr lang="en-US" sz="2000" dirty="0" smtClean="0"/>
+                <a:t>check precondition</a:t>
+              </a:r>
+              <a:endParaRPr lang="en-US" sz="2000" dirty="0">
+                <a:latin typeface="Courier New" panose="02070309020205020404" pitchFamily="49" charset="0"/>
+                <a:cs typeface="Courier New" panose="02070309020205020404" pitchFamily="49" charset="0"/>
+              </a:endParaRPr>
+            </a:p>
+          </p:txBody>
+        </p:sp>
+        <p:cxnSp>
+          <p:nvCxnSpPr>
+            <p:cNvPr id="7" name="Straight Arrow Connector 6"/>
+            <p:cNvCxnSpPr>
+              <a:stCxn id="6" idx="2"/>
+            </p:cNvCxnSpPr>
+            <p:nvPr/>
+          </p:nvCxnSpPr>
+          <p:spPr>
+            <a:xfrm flipH="1">
+              <a:off x="1995658" y="3209249"/>
+              <a:ext cx="1877704" cy="529295"/>
+            </a:xfrm>
+            <a:prstGeom prst="straightConnector1">
+              <a:avLst/>
+            </a:prstGeom>
+            <a:ln w="19050">
+              <a:solidFill>
+                <a:schemeClr val="tx1"/>
+              </a:solidFill>
+              <a:tailEnd type="stealth" w="lg" len="lg"/>
+            </a:ln>
+          </p:spPr>
+          <p:style>
+            <a:lnRef idx="1">
+              <a:schemeClr val="accent1"/>
+            </a:lnRef>
+            <a:fillRef idx="0">
+              <a:schemeClr val="accent1"/>
+            </a:fillRef>
+            <a:effectRef idx="0">
+              <a:schemeClr val="accent1"/>
+            </a:effectRef>
+            <a:fontRef idx="minor">
+              <a:schemeClr val="tx1"/>
+            </a:fontRef>
+          </p:style>
+        </p:cxnSp>
+      </p:grpSp>
+      <p:grpSp>
+        <p:nvGrpSpPr>
+          <p:cNvPr id="10" name="Group 9"/>
+          <p:cNvGrpSpPr/>
+          <p:nvPr/>
+        </p:nvGrpSpPr>
+        <p:grpSpPr>
+          <a:xfrm>
+            <a:off x="5166546" y="3910918"/>
+            <a:ext cx="3716902" cy="608652"/>
+            <a:chOff x="1267762" y="2600597"/>
+            <a:chExt cx="3716902" cy="608652"/>
+          </a:xfrm>
+        </p:grpSpPr>
+        <p:sp>
+          <p:nvSpPr>
+            <p:cNvPr id="11" name="TextBox 10"/>
+            <p:cNvSpPr txBox="1"/>
+            <p:nvPr/>
+          </p:nvSpPr>
+          <p:spPr>
+            <a:xfrm>
+              <a:off x="2762059" y="2809139"/>
+              <a:ext cx="2222605" cy="400110"/>
+            </a:xfrm>
+            <a:prstGeom prst="rect">
+              <a:avLst/>
+            </a:prstGeom>
+            <a:solidFill>
+              <a:schemeClr val="bg1"/>
+            </a:solidFill>
+            <a:ln w="19050">
+              <a:solidFill>
+                <a:schemeClr val="tx1"/>
+              </a:solidFill>
+            </a:ln>
+          </p:spPr>
+          <p:txBody>
+            <a:bodyPr wrap="square" rtlCol="0">
+              <a:spAutoFit/>
+            </a:bodyPr>
+            <a:lstStyle/>
+            <a:p>
+              <a:r>
+                <a:rPr lang="en-US" sz="2000" dirty="0" smtClean="0"/>
+                <a:t>standard exception</a:t>
+              </a:r>
+              <a:endParaRPr lang="en-US" sz="2000" dirty="0">
+                <a:latin typeface="Courier New" panose="02070309020205020404" pitchFamily="49" charset="0"/>
+                <a:cs typeface="Courier New" panose="02070309020205020404" pitchFamily="49" charset="0"/>
+              </a:endParaRPr>
+            </a:p>
+          </p:txBody>
+        </p:sp>
+        <p:cxnSp>
+          <p:nvCxnSpPr>
+            <p:cNvPr id="12" name="Straight Arrow Connector 11"/>
+            <p:cNvCxnSpPr>
+              <a:stCxn id="11" idx="1"/>
+            </p:cNvCxnSpPr>
+            <p:nvPr/>
+          </p:nvCxnSpPr>
+          <p:spPr>
+            <a:xfrm flipH="1" flipV="1">
+              <a:off x="1267762" y="2600597"/>
+              <a:ext cx="1494297" cy="408597"/>
+            </a:xfrm>
+            <a:prstGeom prst="straightConnector1">
+              <a:avLst/>
+            </a:prstGeom>
+            <a:ln w="19050">
+              <a:solidFill>
+                <a:schemeClr val="tx1"/>
+              </a:solidFill>
+              <a:tailEnd type="stealth" w="lg" len="lg"/>
+            </a:ln>
+          </p:spPr>
+          <p:style>
+            <a:lnRef idx="1">
+              <a:schemeClr val="accent1"/>
+            </a:lnRef>
+            <a:fillRef idx="0">
+              <a:schemeClr val="accent1"/>
+            </a:fillRef>
+            <a:effectRef idx="0">
+              <a:schemeClr val="accent1"/>
+            </a:effectRef>
+            <a:fontRef idx="minor">
+              <a:schemeClr val="tx1"/>
+            </a:fontRef>
+          </p:style>
+        </p:cxnSp>
+      </p:grpSp>
+      <p:grpSp>
+        <p:nvGrpSpPr>
+          <p:cNvPr id="20" name="Group 19"/>
+          <p:cNvGrpSpPr/>
+          <p:nvPr/>
+        </p:nvGrpSpPr>
+        <p:grpSpPr>
+          <a:xfrm>
+            <a:off x="181228" y="3038168"/>
+            <a:ext cx="2502978" cy="707886"/>
+            <a:chOff x="181228" y="3038168"/>
+            <a:chExt cx="2502978" cy="707886"/>
+          </a:xfrm>
+        </p:grpSpPr>
+        <p:sp>
+          <p:nvSpPr>
+            <p:cNvPr id="16" name="TextBox 15"/>
+            <p:cNvSpPr txBox="1"/>
+            <p:nvPr/>
+          </p:nvSpPr>
+          <p:spPr>
+            <a:xfrm>
+              <a:off x="181228" y="3038168"/>
+              <a:ext cx="1785224" cy="707886"/>
+            </a:xfrm>
+            <a:prstGeom prst="rect">
+              <a:avLst/>
+            </a:prstGeom>
+            <a:solidFill>
+              <a:schemeClr val="bg1"/>
+            </a:solidFill>
+            <a:ln w="19050">
+              <a:solidFill>
+                <a:schemeClr val="tx1"/>
+              </a:solidFill>
+            </a:ln>
+          </p:spPr>
+          <p:txBody>
+            <a:bodyPr wrap="square" rtlCol="0">
+              <a:spAutoFit/>
+            </a:bodyPr>
+            <a:lstStyle/>
+            <a:p>
+              <a:r>
+                <a:rPr lang="en-US" sz="2000" dirty="0" smtClean="0"/>
+                <a:t>returns control</a:t>
+              </a:r>
+              <a:br>
+                <a:rPr lang="en-US" sz="2000" dirty="0" smtClean="0"/>
+              </a:br>
+              <a:r>
+                <a:rPr lang="en-US" sz="2000" dirty="0" smtClean="0"/>
+                <a:t>to caller</a:t>
+              </a:r>
+              <a:endParaRPr lang="en-US" sz="2000" dirty="0">
+                <a:latin typeface="Courier New" panose="02070309020205020404" pitchFamily="49" charset="0"/>
+                <a:cs typeface="Courier New" panose="02070309020205020404" pitchFamily="49" charset="0"/>
+              </a:endParaRPr>
+            </a:p>
+          </p:txBody>
+        </p:sp>
+        <p:cxnSp>
+          <p:nvCxnSpPr>
+            <p:cNvPr id="17" name="Straight Arrow Connector 16"/>
+            <p:cNvCxnSpPr>
+              <a:stCxn id="16" idx="3"/>
+            </p:cNvCxnSpPr>
+            <p:nvPr/>
+          </p:nvCxnSpPr>
+          <p:spPr>
+            <a:xfrm>
+              <a:off x="1966452" y="3392111"/>
+              <a:ext cx="717754" cy="353943"/>
+            </a:xfrm>
+            <a:prstGeom prst="straightConnector1">
+              <a:avLst/>
+            </a:prstGeom>
+            <a:ln w="19050">
+              <a:solidFill>
+                <a:schemeClr val="tx1"/>
+              </a:solidFill>
+              <a:tailEnd type="stealth" w="lg" len="lg"/>
+            </a:ln>
+          </p:spPr>
+          <p:style>
+            <a:lnRef idx="1">
+              <a:schemeClr val="accent1"/>
+            </a:lnRef>
+            <a:fillRef idx="0">
+              <a:schemeClr val="accent1"/>
+            </a:fillRef>
+            <a:effectRef idx="0">
+              <a:schemeClr val="accent1"/>
+            </a:effectRef>
+            <a:fontRef idx="minor">
+              <a:schemeClr val="tx1"/>
+            </a:fontRef>
+          </p:style>
+        </p:cxnSp>
+      </p:grpSp>
+    </p:spTree>
+    <p:extLst>
+      <p:ext uri="{BB962C8B-B14F-4D97-AF65-F5344CB8AC3E}">
+        <p14:creationId xmlns:p14="http://schemas.microsoft.com/office/powerpoint/2010/main" val="4028283661"/>
+      </p:ext>
+    </p:extLst>
+  </p:cSld>
+  <p:clrMapOvr>
+    <a:masterClrMapping/>
+  </p:clrMapOvr>
+  <p:timing>
+    <p:tnLst>
+      <p:par>
+        <p:cTn id="1" dur="indefinite" restart="never" nodeType="tmRoot">
+          <p:childTnLst>
+            <p:seq concurrent="1" nextAc="seek">
+              <p:cTn id="2" dur="indefinite" nodeType="mainSeq">
+                <p:childTnLst>
+                  <p:par>
+                    <p:cTn id="3" fill="hold">
+                      <p:stCondLst>
+                        <p:cond delay="indefinite"/>
+                      </p:stCondLst>
+                      <p:childTnLst>
+                        <p:par>
+                          <p:cTn id="4" fill="hold">
+                            <p:stCondLst>
+                              <p:cond delay="0"/>
+                            </p:stCondLst>
+                            <p:childTnLst>
+                              <p:par>
+                                <p:cTn id="5" presetID="1" presetClass="entr" presetSubtype="0" fill="hold" nodeType="clickEffect">
+                                  <p:stCondLst>
+                                    <p:cond delay="0"/>
+                                  </p:stCondLst>
+                                  <p:childTnLst>
+                                    <p:set>
+                                      <p:cBhvr>
+                                        <p:cTn id="6" dur="1" fill="hold">
+                                          <p:stCondLst>
+                                            <p:cond delay="0"/>
+                                          </p:stCondLst>
+                                        </p:cTn>
+                                        <p:tgtEl>
+                                          <p:spTgt spid="5"/>
+                                        </p:tgtEl>
+                                        <p:attrNameLst>
+                                          <p:attrName>style.visibility</p:attrName>
+                                        </p:attrNameLst>
+                                      </p:cBhvr>
+                                      <p:to>
+                                        <p:strVal val="visible"/>
+                                      </p:to>
+                                    </p:set>
+                                  </p:childTnLst>
+                                </p:cTn>
+                              </p:par>
+                            </p:childTnLst>
+                          </p:cTn>
+                        </p:par>
+                      </p:childTnLst>
+                    </p:cTn>
+                  </p:par>
+                  <p:par>
+                    <p:cTn id="7" fill="hold">
+                      <p:stCondLst>
+                        <p:cond delay="indefinite"/>
+                      </p:stCondLst>
+                      <p:childTnLst>
+                        <p:par>
+                          <p:cTn id="8" fill="hold">
+                            <p:stCondLst>
+                              <p:cond delay="0"/>
+                            </p:stCondLst>
+                            <p:childTnLst>
+                              <p:par>
+                                <p:cTn id="9" presetID="1" presetClass="entr" presetSubtype="0" fill="hold" nodeType="clickEffect">
+                                  <p:stCondLst>
+                                    <p:cond delay="0"/>
+                                  </p:stCondLst>
+                                  <p:childTnLst>
+                                    <p:set>
+                                      <p:cBhvr>
+                                        <p:cTn id="10" dur="1" fill="hold">
+                                          <p:stCondLst>
+                                            <p:cond delay="0"/>
+                                          </p:stCondLst>
+                                        </p:cTn>
+                                        <p:tgtEl>
+                                          <p:spTgt spid="20"/>
+                                        </p:tgtEl>
+                                        <p:attrNameLst>
+                                          <p:attrName>style.visibility</p:attrName>
+                                        </p:attrNameLst>
+                                      </p:cBhvr>
+                                      <p:to>
+                                        <p:strVal val="visible"/>
+                                      </p:to>
+                                    </p:set>
+                                  </p:childTnLst>
+                                </p:cTn>
+                              </p:par>
+                            </p:childTnLst>
+                          </p:cTn>
+                        </p:par>
+                      </p:childTnLst>
+                    </p:cTn>
+                  </p:par>
+                  <p:par>
+                    <p:cTn id="11" fill="hold">
+                      <p:stCondLst>
+                        <p:cond delay="indefinite"/>
+                      </p:stCondLst>
+                      <p:childTnLst>
+                        <p:par>
+                          <p:cTn id="12" fill="hold">
+                            <p:stCondLst>
+                              <p:cond delay="0"/>
+                            </p:stCondLst>
+                            <p:childTnLst>
+                              <p:par>
+                                <p:cTn id="13" presetID="1" presetClass="entr" presetSubtype="0" fill="hold" nodeType="clickEffect">
+                                  <p:stCondLst>
+                                    <p:cond delay="0"/>
+                                  </p:stCondLst>
+                                  <p:childTnLst>
+                                    <p:set>
+                                      <p:cBhvr>
+                                        <p:cTn id="14" dur="1" fill="hold">
+                                          <p:stCondLst>
+                                            <p:cond delay="0"/>
+                                          </p:stCondLst>
+                                        </p:cTn>
+                                        <p:tgtEl>
+                                          <p:spTgt spid="10"/>
+                                        </p:tgtEl>
+                                        <p:attrNameLst>
+                                          <p:attrName>style.visibility</p:attrName>
+                                        </p:attrNameLst>
+                                      </p:cBhvr>
+                                      <p:to>
+                                        <p:strVal val="visible"/>
+                                      </p:to>
+                                    </p:set>
+                                  </p:childTnLst>
+                                </p:cTn>
+                              </p:par>
+                            </p:childTnLst>
+                          </p:cTn>
+                        </p:par>
+                      </p:childTnLst>
+                    </p:cTn>
+                  </p:par>
+                </p:childTnLst>
+              </p:cTn>
+              <p:prevCondLst>
+                <p:cond evt="onPrev" delay="0">
+                  <p:tgtEl>
+                    <p:sldTgt/>
+                  </p:tgtEl>
+                </p:cond>
+              </p:prevCondLst>
+              <p:nextCondLst>
+                <p:cond evt="onNext" delay="0">
+                  <p:tgtEl>
+                    <p:sldTgt/>
+                  </p:tgtEl>
+                </p:cond>
+              </p:nextCondLst>
+            </p:seq>
+          </p:childTnLst>
+        </p:cTn>
+      </p:par>
+    </p:tnLst>
+  </p:timing>
+</p:sld>
+</file>
+
+<file path=ppt/slides/slide17.xml><?xml version="1.0" encoding="utf-8"?>
+<p:sld xmlns:a="http://schemas.openxmlformats.org/drawingml/2006/main" xmlns:r="http://schemas.openxmlformats.org/officeDocument/2006/relationships" xmlns:p="http://schemas.openxmlformats.org/presentationml/2006/main">
+  <p:cSld>
+    <p:spTree>
+      <p:nvGrpSpPr>
+        <p:cNvPr id="1" name=""/>
+        <p:cNvGrpSpPr/>
+        <p:nvPr/>
+      </p:nvGrpSpPr>
+      <p:grpSpPr>
+        <a:xfrm>
+          <a:off x="0" y="0"/>
+          <a:ext cx="0" cy="0"/>
+          <a:chOff x="0" y="0"/>
+          <a:chExt cx="0" cy="0"/>
+        </a:xfrm>
+      </p:grpSpPr>
+      <p:sp>
+        <p:nvSpPr>
+          <p:cNvPr id="2" name="Title 1"/>
+          <p:cNvSpPr>
+            <a:spLocks noGrp="1"/>
+          </p:cNvSpPr>
+          <p:nvPr>
+            <p:ph type="title"/>
+          </p:nvPr>
+        </p:nvSpPr>
+        <p:spPr/>
+        <p:txBody>
+          <a:bodyPr/>
+          <a:lstStyle/>
+          <a:p>
+            <a:r>
+              <a:rPr lang="en-US" dirty="0" smtClean="0"/>
+              <a:t>Catch exception</a:t>
+            </a:r>
+            <a:endParaRPr lang="en-US" dirty="0"/>
+          </a:p>
+        </p:txBody>
+      </p:sp>
+      <p:sp>
+        <p:nvSpPr>
+          <p:cNvPr id="3" name="Slide Number Placeholder 2"/>
+          <p:cNvSpPr>
+            <a:spLocks noGrp="1"/>
+          </p:cNvSpPr>
+          <p:nvPr>
+            <p:ph type="sldNum" sz="quarter" idx="12"/>
+          </p:nvPr>
+        </p:nvSpPr>
+        <p:spPr/>
+        <p:txBody>
+          <a:bodyPr/>
+          <a:lstStyle/>
+          <a:p>
+            <a:fld id="{2F8BA72C-5DC7-4014-AC42-C5F5AAAF9B79}" type="slidenum">
+              <a:rPr lang="en-US" smtClean="0"/>
+              <a:t>17</a:t>
+            </a:fld>
+            <a:endParaRPr lang="en-US"/>
+          </a:p>
+        </p:txBody>
+      </p:sp>
+      <p:sp>
+        <p:nvSpPr>
+          <p:cNvPr id="4" name="TextBox 3"/>
+          <p:cNvSpPr txBox="1"/>
+          <p:nvPr/>
+        </p:nvSpPr>
+        <p:spPr>
+          <a:xfrm>
+            <a:off x="1680704" y="1894981"/>
+            <a:ext cx="6971685" cy="1815882"/>
+          </a:xfrm>
+          <a:prstGeom prst="rect">
+            <a:avLst/>
+          </a:prstGeom>
+          <a:solidFill>
+            <a:schemeClr val="bg1">
+              <a:lumMod val="75000"/>
+            </a:schemeClr>
+          </a:solidFill>
+        </p:spPr>
+        <p:txBody>
+          <a:bodyPr wrap="square" rtlCol="0">
+            <a:spAutoFit/>
+          </a:bodyPr>
+          <a:lstStyle/>
+          <a:p>
+            <a:r>
+              <a:rPr lang="fr-FR" sz="1600" dirty="0">
+                <a:latin typeface="Courier New" pitchFamily="49" charset="0"/>
+                <a:cs typeface="Courier New" pitchFamily="49" charset="0"/>
+              </a:rPr>
+              <a:t>…</a:t>
+            </a:r>
+          </a:p>
+          <a:p>
+            <a:r>
+              <a:rPr lang="nn-NO" sz="1600" b="1" dirty="0" smtClean="0">
+                <a:solidFill>
+                  <a:srgbClr val="C00000"/>
+                </a:solidFill>
+                <a:latin typeface="Courier New" pitchFamily="49" charset="0"/>
+                <a:cs typeface="Courier New" pitchFamily="49" charset="0"/>
+              </a:rPr>
+              <a:t>try</a:t>
+            </a:r>
+            <a:r>
+              <a:rPr lang="nn-NO" sz="1600" dirty="0" smtClean="0">
+                <a:latin typeface="Courier New" pitchFamily="49" charset="0"/>
+                <a:cs typeface="Courier New" pitchFamily="49" charset="0"/>
+              </a:rPr>
+              <a:t> {</a:t>
+            </a:r>
+          </a:p>
+          <a:p>
+            <a:r>
+              <a:rPr lang="nn-NO" sz="1600" dirty="0">
+                <a:latin typeface="Courier New" pitchFamily="49" charset="0"/>
+                <a:cs typeface="Courier New" pitchFamily="49" charset="0"/>
+              </a:rPr>
+              <a:t> </a:t>
+            </a:r>
+            <a:r>
+              <a:rPr lang="nn-NO" sz="1600" dirty="0" smtClean="0">
+                <a:latin typeface="Courier New" pitchFamily="49" charset="0"/>
+                <a:cs typeface="Courier New" pitchFamily="49" charset="0"/>
+              </a:rPr>
+              <a:t>   cout </a:t>
+            </a:r>
+            <a:r>
+              <a:rPr lang="nn-NO" sz="1600" dirty="0">
+                <a:latin typeface="Courier New" pitchFamily="49" charset="0"/>
+                <a:cs typeface="Courier New" pitchFamily="49" charset="0"/>
+              </a:rPr>
+              <a:t>&lt;&lt; fac(n) &lt;&lt; endl;</a:t>
+            </a:r>
+          </a:p>
+          <a:p>
+            <a:r>
+              <a:rPr lang="nn-NO" sz="1600" dirty="0" smtClean="0">
+                <a:latin typeface="Courier New" pitchFamily="49" charset="0"/>
+                <a:cs typeface="Courier New" pitchFamily="49" charset="0"/>
+              </a:rPr>
+              <a:t>} </a:t>
+            </a:r>
+            <a:r>
+              <a:rPr lang="nn-NO" sz="1600" b="1" dirty="0">
+                <a:solidFill>
+                  <a:srgbClr val="C00000"/>
+                </a:solidFill>
+                <a:latin typeface="Courier New" pitchFamily="49" charset="0"/>
+                <a:cs typeface="Courier New" pitchFamily="49" charset="0"/>
+              </a:rPr>
+              <a:t>catch</a:t>
+            </a:r>
+            <a:r>
+              <a:rPr lang="nn-NO" sz="1600" dirty="0">
+                <a:latin typeface="Courier New" pitchFamily="49" charset="0"/>
+                <a:cs typeface="Courier New" pitchFamily="49" charset="0"/>
+              </a:rPr>
+              <a:t>(invalid_argument e) </a:t>
+            </a:r>
+            <a:r>
+              <a:rPr lang="nn-NO" sz="1600" dirty="0" smtClean="0">
+                <a:latin typeface="Courier New" pitchFamily="49" charset="0"/>
+                <a:cs typeface="Courier New" pitchFamily="49" charset="0"/>
+              </a:rPr>
+              <a:t>{</a:t>
+            </a:r>
+          </a:p>
+          <a:p>
+            <a:r>
+              <a:rPr lang="nn-NO" sz="1600" dirty="0">
+                <a:latin typeface="Courier New" pitchFamily="49" charset="0"/>
+                <a:cs typeface="Courier New" pitchFamily="49" charset="0"/>
+              </a:rPr>
+              <a:t> </a:t>
+            </a:r>
+            <a:r>
+              <a:rPr lang="nn-NO" sz="1600" dirty="0" smtClean="0">
+                <a:latin typeface="Courier New" pitchFamily="49" charset="0"/>
+                <a:cs typeface="Courier New" pitchFamily="49" charset="0"/>
+              </a:rPr>
+              <a:t>   </a:t>
+            </a:r>
+            <a:r>
+              <a:rPr lang="nn-NO" sz="1600" dirty="0">
+                <a:latin typeface="Courier New" pitchFamily="49" charset="0"/>
+                <a:cs typeface="Courier New" pitchFamily="49" charset="0"/>
+              </a:rPr>
+              <a:t>cerr &lt;&lt; "# error: </a:t>
+            </a:r>
+            <a:r>
+              <a:rPr lang="nn-NO" sz="1600" dirty="0" smtClean="0">
+                <a:latin typeface="Courier New" pitchFamily="49" charset="0"/>
+                <a:cs typeface="Courier New" pitchFamily="49" charset="0"/>
+              </a:rPr>
+              <a:t>" </a:t>
+            </a:r>
+            <a:r>
+              <a:rPr lang="nn-NO" sz="1600" dirty="0">
+                <a:latin typeface="Courier New" pitchFamily="49" charset="0"/>
+                <a:cs typeface="Courier New" pitchFamily="49" charset="0"/>
+              </a:rPr>
+              <a:t>&lt;&lt; e.what() &lt;&lt; endl;</a:t>
+            </a:r>
+          </a:p>
+          <a:p>
+            <a:r>
+              <a:rPr lang="nn-NO" sz="1600" dirty="0">
+                <a:latin typeface="Courier New" pitchFamily="49" charset="0"/>
+                <a:cs typeface="Courier New" pitchFamily="49" charset="0"/>
+              </a:rPr>
+              <a:t> </a:t>
+            </a:r>
+            <a:r>
+              <a:rPr lang="nn-NO" sz="1600" dirty="0" smtClean="0">
+                <a:latin typeface="Courier New" pitchFamily="49" charset="0"/>
+                <a:cs typeface="Courier New" pitchFamily="49" charset="0"/>
+              </a:rPr>
+              <a:t>   terminate();</a:t>
+            </a:r>
+            <a:endParaRPr lang="nn-NO" sz="1600" dirty="0">
+              <a:latin typeface="Courier New" pitchFamily="49" charset="0"/>
+              <a:cs typeface="Courier New" pitchFamily="49" charset="0"/>
+            </a:endParaRPr>
+          </a:p>
+          <a:p>
+            <a:r>
+              <a:rPr lang="nn-NO" sz="1600" dirty="0" smtClean="0">
+                <a:latin typeface="Courier New" pitchFamily="49" charset="0"/>
+                <a:cs typeface="Courier New" pitchFamily="49" charset="0"/>
+              </a:rPr>
+              <a:t>}</a:t>
+            </a:r>
+            <a:endParaRPr lang="nn-NO" sz="1600" dirty="0">
+              <a:latin typeface="Courier New" pitchFamily="49" charset="0"/>
+              <a:cs typeface="Courier New" pitchFamily="49" charset="0"/>
+            </a:endParaRPr>
+          </a:p>
+        </p:txBody>
+      </p:sp>
+    </p:spTree>
+    <p:extLst>
+      <p:ext uri="{BB962C8B-B14F-4D97-AF65-F5344CB8AC3E}">
+        <p14:creationId xmlns:p14="http://schemas.microsoft.com/office/powerpoint/2010/main" val="3789936360"/>
+      </p:ext>
+    </p:extLst>
+  </p:cSld>
+  <p:clrMapOvr>
+    <a:masterClrMapping/>
+  </p:clrMapOvr>
+  <p:timing>
+    <p:tnLst>
+      <p:par>
+        <p:cTn id="1" dur="indefinite" restart="never" nodeType="tmRoot"/>
+      </p:par>
+    </p:tnLst>
+  </p:timing>
+</p:sld>
+</file>
+
 <file path=ppt/slides/slide2.xml><?xml version="1.0" encoding="utf-8"?>
 <p:sld xmlns:a="http://schemas.openxmlformats.org/drawingml/2006/main" xmlns:r="http://schemas.openxmlformats.org/officeDocument/2006/relationships" xmlns:p="http://schemas.openxmlformats.org/presentationml/2006/main">
   <p:cSld>
@@ -5159,6 +9269,101 @@
       </p:grpSpPr>
       <p:sp>
         <p:nvSpPr>
+          <p:cNvPr id="2" name="Title 1"/>
+          <p:cNvSpPr>
+            <a:spLocks noGrp="1"/>
+          </p:cNvSpPr>
+          <p:nvPr>
+            <p:ph type="title"/>
+          </p:nvPr>
+        </p:nvSpPr>
+        <p:spPr/>
+        <p:txBody>
+          <a:bodyPr/>
+          <a:lstStyle/>
+          <a:p>
+            <a:r>
+              <a:rPr lang="en-US" dirty="0" smtClean="0"/>
+              <a:t>Separate compilation</a:t>
+            </a:r>
+            <a:endParaRPr lang="en-US" dirty="0"/>
+          </a:p>
+        </p:txBody>
+      </p:sp>
+      <p:sp>
+        <p:nvSpPr>
+          <p:cNvPr id="3" name="Text Placeholder 2"/>
+          <p:cNvSpPr>
+            <a:spLocks noGrp="1"/>
+          </p:cNvSpPr>
+          <p:nvPr>
+            <p:ph type="body" idx="1"/>
+          </p:nvPr>
+        </p:nvSpPr>
+        <p:spPr/>
+        <p:txBody>
+          <a:bodyPr/>
+          <a:lstStyle/>
+          <a:p>
+            <a:endParaRPr lang="en-US"/>
+          </a:p>
+        </p:txBody>
+      </p:sp>
+      <p:sp>
+        <p:nvSpPr>
+          <p:cNvPr id="4" name="Slide Number Placeholder 3"/>
+          <p:cNvSpPr>
+            <a:spLocks noGrp="1"/>
+          </p:cNvSpPr>
+          <p:nvPr>
+            <p:ph type="sldNum" sz="quarter" idx="12"/>
+          </p:nvPr>
+        </p:nvSpPr>
+        <p:spPr/>
+        <p:txBody>
+          <a:bodyPr/>
+          <a:lstStyle/>
+          <a:p>
+            <a:fld id="{2F8BA72C-5DC7-4014-AC42-C5F5AAAF9B79}" type="slidenum">
+              <a:rPr lang="en-US" smtClean="0"/>
+              <a:t>3</a:t>
+            </a:fld>
+            <a:endParaRPr lang="en-US"/>
+          </a:p>
+        </p:txBody>
+      </p:sp>
+    </p:spTree>
+    <p:extLst>
+      <p:ext uri="{BB962C8B-B14F-4D97-AF65-F5344CB8AC3E}">
+        <p14:creationId xmlns:p14="http://schemas.microsoft.com/office/powerpoint/2010/main" val="4007943052"/>
+      </p:ext>
+    </p:extLst>
+  </p:cSld>
+  <p:clrMapOvr>
+    <a:masterClrMapping/>
+  </p:clrMapOvr>
+</p:sld>
+</file>
+
+<file path=ppt/slides/slide4.xml><?xml version="1.0" encoding="utf-8"?>
+<p:sld xmlns:a="http://schemas.openxmlformats.org/drawingml/2006/main" xmlns:r="http://schemas.openxmlformats.org/officeDocument/2006/relationships" xmlns:p="http://schemas.openxmlformats.org/presentationml/2006/main">
+  <p:cSld>
+    <p:spTree>
+      <p:nvGrpSpPr>
+        <p:cNvPr id="1" name=""/>
+        <p:cNvGrpSpPr/>
+        <p:nvPr/>
+      </p:nvGrpSpPr>
+      <p:grpSpPr>
+        <a:xfrm>
+          <a:off x="0" y="0"/>
+          <a:ext cx="0" cy="0"/>
+          <a:chOff x="0" y="0"/>
+          <a:chExt cx="0" cy="0"/>
+        </a:xfrm>
+      </p:grpSpPr>
+      <p:sp>
+        <p:nvSpPr>
           <p:cNvPr id="3" name="Title 2"/>
           <p:cNvSpPr>
             <a:spLocks noGrp="1"/>
@@ -5321,7 +9526,7 @@
           <a:p>
             <a:fld id="{2F8BA72C-5DC7-4014-AC42-C5F5AAAF9B79}" type="slidenum">
               <a:rPr lang="en-US" smtClean="0"/>
-              <a:t>3</a:t>
+              <a:t>4</a:t>
             </a:fld>
             <a:endParaRPr lang="en-US"/>
           </a:p>
@@ -5347,7 +9552,7 @@
 </p:sld>
 </file>
 
-<file path=ppt/slides/slide4.xml><?xml version="1.0" encoding="utf-8"?>
+<file path=ppt/slides/slide5.xml><?xml version="1.0" encoding="utf-8"?>
 <p:sld xmlns:a="http://schemas.openxmlformats.org/drawingml/2006/main" xmlns:r="http://schemas.openxmlformats.org/officeDocument/2006/relationships" xmlns:p="http://schemas.openxmlformats.org/presentationml/2006/main">
   <p:cSld>
     <p:spTree>
@@ -5404,7 +9609,7 @@
           <a:p>
             <a:fld id="{2F8BA72C-5DC7-4014-AC42-C5F5AAAF9B79}" type="slidenum">
               <a:rPr lang="en-US" smtClean="0"/>
-              <a:t>4</a:t>
+              <a:t>5</a:t>
             </a:fld>
             <a:endParaRPr lang="en-US"/>
           </a:p>
@@ -5791,7 +9996,7 @@
 </p:sld>
 </file>
 
-<file path=ppt/slides/slide5.xml><?xml version="1.0" encoding="utf-8"?>
+<file path=ppt/slides/slide6.xml><?xml version="1.0" encoding="utf-8"?>
 <p:sld xmlns:a="http://schemas.openxmlformats.org/drawingml/2006/main" xmlns:r="http://schemas.openxmlformats.org/officeDocument/2006/relationships" xmlns:p="http://schemas.openxmlformats.org/presentationml/2006/main">
   <p:cSld>
     <p:spTree>
@@ -5848,7 +10053,7 @@
           <a:p>
             <a:fld id="{2F8BA72C-5DC7-4014-AC42-C5F5AAAF9B79}" type="slidenum">
               <a:rPr lang="en-US" smtClean="0"/>
-              <a:t>5</a:t>
+              <a:t>6</a:t>
             </a:fld>
             <a:endParaRPr lang="en-US"/>
           </a:p>
@@ -6320,7 +10525,7 @@
 </p:sld>
 </file>
 
-<file path=ppt/slides/slide6.xml><?xml version="1.0" encoding="utf-8"?>
+<file path=ppt/slides/slide7.xml><?xml version="1.0" encoding="utf-8"?>
 <p:sld xmlns:a="http://schemas.openxmlformats.org/drawingml/2006/main" xmlns:r="http://schemas.openxmlformats.org/officeDocument/2006/relationships" xmlns:p="http://schemas.openxmlformats.org/presentationml/2006/main">
   <p:cSld>
     <p:spTree>
@@ -6377,7 +10582,7 @@
           <a:p>
             <a:fld id="{2F8BA72C-5DC7-4014-AC42-C5F5AAAF9B79}" type="slidenum">
               <a:rPr lang="en-US" smtClean="0"/>
-              <a:t>6</a:t>
+              <a:t>7</a:t>
             </a:fld>
             <a:endParaRPr lang="en-US"/>
           </a:p>
@@ -6815,7 +11020,7 @@
 </p:sld>
 </file>
 
-<file path=ppt/slides/slide7.xml><?xml version="1.0" encoding="utf-8"?>
+<file path=ppt/slides/slide8.xml><?xml version="1.0" encoding="utf-8"?>
 <p:sld xmlns:a="http://schemas.openxmlformats.org/drawingml/2006/main" xmlns:r="http://schemas.openxmlformats.org/officeDocument/2006/relationships" xmlns:p="http://schemas.openxmlformats.org/presentationml/2006/main">
   <p:cSld>
     <p:spTree>
@@ -6954,7 +11159,7 @@
           <a:p>
             <a:fld id="{2F8BA72C-5DC7-4014-AC42-C5F5AAAF9B79}" type="slidenum">
               <a:rPr lang="en-US" smtClean="0"/>
-              <a:t>7</a:t>
+              <a:t>8</a:t>
             </a:fld>
             <a:endParaRPr lang="en-US"/>
           </a:p>
@@ -8783,1157 +12988,6 @@
 </p:sld>
 </file>
 
-<file path=ppt/slides/slide8.xml><?xml version="1.0" encoding="utf-8"?>
-<p:sld xmlns:a="http://schemas.openxmlformats.org/drawingml/2006/main" xmlns:r="http://schemas.openxmlformats.org/officeDocument/2006/relationships" xmlns:p="http://schemas.openxmlformats.org/presentationml/2006/main">
-  <p:cSld>
-    <p:spTree>
-      <p:nvGrpSpPr>
-        <p:cNvPr id="1" name=""/>
-        <p:cNvGrpSpPr/>
-        <p:nvPr/>
-      </p:nvGrpSpPr>
-      <p:grpSpPr>
-        <a:xfrm>
-          <a:off x="0" y="0"/>
-          <a:ext cx="0" cy="0"/>
-          <a:chOff x="0" y="0"/>
-          <a:chExt cx="0" cy="0"/>
-        </a:xfrm>
-      </p:grpSpPr>
-      <p:sp>
-        <p:nvSpPr>
-          <p:cNvPr id="2" name="Title 1"/>
-          <p:cNvSpPr>
-            <a:spLocks noGrp="1"/>
-          </p:cNvSpPr>
-          <p:nvPr>
-            <p:ph type="title"/>
-          </p:nvPr>
-        </p:nvSpPr>
-        <p:spPr/>
-        <p:txBody>
-          <a:bodyPr/>
-          <a:lstStyle/>
-          <a:p>
-            <a:r>
-              <a:rPr lang="en-US" dirty="0" smtClean="0"/>
-              <a:t>Make file</a:t>
-            </a:r>
-            <a:endParaRPr lang="en-US" dirty="0"/>
-          </a:p>
-        </p:txBody>
-      </p:sp>
-      <p:sp>
-        <p:nvSpPr>
-          <p:cNvPr id="3" name="Slide Number Placeholder 2"/>
-          <p:cNvSpPr>
-            <a:spLocks noGrp="1"/>
-          </p:cNvSpPr>
-          <p:nvPr>
-            <p:ph type="sldNum" sz="quarter" idx="12"/>
-          </p:nvPr>
-        </p:nvSpPr>
-        <p:spPr/>
-        <p:txBody>
-          <a:bodyPr/>
-          <a:lstStyle/>
-          <a:p>
-            <a:fld id="{2F8BA72C-5DC7-4014-AC42-C5F5AAAF9B79}" type="slidenum">
-              <a:rPr lang="en-US" smtClean="0"/>
-              <a:t>8</a:t>
-            </a:fld>
-            <a:endParaRPr lang="en-US"/>
-          </a:p>
-        </p:txBody>
-      </p:sp>
-      <p:grpSp>
-        <p:nvGrpSpPr>
-          <p:cNvPr id="4" name="Group 3"/>
-          <p:cNvGrpSpPr/>
-          <p:nvPr/>
-        </p:nvGrpSpPr>
-        <p:grpSpPr>
-          <a:xfrm>
-            <a:off x="628650" y="1825625"/>
-            <a:ext cx="6672417" cy="3539430"/>
-            <a:chOff x="628650" y="1825625"/>
-            <a:chExt cx="6672417" cy="3539430"/>
-          </a:xfrm>
-        </p:grpSpPr>
-        <p:sp>
-          <p:nvSpPr>
-            <p:cNvPr id="5" name="TextBox 4"/>
-            <p:cNvSpPr txBox="1"/>
-            <p:nvPr/>
-          </p:nvSpPr>
-          <p:spPr>
-            <a:xfrm>
-              <a:off x="628650" y="1825625"/>
-              <a:ext cx="6672417" cy="3539430"/>
-            </a:xfrm>
-            <a:prstGeom prst="rect">
-              <a:avLst/>
-            </a:prstGeom>
-            <a:solidFill>
-              <a:schemeClr val="bg1">
-                <a:lumMod val="75000"/>
-              </a:schemeClr>
-            </a:solidFill>
-          </p:spPr>
-          <p:txBody>
-            <a:bodyPr wrap="square" rtlCol="0">
-              <a:spAutoFit/>
-            </a:bodyPr>
-            <a:lstStyle/>
-            <a:p>
-              <a:r>
-                <a:rPr lang="nn-NO" sz="1600" dirty="0" smtClean="0">
-                  <a:latin typeface="Courier New" pitchFamily="49" charset="0"/>
-                  <a:cs typeface="Courier New" pitchFamily="49" charset="0"/>
-                </a:rPr>
-                <a:t>CXX = g++</a:t>
-              </a:r>
-            </a:p>
-            <a:p>
-              <a:r>
-                <a:rPr lang="nn-NO" sz="1600" dirty="0" smtClean="0">
-                  <a:latin typeface="Courier New" pitchFamily="49" charset="0"/>
-                  <a:cs typeface="Courier New" pitchFamily="49" charset="0"/>
-                </a:rPr>
-                <a:t>CXXFLAGS = -O2  -g  -Wall  -std=c++14</a:t>
-              </a:r>
-            </a:p>
-            <a:p>
-              <a:r>
-                <a:rPr lang="nn-NO" sz="1600" dirty="0" smtClean="0">
-                  <a:latin typeface="Courier New" pitchFamily="49" charset="0"/>
-                  <a:cs typeface="Courier New" pitchFamily="49" charset="0"/>
-                </a:rPr>
-                <a:t>LIBS = -lm</a:t>
-              </a:r>
-            </a:p>
-            <a:p>
-              <a:endParaRPr lang="nn-NO" sz="1600" dirty="0">
-                <a:latin typeface="Courier New" pitchFamily="49" charset="0"/>
-                <a:cs typeface="Courier New" pitchFamily="49" charset="0"/>
-              </a:endParaRPr>
-            </a:p>
-            <a:p>
-              <a:r>
-                <a:rPr lang="nn-NO" sz="1600" dirty="0" smtClean="0">
-                  <a:latin typeface="Courier New" pitchFamily="49" charset="0"/>
-                  <a:cs typeface="Courier New" pitchFamily="49" charset="0"/>
-                </a:rPr>
-                <a:t>all: particles.exe</a:t>
-              </a:r>
-            </a:p>
-            <a:p>
-              <a:endParaRPr lang="nn-NO" sz="1600" dirty="0">
-                <a:latin typeface="Courier New" pitchFamily="49" charset="0"/>
-                <a:cs typeface="Courier New" pitchFamily="49" charset="0"/>
-              </a:endParaRPr>
-            </a:p>
-            <a:p>
-              <a:r>
-                <a:rPr lang="nn-NO" sz="1600" dirty="0" smtClean="0">
-                  <a:latin typeface="Courier New" pitchFamily="49" charset="0"/>
-                  <a:cs typeface="Courier New" pitchFamily="49" charset="0"/>
-                </a:rPr>
-                <a:t>particles.exe: particle.o main.o</a:t>
-              </a:r>
-            </a:p>
-            <a:p>
-              <a:r>
-                <a:rPr lang="nn-NO" sz="1600" dirty="0" smtClean="0">
-                  <a:latin typeface="Courier New" pitchFamily="49" charset="0"/>
-                  <a:cs typeface="Courier New" pitchFamily="49" charset="0"/>
-                </a:rPr>
-                <a:t>	$(CXX)  $(CXXFLAGS)   -o $@  $^  $(LIBS)</a:t>
-              </a:r>
-            </a:p>
-            <a:p>
-              <a:endParaRPr lang="nn-NO" sz="1600" dirty="0">
-                <a:latin typeface="Courier New" pitchFamily="49" charset="0"/>
-                <a:cs typeface="Courier New" pitchFamily="49" charset="0"/>
-              </a:endParaRPr>
-            </a:p>
-            <a:p>
-              <a:r>
-                <a:rPr lang="nn-NO" sz="1600" dirty="0" smtClean="0">
-                  <a:latin typeface="Courier New" pitchFamily="49" charset="0"/>
-                  <a:cs typeface="Courier New" pitchFamily="49" charset="0"/>
-                </a:rPr>
-                <a:t>%.o: %.cpp</a:t>
-              </a:r>
-            </a:p>
-            <a:p>
-              <a:r>
-                <a:rPr lang="nn-NO" sz="1600" dirty="0">
-                  <a:latin typeface="Courier New" pitchFamily="49" charset="0"/>
-                  <a:cs typeface="Courier New" pitchFamily="49" charset="0"/>
-                </a:rPr>
-                <a:t>	</a:t>
-              </a:r>
-              <a:r>
-                <a:rPr lang="nn-NO" sz="1600" dirty="0" smtClean="0">
-                  <a:latin typeface="Courier New" pitchFamily="49" charset="0"/>
-                  <a:cs typeface="Courier New" pitchFamily="49" charset="0"/>
-                </a:rPr>
-                <a:t>$(CXX)  $(CXXFLAGS)  -c  -o $@  $^</a:t>
-              </a:r>
-            </a:p>
-            <a:p>
-              <a:endParaRPr lang="nn-NO" sz="1600" dirty="0">
-                <a:latin typeface="Courier New" pitchFamily="49" charset="0"/>
-                <a:cs typeface="Courier New" pitchFamily="49" charset="0"/>
-              </a:endParaRPr>
-            </a:p>
-            <a:p>
-              <a:r>
-                <a:rPr lang="nn-NO" sz="1600" dirty="0" smtClean="0">
-                  <a:latin typeface="Courier New" pitchFamily="49" charset="0"/>
-                  <a:cs typeface="Courier New" pitchFamily="49" charset="0"/>
-                </a:rPr>
-                <a:t>clean:</a:t>
-              </a:r>
-            </a:p>
-            <a:p>
-              <a:r>
-                <a:rPr lang="nn-NO" sz="1600" dirty="0">
-                  <a:latin typeface="Courier New" pitchFamily="49" charset="0"/>
-                  <a:cs typeface="Courier New" pitchFamily="49" charset="0"/>
-                </a:rPr>
-                <a:t>	</a:t>
-              </a:r>
-              <a:r>
-                <a:rPr lang="nn-NO" sz="1600" dirty="0" smtClean="0">
-                  <a:latin typeface="Courier New" pitchFamily="49" charset="0"/>
-                  <a:cs typeface="Courier New" pitchFamily="49" charset="0"/>
-                </a:rPr>
-                <a:t>rm -f particles.exe *.o</a:t>
-              </a:r>
-              <a:endParaRPr lang="nn-NO" sz="1600" dirty="0">
-                <a:latin typeface="Courier New" pitchFamily="49" charset="0"/>
-                <a:cs typeface="Courier New" pitchFamily="49" charset="0"/>
-              </a:endParaRPr>
-            </a:p>
-          </p:txBody>
-        </p:sp>
-        <p:sp>
-          <p:nvSpPr>
-            <p:cNvPr id="6" name="TextBox 5"/>
-            <p:cNvSpPr txBox="1"/>
-            <p:nvPr/>
-          </p:nvSpPr>
-          <p:spPr>
-            <a:xfrm>
-              <a:off x="6353808" y="1825625"/>
-              <a:ext cx="928459" cy="276999"/>
-            </a:xfrm>
-            <a:prstGeom prst="rect">
-              <a:avLst/>
-            </a:prstGeom>
-            <a:solidFill>
-              <a:schemeClr val="bg1"/>
-            </a:solidFill>
-            <a:ln>
-              <a:solidFill>
-                <a:schemeClr val="tx1"/>
-              </a:solidFill>
-            </a:ln>
-          </p:spPr>
-          <p:txBody>
-            <a:bodyPr wrap="none" rtlCol="0">
-              <a:spAutoFit/>
-            </a:bodyPr>
-            <a:lstStyle/>
-            <a:p>
-              <a:r>
-                <a:rPr lang="en-US" sz="1200" dirty="0" err="1" smtClean="0">
-                  <a:latin typeface="Courier New" panose="02070309020205020404" pitchFamily="49" charset="0"/>
-                  <a:cs typeface="Courier New" panose="02070309020205020404" pitchFamily="49" charset="0"/>
-                </a:rPr>
-                <a:t>Makefile</a:t>
-              </a:r>
-              <a:endParaRPr lang="en-US" sz="1200" dirty="0">
-                <a:latin typeface="Courier New" panose="02070309020205020404" pitchFamily="49" charset="0"/>
-                <a:cs typeface="Courier New" panose="02070309020205020404" pitchFamily="49" charset="0"/>
-              </a:endParaRPr>
-            </a:p>
-          </p:txBody>
-        </p:sp>
-      </p:grpSp>
-      <p:grpSp>
-        <p:nvGrpSpPr>
-          <p:cNvPr id="7" name="Group 6"/>
-          <p:cNvGrpSpPr/>
-          <p:nvPr/>
-        </p:nvGrpSpPr>
-        <p:grpSpPr>
-          <a:xfrm>
-            <a:off x="1995948" y="1133128"/>
-            <a:ext cx="4640827" cy="830996"/>
-            <a:chOff x="-964783" y="2790404"/>
-            <a:chExt cx="4640827" cy="830996"/>
-          </a:xfrm>
-        </p:grpSpPr>
-        <p:sp>
-          <p:nvSpPr>
-            <p:cNvPr id="8" name="TextBox 7"/>
-            <p:cNvSpPr txBox="1"/>
-            <p:nvPr/>
-          </p:nvSpPr>
-          <p:spPr>
-            <a:xfrm>
-              <a:off x="1748722" y="2790404"/>
-              <a:ext cx="1927322" cy="400110"/>
-            </a:xfrm>
-            <a:prstGeom prst="rect">
-              <a:avLst/>
-            </a:prstGeom>
-            <a:solidFill>
-              <a:schemeClr val="bg1"/>
-            </a:solidFill>
-            <a:ln w="19050">
-              <a:solidFill>
-                <a:schemeClr val="tx1"/>
-              </a:solidFill>
-            </a:ln>
-          </p:spPr>
-          <p:txBody>
-            <a:bodyPr wrap="square" rtlCol="0">
-              <a:spAutoFit/>
-            </a:bodyPr>
-            <a:lstStyle/>
-            <a:p>
-              <a:r>
-                <a:rPr lang="en-US" sz="2000" dirty="0" smtClean="0"/>
-                <a:t>compiler to use</a:t>
-              </a:r>
-              <a:endParaRPr lang="en-US" sz="2000" dirty="0">
-                <a:latin typeface="Courier New" panose="02070309020205020404" pitchFamily="49" charset="0"/>
-                <a:cs typeface="Courier New" panose="02070309020205020404" pitchFamily="49" charset="0"/>
-              </a:endParaRPr>
-            </a:p>
-          </p:txBody>
-        </p:sp>
-        <p:cxnSp>
-          <p:nvCxnSpPr>
-            <p:cNvPr id="9" name="Straight Arrow Connector 8"/>
-            <p:cNvCxnSpPr>
-              <a:stCxn id="8" idx="1"/>
-            </p:cNvCxnSpPr>
-            <p:nvPr/>
-          </p:nvCxnSpPr>
-          <p:spPr>
-            <a:xfrm flipH="1">
-              <a:off x="-964783" y="2990459"/>
-              <a:ext cx="2713505" cy="630941"/>
-            </a:xfrm>
-            <a:prstGeom prst="straightConnector1">
-              <a:avLst/>
-            </a:prstGeom>
-            <a:ln w="19050">
-              <a:solidFill>
-                <a:schemeClr val="tx1"/>
-              </a:solidFill>
-              <a:tailEnd type="stealth" w="lg" len="lg"/>
-            </a:ln>
-          </p:spPr>
-          <p:style>
-            <a:lnRef idx="1">
-              <a:schemeClr val="accent1"/>
-            </a:lnRef>
-            <a:fillRef idx="0">
-              <a:schemeClr val="accent1"/>
-            </a:fillRef>
-            <a:effectRef idx="0">
-              <a:schemeClr val="accent1"/>
-            </a:effectRef>
-            <a:fontRef idx="minor">
-              <a:schemeClr val="tx1"/>
-            </a:fontRef>
-          </p:style>
-        </p:cxnSp>
-      </p:grpSp>
-      <p:grpSp>
-        <p:nvGrpSpPr>
-          <p:cNvPr id="11" name="Group 10"/>
-          <p:cNvGrpSpPr/>
-          <p:nvPr/>
-        </p:nvGrpSpPr>
-        <p:grpSpPr>
-          <a:xfrm>
-            <a:off x="5338916" y="2237560"/>
-            <a:ext cx="3176434" cy="413419"/>
-            <a:chOff x="499610" y="2777095"/>
-            <a:chExt cx="3176434" cy="413419"/>
-          </a:xfrm>
-        </p:grpSpPr>
-        <p:sp>
-          <p:nvSpPr>
-            <p:cNvPr id="12" name="TextBox 11"/>
-            <p:cNvSpPr txBox="1"/>
-            <p:nvPr/>
-          </p:nvSpPr>
-          <p:spPr>
-            <a:xfrm>
-              <a:off x="1748722" y="2790404"/>
-              <a:ext cx="1927322" cy="400110"/>
-            </a:xfrm>
-            <a:prstGeom prst="rect">
-              <a:avLst/>
-            </a:prstGeom>
-            <a:solidFill>
-              <a:schemeClr val="bg1"/>
-            </a:solidFill>
-            <a:ln w="19050">
-              <a:solidFill>
-                <a:schemeClr val="tx1"/>
-              </a:solidFill>
-            </a:ln>
-          </p:spPr>
-          <p:txBody>
-            <a:bodyPr wrap="square" rtlCol="0">
-              <a:spAutoFit/>
-            </a:bodyPr>
-            <a:lstStyle/>
-            <a:p>
-              <a:r>
-                <a:rPr lang="en-US" sz="2000" dirty="0" smtClean="0"/>
-                <a:t>compiler options</a:t>
-              </a:r>
-              <a:endParaRPr lang="en-US" sz="2000" dirty="0">
-                <a:latin typeface="Courier New" panose="02070309020205020404" pitchFamily="49" charset="0"/>
-                <a:cs typeface="Courier New" panose="02070309020205020404" pitchFamily="49" charset="0"/>
-              </a:endParaRPr>
-            </a:p>
-          </p:txBody>
-        </p:sp>
-        <p:cxnSp>
-          <p:nvCxnSpPr>
-            <p:cNvPr id="13" name="Straight Arrow Connector 12"/>
-            <p:cNvCxnSpPr>
-              <a:stCxn id="12" idx="1"/>
-            </p:cNvCxnSpPr>
-            <p:nvPr/>
-          </p:nvCxnSpPr>
-          <p:spPr>
-            <a:xfrm flipH="1" flipV="1">
-              <a:off x="499610" y="2777095"/>
-              <a:ext cx="1249112" cy="213364"/>
-            </a:xfrm>
-            <a:prstGeom prst="straightConnector1">
-              <a:avLst/>
-            </a:prstGeom>
-            <a:ln w="19050">
-              <a:solidFill>
-                <a:schemeClr val="tx1"/>
-              </a:solidFill>
-              <a:tailEnd type="stealth" w="lg" len="lg"/>
-            </a:ln>
-          </p:spPr>
-          <p:style>
-            <a:lnRef idx="1">
-              <a:schemeClr val="accent1"/>
-            </a:lnRef>
-            <a:fillRef idx="0">
-              <a:schemeClr val="accent1"/>
-            </a:fillRef>
-            <a:effectRef idx="0">
-              <a:schemeClr val="accent1"/>
-            </a:effectRef>
-            <a:fontRef idx="minor">
-              <a:schemeClr val="tx1"/>
-            </a:fontRef>
-          </p:style>
-        </p:cxnSp>
-      </p:grpSp>
-      <p:grpSp>
-        <p:nvGrpSpPr>
-          <p:cNvPr id="16" name="Group 15"/>
-          <p:cNvGrpSpPr/>
-          <p:nvPr/>
-        </p:nvGrpSpPr>
-        <p:grpSpPr>
-          <a:xfrm>
-            <a:off x="2084439" y="2524534"/>
-            <a:ext cx="6430911" cy="672479"/>
-            <a:chOff x="-2754867" y="2518035"/>
-            <a:chExt cx="6430911" cy="672479"/>
-          </a:xfrm>
-        </p:grpSpPr>
-        <p:sp>
-          <p:nvSpPr>
-            <p:cNvPr id="17" name="TextBox 16"/>
-            <p:cNvSpPr txBox="1"/>
-            <p:nvPr/>
-          </p:nvSpPr>
-          <p:spPr>
-            <a:xfrm>
-              <a:off x="1748722" y="2790404"/>
-              <a:ext cx="1927322" cy="400110"/>
-            </a:xfrm>
-            <a:prstGeom prst="rect">
-              <a:avLst/>
-            </a:prstGeom>
-            <a:solidFill>
-              <a:schemeClr val="bg1"/>
-            </a:solidFill>
-            <a:ln w="19050">
-              <a:solidFill>
-                <a:schemeClr val="tx1"/>
-              </a:solidFill>
-            </a:ln>
-          </p:spPr>
-          <p:txBody>
-            <a:bodyPr wrap="square" rtlCol="0">
-              <a:spAutoFit/>
-            </a:bodyPr>
-            <a:lstStyle/>
-            <a:p>
-              <a:r>
-                <a:rPr lang="en-US" sz="2000" dirty="0" smtClean="0"/>
-                <a:t>libraries to use</a:t>
-              </a:r>
-              <a:endParaRPr lang="en-US" sz="2000" dirty="0">
-                <a:latin typeface="Courier New" panose="02070309020205020404" pitchFamily="49" charset="0"/>
-                <a:cs typeface="Courier New" panose="02070309020205020404" pitchFamily="49" charset="0"/>
-              </a:endParaRPr>
-            </a:p>
-          </p:txBody>
-        </p:sp>
-        <p:cxnSp>
-          <p:nvCxnSpPr>
-            <p:cNvPr id="18" name="Straight Arrow Connector 17"/>
-            <p:cNvCxnSpPr>
-              <a:stCxn id="17" idx="1"/>
-            </p:cNvCxnSpPr>
-            <p:nvPr/>
-          </p:nvCxnSpPr>
-          <p:spPr>
-            <a:xfrm flipH="1" flipV="1">
-              <a:off x="-2754867" y="2518035"/>
-              <a:ext cx="4503589" cy="472424"/>
-            </a:xfrm>
-            <a:prstGeom prst="straightConnector1">
-              <a:avLst/>
-            </a:prstGeom>
-            <a:ln w="19050">
-              <a:solidFill>
-                <a:schemeClr val="tx1"/>
-              </a:solidFill>
-              <a:tailEnd type="stealth" w="lg" len="lg"/>
-            </a:ln>
-          </p:spPr>
-          <p:style>
-            <a:lnRef idx="1">
-              <a:schemeClr val="accent1"/>
-            </a:lnRef>
-            <a:fillRef idx="0">
-              <a:schemeClr val="accent1"/>
-            </a:fillRef>
-            <a:effectRef idx="0">
-              <a:schemeClr val="accent1"/>
-            </a:effectRef>
-            <a:fontRef idx="minor">
-              <a:schemeClr val="tx1"/>
-            </a:fontRef>
-          </p:style>
-        </p:cxnSp>
-      </p:grpSp>
-      <p:grpSp>
-        <p:nvGrpSpPr>
-          <p:cNvPr id="20" name="Group 19"/>
-          <p:cNvGrpSpPr/>
-          <p:nvPr/>
-        </p:nvGrpSpPr>
-        <p:grpSpPr>
-          <a:xfrm>
-            <a:off x="6588028" y="3781544"/>
-            <a:ext cx="1927322" cy="533210"/>
-            <a:chOff x="1748722" y="2676039"/>
-            <a:chExt cx="1927322" cy="533210"/>
-          </a:xfrm>
-        </p:grpSpPr>
-        <p:sp>
-          <p:nvSpPr>
-            <p:cNvPr id="21" name="TextBox 20"/>
-            <p:cNvSpPr txBox="1"/>
-            <p:nvPr/>
-          </p:nvSpPr>
-          <p:spPr>
-            <a:xfrm>
-              <a:off x="2762059" y="2809139"/>
-              <a:ext cx="913985" cy="400110"/>
-            </a:xfrm>
-            <a:prstGeom prst="rect">
-              <a:avLst/>
-            </a:prstGeom>
-            <a:solidFill>
-              <a:schemeClr val="bg1"/>
-            </a:solidFill>
-            <a:ln w="19050">
-              <a:solidFill>
-                <a:schemeClr val="tx1"/>
-              </a:solidFill>
-            </a:ln>
-          </p:spPr>
-          <p:txBody>
-            <a:bodyPr wrap="square" rtlCol="0">
-              <a:spAutoFit/>
-            </a:bodyPr>
-            <a:lstStyle/>
-            <a:p>
-              <a:r>
-                <a:rPr lang="en-US" sz="2000" dirty="0" smtClean="0"/>
-                <a:t>linking</a:t>
-              </a:r>
-              <a:endParaRPr lang="en-US" sz="2000" dirty="0">
-                <a:latin typeface="Courier New" panose="02070309020205020404" pitchFamily="49" charset="0"/>
-                <a:cs typeface="Courier New" panose="02070309020205020404" pitchFamily="49" charset="0"/>
-              </a:endParaRPr>
-            </a:p>
-          </p:txBody>
-        </p:sp>
-        <p:cxnSp>
-          <p:nvCxnSpPr>
-            <p:cNvPr id="22" name="Straight Arrow Connector 21"/>
-            <p:cNvCxnSpPr>
-              <a:stCxn id="21" idx="1"/>
-            </p:cNvCxnSpPr>
-            <p:nvPr/>
-          </p:nvCxnSpPr>
-          <p:spPr>
-            <a:xfrm flipH="1" flipV="1">
-              <a:off x="1748722" y="2676039"/>
-              <a:ext cx="1013337" cy="333155"/>
-            </a:xfrm>
-            <a:prstGeom prst="straightConnector1">
-              <a:avLst/>
-            </a:prstGeom>
-            <a:ln w="19050">
-              <a:solidFill>
-                <a:schemeClr val="tx1"/>
-              </a:solidFill>
-              <a:tailEnd type="stealth" w="lg" len="lg"/>
-            </a:ln>
-          </p:spPr>
-          <p:style>
-            <a:lnRef idx="1">
-              <a:schemeClr val="accent1"/>
-            </a:lnRef>
-            <a:fillRef idx="0">
-              <a:schemeClr val="accent1"/>
-            </a:fillRef>
-            <a:effectRef idx="0">
-              <a:schemeClr val="accent1"/>
-            </a:effectRef>
-            <a:fontRef idx="minor">
-              <a:schemeClr val="tx1"/>
-            </a:fontRef>
-          </p:style>
-        </p:cxnSp>
-      </p:grpSp>
-      <p:grpSp>
-        <p:nvGrpSpPr>
-          <p:cNvPr id="25" name="Group 24"/>
-          <p:cNvGrpSpPr/>
-          <p:nvPr/>
-        </p:nvGrpSpPr>
-        <p:grpSpPr>
-          <a:xfrm>
-            <a:off x="6017342" y="4492521"/>
-            <a:ext cx="2494214" cy="451386"/>
-            <a:chOff x="1278509" y="2778348"/>
-            <a:chExt cx="2494214" cy="451386"/>
-          </a:xfrm>
-        </p:grpSpPr>
-        <p:sp>
-          <p:nvSpPr>
-            <p:cNvPr id="26" name="TextBox 25"/>
-            <p:cNvSpPr txBox="1"/>
-            <p:nvPr/>
-          </p:nvSpPr>
-          <p:spPr>
-            <a:xfrm>
-              <a:off x="2562234" y="2829624"/>
-              <a:ext cx="1210489" cy="400110"/>
-            </a:xfrm>
-            <a:prstGeom prst="rect">
-              <a:avLst/>
-            </a:prstGeom>
-            <a:solidFill>
-              <a:schemeClr val="bg1"/>
-            </a:solidFill>
-            <a:ln w="19050">
-              <a:solidFill>
-                <a:schemeClr val="tx1"/>
-              </a:solidFill>
-            </a:ln>
-          </p:spPr>
-          <p:txBody>
-            <a:bodyPr wrap="square" rtlCol="0">
-              <a:spAutoFit/>
-            </a:bodyPr>
-            <a:lstStyle/>
-            <a:p>
-              <a:r>
-                <a:rPr lang="en-US" sz="2000" dirty="0" smtClean="0"/>
-                <a:t>compiling</a:t>
-              </a:r>
-              <a:endParaRPr lang="en-US" sz="2000" dirty="0">
-                <a:latin typeface="Courier New" panose="02070309020205020404" pitchFamily="49" charset="0"/>
-                <a:cs typeface="Courier New" panose="02070309020205020404" pitchFamily="49" charset="0"/>
-              </a:endParaRPr>
-            </a:p>
-          </p:txBody>
-        </p:sp>
-        <p:cxnSp>
-          <p:nvCxnSpPr>
-            <p:cNvPr id="27" name="Straight Arrow Connector 26"/>
-            <p:cNvCxnSpPr>
-              <a:stCxn id="26" idx="1"/>
-            </p:cNvCxnSpPr>
-            <p:nvPr/>
-          </p:nvCxnSpPr>
-          <p:spPr>
-            <a:xfrm flipH="1" flipV="1">
-              <a:off x="1278509" y="2778348"/>
-              <a:ext cx="1283725" cy="251331"/>
-            </a:xfrm>
-            <a:prstGeom prst="straightConnector1">
-              <a:avLst/>
-            </a:prstGeom>
-            <a:ln w="19050">
-              <a:solidFill>
-                <a:schemeClr val="tx1"/>
-              </a:solidFill>
-              <a:tailEnd type="stealth" w="lg" len="lg"/>
-            </a:ln>
-          </p:spPr>
-          <p:style>
-            <a:lnRef idx="1">
-              <a:schemeClr val="accent1"/>
-            </a:lnRef>
-            <a:fillRef idx="0">
-              <a:schemeClr val="accent1"/>
-            </a:fillRef>
-            <a:effectRef idx="0">
-              <a:schemeClr val="accent1"/>
-            </a:effectRef>
-            <a:fontRef idx="minor">
-              <a:schemeClr val="tx1"/>
-            </a:fontRef>
-          </p:style>
-        </p:cxnSp>
-      </p:grpSp>
-      <p:grpSp>
-        <p:nvGrpSpPr>
-          <p:cNvPr id="30" name="Group 29"/>
-          <p:cNvGrpSpPr/>
-          <p:nvPr/>
-        </p:nvGrpSpPr>
-        <p:grpSpPr>
-          <a:xfrm>
-            <a:off x="4798142" y="5209887"/>
-            <a:ext cx="3713414" cy="635697"/>
-            <a:chOff x="59309" y="2594037"/>
-            <a:chExt cx="3713414" cy="635697"/>
-          </a:xfrm>
-        </p:grpSpPr>
-        <p:sp>
-          <p:nvSpPr>
-            <p:cNvPr id="31" name="TextBox 30"/>
-            <p:cNvSpPr txBox="1"/>
-            <p:nvPr/>
-          </p:nvSpPr>
-          <p:spPr>
-            <a:xfrm>
-              <a:off x="2562234" y="2829624"/>
-              <a:ext cx="1210489" cy="400110"/>
-            </a:xfrm>
-            <a:prstGeom prst="rect">
-              <a:avLst/>
-            </a:prstGeom>
-            <a:solidFill>
-              <a:schemeClr val="bg1"/>
-            </a:solidFill>
-            <a:ln w="19050">
-              <a:solidFill>
-                <a:schemeClr val="tx1"/>
-              </a:solidFill>
-            </a:ln>
-          </p:spPr>
-          <p:txBody>
-            <a:bodyPr wrap="square" rtlCol="0">
-              <a:spAutoFit/>
-            </a:bodyPr>
-            <a:lstStyle/>
-            <a:p>
-              <a:r>
-                <a:rPr lang="en-US" sz="2000" dirty="0" smtClean="0"/>
-                <a:t>clean up</a:t>
-              </a:r>
-              <a:endParaRPr lang="en-US" sz="2000" dirty="0">
-                <a:latin typeface="Courier New" panose="02070309020205020404" pitchFamily="49" charset="0"/>
-                <a:cs typeface="Courier New" panose="02070309020205020404" pitchFamily="49" charset="0"/>
-              </a:endParaRPr>
-            </a:p>
-          </p:txBody>
-        </p:sp>
-        <p:cxnSp>
-          <p:nvCxnSpPr>
-            <p:cNvPr id="32" name="Straight Arrow Connector 31"/>
-            <p:cNvCxnSpPr>
-              <a:stCxn id="31" idx="1"/>
-            </p:cNvCxnSpPr>
-            <p:nvPr/>
-          </p:nvCxnSpPr>
-          <p:spPr>
-            <a:xfrm flipH="1" flipV="1">
-              <a:off x="59309" y="2594037"/>
-              <a:ext cx="2502925" cy="435642"/>
-            </a:xfrm>
-            <a:prstGeom prst="straightConnector1">
-              <a:avLst/>
-            </a:prstGeom>
-            <a:ln w="19050">
-              <a:solidFill>
-                <a:schemeClr val="tx1"/>
-              </a:solidFill>
-              <a:tailEnd type="stealth" w="lg" len="lg"/>
-            </a:ln>
-          </p:spPr>
-          <p:style>
-            <a:lnRef idx="1">
-              <a:schemeClr val="accent1"/>
-            </a:lnRef>
-            <a:fillRef idx="0">
-              <a:schemeClr val="accent1"/>
-            </a:fillRef>
-            <a:effectRef idx="0">
-              <a:schemeClr val="accent1"/>
-            </a:effectRef>
-            <a:fontRef idx="minor">
-              <a:schemeClr val="tx1"/>
-            </a:fontRef>
-          </p:style>
-        </p:cxnSp>
-      </p:grpSp>
-    </p:spTree>
-    <p:extLst>
-      <p:ext uri="{BB962C8B-B14F-4D97-AF65-F5344CB8AC3E}">
-        <p14:creationId xmlns:p14="http://schemas.microsoft.com/office/powerpoint/2010/main" val="4246392540"/>
-      </p:ext>
-    </p:extLst>
-  </p:cSld>
-  <p:clrMapOvr>
-    <a:masterClrMapping/>
-  </p:clrMapOvr>
-  <p:timing>
-    <p:tnLst>
-      <p:par>
-        <p:cTn id="1" dur="indefinite" restart="never" nodeType="tmRoot">
-          <p:childTnLst>
-            <p:seq concurrent="1" nextAc="seek">
-              <p:cTn id="2" dur="indefinite" nodeType="mainSeq">
-                <p:childTnLst>
-                  <p:par>
-                    <p:cTn id="3" fill="hold">
-                      <p:stCondLst>
-                        <p:cond delay="indefinite"/>
-                      </p:stCondLst>
-                      <p:childTnLst>
-                        <p:par>
-                          <p:cTn id="4" fill="hold">
-                            <p:stCondLst>
-                              <p:cond delay="0"/>
-                            </p:stCondLst>
-                            <p:childTnLst>
-                              <p:par>
-                                <p:cTn id="5" presetID="1" presetClass="entr" presetSubtype="0" fill="hold" nodeType="clickEffect">
-                                  <p:stCondLst>
-                                    <p:cond delay="0"/>
-                                  </p:stCondLst>
-                                  <p:childTnLst>
-                                    <p:set>
-                                      <p:cBhvr>
-                                        <p:cTn id="6" dur="1" fill="hold">
-                                          <p:stCondLst>
-                                            <p:cond delay="0"/>
-                                          </p:stCondLst>
-                                        </p:cTn>
-                                        <p:tgtEl>
-                                          <p:spTgt spid="7"/>
-                                        </p:tgtEl>
-                                        <p:attrNameLst>
-                                          <p:attrName>style.visibility</p:attrName>
-                                        </p:attrNameLst>
-                                      </p:cBhvr>
-                                      <p:to>
-                                        <p:strVal val="visible"/>
-                                      </p:to>
-                                    </p:set>
-                                  </p:childTnLst>
-                                </p:cTn>
-                              </p:par>
-                            </p:childTnLst>
-                          </p:cTn>
-                        </p:par>
-                      </p:childTnLst>
-                    </p:cTn>
-                  </p:par>
-                  <p:par>
-                    <p:cTn id="7" fill="hold">
-                      <p:stCondLst>
-                        <p:cond delay="indefinite"/>
-                      </p:stCondLst>
-                      <p:childTnLst>
-                        <p:par>
-                          <p:cTn id="8" fill="hold">
-                            <p:stCondLst>
-                              <p:cond delay="0"/>
-                            </p:stCondLst>
-                            <p:childTnLst>
-                              <p:par>
-                                <p:cTn id="9" presetID="1" presetClass="entr" presetSubtype="0" fill="hold" nodeType="clickEffect">
-                                  <p:stCondLst>
-                                    <p:cond delay="0"/>
-                                  </p:stCondLst>
-                                  <p:childTnLst>
-                                    <p:set>
-                                      <p:cBhvr>
-                                        <p:cTn id="10" dur="1" fill="hold">
-                                          <p:stCondLst>
-                                            <p:cond delay="0"/>
-                                          </p:stCondLst>
-                                        </p:cTn>
-                                        <p:tgtEl>
-                                          <p:spTgt spid="11"/>
-                                        </p:tgtEl>
-                                        <p:attrNameLst>
-                                          <p:attrName>style.visibility</p:attrName>
-                                        </p:attrNameLst>
-                                      </p:cBhvr>
-                                      <p:to>
-                                        <p:strVal val="visible"/>
-                                      </p:to>
-                                    </p:set>
-                                  </p:childTnLst>
-                                </p:cTn>
-                              </p:par>
-                            </p:childTnLst>
-                          </p:cTn>
-                        </p:par>
-                      </p:childTnLst>
-                    </p:cTn>
-                  </p:par>
-                  <p:par>
-                    <p:cTn id="11" fill="hold">
-                      <p:stCondLst>
-                        <p:cond delay="indefinite"/>
-                      </p:stCondLst>
-                      <p:childTnLst>
-                        <p:par>
-                          <p:cTn id="12" fill="hold">
-                            <p:stCondLst>
-                              <p:cond delay="0"/>
-                            </p:stCondLst>
-                            <p:childTnLst>
-                              <p:par>
-                                <p:cTn id="13" presetID="1" presetClass="entr" presetSubtype="0" fill="hold" nodeType="clickEffect">
-                                  <p:stCondLst>
-                                    <p:cond delay="0"/>
-                                  </p:stCondLst>
-                                  <p:childTnLst>
-                                    <p:set>
-                                      <p:cBhvr>
-                                        <p:cTn id="14" dur="1" fill="hold">
-                                          <p:stCondLst>
-                                            <p:cond delay="0"/>
-                                          </p:stCondLst>
-                                        </p:cTn>
-                                        <p:tgtEl>
-                                          <p:spTgt spid="16"/>
-                                        </p:tgtEl>
-                                        <p:attrNameLst>
-                                          <p:attrName>style.visibility</p:attrName>
-                                        </p:attrNameLst>
-                                      </p:cBhvr>
-                                      <p:to>
-                                        <p:strVal val="visible"/>
-                                      </p:to>
-                                    </p:set>
-                                  </p:childTnLst>
-                                </p:cTn>
-                              </p:par>
-                            </p:childTnLst>
-                          </p:cTn>
-                        </p:par>
-                      </p:childTnLst>
-                    </p:cTn>
-                  </p:par>
-                  <p:par>
-                    <p:cTn id="15" fill="hold">
-                      <p:stCondLst>
-                        <p:cond delay="indefinite"/>
-                      </p:stCondLst>
-                      <p:childTnLst>
-                        <p:par>
-                          <p:cTn id="16" fill="hold">
-                            <p:stCondLst>
-                              <p:cond delay="0"/>
-                            </p:stCondLst>
-                            <p:childTnLst>
-                              <p:par>
-                                <p:cTn id="17" presetID="1" presetClass="entr" presetSubtype="0" fill="hold" nodeType="clickEffect">
-                                  <p:stCondLst>
-                                    <p:cond delay="0"/>
-                                  </p:stCondLst>
-                                  <p:childTnLst>
-                                    <p:set>
-                                      <p:cBhvr>
-                                        <p:cTn id="18" dur="1" fill="hold">
-                                          <p:stCondLst>
-                                            <p:cond delay="0"/>
-                                          </p:stCondLst>
-                                        </p:cTn>
-                                        <p:tgtEl>
-                                          <p:spTgt spid="20"/>
-                                        </p:tgtEl>
-                                        <p:attrNameLst>
-                                          <p:attrName>style.visibility</p:attrName>
-                                        </p:attrNameLst>
-                                      </p:cBhvr>
-                                      <p:to>
-                                        <p:strVal val="visible"/>
-                                      </p:to>
-                                    </p:set>
-                                  </p:childTnLst>
-                                </p:cTn>
-                              </p:par>
-                            </p:childTnLst>
-                          </p:cTn>
-                        </p:par>
-                      </p:childTnLst>
-                    </p:cTn>
-                  </p:par>
-                  <p:par>
-                    <p:cTn id="19" fill="hold">
-                      <p:stCondLst>
-                        <p:cond delay="indefinite"/>
-                      </p:stCondLst>
-                      <p:childTnLst>
-                        <p:par>
-                          <p:cTn id="20" fill="hold">
-                            <p:stCondLst>
-                              <p:cond delay="0"/>
-                            </p:stCondLst>
-                            <p:childTnLst>
-                              <p:par>
-                                <p:cTn id="21" presetID="1" presetClass="entr" presetSubtype="0" fill="hold" nodeType="clickEffect">
-                                  <p:stCondLst>
-                                    <p:cond delay="0"/>
-                                  </p:stCondLst>
-                                  <p:childTnLst>
-                                    <p:set>
-                                      <p:cBhvr>
-                                        <p:cTn id="22" dur="1" fill="hold">
-                                          <p:stCondLst>
-                                            <p:cond delay="0"/>
-                                          </p:stCondLst>
-                                        </p:cTn>
-                                        <p:tgtEl>
-                                          <p:spTgt spid="25"/>
-                                        </p:tgtEl>
-                                        <p:attrNameLst>
-                                          <p:attrName>style.visibility</p:attrName>
-                                        </p:attrNameLst>
-                                      </p:cBhvr>
-                                      <p:to>
-                                        <p:strVal val="visible"/>
-                                      </p:to>
-                                    </p:set>
-                                  </p:childTnLst>
-                                </p:cTn>
-                              </p:par>
-                            </p:childTnLst>
-                          </p:cTn>
-                        </p:par>
-                      </p:childTnLst>
-                    </p:cTn>
-                  </p:par>
-                  <p:par>
-                    <p:cTn id="23" fill="hold">
-                      <p:stCondLst>
-                        <p:cond delay="indefinite"/>
-                      </p:stCondLst>
-                      <p:childTnLst>
-                        <p:par>
-                          <p:cTn id="24" fill="hold">
-                            <p:stCondLst>
-                              <p:cond delay="0"/>
-                            </p:stCondLst>
-                            <p:childTnLst>
-                              <p:par>
-                                <p:cTn id="25" presetID="1" presetClass="entr" presetSubtype="0" fill="hold" nodeType="clickEffect">
-                                  <p:stCondLst>
-                                    <p:cond delay="0"/>
-                                  </p:stCondLst>
-                                  <p:childTnLst>
-                                    <p:set>
-                                      <p:cBhvr>
-                                        <p:cTn id="26" dur="1" fill="hold">
-                                          <p:stCondLst>
-                                            <p:cond delay="0"/>
-                                          </p:stCondLst>
-                                        </p:cTn>
-                                        <p:tgtEl>
-                                          <p:spTgt spid="30"/>
-                                        </p:tgtEl>
-                                        <p:attrNameLst>
-                                          <p:attrName>style.visibility</p:attrName>
-                                        </p:attrNameLst>
-                                      </p:cBhvr>
-                                      <p:to>
-                                        <p:strVal val="visible"/>
-                                      </p:to>
-                                    </p:set>
-                                  </p:childTnLst>
-                                </p:cTn>
-                              </p:par>
-                            </p:childTnLst>
-                          </p:cTn>
-                        </p:par>
-                      </p:childTnLst>
-                    </p:cTn>
-                  </p:par>
-                </p:childTnLst>
-              </p:cTn>
-              <p:prevCondLst>
-                <p:cond evt="onPrev" delay="0">
-                  <p:tgtEl>
-                    <p:sldTgt/>
-                  </p:tgtEl>
-                </p:cond>
-              </p:prevCondLst>
-              <p:nextCondLst>
-                <p:cond evt="onNext" delay="0">
-                  <p:tgtEl>
-                    <p:sldTgt/>
-                  </p:tgtEl>
-                </p:cond>
-              </p:nextCondLst>
-            </p:seq>
-          </p:childTnLst>
-        </p:cTn>
-      </p:par>
-    </p:tnLst>
-  </p:timing>
-</p:sld>
-</file>
-
 <file path=ppt/slides/slide9.xml><?xml version="1.0" encoding="utf-8"?>
 <p:sld xmlns:a="http://schemas.openxmlformats.org/drawingml/2006/main" xmlns:r="http://schemas.openxmlformats.org/officeDocument/2006/relationships" xmlns:p="http://schemas.openxmlformats.org/presentationml/2006/main">
   <p:cSld>
@@ -9968,7 +13022,7 @@
           <a:p>
             <a:r>
               <a:rPr lang="en-US" dirty="0" smtClean="0"/>
-              <a:t>Make rule</a:t>
+              <a:t>Make files</a:t>
             </a:r>
             <a:endParaRPr lang="en-US" dirty="0"/>
           </a:p>
@@ -9976,12 +13030,12 @@
       </p:sp>
       <p:sp>
         <p:nvSpPr>
-          <p:cNvPr id="3" name="Content Placeholder 2"/>
+          <p:cNvPr id="3" name="Text Placeholder 2"/>
           <p:cNvSpPr>
             <a:spLocks noGrp="1"/>
           </p:cNvSpPr>
           <p:nvPr>
-            <p:ph idx="1"/>
+            <p:ph type="body" idx="1"/>
           </p:nvPr>
         </p:nvSpPr>
         <p:spPr/>
@@ -9989,38 +13043,7 @@
           <a:bodyPr/>
           <a:lstStyle/>
           <a:p>
-            <a:r>
-              <a:rPr lang="en-US" dirty="0" smtClean="0"/>
-              <a:t>Recipe</a:t>
-            </a:r>
-          </a:p>
-          <a:p>
-            <a:pPr lvl="1"/>
-            <a:r>
-              <a:rPr lang="en-US" dirty="0" smtClean="0"/>
-              <a:t>target: what to make</a:t>
-            </a:r>
-          </a:p>
-          <a:p>
-            <a:pPr lvl="1"/>
-            <a:r>
-              <a:rPr lang="en-US" dirty="0" smtClean="0"/>
-              <a:t>dependency: what artifacts are required</a:t>
-            </a:r>
-          </a:p>
-          <a:p>
-            <a:pPr lvl="1"/>
-            <a:r>
-              <a:rPr lang="en-US" dirty="0" smtClean="0"/>
-              <a:t>action: how to do it</a:t>
-            </a:r>
-          </a:p>
-          <a:p>
-            <a:r>
-              <a:rPr lang="en-US" dirty="0" smtClean="0"/>
-              <a:t>E.g., how to create object files?</a:t>
-            </a:r>
-            <a:endParaRPr lang="en-US" dirty="0"/>
+            <a:endParaRPr lang="en-US"/>
           </a:p>
         </p:txBody>
       </p:sp>
@@ -10047,722 +13070,10 @@
           </a:p>
         </p:txBody>
       </p:sp>
-      <p:sp>
-        <p:nvSpPr>
-          <p:cNvPr id="6" name="TextBox 5"/>
-          <p:cNvSpPr txBox="1"/>
-          <p:nvPr/>
-        </p:nvSpPr>
-        <p:spPr>
-          <a:xfrm>
-            <a:off x="1847852" y="4903124"/>
-            <a:ext cx="5487015" cy="584775"/>
-          </a:xfrm>
-          <a:prstGeom prst="rect">
-            <a:avLst/>
-          </a:prstGeom>
-          <a:solidFill>
-            <a:schemeClr val="bg1">
-              <a:lumMod val="75000"/>
-            </a:schemeClr>
-          </a:solidFill>
-        </p:spPr>
-        <p:txBody>
-          <a:bodyPr wrap="square" rtlCol="0">
-            <a:spAutoFit/>
-          </a:bodyPr>
-          <a:lstStyle/>
-          <a:p>
-            <a:r>
-              <a:rPr lang="nn-NO" sz="1600" dirty="0">
-                <a:latin typeface="Courier New" pitchFamily="49" charset="0"/>
-                <a:cs typeface="Courier New" pitchFamily="49" charset="0"/>
-              </a:rPr>
-              <a:t>%.o: %.cpp</a:t>
-            </a:r>
-          </a:p>
-          <a:p>
-            <a:r>
-              <a:rPr lang="nn-NO" sz="1600" dirty="0">
-                <a:latin typeface="Courier New" pitchFamily="49" charset="0"/>
-                <a:cs typeface="Courier New" pitchFamily="49" charset="0"/>
-              </a:rPr>
-              <a:t>	$(CXX)  $(CXXFLAGS)  </a:t>
-            </a:r>
-            <a:r>
-              <a:rPr lang="nn-NO" sz="1600" b="1" dirty="0">
-                <a:solidFill>
-                  <a:srgbClr val="C00000"/>
-                </a:solidFill>
-                <a:latin typeface="Courier New" pitchFamily="49" charset="0"/>
-                <a:cs typeface="Courier New" pitchFamily="49" charset="0"/>
-              </a:rPr>
-              <a:t>-c</a:t>
-            </a:r>
-            <a:r>
-              <a:rPr lang="nn-NO" sz="1600" dirty="0">
-                <a:latin typeface="Courier New" pitchFamily="49" charset="0"/>
-                <a:cs typeface="Courier New" pitchFamily="49" charset="0"/>
-              </a:rPr>
-              <a:t>  -o $@  $^</a:t>
-            </a:r>
-          </a:p>
-        </p:txBody>
-      </p:sp>
-      <p:grpSp>
-        <p:nvGrpSpPr>
-          <p:cNvPr id="8" name="Group 7"/>
-          <p:cNvGrpSpPr/>
-          <p:nvPr/>
-        </p:nvGrpSpPr>
-        <p:grpSpPr>
-          <a:xfrm>
-            <a:off x="335326" y="4021455"/>
-            <a:ext cx="2073577" cy="953668"/>
-            <a:chOff x="2762059" y="2809139"/>
-            <a:chExt cx="2073577" cy="953668"/>
-          </a:xfrm>
-        </p:grpSpPr>
-        <p:sp>
-          <p:nvSpPr>
-            <p:cNvPr id="9" name="TextBox 8"/>
-            <p:cNvSpPr txBox="1"/>
-            <p:nvPr/>
-          </p:nvSpPr>
-          <p:spPr>
-            <a:xfrm>
-              <a:off x="2762059" y="2809139"/>
-              <a:ext cx="2073577" cy="400110"/>
-            </a:xfrm>
-            <a:prstGeom prst="rect">
-              <a:avLst/>
-            </a:prstGeom>
-            <a:solidFill>
-              <a:schemeClr val="bg1"/>
-            </a:solidFill>
-            <a:ln w="19050">
-              <a:solidFill>
-                <a:schemeClr val="tx1"/>
-              </a:solidFill>
-            </a:ln>
-          </p:spPr>
-          <p:txBody>
-            <a:bodyPr wrap="square" rtlCol="0">
-              <a:spAutoFit/>
-            </a:bodyPr>
-            <a:lstStyle/>
-            <a:p>
-              <a:r>
-                <a:rPr lang="en-US" sz="2000" dirty="0" smtClean="0"/>
-                <a:t>target = object file</a:t>
-              </a:r>
-              <a:endParaRPr lang="en-US" sz="2000" dirty="0">
-                <a:latin typeface="Courier New" panose="02070309020205020404" pitchFamily="49" charset="0"/>
-                <a:cs typeface="Courier New" panose="02070309020205020404" pitchFamily="49" charset="0"/>
-              </a:endParaRPr>
-            </a:p>
-          </p:txBody>
-        </p:sp>
-        <p:cxnSp>
-          <p:nvCxnSpPr>
-            <p:cNvPr id="10" name="Straight Arrow Connector 9"/>
-            <p:cNvCxnSpPr>
-              <a:stCxn id="9" idx="2"/>
-            </p:cNvCxnSpPr>
-            <p:nvPr/>
-          </p:nvCxnSpPr>
-          <p:spPr>
-            <a:xfrm>
-              <a:off x="3798848" y="3209249"/>
-              <a:ext cx="741820" cy="553558"/>
-            </a:xfrm>
-            <a:prstGeom prst="straightConnector1">
-              <a:avLst/>
-            </a:prstGeom>
-            <a:ln w="19050">
-              <a:solidFill>
-                <a:schemeClr val="tx1"/>
-              </a:solidFill>
-              <a:tailEnd type="stealth" w="lg" len="lg"/>
-            </a:ln>
-          </p:spPr>
-          <p:style>
-            <a:lnRef idx="1">
-              <a:schemeClr val="accent1"/>
-            </a:lnRef>
-            <a:fillRef idx="0">
-              <a:schemeClr val="accent1"/>
-            </a:fillRef>
-            <a:effectRef idx="0">
-              <a:schemeClr val="accent1"/>
-            </a:effectRef>
-            <a:fontRef idx="minor">
-              <a:schemeClr val="tx1"/>
-            </a:fontRef>
-          </p:style>
-        </p:cxnSp>
-      </p:grpSp>
-      <p:grpSp>
-        <p:nvGrpSpPr>
-          <p:cNvPr id="15" name="Group 14"/>
-          <p:cNvGrpSpPr/>
-          <p:nvPr/>
-        </p:nvGrpSpPr>
-        <p:grpSpPr>
-          <a:xfrm>
-            <a:off x="2898871" y="4021455"/>
-            <a:ext cx="3246289" cy="953668"/>
-            <a:chOff x="2762058" y="2809139"/>
-            <a:chExt cx="3246289" cy="953668"/>
-          </a:xfrm>
-        </p:grpSpPr>
-        <p:sp>
-          <p:nvSpPr>
-            <p:cNvPr id="16" name="TextBox 15"/>
-            <p:cNvSpPr txBox="1"/>
-            <p:nvPr/>
-          </p:nvSpPr>
-          <p:spPr>
-            <a:xfrm>
-              <a:off x="2762058" y="2809139"/>
-              <a:ext cx="3246289" cy="400110"/>
-            </a:xfrm>
-            <a:prstGeom prst="rect">
-              <a:avLst/>
-            </a:prstGeom>
-            <a:solidFill>
-              <a:schemeClr val="bg1"/>
-            </a:solidFill>
-            <a:ln w="19050">
-              <a:solidFill>
-                <a:schemeClr val="tx1"/>
-              </a:solidFill>
-            </a:ln>
-          </p:spPr>
-          <p:txBody>
-            <a:bodyPr wrap="square" rtlCol="0">
-              <a:spAutoFit/>
-            </a:bodyPr>
-            <a:lstStyle/>
-            <a:p>
-              <a:r>
-                <a:rPr lang="en-US" sz="2000" dirty="0" smtClean="0"/>
-                <a:t>dependency = C++ source file</a:t>
-              </a:r>
-              <a:endParaRPr lang="en-US" sz="2000" dirty="0">
-                <a:latin typeface="Courier New" panose="02070309020205020404" pitchFamily="49" charset="0"/>
-                <a:cs typeface="Courier New" panose="02070309020205020404" pitchFamily="49" charset="0"/>
-              </a:endParaRPr>
-            </a:p>
-          </p:txBody>
-        </p:sp>
-        <p:cxnSp>
-          <p:nvCxnSpPr>
-            <p:cNvPr id="17" name="Straight Arrow Connector 16"/>
-            <p:cNvCxnSpPr>
-              <a:stCxn id="16" idx="2"/>
-            </p:cNvCxnSpPr>
-            <p:nvPr/>
-          </p:nvCxnSpPr>
-          <p:spPr>
-            <a:xfrm flipH="1">
-              <a:off x="2950517" y="3209249"/>
-              <a:ext cx="1434686" cy="553558"/>
-            </a:xfrm>
-            <a:prstGeom prst="straightConnector1">
-              <a:avLst/>
-            </a:prstGeom>
-            <a:ln w="19050">
-              <a:solidFill>
-                <a:schemeClr val="tx1"/>
-              </a:solidFill>
-              <a:tailEnd type="stealth" w="lg" len="lg"/>
-            </a:ln>
-          </p:spPr>
-          <p:style>
-            <a:lnRef idx="1">
-              <a:schemeClr val="accent1"/>
-            </a:lnRef>
-            <a:fillRef idx="0">
-              <a:schemeClr val="accent1"/>
-            </a:fillRef>
-            <a:effectRef idx="0">
-              <a:schemeClr val="accent1"/>
-            </a:effectRef>
-            <a:fontRef idx="minor">
-              <a:schemeClr val="tx1"/>
-            </a:fontRef>
-          </p:style>
-        </p:cxnSp>
-      </p:grpSp>
-      <p:grpSp>
-        <p:nvGrpSpPr>
-          <p:cNvPr id="20" name="Group 19"/>
-          <p:cNvGrpSpPr/>
-          <p:nvPr/>
-        </p:nvGrpSpPr>
-        <p:grpSpPr>
-          <a:xfrm>
-            <a:off x="5502178" y="5384703"/>
-            <a:ext cx="2658596" cy="850472"/>
-            <a:chOff x="2762059" y="2358777"/>
-            <a:chExt cx="2658596" cy="850472"/>
-          </a:xfrm>
-        </p:grpSpPr>
-        <p:sp>
-          <p:nvSpPr>
-            <p:cNvPr id="21" name="TextBox 20"/>
-            <p:cNvSpPr txBox="1"/>
-            <p:nvPr/>
-          </p:nvSpPr>
-          <p:spPr>
-            <a:xfrm>
-              <a:off x="2762059" y="2809139"/>
-              <a:ext cx="2658596" cy="400110"/>
-            </a:xfrm>
-            <a:prstGeom prst="rect">
-              <a:avLst/>
-            </a:prstGeom>
-            <a:solidFill>
-              <a:schemeClr val="bg1"/>
-            </a:solidFill>
-            <a:ln w="19050">
-              <a:solidFill>
-                <a:schemeClr val="tx1"/>
-              </a:solidFill>
-            </a:ln>
-          </p:spPr>
-          <p:txBody>
-            <a:bodyPr wrap="square" rtlCol="0">
-              <a:spAutoFit/>
-            </a:bodyPr>
-            <a:lstStyle/>
-            <a:p>
-              <a:r>
-                <a:rPr lang="en-US" sz="2000" dirty="0" smtClean="0"/>
-                <a:t>only compile, don't link</a:t>
-              </a:r>
-              <a:endParaRPr lang="en-US" sz="2000" dirty="0">
-                <a:latin typeface="Courier New" panose="02070309020205020404" pitchFamily="49" charset="0"/>
-                <a:cs typeface="Courier New" panose="02070309020205020404" pitchFamily="49" charset="0"/>
-              </a:endParaRPr>
-            </a:p>
-          </p:txBody>
-        </p:sp>
-        <p:cxnSp>
-          <p:nvCxnSpPr>
-            <p:cNvPr id="22" name="Straight Arrow Connector 21"/>
-            <p:cNvCxnSpPr>
-              <a:stCxn id="21" idx="0"/>
-            </p:cNvCxnSpPr>
-            <p:nvPr/>
-          </p:nvCxnSpPr>
-          <p:spPr>
-            <a:xfrm flipH="1" flipV="1">
-              <a:off x="2974883" y="2358777"/>
-              <a:ext cx="1116474" cy="450362"/>
-            </a:xfrm>
-            <a:prstGeom prst="straightConnector1">
-              <a:avLst/>
-            </a:prstGeom>
-            <a:ln w="19050">
-              <a:solidFill>
-                <a:schemeClr val="tx1"/>
-              </a:solidFill>
-              <a:tailEnd type="stealth" w="lg" len="lg"/>
-            </a:ln>
-          </p:spPr>
-          <p:style>
-            <a:lnRef idx="1">
-              <a:schemeClr val="accent1"/>
-            </a:lnRef>
-            <a:fillRef idx="0">
-              <a:schemeClr val="accent1"/>
-            </a:fillRef>
-            <a:effectRef idx="0">
-              <a:schemeClr val="accent1"/>
-            </a:effectRef>
-            <a:fontRef idx="minor">
-              <a:schemeClr val="tx1"/>
-            </a:fontRef>
-          </p:style>
-        </p:cxnSp>
-      </p:grpSp>
-      <p:grpSp>
-        <p:nvGrpSpPr>
-          <p:cNvPr id="31" name="Group 30"/>
-          <p:cNvGrpSpPr/>
-          <p:nvPr/>
-        </p:nvGrpSpPr>
-        <p:grpSpPr>
-          <a:xfrm>
-            <a:off x="245499" y="5584723"/>
-            <a:ext cx="7738294" cy="1104104"/>
-            <a:chOff x="245499" y="5584723"/>
-            <a:chExt cx="7738294" cy="1104104"/>
-          </a:xfrm>
-        </p:grpSpPr>
-        <p:sp>
-          <p:nvSpPr>
-            <p:cNvPr id="26" name="TextBox 25"/>
-            <p:cNvSpPr txBox="1"/>
-            <p:nvPr/>
-          </p:nvSpPr>
-          <p:spPr>
-            <a:xfrm>
-              <a:off x="245499" y="6350273"/>
-              <a:ext cx="7738294" cy="338554"/>
-            </a:xfrm>
-            <a:prstGeom prst="rect">
-              <a:avLst/>
-            </a:prstGeom>
-            <a:solidFill>
-              <a:schemeClr val="bg1">
-                <a:lumMod val="75000"/>
-              </a:schemeClr>
-            </a:solidFill>
-          </p:spPr>
-          <p:txBody>
-            <a:bodyPr wrap="square" rtlCol="0">
-              <a:spAutoFit/>
-            </a:bodyPr>
-            <a:lstStyle/>
-            <a:p>
-              <a:r>
-                <a:rPr lang="nn-NO" sz="1600" dirty="0" smtClean="0">
-                  <a:latin typeface="Courier New" pitchFamily="49" charset="0"/>
-                  <a:cs typeface="Courier New" pitchFamily="49" charset="0"/>
-                </a:rPr>
-                <a:t>g++  -O2 -g -Wall -stc=c++11  -c  -o particle.o  particle.cpp</a:t>
-              </a:r>
-              <a:endParaRPr lang="nn-NO" sz="1600" dirty="0">
-                <a:latin typeface="Courier New" pitchFamily="49" charset="0"/>
-                <a:cs typeface="Courier New" pitchFamily="49" charset="0"/>
-              </a:endParaRPr>
-            </a:p>
-          </p:txBody>
-        </p:sp>
-        <p:cxnSp>
-          <p:nvCxnSpPr>
-            <p:cNvPr id="27" name="Straight Arrow Connector 26"/>
-            <p:cNvCxnSpPr/>
-            <p:nvPr/>
-          </p:nvCxnSpPr>
-          <p:spPr>
-            <a:xfrm>
-              <a:off x="3087330" y="5584723"/>
-              <a:ext cx="0" cy="650452"/>
-            </a:xfrm>
-            <a:prstGeom prst="straightConnector1">
-              <a:avLst/>
-            </a:prstGeom>
-            <a:ln w="76200">
-              <a:solidFill>
-                <a:schemeClr val="tx1"/>
-              </a:solidFill>
-              <a:tailEnd type="stealth"/>
-            </a:ln>
-          </p:spPr>
-          <p:style>
-            <a:lnRef idx="1">
-              <a:schemeClr val="accent1"/>
-            </a:lnRef>
-            <a:fillRef idx="0">
-              <a:schemeClr val="accent1"/>
-            </a:fillRef>
-            <a:effectRef idx="0">
-              <a:schemeClr val="accent1"/>
-            </a:effectRef>
-            <a:fontRef idx="minor">
-              <a:schemeClr val="tx1"/>
-            </a:fontRef>
-          </p:style>
-        </p:cxnSp>
-        <p:sp>
-          <p:nvSpPr>
-            <p:cNvPr id="30" name="TextBox 29"/>
-            <p:cNvSpPr txBox="1"/>
-            <p:nvPr/>
-          </p:nvSpPr>
-          <p:spPr>
-            <a:xfrm>
-              <a:off x="868367" y="5665788"/>
-              <a:ext cx="1883785" cy="369332"/>
-            </a:xfrm>
-            <a:prstGeom prst="rect">
-              <a:avLst/>
-            </a:prstGeom>
-            <a:noFill/>
-          </p:spPr>
-          <p:txBody>
-            <a:bodyPr wrap="none" rtlCol="0">
-              <a:spAutoFit/>
-            </a:bodyPr>
-            <a:lstStyle/>
-            <a:p>
-              <a:r>
-                <a:rPr lang="en-US" dirty="0" smtClean="0"/>
-                <a:t>for </a:t>
-              </a:r>
-              <a:r>
-                <a:rPr lang="en-US" dirty="0" err="1" smtClean="0">
-                  <a:latin typeface="Courier New" panose="02070309020205020404" pitchFamily="49" charset="0"/>
-                  <a:cs typeface="Courier New" panose="02070309020205020404" pitchFamily="49" charset="0"/>
-                </a:rPr>
-                <a:t>particle.o</a:t>
-              </a:r>
-              <a:endParaRPr lang="en-US" dirty="0">
-                <a:latin typeface="Courier New" panose="02070309020205020404" pitchFamily="49" charset="0"/>
-                <a:cs typeface="Courier New" panose="02070309020205020404" pitchFamily="49" charset="0"/>
-              </a:endParaRPr>
-            </a:p>
-          </p:txBody>
-        </p:sp>
-      </p:grpSp>
-      <p:grpSp>
-        <p:nvGrpSpPr>
-          <p:cNvPr id="32" name="Group 31"/>
-          <p:cNvGrpSpPr/>
-          <p:nvPr/>
-        </p:nvGrpSpPr>
-        <p:grpSpPr>
-          <a:xfrm>
-            <a:off x="335326" y="4818487"/>
-            <a:ext cx="2486532" cy="638195"/>
-            <a:chOff x="1590282" y="3425217"/>
-            <a:chExt cx="2486532" cy="638195"/>
-          </a:xfrm>
-        </p:grpSpPr>
-        <p:sp>
-          <p:nvSpPr>
-            <p:cNvPr id="33" name="TextBox 32"/>
-            <p:cNvSpPr txBox="1"/>
-            <p:nvPr/>
-          </p:nvSpPr>
-          <p:spPr>
-            <a:xfrm>
-              <a:off x="1590282" y="3425217"/>
-              <a:ext cx="564494" cy="400110"/>
-            </a:xfrm>
-            <a:prstGeom prst="rect">
-              <a:avLst/>
-            </a:prstGeom>
-            <a:solidFill>
-              <a:schemeClr val="bg1"/>
-            </a:solidFill>
-            <a:ln w="19050">
-              <a:solidFill>
-                <a:srgbClr val="C00000"/>
-              </a:solidFill>
-            </a:ln>
-          </p:spPr>
-          <p:txBody>
-            <a:bodyPr wrap="square" rtlCol="0">
-              <a:spAutoFit/>
-            </a:bodyPr>
-            <a:lstStyle/>
-            <a:p>
-              <a:r>
-                <a:rPr lang="en-US" sz="2000" dirty="0" smtClean="0">
-                  <a:solidFill>
-                    <a:srgbClr val="C00000"/>
-                  </a:solidFill>
-                </a:rPr>
-                <a:t>tab</a:t>
-              </a:r>
-              <a:endParaRPr lang="en-US" sz="2000" dirty="0">
-                <a:solidFill>
-                  <a:srgbClr val="C00000"/>
-                </a:solidFill>
-                <a:latin typeface="Courier New" panose="02070309020205020404" pitchFamily="49" charset="0"/>
-                <a:cs typeface="Courier New" panose="02070309020205020404" pitchFamily="49" charset="0"/>
-              </a:endParaRPr>
-            </a:p>
-          </p:txBody>
-        </p:sp>
-        <p:sp>
-          <p:nvSpPr>
-            <p:cNvPr id="34" name="Rectangle 33"/>
-            <p:cNvSpPr/>
-            <p:nvPr/>
-          </p:nvSpPr>
-          <p:spPr>
-            <a:xfrm>
-              <a:off x="3160173" y="3782568"/>
-              <a:ext cx="916641" cy="280844"/>
-            </a:xfrm>
-            <a:prstGeom prst="rect">
-              <a:avLst/>
-            </a:prstGeom>
-            <a:noFill/>
-            <a:ln w="19050">
-              <a:solidFill>
-                <a:srgbClr val="C00000"/>
-              </a:solidFill>
-            </a:ln>
-          </p:spPr>
-          <p:style>
-            <a:lnRef idx="2">
-              <a:schemeClr val="accent1">
-                <a:shade val="50000"/>
-              </a:schemeClr>
-            </a:lnRef>
-            <a:fillRef idx="1">
-              <a:schemeClr val="accent1"/>
-            </a:fillRef>
-            <a:effectRef idx="0">
-              <a:schemeClr val="accent1"/>
-            </a:effectRef>
-            <a:fontRef idx="minor">
-              <a:schemeClr val="lt1"/>
-            </a:fontRef>
-          </p:style>
-          <p:txBody>
-            <a:bodyPr rtlCol="0" anchor="ctr"/>
-            <a:lstStyle/>
-            <a:p>
-              <a:pPr algn="ctr"/>
-              <a:endParaRPr lang="en-US"/>
-            </a:p>
-          </p:txBody>
-        </p:sp>
-        <p:cxnSp>
-          <p:nvCxnSpPr>
-            <p:cNvPr id="35" name="Straight Arrow Connector 34"/>
-            <p:cNvCxnSpPr>
-              <a:stCxn id="33" idx="3"/>
-              <a:endCxn id="34" idx="1"/>
-            </p:cNvCxnSpPr>
-            <p:nvPr/>
-          </p:nvCxnSpPr>
-          <p:spPr>
-            <a:xfrm>
-              <a:off x="2154776" y="3625272"/>
-              <a:ext cx="1005397" cy="297718"/>
-            </a:xfrm>
-            <a:prstGeom prst="straightConnector1">
-              <a:avLst/>
-            </a:prstGeom>
-            <a:ln w="19050">
-              <a:solidFill>
-                <a:srgbClr val="C00000"/>
-              </a:solidFill>
-              <a:tailEnd type="stealth" w="lg" len="lg"/>
-            </a:ln>
-          </p:spPr>
-          <p:style>
-            <a:lnRef idx="1">
-              <a:schemeClr val="accent1"/>
-            </a:lnRef>
-            <a:fillRef idx="0">
-              <a:schemeClr val="accent1"/>
-            </a:fillRef>
-            <a:effectRef idx="0">
-              <a:schemeClr val="accent1"/>
-            </a:effectRef>
-            <a:fontRef idx="minor">
-              <a:schemeClr val="tx1"/>
-            </a:fontRef>
-          </p:style>
-        </p:cxnSp>
-      </p:grpSp>
-      <p:grpSp>
-        <p:nvGrpSpPr>
-          <p:cNvPr id="46" name="Group 45"/>
-          <p:cNvGrpSpPr/>
-          <p:nvPr/>
-        </p:nvGrpSpPr>
-        <p:grpSpPr>
-          <a:xfrm>
-            <a:off x="5200443" y="4014790"/>
-            <a:ext cx="3186474" cy="1203807"/>
-            <a:chOff x="1524018" y="2809139"/>
-            <a:chExt cx="3186474" cy="1203807"/>
-          </a:xfrm>
-        </p:grpSpPr>
-        <p:sp>
-          <p:nvSpPr>
-            <p:cNvPr id="47" name="TextBox 46"/>
-            <p:cNvSpPr txBox="1"/>
-            <p:nvPr/>
-          </p:nvSpPr>
-          <p:spPr>
-            <a:xfrm>
-              <a:off x="2762060" y="2809139"/>
-              <a:ext cx="1948432" cy="400110"/>
-            </a:xfrm>
-            <a:prstGeom prst="rect">
-              <a:avLst/>
-            </a:prstGeom>
-            <a:solidFill>
-              <a:schemeClr val="bg1"/>
-            </a:solidFill>
-            <a:ln w="19050">
-              <a:solidFill>
-                <a:schemeClr val="tx1"/>
-              </a:solidFill>
-            </a:ln>
-          </p:spPr>
-          <p:txBody>
-            <a:bodyPr wrap="square" rtlCol="0">
-              <a:spAutoFit/>
-            </a:bodyPr>
-            <a:lstStyle/>
-            <a:p>
-              <a:r>
-                <a:rPr lang="en-US" sz="2000" dirty="0" smtClean="0"/>
-                <a:t>action = compile</a:t>
-              </a:r>
-              <a:endParaRPr lang="en-US" sz="2000" dirty="0">
-                <a:latin typeface="Courier New" panose="02070309020205020404" pitchFamily="49" charset="0"/>
-                <a:cs typeface="Courier New" panose="02070309020205020404" pitchFamily="49" charset="0"/>
-              </a:endParaRPr>
-            </a:p>
-          </p:txBody>
-        </p:sp>
-        <p:cxnSp>
-          <p:nvCxnSpPr>
-            <p:cNvPr id="48" name="Straight Arrow Connector 47"/>
-            <p:cNvCxnSpPr>
-              <a:stCxn id="47" idx="2"/>
-            </p:cNvCxnSpPr>
-            <p:nvPr/>
-          </p:nvCxnSpPr>
-          <p:spPr>
-            <a:xfrm flipH="1">
-              <a:off x="1524018" y="3209249"/>
-              <a:ext cx="2212258" cy="803697"/>
-            </a:xfrm>
-            <a:prstGeom prst="straightConnector1">
-              <a:avLst/>
-            </a:prstGeom>
-            <a:ln w="19050">
-              <a:solidFill>
-                <a:schemeClr val="tx1"/>
-              </a:solidFill>
-              <a:tailEnd type="stealth" w="lg" len="lg"/>
-            </a:ln>
-          </p:spPr>
-          <p:style>
-            <a:lnRef idx="1">
-              <a:schemeClr val="accent1"/>
-            </a:lnRef>
-            <a:fillRef idx="0">
-              <a:schemeClr val="accent1"/>
-            </a:fillRef>
-            <a:effectRef idx="0">
-              <a:schemeClr val="accent1"/>
-            </a:effectRef>
-            <a:fontRef idx="minor">
-              <a:schemeClr val="tx1"/>
-            </a:fontRef>
-          </p:style>
-        </p:cxnSp>
-      </p:grpSp>
     </p:spTree>
     <p:extLst>
       <p:ext uri="{BB962C8B-B14F-4D97-AF65-F5344CB8AC3E}">
-        <p14:creationId xmlns:p14="http://schemas.microsoft.com/office/powerpoint/2010/main" val="1625425591"/>
+        <p14:creationId xmlns:p14="http://schemas.microsoft.com/office/powerpoint/2010/main" val="2479662493"/>
       </p:ext>
     </p:extLst>
   </p:cSld>
@@ -10772,499 +13083,9 @@
   <p:timing>
     <p:tnLst>
       <p:par>
-        <p:cTn id="1" dur="indefinite" restart="never" nodeType="tmRoot">
-          <p:childTnLst>
-            <p:seq concurrent="1" nextAc="seek">
-              <p:cTn id="2" dur="indefinite" nodeType="mainSeq">
-                <p:childTnLst>
-                  <p:par>
-                    <p:cTn id="3" fill="hold">
-                      <p:stCondLst>
-                        <p:cond delay="indefinite"/>
-                        <p:cond evt="onBegin" delay="0">
-                          <p:tn val="2"/>
-                        </p:cond>
-                      </p:stCondLst>
-                      <p:childTnLst>
-                        <p:par>
-                          <p:cTn id="4" fill="hold">
-                            <p:stCondLst>
-                              <p:cond delay="0"/>
-                            </p:stCondLst>
-                            <p:childTnLst>
-                              <p:par>
-                                <p:cTn id="5" presetID="1" presetClass="entr" presetSubtype="0" fill="hold" grpId="0" nodeType="withEffect">
-                                  <p:stCondLst>
-                                    <p:cond delay="0"/>
-                                  </p:stCondLst>
-                                  <p:childTnLst>
-                                    <p:set>
-                                      <p:cBhvr>
-                                        <p:cTn id="6" dur="1" fill="hold">
-                                          <p:stCondLst>
-                                            <p:cond delay="0"/>
-                                          </p:stCondLst>
-                                        </p:cTn>
-                                        <p:tgtEl>
-                                          <p:spTgt spid="3">
-                                            <p:txEl>
-                                              <p:pRg st="0" end="0"/>
-                                            </p:txEl>
-                                          </p:spTgt>
-                                        </p:tgtEl>
-                                        <p:attrNameLst>
-                                          <p:attrName>style.visibility</p:attrName>
-                                        </p:attrNameLst>
-                                      </p:cBhvr>
-                                      <p:to>
-                                        <p:strVal val="visible"/>
-                                      </p:to>
-                                    </p:set>
-                                  </p:childTnLst>
-                                </p:cTn>
-                              </p:par>
-                              <p:par>
-                                <p:cTn id="7" presetID="1" presetClass="entr" presetSubtype="0" fill="hold" grpId="0" nodeType="withEffect">
-                                  <p:stCondLst>
-                                    <p:cond delay="0"/>
-                                  </p:stCondLst>
-                                  <p:childTnLst>
-                                    <p:set>
-                                      <p:cBhvr>
-                                        <p:cTn id="8" dur="1" fill="hold">
-                                          <p:stCondLst>
-                                            <p:cond delay="0"/>
-                                          </p:stCondLst>
-                                        </p:cTn>
-                                        <p:tgtEl>
-                                          <p:spTgt spid="3">
-                                            <p:txEl>
-                                              <p:pRg st="1" end="1"/>
-                                            </p:txEl>
-                                          </p:spTgt>
-                                        </p:tgtEl>
-                                        <p:attrNameLst>
-                                          <p:attrName>style.visibility</p:attrName>
-                                        </p:attrNameLst>
-                                      </p:cBhvr>
-                                      <p:to>
-                                        <p:strVal val="visible"/>
-                                      </p:to>
-                                    </p:set>
-                                  </p:childTnLst>
-                                </p:cTn>
-                              </p:par>
-                              <p:par>
-                                <p:cTn id="9" presetID="1" presetClass="entr" presetSubtype="0" fill="hold" grpId="0" nodeType="withEffect">
-                                  <p:stCondLst>
-                                    <p:cond delay="0"/>
-                                  </p:stCondLst>
-                                  <p:childTnLst>
-                                    <p:set>
-                                      <p:cBhvr>
-                                        <p:cTn id="10" dur="1" fill="hold">
-                                          <p:stCondLst>
-                                            <p:cond delay="0"/>
-                                          </p:stCondLst>
-                                        </p:cTn>
-                                        <p:tgtEl>
-                                          <p:spTgt spid="3">
-                                            <p:txEl>
-                                              <p:pRg st="2" end="2"/>
-                                            </p:txEl>
-                                          </p:spTgt>
-                                        </p:tgtEl>
-                                        <p:attrNameLst>
-                                          <p:attrName>style.visibility</p:attrName>
-                                        </p:attrNameLst>
-                                      </p:cBhvr>
-                                      <p:to>
-                                        <p:strVal val="visible"/>
-                                      </p:to>
-                                    </p:set>
-                                  </p:childTnLst>
-                                </p:cTn>
-                              </p:par>
-                              <p:par>
-                                <p:cTn id="11" presetID="1" presetClass="entr" presetSubtype="0" fill="hold" grpId="0" nodeType="withEffect">
-                                  <p:stCondLst>
-                                    <p:cond delay="0"/>
-                                  </p:stCondLst>
-                                  <p:childTnLst>
-                                    <p:set>
-                                      <p:cBhvr>
-                                        <p:cTn id="12" dur="1" fill="hold">
-                                          <p:stCondLst>
-                                            <p:cond delay="0"/>
-                                          </p:stCondLst>
-                                        </p:cTn>
-                                        <p:tgtEl>
-                                          <p:spTgt spid="3">
-                                            <p:txEl>
-                                              <p:pRg st="3" end="3"/>
-                                            </p:txEl>
-                                          </p:spTgt>
-                                        </p:tgtEl>
-                                        <p:attrNameLst>
-                                          <p:attrName>style.visibility</p:attrName>
-                                        </p:attrNameLst>
-                                      </p:cBhvr>
-                                      <p:to>
-                                        <p:strVal val="visible"/>
-                                      </p:to>
-                                    </p:set>
-                                  </p:childTnLst>
-                                </p:cTn>
-                              </p:par>
-                            </p:childTnLst>
-                          </p:cTn>
-                        </p:par>
-                      </p:childTnLst>
-                    </p:cTn>
-                  </p:par>
-                  <p:par>
-                    <p:cTn id="13" fill="hold">
-                      <p:stCondLst>
-                        <p:cond delay="indefinite"/>
-                      </p:stCondLst>
-                      <p:childTnLst>
-                        <p:par>
-                          <p:cTn id="14" fill="hold">
-                            <p:stCondLst>
-                              <p:cond delay="0"/>
-                            </p:stCondLst>
-                            <p:childTnLst>
-                              <p:par>
-                                <p:cTn id="15" presetID="1" presetClass="entr" presetSubtype="0" fill="hold" grpId="0" nodeType="clickEffect">
-                                  <p:stCondLst>
-                                    <p:cond delay="0"/>
-                                  </p:stCondLst>
-                                  <p:childTnLst>
-                                    <p:set>
-                                      <p:cBhvr>
-                                        <p:cTn id="16" dur="1" fill="hold">
-                                          <p:stCondLst>
-                                            <p:cond delay="0"/>
-                                          </p:stCondLst>
-                                        </p:cTn>
-                                        <p:tgtEl>
-                                          <p:spTgt spid="3">
-                                            <p:txEl>
-                                              <p:pRg st="4" end="4"/>
-                                            </p:txEl>
-                                          </p:spTgt>
-                                        </p:tgtEl>
-                                        <p:attrNameLst>
-                                          <p:attrName>style.visibility</p:attrName>
-                                        </p:attrNameLst>
-                                      </p:cBhvr>
-                                      <p:to>
-                                        <p:strVal val="visible"/>
-                                      </p:to>
-                                    </p:set>
-                                  </p:childTnLst>
-                                </p:cTn>
-                              </p:par>
-                            </p:childTnLst>
-                          </p:cTn>
-                        </p:par>
-                      </p:childTnLst>
-                    </p:cTn>
-                  </p:par>
-                  <p:par>
-                    <p:cTn id="17" fill="hold">
-                      <p:stCondLst>
-                        <p:cond delay="indefinite"/>
-                      </p:stCondLst>
-                      <p:childTnLst>
-                        <p:par>
-                          <p:cTn id="18" fill="hold">
-                            <p:stCondLst>
-                              <p:cond delay="0"/>
-                            </p:stCondLst>
-                            <p:childTnLst>
-                              <p:par>
-                                <p:cTn id="19" presetID="1" presetClass="entr" presetSubtype="0" fill="hold" nodeType="clickEffect">
-                                  <p:stCondLst>
-                                    <p:cond delay="0"/>
-                                  </p:stCondLst>
-                                  <p:childTnLst>
-                                    <p:set>
-                                      <p:cBhvr>
-                                        <p:cTn id="20" dur="1" fill="hold">
-                                          <p:stCondLst>
-                                            <p:cond delay="0"/>
-                                          </p:stCondLst>
-                                        </p:cTn>
-                                        <p:tgtEl>
-                                          <p:spTgt spid="8"/>
-                                        </p:tgtEl>
-                                        <p:attrNameLst>
-                                          <p:attrName>style.visibility</p:attrName>
-                                        </p:attrNameLst>
-                                      </p:cBhvr>
-                                      <p:to>
-                                        <p:strVal val="visible"/>
-                                      </p:to>
-                                    </p:set>
-                                  </p:childTnLst>
-                                </p:cTn>
-                              </p:par>
-                            </p:childTnLst>
-                          </p:cTn>
-                        </p:par>
-                      </p:childTnLst>
-                    </p:cTn>
-                  </p:par>
-                  <p:par>
-                    <p:cTn id="21" fill="hold">
-                      <p:stCondLst>
-                        <p:cond delay="indefinite"/>
-                      </p:stCondLst>
-                      <p:childTnLst>
-                        <p:par>
-                          <p:cTn id="22" fill="hold">
-                            <p:stCondLst>
-                              <p:cond delay="0"/>
-                            </p:stCondLst>
-                            <p:childTnLst>
-                              <p:par>
-                                <p:cTn id="23" presetID="1" presetClass="entr" presetSubtype="0" fill="hold" nodeType="clickEffect">
-                                  <p:stCondLst>
-                                    <p:cond delay="0"/>
-                                  </p:stCondLst>
-                                  <p:childTnLst>
-                                    <p:set>
-                                      <p:cBhvr>
-                                        <p:cTn id="24" dur="1" fill="hold">
-                                          <p:stCondLst>
-                                            <p:cond delay="0"/>
-                                          </p:stCondLst>
-                                        </p:cTn>
-                                        <p:tgtEl>
-                                          <p:spTgt spid="15"/>
-                                        </p:tgtEl>
-                                        <p:attrNameLst>
-                                          <p:attrName>style.visibility</p:attrName>
-                                        </p:attrNameLst>
-                                      </p:cBhvr>
-                                      <p:to>
-                                        <p:strVal val="visible"/>
-                                      </p:to>
-                                    </p:set>
-                                  </p:childTnLst>
-                                </p:cTn>
-                              </p:par>
-                            </p:childTnLst>
-                          </p:cTn>
-                        </p:par>
-                      </p:childTnLst>
-                    </p:cTn>
-                  </p:par>
-                  <p:par>
-                    <p:cTn id="25" fill="hold">
-                      <p:stCondLst>
-                        <p:cond delay="indefinite"/>
-                      </p:stCondLst>
-                      <p:childTnLst>
-                        <p:par>
-                          <p:cTn id="26" fill="hold">
-                            <p:stCondLst>
-                              <p:cond delay="0"/>
-                            </p:stCondLst>
-                            <p:childTnLst>
-                              <p:par>
-                                <p:cTn id="27" presetID="1" presetClass="entr" presetSubtype="0" fill="hold" nodeType="clickEffect">
-                                  <p:stCondLst>
-                                    <p:cond delay="0"/>
-                                  </p:stCondLst>
-                                  <p:childTnLst>
-                                    <p:set>
-                                      <p:cBhvr>
-                                        <p:cTn id="28" dur="1" fill="hold">
-                                          <p:stCondLst>
-                                            <p:cond delay="0"/>
-                                          </p:stCondLst>
-                                        </p:cTn>
-                                        <p:tgtEl>
-                                          <p:spTgt spid="20"/>
-                                        </p:tgtEl>
-                                        <p:attrNameLst>
-                                          <p:attrName>style.visibility</p:attrName>
-                                        </p:attrNameLst>
-                                      </p:cBhvr>
-                                      <p:to>
-                                        <p:strVal val="visible"/>
-                                      </p:to>
-                                    </p:set>
-                                  </p:childTnLst>
-                                </p:cTn>
-                              </p:par>
-                            </p:childTnLst>
-                          </p:cTn>
-                        </p:par>
-                      </p:childTnLst>
-                    </p:cTn>
-                  </p:par>
-                  <p:par>
-                    <p:cTn id="29" fill="hold">
-                      <p:stCondLst>
-                        <p:cond delay="indefinite"/>
-                      </p:stCondLst>
-                      <p:childTnLst>
-                        <p:par>
-                          <p:cTn id="30" fill="hold">
-                            <p:stCondLst>
-                              <p:cond delay="0"/>
-                            </p:stCondLst>
-                            <p:childTnLst>
-                              <p:par>
-                                <p:cTn id="31" presetID="1" presetClass="entr" presetSubtype="0" fill="hold" nodeType="clickEffect">
-                                  <p:stCondLst>
-                                    <p:cond delay="0"/>
-                                  </p:stCondLst>
-                                  <p:childTnLst>
-                                    <p:set>
-                                      <p:cBhvr>
-                                        <p:cTn id="32" dur="1" fill="hold">
-                                          <p:stCondLst>
-                                            <p:cond delay="0"/>
-                                          </p:stCondLst>
-                                        </p:cTn>
-                                        <p:tgtEl>
-                                          <p:spTgt spid="31"/>
-                                        </p:tgtEl>
-                                        <p:attrNameLst>
-                                          <p:attrName>style.visibility</p:attrName>
-                                        </p:attrNameLst>
-                                      </p:cBhvr>
-                                      <p:to>
-                                        <p:strVal val="visible"/>
-                                      </p:to>
-                                    </p:set>
-                                  </p:childTnLst>
-                                </p:cTn>
-                              </p:par>
-                            </p:childTnLst>
-                          </p:cTn>
-                        </p:par>
-                      </p:childTnLst>
-                    </p:cTn>
-                  </p:par>
-                  <p:par>
-                    <p:cTn id="33" fill="hold">
-                      <p:stCondLst>
-                        <p:cond delay="indefinite"/>
-                      </p:stCondLst>
-                      <p:childTnLst>
-                        <p:par>
-                          <p:cTn id="34" fill="hold">
-                            <p:stCondLst>
-                              <p:cond delay="0"/>
-                            </p:stCondLst>
-                            <p:childTnLst>
-                              <p:par>
-                                <p:cTn id="35" presetID="1" presetClass="entr" presetSubtype="0" fill="hold" nodeType="clickEffect">
-                                  <p:stCondLst>
-                                    <p:cond delay="0"/>
-                                  </p:stCondLst>
-                                  <p:childTnLst>
-                                    <p:set>
-                                      <p:cBhvr>
-                                        <p:cTn id="36" dur="1" fill="hold">
-                                          <p:stCondLst>
-                                            <p:cond delay="0"/>
-                                          </p:stCondLst>
-                                        </p:cTn>
-                                        <p:tgtEl>
-                                          <p:spTgt spid="32"/>
-                                        </p:tgtEl>
-                                        <p:attrNameLst>
-                                          <p:attrName>style.visibility</p:attrName>
-                                        </p:attrNameLst>
-                                      </p:cBhvr>
-                                      <p:to>
-                                        <p:strVal val="visible"/>
-                                      </p:to>
-                                    </p:set>
-                                  </p:childTnLst>
-                                </p:cTn>
-                              </p:par>
-                            </p:childTnLst>
-                          </p:cTn>
-                        </p:par>
-                      </p:childTnLst>
-                    </p:cTn>
-                  </p:par>
-                  <p:par>
-                    <p:cTn id="37" fill="hold">
-                      <p:stCondLst>
-                        <p:cond delay="indefinite"/>
-                      </p:stCondLst>
-                      <p:childTnLst>
-                        <p:par>
-                          <p:cTn id="38" fill="hold">
-                            <p:stCondLst>
-                              <p:cond delay="0"/>
-                            </p:stCondLst>
-                            <p:childTnLst>
-                              <p:par>
-                                <p:cTn id="39" presetID="1" presetClass="entr" presetSubtype="0" fill="hold" nodeType="clickEffect">
-                                  <p:stCondLst>
-                                    <p:cond delay="0"/>
-                                  </p:stCondLst>
-                                  <p:childTnLst>
-                                    <p:set>
-                                      <p:cBhvr>
-                                        <p:cTn id="40" dur="1" fill="hold">
-                                          <p:stCondLst>
-                                            <p:cond delay="0"/>
-                                          </p:stCondLst>
-                                        </p:cTn>
-                                        <p:tgtEl>
-                                          <p:spTgt spid="46"/>
-                                        </p:tgtEl>
-                                        <p:attrNameLst>
-                                          <p:attrName>style.visibility</p:attrName>
-                                        </p:attrNameLst>
-                                      </p:cBhvr>
-                                      <p:to>
-                                        <p:strVal val="visible"/>
-                                      </p:to>
-                                    </p:set>
-                                  </p:childTnLst>
-                                </p:cTn>
-                              </p:par>
-                            </p:childTnLst>
-                          </p:cTn>
-                        </p:par>
-                      </p:childTnLst>
-                    </p:cTn>
-                  </p:par>
-                </p:childTnLst>
-              </p:cTn>
-              <p:prevCondLst>
-                <p:cond evt="onPrev" delay="0">
-                  <p:tgtEl>
-                    <p:sldTgt/>
-                  </p:tgtEl>
-                </p:cond>
-              </p:prevCondLst>
-              <p:nextCondLst>
-                <p:cond evt="onNext" delay="0">
-                  <p:tgtEl>
-                    <p:sldTgt/>
-                  </p:tgtEl>
-                </p:cond>
-              </p:nextCondLst>
-            </p:seq>
-          </p:childTnLst>
-        </p:cTn>
+        <p:cTn id="1" dur="indefinite" restart="never" nodeType="tmRoot"/>
       </p:par>
     </p:tnLst>
-    <p:bldLst>
-      <p:bldP spid="3" grpId="0" uiExpand="1" build="p"/>
-    </p:bldLst>
   </p:timing>
 </p:sld>
 </file>

--- a/CPlusPlus/03_essential_cpp_mod.pptx
+++ b/CPlusPlus/03_essential_cpp_mod.pptx
@@ -5,7 +5,7 @@
     <p:sldMasterId id="2147483660" r:id="rId1"/>
   </p:sldMasterIdLst>
   <p:notesMasterIdLst>
-    <p:notesMasterId r:id="rId19"/>
+    <p:notesMasterId r:id="rId21"/>
   </p:notesMasterIdLst>
   <p:sldIdLst>
     <p:sldId id="257" r:id="rId2"/>
@@ -25,6 +25,8 @@
     <p:sldId id="273" r:id="rId16"/>
     <p:sldId id="274" r:id="rId17"/>
     <p:sldId id="275" r:id="rId18"/>
+    <p:sldId id="276" r:id="rId19"/>
+    <p:sldId id="277" r:id="rId20"/>
   </p:sldIdLst>
   <p:sldSz cx="9144000" cy="6858000" type="screen4x3"/>
   <p:notesSz cx="6858000" cy="9144000"/>
@@ -7478,7 +7480,7 @@
           <a:p>
             <a:r>
               <a:rPr lang="en-US" dirty="0" smtClean="0"/>
-              <a:t>Exceptions</a:t>
+              <a:t>Error handling</a:t>
             </a:r>
             <a:endParaRPr lang="en-US" dirty="0"/>
           </a:p>
@@ -7623,8 +7625,30 @@
             <a:pPr lvl="1"/>
             <a:r>
               <a:rPr lang="en-US" dirty="0" smtClean="0"/>
-              <a:t>valid state of object?</a:t>
-            </a:r>
+              <a:t>valid state of object</a:t>
+            </a:r>
+            <a:r>
+              <a:rPr lang="en-US" dirty="0" smtClean="0"/>
+              <a:t>?</a:t>
+            </a:r>
+          </a:p>
+          <a:p>
+            <a:r>
+              <a:rPr lang="en-US" dirty="0" smtClean="0"/>
+              <a:t>Check for runtime problems</a:t>
+            </a:r>
+          </a:p>
+          <a:p>
+            <a:pPr lvl="1"/>
+            <a:r>
+              <a:rPr lang="en-US" dirty="0" smtClean="0"/>
+              <a:t>e.g., opening </a:t>
+            </a:r>
+            <a:r>
+              <a:rPr lang="en-US" dirty="0" smtClean="0"/>
+              <a:t>files</a:t>
+            </a:r>
+            <a:endParaRPr lang="en-US" dirty="0" smtClean="0"/>
           </a:p>
           <a:p>
             <a:r>
@@ -7673,7 +7697,7 @@
         </p:nvSpPr>
         <p:spPr>
           <a:xfrm>
-            <a:off x="3048000" y="5132439"/>
+            <a:off x="2861187" y="5653743"/>
             <a:ext cx="2869825" cy="523220"/>
           </a:xfrm>
           <a:prstGeom prst="rect">
@@ -7987,6 +8011,86 @@
                                           </p:stCondLst>
                                         </p:cTn>
                                         <p:tgtEl>
+                                          <p:spTgt spid="3">
+                                            <p:txEl>
+                                              <p:pRg st="6" end="6"/>
+                                            </p:txEl>
+                                          </p:spTgt>
+                                        </p:tgtEl>
+                                        <p:attrNameLst>
+                                          <p:attrName>style.visibility</p:attrName>
+                                        </p:attrNameLst>
+                                      </p:cBhvr>
+                                      <p:to>
+                                        <p:strVal val="visible"/>
+                                      </p:to>
+                                    </p:set>
+                                  </p:childTnLst>
+                                </p:cTn>
+                              </p:par>
+                              <p:par>
+                                <p:cTn id="25" presetID="1" presetClass="entr" presetSubtype="0" fill="hold" grpId="0" nodeType="withEffect">
+                                  <p:stCondLst>
+                                    <p:cond delay="0"/>
+                                  </p:stCondLst>
+                                  <p:childTnLst>
+                                    <p:set>
+                                      <p:cBhvr>
+                                        <p:cTn id="26" dur="1" fill="hold">
+                                          <p:stCondLst>
+                                            <p:cond delay="0"/>
+                                          </p:stCondLst>
+                                        </p:cTn>
+                                        <p:tgtEl>
+                                          <p:spTgt spid="3">
+                                            <p:txEl>
+                                              <p:pRg st="7" end="7"/>
+                                            </p:txEl>
+                                          </p:spTgt>
+                                        </p:tgtEl>
+                                        <p:attrNameLst>
+                                          <p:attrName>style.visibility</p:attrName>
+                                        </p:attrNameLst>
+                                      </p:cBhvr>
+                                      <p:to>
+                                        <p:strVal val="visible"/>
+                                      </p:to>
+                                    </p:set>
+                                  </p:childTnLst>
+                                </p:cTn>
+                              </p:par>
+                            </p:childTnLst>
+                          </p:cTn>
+                        </p:par>
+                      </p:childTnLst>
+                    </p:cTn>
+                  </p:par>
+                  <p:par>
+                    <p:cTn id="27" fill="hold">
+                      <p:stCondLst>
+                        <p:cond delay="indefinite"/>
+                      </p:stCondLst>
+                      <p:childTnLst>
+                        <p:par>
+                          <p:cTn id="28" fill="hold">
+                            <p:stCondLst>
+                              <p:cond delay="0"/>
+                            </p:stCondLst>
+                            <p:childTnLst>
+                              <p:par>
+                                <p:cTn id="29" presetID="1" presetClass="entr" presetSubtype="0" fill="hold" grpId="0" nodeType="clickEffect">
+                                  <p:stCondLst>
+                                    <p:cond delay="0"/>
+                                  </p:stCondLst>
+                                  <p:childTnLst>
+                                    <p:set>
+                                      <p:cBhvr>
+                                        <p:cTn id="30" dur="1" fill="hold">
+                                          <p:stCondLst>
+                                            <p:cond delay="0"/>
+                                          </p:stCondLst>
+                                        </p:cTn>
+                                        <p:tgtEl>
                                           <p:spTgt spid="5"/>
                                         </p:tgtEl>
                                         <p:attrNameLst>
@@ -8321,10 +8425,6 @@
               </a:rPr>
               <a:t>}</a:t>
             </a:r>
-            <a:endParaRPr lang="nn-NO" sz="1600" dirty="0">
-              <a:latin typeface="Courier New" pitchFamily="49" charset="0"/>
-              <a:cs typeface="Courier New" pitchFamily="49" charset="0"/>
-            </a:endParaRPr>
           </a:p>
         </p:txBody>
       </p:sp>
@@ -8834,6 +8934,71 @@
       </p:sp>
       <p:sp>
         <p:nvSpPr>
+          <p:cNvPr id="9" name="Content Placeholder 8"/>
+          <p:cNvSpPr>
+            <a:spLocks noGrp="1"/>
+          </p:cNvSpPr>
+          <p:nvPr>
+            <p:ph idx="1"/>
+          </p:nvPr>
+        </p:nvSpPr>
+        <p:spPr>
+          <a:xfrm>
+            <a:off x="628650" y="4161376"/>
+            <a:ext cx="7886700" cy="2015587"/>
+          </a:xfrm>
+        </p:spPr>
+        <p:txBody>
+          <a:bodyPr/>
+          <a:lstStyle/>
+          <a:p>
+            <a:r>
+              <a:rPr lang="en-US" dirty="0" smtClean="0"/>
+              <a:t>Multiple </a:t>
+            </a:r>
+            <a:r>
+              <a:rPr lang="en-US" dirty="0" smtClean="0">
+                <a:latin typeface="Courier New" panose="02070309020205020404" pitchFamily="49" charset="0"/>
+                <a:cs typeface="Courier New" panose="02070309020205020404" pitchFamily="49" charset="0"/>
+              </a:rPr>
+              <a:t>catch</a:t>
+            </a:r>
+            <a:r>
+              <a:rPr lang="en-US" dirty="0" smtClean="0"/>
+              <a:t> phrase are possible</a:t>
+            </a:r>
+          </a:p>
+          <a:p>
+            <a:r>
+              <a:rPr lang="en-US" dirty="0" smtClean="0"/>
+              <a:t>Exception can be </a:t>
+            </a:r>
+            <a:r>
+              <a:rPr lang="en-US" dirty="0" err="1" smtClean="0"/>
+              <a:t>rethrown</a:t>
+            </a:r>
+            <a:r>
+              <a:rPr lang="en-US" dirty="0" smtClean="0"/>
+              <a:t> with </a:t>
+            </a:r>
+            <a:r>
+              <a:rPr lang="en-US" dirty="0" smtClean="0">
+                <a:latin typeface="Courier New" panose="02070309020205020404" pitchFamily="49" charset="0"/>
+                <a:cs typeface="Courier New" panose="02070309020205020404" pitchFamily="49" charset="0"/>
+              </a:rPr>
+              <a:t>throw;</a:t>
+            </a:r>
+          </a:p>
+          <a:p>
+            <a:r>
+              <a:rPr lang="en-US" dirty="0" smtClean="0"/>
+              <a:t>Recover from exception if possible</a:t>
+            </a:r>
+          </a:p>
+        </p:txBody>
+      </p:sp>
+      <p:sp>
+        <p:nvSpPr>
           <p:cNvPr id="3" name="Slide Number Placeholder 2"/>
           <p:cNvSpPr>
             <a:spLocks noGrp="1"/>
@@ -8864,7 +9029,7 @@
         <p:spPr>
           <a:xfrm>
             <a:off x="1680704" y="1894981"/>
-            <a:ext cx="6971685" cy="1815882"/>
+            <a:ext cx="6971685" cy="2062103"/>
           </a:xfrm>
           <a:prstGeom prst="rect">
             <a:avLst/>
@@ -9014,7 +9179,14 @@
                 <a:latin typeface="Courier New" pitchFamily="49" charset="0"/>
                 <a:cs typeface="Courier New" pitchFamily="49" charset="0"/>
               </a:rPr>
-              <a:t>   terminate();</a:t>
+              <a:t>   </a:t>
+            </a:r>
+            <a:r>
+              <a:rPr lang="nn-NO" sz="1600" dirty="0" smtClean="0">
+                <a:latin typeface="Courier New" pitchFamily="49" charset="0"/>
+                <a:cs typeface="Courier New" pitchFamily="49" charset="0"/>
+              </a:rPr>
+              <a:t>exit(1);</a:t>
             </a:r>
             <a:endParaRPr lang="nn-NO" sz="1600" dirty="0">
               <a:latin typeface="Courier New" pitchFamily="49" charset="0"/>
@@ -9029,6 +9201,15 @@
               </a:rPr>
               <a:t>}</a:t>
             </a:r>
+          </a:p>
+          <a:p>
+            <a:r>
+              <a:rPr lang="fr-FR" sz="1600" dirty="0">
+                <a:latin typeface="Courier New" pitchFamily="49" charset="0"/>
+                <a:cs typeface="Courier New" pitchFamily="49" charset="0"/>
+              </a:rPr>
+              <a:t>…</a:t>
+            </a:r>
             <a:endParaRPr lang="nn-NO" sz="1600" dirty="0">
               <a:latin typeface="Courier New" pitchFamily="49" charset="0"/>
               <a:cs typeface="Courier New" pitchFamily="49" charset="0"/>
@@ -9036,6 +9217,240 @@
           </a:p>
         </p:txBody>
       </p:sp>
+      <p:grpSp>
+        <p:nvGrpSpPr>
+          <p:cNvPr id="5" name="Group 4"/>
+          <p:cNvGrpSpPr/>
+          <p:nvPr/>
+        </p:nvGrpSpPr>
+        <p:grpSpPr>
+          <a:xfrm>
+            <a:off x="4134159" y="3202996"/>
+            <a:ext cx="3716902" cy="608652"/>
+            <a:chOff x="1267762" y="2600597"/>
+            <a:chExt cx="3716902" cy="608652"/>
+          </a:xfrm>
+        </p:grpSpPr>
+        <p:sp>
+          <p:nvSpPr>
+            <p:cNvPr id="6" name="TextBox 5"/>
+            <p:cNvSpPr txBox="1"/>
+            <p:nvPr/>
+          </p:nvSpPr>
+          <p:spPr>
+            <a:xfrm>
+              <a:off x="2762059" y="2809139"/>
+              <a:ext cx="2222605" cy="400110"/>
+            </a:xfrm>
+            <a:prstGeom prst="rect">
+              <a:avLst/>
+            </a:prstGeom>
+            <a:solidFill>
+              <a:schemeClr val="bg1"/>
+            </a:solidFill>
+            <a:ln w="19050">
+              <a:solidFill>
+                <a:schemeClr val="tx1"/>
+              </a:solidFill>
+            </a:ln>
+          </p:spPr>
+          <p:txBody>
+            <a:bodyPr wrap="square" rtlCol="0">
+              <a:spAutoFit/>
+            </a:bodyPr>
+            <a:lstStyle/>
+            <a:p>
+              <a:r>
+                <a:rPr lang="en-US" sz="2000" dirty="0" smtClean="0"/>
+                <a:t>deal with situation</a:t>
+              </a:r>
+              <a:endParaRPr lang="en-US" sz="2000" dirty="0">
+                <a:latin typeface="Courier New" panose="02070309020205020404" pitchFamily="49" charset="0"/>
+                <a:cs typeface="Courier New" panose="02070309020205020404" pitchFamily="49" charset="0"/>
+              </a:endParaRPr>
+            </a:p>
+          </p:txBody>
+        </p:sp>
+        <p:cxnSp>
+          <p:nvCxnSpPr>
+            <p:cNvPr id="7" name="Straight Arrow Connector 6"/>
+            <p:cNvCxnSpPr>
+              <a:stCxn id="6" idx="1"/>
+            </p:cNvCxnSpPr>
+            <p:nvPr/>
+          </p:nvCxnSpPr>
+          <p:spPr>
+            <a:xfrm flipH="1" flipV="1">
+              <a:off x="1267762" y="2600597"/>
+              <a:ext cx="1494297" cy="408597"/>
+            </a:xfrm>
+            <a:prstGeom prst="straightConnector1">
+              <a:avLst/>
+            </a:prstGeom>
+            <a:ln w="19050">
+              <a:solidFill>
+                <a:schemeClr val="tx1"/>
+              </a:solidFill>
+              <a:tailEnd type="stealth" w="lg" len="lg"/>
+            </a:ln>
+          </p:spPr>
+          <p:style>
+            <a:lnRef idx="1">
+              <a:schemeClr val="accent1"/>
+            </a:lnRef>
+            <a:fillRef idx="0">
+              <a:schemeClr val="accent1"/>
+            </a:fillRef>
+            <a:effectRef idx="0">
+              <a:schemeClr val="accent1"/>
+            </a:effectRef>
+            <a:fontRef idx="minor">
+              <a:schemeClr val="tx1"/>
+            </a:fontRef>
+          </p:style>
+        </p:cxnSp>
+      </p:grpSp>
+      <p:sp>
+        <p:nvSpPr>
+          <p:cNvPr id="8" name="TextBox 7"/>
+          <p:cNvSpPr txBox="1"/>
+          <p:nvPr/>
+        </p:nvSpPr>
+        <p:spPr>
+          <a:xfrm>
+            <a:off x="3388131" y="1951992"/>
+            <a:ext cx="5621604" cy="400110"/>
+          </a:xfrm>
+          <a:prstGeom prst="rect">
+            <a:avLst/>
+          </a:prstGeom>
+          <a:solidFill>
+            <a:schemeClr val="bg1"/>
+          </a:solidFill>
+          <a:ln>
+            <a:solidFill>
+              <a:schemeClr val="tx1"/>
+            </a:solidFill>
+          </a:ln>
+        </p:spPr>
+        <p:txBody>
+          <a:bodyPr wrap="none" rtlCol="0">
+            <a:spAutoFit/>
+          </a:bodyPr>
+          <a:lstStyle/>
+          <a:p>
+            <a:r>
+              <a:rPr lang="en-US" sz="2000" dirty="0" smtClean="0"/>
+              <a:t>Note: only </a:t>
+            </a:r>
+            <a:r>
+              <a:rPr lang="en-US" sz="2000" dirty="0" err="1" smtClean="0">
+                <a:latin typeface="Courier New" panose="02070309020205020404" pitchFamily="49" charset="0"/>
+                <a:cs typeface="Courier New" panose="02070309020205020404" pitchFamily="49" charset="0"/>
+              </a:rPr>
+              <a:t>invalid_argument</a:t>
+            </a:r>
+            <a:r>
+              <a:rPr lang="en-US" sz="2000" dirty="0" smtClean="0"/>
+              <a:t> exception caught</a:t>
+            </a:r>
+            <a:endParaRPr lang="en-US" sz="2000" dirty="0"/>
+          </a:p>
+        </p:txBody>
+      </p:sp>
+      <p:grpSp>
+        <p:nvGrpSpPr>
+          <p:cNvPr id="10" name="Group 9"/>
+          <p:cNvGrpSpPr/>
+          <p:nvPr/>
+        </p:nvGrpSpPr>
+        <p:grpSpPr>
+          <a:xfrm>
+            <a:off x="264496" y="2371511"/>
+            <a:ext cx="1829774" cy="400110"/>
+            <a:chOff x="2762059" y="1769112"/>
+            <a:chExt cx="1829774" cy="400110"/>
+          </a:xfrm>
+        </p:grpSpPr>
+        <p:sp>
+          <p:nvSpPr>
+            <p:cNvPr id="11" name="TextBox 10"/>
+            <p:cNvSpPr txBox="1"/>
+            <p:nvPr/>
+          </p:nvSpPr>
+          <p:spPr>
+            <a:xfrm>
+              <a:off x="2762059" y="1769112"/>
+              <a:ext cx="1058862" cy="400110"/>
+            </a:xfrm>
+            <a:prstGeom prst="rect">
+              <a:avLst/>
+            </a:prstGeom>
+            <a:solidFill>
+              <a:schemeClr val="bg1"/>
+            </a:solidFill>
+            <a:ln w="19050">
+              <a:solidFill>
+                <a:schemeClr val="tx1"/>
+              </a:solidFill>
+            </a:ln>
+          </p:spPr>
+          <p:txBody>
+            <a:bodyPr wrap="square" rtlCol="0">
+              <a:spAutoFit/>
+            </a:bodyPr>
+            <a:lstStyle/>
+            <a:p>
+              <a:r>
+                <a:rPr lang="en-US" sz="2000" dirty="0" smtClean="0"/>
+                <a:t>execute</a:t>
+              </a:r>
+              <a:endParaRPr lang="en-US" sz="2000" dirty="0">
+                <a:latin typeface="Courier New" panose="02070309020205020404" pitchFamily="49" charset="0"/>
+                <a:cs typeface="Courier New" panose="02070309020205020404" pitchFamily="49" charset="0"/>
+              </a:endParaRPr>
+            </a:p>
+          </p:txBody>
+        </p:sp>
+        <p:cxnSp>
+          <p:nvCxnSpPr>
+            <p:cNvPr id="12" name="Straight Arrow Connector 11"/>
+            <p:cNvCxnSpPr>
+              <a:stCxn id="11" idx="3"/>
+            </p:cNvCxnSpPr>
+            <p:nvPr/>
+          </p:nvCxnSpPr>
+          <p:spPr>
+            <a:xfrm>
+              <a:off x="3820921" y="1969167"/>
+              <a:ext cx="770912" cy="0"/>
+            </a:xfrm>
+            <a:prstGeom prst="straightConnector1">
+              <a:avLst/>
+            </a:prstGeom>
+            <a:ln w="19050">
+              <a:solidFill>
+                <a:schemeClr val="tx1"/>
+              </a:solidFill>
+              <a:tailEnd type="stealth" w="lg" len="lg"/>
+            </a:ln>
+          </p:spPr>
+          <p:style>
+            <a:lnRef idx="1">
+              <a:schemeClr val="accent1"/>
+            </a:lnRef>
+            <a:fillRef idx="0">
+              <a:schemeClr val="accent1"/>
+            </a:fillRef>
+            <a:effectRef idx="0">
+              <a:schemeClr val="accent1"/>
+            </a:effectRef>
+            <a:fontRef idx="minor">
+              <a:schemeClr val="tx1"/>
+            </a:fontRef>
+          </p:style>
+        </p:cxnSp>
+      </p:grpSp>
     </p:spTree>
     <p:extLst>
       <p:ext uri="{BB962C8B-B14F-4D97-AF65-F5344CB8AC3E}">
@@ -9049,9 +9464,1456 @@
   <p:timing>
     <p:tnLst>
       <p:par>
-        <p:cTn id="1" dur="indefinite" restart="never" nodeType="tmRoot"/>
+        <p:cTn id="1" dur="indefinite" restart="never" nodeType="tmRoot">
+          <p:childTnLst>
+            <p:seq concurrent="1" nextAc="seek">
+              <p:cTn id="2" dur="indefinite" nodeType="mainSeq">
+                <p:childTnLst>
+                  <p:par>
+                    <p:cTn id="3" fill="hold">
+                      <p:stCondLst>
+                        <p:cond delay="indefinite"/>
+                      </p:stCondLst>
+                      <p:childTnLst>
+                        <p:par>
+                          <p:cTn id="4" fill="hold">
+                            <p:stCondLst>
+                              <p:cond delay="0"/>
+                            </p:stCondLst>
+                            <p:childTnLst>
+                              <p:par>
+                                <p:cTn id="5" presetID="1" presetClass="entr" presetSubtype="0" fill="hold" nodeType="clickEffect">
+                                  <p:stCondLst>
+                                    <p:cond delay="0"/>
+                                  </p:stCondLst>
+                                  <p:childTnLst>
+                                    <p:set>
+                                      <p:cBhvr>
+                                        <p:cTn id="6" dur="1" fill="hold">
+                                          <p:stCondLst>
+                                            <p:cond delay="0"/>
+                                          </p:stCondLst>
+                                        </p:cTn>
+                                        <p:tgtEl>
+                                          <p:spTgt spid="10"/>
+                                        </p:tgtEl>
+                                        <p:attrNameLst>
+                                          <p:attrName>style.visibility</p:attrName>
+                                        </p:attrNameLst>
+                                      </p:cBhvr>
+                                      <p:to>
+                                        <p:strVal val="visible"/>
+                                      </p:to>
+                                    </p:set>
+                                  </p:childTnLst>
+                                </p:cTn>
+                              </p:par>
+                            </p:childTnLst>
+                          </p:cTn>
+                        </p:par>
+                      </p:childTnLst>
+                    </p:cTn>
+                  </p:par>
+                  <p:par>
+                    <p:cTn id="7" fill="hold">
+                      <p:stCondLst>
+                        <p:cond delay="indefinite"/>
+                      </p:stCondLst>
+                      <p:childTnLst>
+                        <p:par>
+                          <p:cTn id="8" fill="hold">
+                            <p:stCondLst>
+                              <p:cond delay="0"/>
+                            </p:stCondLst>
+                            <p:childTnLst>
+                              <p:par>
+                                <p:cTn id="9" presetID="1" presetClass="entr" presetSubtype="0" fill="hold" nodeType="clickEffect">
+                                  <p:stCondLst>
+                                    <p:cond delay="0"/>
+                                  </p:stCondLst>
+                                  <p:childTnLst>
+                                    <p:set>
+                                      <p:cBhvr>
+                                        <p:cTn id="10" dur="1" fill="hold">
+                                          <p:stCondLst>
+                                            <p:cond delay="0"/>
+                                          </p:stCondLst>
+                                        </p:cTn>
+                                        <p:tgtEl>
+                                          <p:spTgt spid="5"/>
+                                        </p:tgtEl>
+                                        <p:attrNameLst>
+                                          <p:attrName>style.visibility</p:attrName>
+                                        </p:attrNameLst>
+                                      </p:cBhvr>
+                                      <p:to>
+                                        <p:strVal val="visible"/>
+                                      </p:to>
+                                    </p:set>
+                                  </p:childTnLst>
+                                </p:cTn>
+                              </p:par>
+                            </p:childTnLst>
+                          </p:cTn>
+                        </p:par>
+                      </p:childTnLst>
+                    </p:cTn>
+                  </p:par>
+                  <p:par>
+                    <p:cTn id="11" fill="hold">
+                      <p:stCondLst>
+                        <p:cond delay="indefinite"/>
+                      </p:stCondLst>
+                      <p:childTnLst>
+                        <p:par>
+                          <p:cTn id="12" fill="hold">
+                            <p:stCondLst>
+                              <p:cond delay="0"/>
+                            </p:stCondLst>
+                            <p:childTnLst>
+                              <p:par>
+                                <p:cTn id="13" presetID="1" presetClass="entr" presetSubtype="0" fill="hold" grpId="0" nodeType="clickEffect">
+                                  <p:stCondLst>
+                                    <p:cond delay="0"/>
+                                  </p:stCondLst>
+                                  <p:childTnLst>
+                                    <p:set>
+                                      <p:cBhvr>
+                                        <p:cTn id="14" dur="1" fill="hold">
+                                          <p:stCondLst>
+                                            <p:cond delay="0"/>
+                                          </p:stCondLst>
+                                        </p:cTn>
+                                        <p:tgtEl>
+                                          <p:spTgt spid="8"/>
+                                        </p:tgtEl>
+                                        <p:attrNameLst>
+                                          <p:attrName>style.visibility</p:attrName>
+                                        </p:attrNameLst>
+                                      </p:cBhvr>
+                                      <p:to>
+                                        <p:strVal val="visible"/>
+                                      </p:to>
+                                    </p:set>
+                                  </p:childTnLst>
+                                </p:cTn>
+                              </p:par>
+                            </p:childTnLst>
+                          </p:cTn>
+                        </p:par>
+                      </p:childTnLst>
+                    </p:cTn>
+                  </p:par>
+                  <p:par>
+                    <p:cTn id="15" fill="hold">
+                      <p:stCondLst>
+                        <p:cond delay="indefinite"/>
+                      </p:stCondLst>
+                      <p:childTnLst>
+                        <p:par>
+                          <p:cTn id="16" fill="hold">
+                            <p:stCondLst>
+                              <p:cond delay="0"/>
+                            </p:stCondLst>
+                            <p:childTnLst>
+                              <p:par>
+                                <p:cTn id="17" presetID="1" presetClass="entr" presetSubtype="0" fill="hold" grpId="0" nodeType="clickEffect">
+                                  <p:stCondLst>
+                                    <p:cond delay="0"/>
+                                  </p:stCondLst>
+                                  <p:childTnLst>
+                                    <p:set>
+                                      <p:cBhvr>
+                                        <p:cTn id="18" dur="1" fill="hold">
+                                          <p:stCondLst>
+                                            <p:cond delay="0"/>
+                                          </p:stCondLst>
+                                        </p:cTn>
+                                        <p:tgtEl>
+                                          <p:spTgt spid="9">
+                                            <p:txEl>
+                                              <p:pRg st="0" end="0"/>
+                                            </p:txEl>
+                                          </p:spTgt>
+                                        </p:tgtEl>
+                                        <p:attrNameLst>
+                                          <p:attrName>style.visibility</p:attrName>
+                                        </p:attrNameLst>
+                                      </p:cBhvr>
+                                      <p:to>
+                                        <p:strVal val="visible"/>
+                                      </p:to>
+                                    </p:set>
+                                  </p:childTnLst>
+                                </p:cTn>
+                              </p:par>
+                            </p:childTnLst>
+                          </p:cTn>
+                        </p:par>
+                      </p:childTnLst>
+                    </p:cTn>
+                  </p:par>
+                  <p:par>
+                    <p:cTn id="19" fill="hold">
+                      <p:stCondLst>
+                        <p:cond delay="indefinite"/>
+                      </p:stCondLst>
+                      <p:childTnLst>
+                        <p:par>
+                          <p:cTn id="20" fill="hold">
+                            <p:stCondLst>
+                              <p:cond delay="0"/>
+                            </p:stCondLst>
+                            <p:childTnLst>
+                              <p:par>
+                                <p:cTn id="21" presetID="1" presetClass="entr" presetSubtype="0" fill="hold" grpId="0" nodeType="clickEffect">
+                                  <p:stCondLst>
+                                    <p:cond delay="0"/>
+                                  </p:stCondLst>
+                                  <p:childTnLst>
+                                    <p:set>
+                                      <p:cBhvr>
+                                        <p:cTn id="22" dur="1" fill="hold">
+                                          <p:stCondLst>
+                                            <p:cond delay="0"/>
+                                          </p:stCondLst>
+                                        </p:cTn>
+                                        <p:tgtEl>
+                                          <p:spTgt spid="9">
+                                            <p:txEl>
+                                              <p:pRg st="1" end="1"/>
+                                            </p:txEl>
+                                          </p:spTgt>
+                                        </p:tgtEl>
+                                        <p:attrNameLst>
+                                          <p:attrName>style.visibility</p:attrName>
+                                        </p:attrNameLst>
+                                      </p:cBhvr>
+                                      <p:to>
+                                        <p:strVal val="visible"/>
+                                      </p:to>
+                                    </p:set>
+                                  </p:childTnLst>
+                                </p:cTn>
+                              </p:par>
+                            </p:childTnLst>
+                          </p:cTn>
+                        </p:par>
+                      </p:childTnLst>
+                    </p:cTn>
+                  </p:par>
+                  <p:par>
+                    <p:cTn id="23" fill="hold">
+                      <p:stCondLst>
+                        <p:cond delay="indefinite"/>
+                      </p:stCondLst>
+                      <p:childTnLst>
+                        <p:par>
+                          <p:cTn id="24" fill="hold">
+                            <p:stCondLst>
+                              <p:cond delay="0"/>
+                            </p:stCondLst>
+                            <p:childTnLst>
+                              <p:par>
+                                <p:cTn id="25" presetID="1" presetClass="entr" presetSubtype="0" fill="hold" grpId="0" nodeType="clickEffect">
+                                  <p:stCondLst>
+                                    <p:cond delay="0"/>
+                                  </p:stCondLst>
+                                  <p:childTnLst>
+                                    <p:set>
+                                      <p:cBhvr>
+                                        <p:cTn id="26" dur="1" fill="hold">
+                                          <p:stCondLst>
+                                            <p:cond delay="0"/>
+                                          </p:stCondLst>
+                                        </p:cTn>
+                                        <p:tgtEl>
+                                          <p:spTgt spid="9">
+                                            <p:txEl>
+                                              <p:pRg st="2" end="2"/>
+                                            </p:txEl>
+                                          </p:spTgt>
+                                        </p:tgtEl>
+                                        <p:attrNameLst>
+                                          <p:attrName>style.visibility</p:attrName>
+                                        </p:attrNameLst>
+                                      </p:cBhvr>
+                                      <p:to>
+                                        <p:strVal val="visible"/>
+                                      </p:to>
+                                    </p:set>
+                                  </p:childTnLst>
+                                </p:cTn>
+                              </p:par>
+                            </p:childTnLst>
+                          </p:cTn>
+                        </p:par>
+                      </p:childTnLst>
+                    </p:cTn>
+                  </p:par>
+                </p:childTnLst>
+              </p:cTn>
+              <p:prevCondLst>
+                <p:cond evt="onPrev" delay="0">
+                  <p:tgtEl>
+                    <p:sldTgt/>
+                  </p:tgtEl>
+                </p:cond>
+              </p:prevCondLst>
+              <p:nextCondLst>
+                <p:cond evt="onNext" delay="0">
+                  <p:tgtEl>
+                    <p:sldTgt/>
+                  </p:tgtEl>
+                </p:cond>
+              </p:nextCondLst>
+            </p:seq>
+          </p:childTnLst>
+        </p:cTn>
       </p:par>
     </p:tnLst>
+    <p:bldLst>
+      <p:bldP spid="9" grpId="0" build="p"/>
+      <p:bldP spid="8" grpId="0" animBg="1"/>
+    </p:bldLst>
+  </p:timing>
+</p:sld>
+</file>
+
+<file path=ppt/slides/slide18.xml><?xml version="1.0" encoding="utf-8"?>
+<p:sld xmlns:a="http://schemas.openxmlformats.org/drawingml/2006/main" xmlns:r="http://schemas.openxmlformats.org/officeDocument/2006/relationships" xmlns:p="http://schemas.openxmlformats.org/presentationml/2006/main">
+  <p:cSld>
+    <p:spTree>
+      <p:nvGrpSpPr>
+        <p:cNvPr id="1" name=""/>
+        <p:cNvGrpSpPr/>
+        <p:nvPr/>
+      </p:nvGrpSpPr>
+      <p:grpSpPr>
+        <a:xfrm>
+          <a:off x="0" y="0"/>
+          <a:ext cx="0" cy="0"/>
+          <a:chOff x="0" y="0"/>
+          <a:chExt cx="0" cy="0"/>
+        </a:xfrm>
+      </p:grpSpPr>
+      <p:sp>
+        <p:nvSpPr>
+          <p:cNvPr id="2" name="Title 1"/>
+          <p:cNvSpPr>
+            <a:spLocks noGrp="1"/>
+          </p:cNvSpPr>
+          <p:nvPr>
+            <p:ph type="title"/>
+          </p:nvPr>
+        </p:nvSpPr>
+        <p:spPr/>
+        <p:txBody>
+          <a:bodyPr/>
+          <a:lstStyle/>
+          <a:p>
+            <a:r>
+              <a:rPr lang="en-US" dirty="0" smtClean="0"/>
+              <a:t>Caveats</a:t>
+            </a:r>
+            <a:endParaRPr lang="en-US" dirty="0"/>
+          </a:p>
+        </p:txBody>
+      </p:sp>
+      <p:sp>
+        <p:nvSpPr>
+          <p:cNvPr id="3" name="Content Placeholder 2"/>
+          <p:cNvSpPr>
+            <a:spLocks noGrp="1"/>
+          </p:cNvSpPr>
+          <p:nvPr>
+            <p:ph idx="1"/>
+          </p:nvPr>
+        </p:nvSpPr>
+        <p:spPr/>
+        <p:txBody>
+          <a:bodyPr/>
+          <a:lstStyle/>
+          <a:p>
+            <a:r>
+              <a:rPr lang="en-US" dirty="0" smtClean="0"/>
+              <a:t>Good error handling is hard</a:t>
+            </a:r>
+          </a:p>
+          <a:p>
+            <a:pPr lvl="1"/>
+            <a:r>
+              <a:rPr lang="en-US" dirty="0" smtClean="0"/>
+              <a:t>handle error at right level</a:t>
+            </a:r>
+          </a:p>
+          <a:p>
+            <a:pPr lvl="1"/>
+            <a:r>
+              <a:rPr lang="en-US" dirty="0" smtClean="0"/>
+              <a:t>convey maximal information to user</a:t>
+            </a:r>
+          </a:p>
+          <a:p>
+            <a:r>
+              <a:rPr lang="en-US" dirty="0" smtClean="0"/>
+              <a:t>Increases size of code base considerably</a:t>
+            </a:r>
+          </a:p>
+          <a:p>
+            <a:r>
+              <a:rPr lang="en-US" dirty="0" smtClean="0"/>
+              <a:t>Think of corner cases</a:t>
+            </a:r>
+          </a:p>
+          <a:p>
+            <a:r>
+              <a:rPr lang="en-US" dirty="0" smtClean="0"/>
+              <a:t>Requires testing</a:t>
+            </a:r>
+            <a:endParaRPr lang="en-US" dirty="0"/>
+          </a:p>
+        </p:txBody>
+      </p:sp>
+      <p:sp>
+        <p:nvSpPr>
+          <p:cNvPr id="4" name="Slide Number Placeholder 3"/>
+          <p:cNvSpPr>
+            <a:spLocks noGrp="1"/>
+          </p:cNvSpPr>
+          <p:nvPr>
+            <p:ph type="sldNum" sz="quarter" idx="12"/>
+          </p:nvPr>
+        </p:nvSpPr>
+        <p:spPr/>
+        <p:txBody>
+          <a:bodyPr/>
+          <a:lstStyle/>
+          <a:p>
+            <a:fld id="{2F8BA72C-5DC7-4014-AC42-C5F5AAAF9B79}" type="slidenum">
+              <a:rPr lang="en-US" smtClean="0"/>
+              <a:t>18</a:t>
+            </a:fld>
+            <a:endParaRPr lang="en-US"/>
+          </a:p>
+        </p:txBody>
+      </p:sp>
+      <p:sp>
+        <p:nvSpPr>
+          <p:cNvPr id="5" name="TextBox 4"/>
+          <p:cNvSpPr txBox="1"/>
+          <p:nvPr/>
+        </p:nvSpPr>
+        <p:spPr>
+          <a:xfrm>
+            <a:off x="2290917" y="5053781"/>
+            <a:ext cx="3611630" cy="523220"/>
+          </a:xfrm>
+          <a:prstGeom prst="rect">
+            <a:avLst/>
+          </a:prstGeom>
+          <a:noFill/>
+          <a:ln>
+            <a:solidFill>
+              <a:schemeClr val="tx1"/>
+            </a:solidFill>
+          </a:ln>
+        </p:spPr>
+        <p:txBody>
+          <a:bodyPr wrap="none" rtlCol="0">
+            <a:spAutoFit/>
+          </a:bodyPr>
+          <a:lstStyle/>
+          <a:p>
+            <a:r>
+              <a:rPr lang="en-US" sz="2800" dirty="0" smtClean="0"/>
+              <a:t>Do it right, or not at all!</a:t>
+            </a:r>
+            <a:endParaRPr lang="en-US" sz="2800" dirty="0"/>
+          </a:p>
+        </p:txBody>
+      </p:sp>
+    </p:spTree>
+    <p:extLst>
+      <p:ext uri="{BB962C8B-B14F-4D97-AF65-F5344CB8AC3E}">
+        <p14:creationId xmlns:p14="http://schemas.microsoft.com/office/powerpoint/2010/main" val="3660664678"/>
+      </p:ext>
+    </p:extLst>
+  </p:cSld>
+  <p:clrMapOvr>
+    <a:masterClrMapping/>
+  </p:clrMapOvr>
+  <p:timing>
+    <p:tnLst>
+      <p:par>
+        <p:cTn id="1" dur="indefinite" restart="never" nodeType="tmRoot">
+          <p:childTnLst>
+            <p:seq concurrent="1" nextAc="seek">
+              <p:cTn id="2" dur="indefinite" nodeType="mainSeq">
+                <p:childTnLst>
+                  <p:par>
+                    <p:cTn id="3" fill="hold">
+                      <p:stCondLst>
+                        <p:cond delay="indefinite"/>
+                        <p:cond evt="onBegin" delay="0">
+                          <p:tn val="2"/>
+                        </p:cond>
+                      </p:stCondLst>
+                      <p:childTnLst>
+                        <p:par>
+                          <p:cTn id="4" fill="hold">
+                            <p:stCondLst>
+                              <p:cond delay="0"/>
+                            </p:stCondLst>
+                            <p:childTnLst>
+                              <p:par>
+                                <p:cTn id="5" presetID="1" presetClass="entr" presetSubtype="0" fill="hold" grpId="0" nodeType="withEffect">
+                                  <p:stCondLst>
+                                    <p:cond delay="0"/>
+                                  </p:stCondLst>
+                                  <p:childTnLst>
+                                    <p:set>
+                                      <p:cBhvr>
+                                        <p:cTn id="6" dur="1" fill="hold">
+                                          <p:stCondLst>
+                                            <p:cond delay="0"/>
+                                          </p:stCondLst>
+                                        </p:cTn>
+                                        <p:tgtEl>
+                                          <p:spTgt spid="3">
+                                            <p:txEl>
+                                              <p:pRg st="0" end="0"/>
+                                            </p:txEl>
+                                          </p:spTgt>
+                                        </p:tgtEl>
+                                        <p:attrNameLst>
+                                          <p:attrName>style.visibility</p:attrName>
+                                        </p:attrNameLst>
+                                      </p:cBhvr>
+                                      <p:to>
+                                        <p:strVal val="visible"/>
+                                      </p:to>
+                                    </p:set>
+                                  </p:childTnLst>
+                                </p:cTn>
+                              </p:par>
+                            </p:childTnLst>
+                          </p:cTn>
+                        </p:par>
+                      </p:childTnLst>
+                    </p:cTn>
+                  </p:par>
+                  <p:par>
+                    <p:cTn id="7" fill="hold">
+                      <p:stCondLst>
+                        <p:cond delay="indefinite"/>
+                      </p:stCondLst>
+                      <p:childTnLst>
+                        <p:par>
+                          <p:cTn id="8" fill="hold">
+                            <p:stCondLst>
+                              <p:cond delay="0"/>
+                            </p:stCondLst>
+                            <p:childTnLst>
+                              <p:par>
+                                <p:cTn id="9" presetID="1" presetClass="entr" presetSubtype="0" fill="hold" grpId="0" nodeType="clickEffect">
+                                  <p:stCondLst>
+                                    <p:cond delay="0"/>
+                                  </p:stCondLst>
+                                  <p:childTnLst>
+                                    <p:set>
+                                      <p:cBhvr>
+                                        <p:cTn id="10" dur="1" fill="hold">
+                                          <p:stCondLst>
+                                            <p:cond delay="0"/>
+                                          </p:stCondLst>
+                                        </p:cTn>
+                                        <p:tgtEl>
+                                          <p:spTgt spid="3">
+                                            <p:txEl>
+                                              <p:pRg st="1" end="1"/>
+                                            </p:txEl>
+                                          </p:spTgt>
+                                        </p:tgtEl>
+                                        <p:attrNameLst>
+                                          <p:attrName>style.visibility</p:attrName>
+                                        </p:attrNameLst>
+                                      </p:cBhvr>
+                                      <p:to>
+                                        <p:strVal val="visible"/>
+                                      </p:to>
+                                    </p:set>
+                                  </p:childTnLst>
+                                </p:cTn>
+                              </p:par>
+                            </p:childTnLst>
+                          </p:cTn>
+                        </p:par>
+                      </p:childTnLst>
+                    </p:cTn>
+                  </p:par>
+                  <p:par>
+                    <p:cTn id="11" fill="hold">
+                      <p:stCondLst>
+                        <p:cond delay="indefinite"/>
+                      </p:stCondLst>
+                      <p:childTnLst>
+                        <p:par>
+                          <p:cTn id="12" fill="hold">
+                            <p:stCondLst>
+                              <p:cond delay="0"/>
+                            </p:stCondLst>
+                            <p:childTnLst>
+                              <p:par>
+                                <p:cTn id="13" presetID="1" presetClass="entr" presetSubtype="0" fill="hold" grpId="0" nodeType="clickEffect">
+                                  <p:stCondLst>
+                                    <p:cond delay="0"/>
+                                  </p:stCondLst>
+                                  <p:childTnLst>
+                                    <p:set>
+                                      <p:cBhvr>
+                                        <p:cTn id="14" dur="1" fill="hold">
+                                          <p:stCondLst>
+                                            <p:cond delay="0"/>
+                                          </p:stCondLst>
+                                        </p:cTn>
+                                        <p:tgtEl>
+                                          <p:spTgt spid="3">
+                                            <p:txEl>
+                                              <p:pRg st="2" end="2"/>
+                                            </p:txEl>
+                                          </p:spTgt>
+                                        </p:tgtEl>
+                                        <p:attrNameLst>
+                                          <p:attrName>style.visibility</p:attrName>
+                                        </p:attrNameLst>
+                                      </p:cBhvr>
+                                      <p:to>
+                                        <p:strVal val="visible"/>
+                                      </p:to>
+                                    </p:set>
+                                  </p:childTnLst>
+                                </p:cTn>
+                              </p:par>
+                            </p:childTnLst>
+                          </p:cTn>
+                        </p:par>
+                      </p:childTnLst>
+                    </p:cTn>
+                  </p:par>
+                  <p:par>
+                    <p:cTn id="15" fill="hold">
+                      <p:stCondLst>
+                        <p:cond delay="indefinite"/>
+                      </p:stCondLst>
+                      <p:childTnLst>
+                        <p:par>
+                          <p:cTn id="16" fill="hold">
+                            <p:stCondLst>
+                              <p:cond delay="0"/>
+                            </p:stCondLst>
+                            <p:childTnLst>
+                              <p:par>
+                                <p:cTn id="17" presetID="1" presetClass="entr" presetSubtype="0" fill="hold" grpId="0" nodeType="clickEffect">
+                                  <p:stCondLst>
+                                    <p:cond delay="0"/>
+                                  </p:stCondLst>
+                                  <p:childTnLst>
+                                    <p:set>
+                                      <p:cBhvr>
+                                        <p:cTn id="18" dur="1" fill="hold">
+                                          <p:stCondLst>
+                                            <p:cond delay="0"/>
+                                          </p:stCondLst>
+                                        </p:cTn>
+                                        <p:tgtEl>
+                                          <p:spTgt spid="3">
+                                            <p:txEl>
+                                              <p:pRg st="3" end="3"/>
+                                            </p:txEl>
+                                          </p:spTgt>
+                                        </p:tgtEl>
+                                        <p:attrNameLst>
+                                          <p:attrName>style.visibility</p:attrName>
+                                        </p:attrNameLst>
+                                      </p:cBhvr>
+                                      <p:to>
+                                        <p:strVal val="visible"/>
+                                      </p:to>
+                                    </p:set>
+                                  </p:childTnLst>
+                                </p:cTn>
+                              </p:par>
+                            </p:childTnLst>
+                          </p:cTn>
+                        </p:par>
+                      </p:childTnLst>
+                    </p:cTn>
+                  </p:par>
+                  <p:par>
+                    <p:cTn id="19" fill="hold">
+                      <p:stCondLst>
+                        <p:cond delay="indefinite"/>
+                      </p:stCondLst>
+                      <p:childTnLst>
+                        <p:par>
+                          <p:cTn id="20" fill="hold">
+                            <p:stCondLst>
+                              <p:cond delay="0"/>
+                            </p:stCondLst>
+                            <p:childTnLst>
+                              <p:par>
+                                <p:cTn id="21" presetID="1" presetClass="entr" presetSubtype="0" fill="hold" grpId="0" nodeType="clickEffect">
+                                  <p:stCondLst>
+                                    <p:cond delay="0"/>
+                                  </p:stCondLst>
+                                  <p:childTnLst>
+                                    <p:set>
+                                      <p:cBhvr>
+                                        <p:cTn id="22" dur="1" fill="hold">
+                                          <p:stCondLst>
+                                            <p:cond delay="0"/>
+                                          </p:stCondLst>
+                                        </p:cTn>
+                                        <p:tgtEl>
+                                          <p:spTgt spid="3">
+                                            <p:txEl>
+                                              <p:pRg st="4" end="4"/>
+                                            </p:txEl>
+                                          </p:spTgt>
+                                        </p:tgtEl>
+                                        <p:attrNameLst>
+                                          <p:attrName>style.visibility</p:attrName>
+                                        </p:attrNameLst>
+                                      </p:cBhvr>
+                                      <p:to>
+                                        <p:strVal val="visible"/>
+                                      </p:to>
+                                    </p:set>
+                                  </p:childTnLst>
+                                </p:cTn>
+                              </p:par>
+                            </p:childTnLst>
+                          </p:cTn>
+                        </p:par>
+                      </p:childTnLst>
+                    </p:cTn>
+                  </p:par>
+                  <p:par>
+                    <p:cTn id="23" fill="hold">
+                      <p:stCondLst>
+                        <p:cond delay="indefinite"/>
+                      </p:stCondLst>
+                      <p:childTnLst>
+                        <p:par>
+                          <p:cTn id="24" fill="hold">
+                            <p:stCondLst>
+                              <p:cond delay="0"/>
+                            </p:stCondLst>
+                            <p:childTnLst>
+                              <p:par>
+                                <p:cTn id="25" presetID="1" presetClass="entr" presetSubtype="0" fill="hold" grpId="0" nodeType="clickEffect">
+                                  <p:stCondLst>
+                                    <p:cond delay="0"/>
+                                  </p:stCondLst>
+                                  <p:childTnLst>
+                                    <p:set>
+                                      <p:cBhvr>
+                                        <p:cTn id="26" dur="1" fill="hold">
+                                          <p:stCondLst>
+                                            <p:cond delay="0"/>
+                                          </p:stCondLst>
+                                        </p:cTn>
+                                        <p:tgtEl>
+                                          <p:spTgt spid="3">
+                                            <p:txEl>
+                                              <p:pRg st="5" end="5"/>
+                                            </p:txEl>
+                                          </p:spTgt>
+                                        </p:tgtEl>
+                                        <p:attrNameLst>
+                                          <p:attrName>style.visibility</p:attrName>
+                                        </p:attrNameLst>
+                                      </p:cBhvr>
+                                      <p:to>
+                                        <p:strVal val="visible"/>
+                                      </p:to>
+                                    </p:set>
+                                  </p:childTnLst>
+                                </p:cTn>
+                              </p:par>
+                            </p:childTnLst>
+                          </p:cTn>
+                        </p:par>
+                      </p:childTnLst>
+                    </p:cTn>
+                  </p:par>
+                  <p:par>
+                    <p:cTn id="27" fill="hold">
+                      <p:stCondLst>
+                        <p:cond delay="indefinite"/>
+                      </p:stCondLst>
+                      <p:childTnLst>
+                        <p:par>
+                          <p:cTn id="28" fill="hold">
+                            <p:stCondLst>
+                              <p:cond delay="0"/>
+                            </p:stCondLst>
+                            <p:childTnLst>
+                              <p:par>
+                                <p:cTn id="29" presetID="1" presetClass="entr" presetSubtype="0" fill="hold" grpId="0" nodeType="clickEffect">
+                                  <p:stCondLst>
+                                    <p:cond delay="0"/>
+                                  </p:stCondLst>
+                                  <p:childTnLst>
+                                    <p:set>
+                                      <p:cBhvr>
+                                        <p:cTn id="30" dur="1" fill="hold">
+                                          <p:stCondLst>
+                                            <p:cond delay="0"/>
+                                          </p:stCondLst>
+                                        </p:cTn>
+                                        <p:tgtEl>
+                                          <p:spTgt spid="5"/>
+                                        </p:tgtEl>
+                                        <p:attrNameLst>
+                                          <p:attrName>style.visibility</p:attrName>
+                                        </p:attrNameLst>
+                                      </p:cBhvr>
+                                      <p:to>
+                                        <p:strVal val="visible"/>
+                                      </p:to>
+                                    </p:set>
+                                  </p:childTnLst>
+                                </p:cTn>
+                              </p:par>
+                            </p:childTnLst>
+                          </p:cTn>
+                        </p:par>
+                      </p:childTnLst>
+                    </p:cTn>
+                  </p:par>
+                </p:childTnLst>
+              </p:cTn>
+              <p:prevCondLst>
+                <p:cond evt="onPrev" delay="0">
+                  <p:tgtEl>
+                    <p:sldTgt/>
+                  </p:tgtEl>
+                </p:cond>
+              </p:prevCondLst>
+              <p:nextCondLst>
+                <p:cond evt="onNext" delay="0">
+                  <p:tgtEl>
+                    <p:sldTgt/>
+                  </p:tgtEl>
+                </p:cond>
+              </p:nextCondLst>
+            </p:seq>
+          </p:childTnLst>
+        </p:cTn>
+      </p:par>
+    </p:tnLst>
+    <p:bldLst>
+      <p:bldP spid="3" grpId="0" uiExpand="1" build="p"/>
+      <p:bldP spid="5" grpId="0" animBg="1"/>
+    </p:bldLst>
+  </p:timing>
+</p:sld>
+</file>
+
+<file path=ppt/slides/slide19.xml><?xml version="1.0" encoding="utf-8"?>
+<p:sld xmlns:a="http://schemas.openxmlformats.org/drawingml/2006/main" xmlns:r="http://schemas.openxmlformats.org/officeDocument/2006/relationships" xmlns:p="http://schemas.openxmlformats.org/presentationml/2006/main">
+  <p:cSld>
+    <p:spTree>
+      <p:nvGrpSpPr>
+        <p:cNvPr id="1" name=""/>
+        <p:cNvGrpSpPr/>
+        <p:nvPr/>
+      </p:nvGrpSpPr>
+      <p:grpSpPr>
+        <a:xfrm>
+          <a:off x="0" y="0"/>
+          <a:ext cx="0" cy="0"/>
+          <a:chOff x="0" y="0"/>
+          <a:chExt cx="0" cy="0"/>
+        </a:xfrm>
+      </p:grpSpPr>
+      <p:sp>
+        <p:nvSpPr>
+          <p:cNvPr id="2" name="Title 1"/>
+          <p:cNvSpPr>
+            <a:spLocks noGrp="1"/>
+          </p:cNvSpPr>
+          <p:nvPr>
+            <p:ph type="title"/>
+          </p:nvPr>
+        </p:nvSpPr>
+        <p:spPr/>
+        <p:txBody>
+          <a:bodyPr/>
+          <a:lstStyle/>
+          <a:p>
+            <a:r>
+              <a:rPr lang="en-US" dirty="0" smtClean="0"/>
+              <a:t>Exit</a:t>
+            </a:r>
+            <a:endParaRPr lang="en-US" dirty="0"/>
+          </a:p>
+        </p:txBody>
+      </p:sp>
+      <p:sp>
+        <p:nvSpPr>
+          <p:cNvPr id="3" name="Content Placeholder 2"/>
+          <p:cNvSpPr>
+            <a:spLocks noGrp="1"/>
+          </p:cNvSpPr>
+          <p:nvPr>
+            <p:ph idx="1"/>
+          </p:nvPr>
+        </p:nvSpPr>
+        <p:spPr>
+          <a:xfrm>
+            <a:off x="628650" y="1835457"/>
+            <a:ext cx="7886700" cy="4351338"/>
+          </a:xfrm>
+        </p:spPr>
+        <p:txBody>
+          <a:bodyPr/>
+          <a:lstStyle/>
+          <a:p>
+            <a:r>
+              <a:rPr lang="en-US" dirty="0" smtClean="0"/>
+              <a:t>Use </a:t>
+            </a:r>
+            <a:r>
+              <a:rPr lang="en-US" dirty="0" err="1" smtClean="0">
+                <a:latin typeface="Courier New" panose="02070309020205020404" pitchFamily="49" charset="0"/>
+                <a:cs typeface="Courier New" panose="02070309020205020404" pitchFamily="49" charset="0"/>
+              </a:rPr>
+              <a:t>std</a:t>
+            </a:r>
+            <a:r>
+              <a:rPr lang="en-US" dirty="0" smtClean="0">
+                <a:latin typeface="Courier New" panose="02070309020205020404" pitchFamily="49" charset="0"/>
+                <a:cs typeface="Courier New" panose="02070309020205020404" pitchFamily="49" charset="0"/>
+              </a:rPr>
+              <a:t>::exit(</a:t>
+            </a:r>
+            <a:r>
+              <a:rPr lang="en-US" dirty="0" smtClean="0"/>
+              <a:t>n</a:t>
+            </a:r>
+            <a:r>
+              <a:rPr lang="en-US" dirty="0" smtClean="0">
+                <a:latin typeface="Courier New" panose="02070309020205020404" pitchFamily="49" charset="0"/>
+                <a:cs typeface="Courier New" panose="02070309020205020404" pitchFamily="49" charset="0"/>
+              </a:rPr>
+              <a:t>)</a:t>
+            </a:r>
+            <a:r>
+              <a:rPr lang="en-US" dirty="0" smtClean="0"/>
+              <a:t> to convey exit status to shell</a:t>
+            </a:r>
+          </a:p>
+          <a:p>
+            <a:pPr lvl="1"/>
+            <a:r>
+              <a:rPr lang="en-US" dirty="0" smtClean="0"/>
+              <a:t>0: success</a:t>
+            </a:r>
+          </a:p>
+          <a:p>
+            <a:pPr lvl="1"/>
+            <a:r>
+              <a:rPr lang="en-US" dirty="0" smtClean="0"/>
+              <a:t>1-127: failure</a:t>
+            </a:r>
+          </a:p>
+          <a:p>
+            <a:r>
+              <a:rPr lang="en-US" dirty="0" smtClean="0"/>
+              <a:t>Non-zero exit status</a:t>
+            </a:r>
+          </a:p>
+          <a:p>
+            <a:pPr lvl="1"/>
+            <a:r>
+              <a:rPr lang="en-US" dirty="0" smtClean="0"/>
+              <a:t>pick value per error condition, allows shell to do error handling</a:t>
+            </a:r>
+          </a:p>
+          <a:p>
+            <a:pPr lvl="1"/>
+            <a:r>
+              <a:rPr lang="en-US" dirty="0" smtClean="0"/>
+              <a:t>e.g., 1 </a:t>
+            </a:r>
+            <a:r>
+              <a:rPr lang="en-US" dirty="0" smtClean="0">
+                <a:sym typeface="Symbol" panose="05050102010706020507" pitchFamily="18" charset="2"/>
+              </a:rPr>
+              <a:t></a:t>
+            </a:r>
+            <a:r>
+              <a:rPr lang="en-US" dirty="0" smtClean="0"/>
+              <a:t> missing argument, 2</a:t>
+            </a:r>
+            <a:r>
+              <a:rPr lang="en-US" dirty="0"/>
+              <a:t> </a:t>
+            </a:r>
+            <a:r>
+              <a:rPr lang="en-US" dirty="0">
+                <a:sym typeface="Symbol" panose="05050102010706020507" pitchFamily="18" charset="2"/>
+              </a:rPr>
+              <a:t></a:t>
+            </a:r>
+            <a:r>
+              <a:rPr lang="en-US" dirty="0"/>
+              <a:t> </a:t>
+            </a:r>
+            <a:r>
+              <a:rPr lang="en-US" dirty="0" smtClean="0"/>
+              <a:t>wrong argument  type,</a:t>
+            </a:r>
+            <a:br>
+              <a:rPr lang="en-US" dirty="0" smtClean="0"/>
+            </a:br>
+            <a:r>
+              <a:rPr lang="en-US" dirty="0" smtClean="0"/>
+              <a:t>         3</a:t>
+            </a:r>
+            <a:r>
+              <a:rPr lang="en-US" dirty="0"/>
+              <a:t> </a:t>
+            </a:r>
+            <a:r>
+              <a:rPr lang="en-US" dirty="0">
+                <a:sym typeface="Symbol" panose="05050102010706020507" pitchFamily="18" charset="2"/>
+              </a:rPr>
+              <a:t></a:t>
+            </a:r>
+            <a:r>
+              <a:rPr lang="en-US" dirty="0"/>
+              <a:t> </a:t>
+            </a:r>
+            <a:r>
+              <a:rPr lang="en-US" dirty="0" smtClean="0"/>
+              <a:t>wrong argument value</a:t>
+            </a:r>
+            <a:endParaRPr lang="en-US" dirty="0"/>
+          </a:p>
+        </p:txBody>
+      </p:sp>
+      <p:sp>
+        <p:nvSpPr>
+          <p:cNvPr id="4" name="Slide Number Placeholder 3"/>
+          <p:cNvSpPr>
+            <a:spLocks noGrp="1"/>
+          </p:cNvSpPr>
+          <p:nvPr>
+            <p:ph type="sldNum" sz="quarter" idx="12"/>
+          </p:nvPr>
+        </p:nvSpPr>
+        <p:spPr/>
+        <p:txBody>
+          <a:bodyPr/>
+          <a:lstStyle/>
+          <a:p>
+            <a:fld id="{2F8BA72C-5DC7-4014-AC42-C5F5AAAF9B79}" type="slidenum">
+              <a:rPr lang="en-US" smtClean="0"/>
+              <a:t>19</a:t>
+            </a:fld>
+            <a:endParaRPr lang="en-US"/>
+          </a:p>
+        </p:txBody>
+      </p:sp>
+      <p:sp>
+        <p:nvSpPr>
+          <p:cNvPr id="5" name="TextBox 4"/>
+          <p:cNvSpPr txBox="1"/>
+          <p:nvPr/>
+        </p:nvSpPr>
+        <p:spPr>
+          <a:xfrm>
+            <a:off x="1061883" y="5260257"/>
+            <a:ext cx="6784259" cy="1200329"/>
+          </a:xfrm>
+          <a:prstGeom prst="rect">
+            <a:avLst/>
+          </a:prstGeom>
+          <a:solidFill>
+            <a:schemeClr val="tx1"/>
+          </a:solidFill>
+        </p:spPr>
+        <p:txBody>
+          <a:bodyPr wrap="square" rtlCol="0">
+            <a:spAutoFit/>
+          </a:bodyPr>
+          <a:lstStyle/>
+          <a:p>
+            <a:r>
+              <a:rPr lang="en-US" b="1" dirty="0" smtClean="0">
+                <a:solidFill>
+                  <a:schemeClr val="bg1"/>
+                </a:solidFill>
+                <a:latin typeface="Courier New" panose="02070309020205020404" pitchFamily="49" charset="0"/>
+                <a:cs typeface="Courier New" panose="02070309020205020404" pitchFamily="49" charset="0"/>
+              </a:rPr>
+              <a:t>$  </a:t>
+            </a:r>
+            <a:r>
+              <a:rPr lang="en-US" b="1" dirty="0" smtClean="0">
+                <a:solidFill>
+                  <a:schemeClr val="bg1"/>
+                </a:solidFill>
+                <a:latin typeface="Courier New" panose="02070309020205020404" pitchFamily="49" charset="0"/>
+                <a:cs typeface="Courier New" panose="02070309020205020404" pitchFamily="49" charset="0"/>
+              </a:rPr>
+              <a:t>fac.exe  -1</a:t>
+            </a:r>
+          </a:p>
+          <a:p>
+            <a:r>
+              <a:rPr lang="en-US" b="1" dirty="0" smtClean="0">
+                <a:solidFill>
+                  <a:schemeClr val="bg1"/>
+                </a:solidFill>
+                <a:latin typeface="Courier New" panose="02070309020205020404" pitchFamily="49" charset="0"/>
+                <a:cs typeface="Courier New" panose="02070309020205020404" pitchFamily="49" charset="0"/>
+              </a:rPr>
+              <a:t># error: invalid argument value -1</a:t>
+            </a:r>
+          </a:p>
+          <a:p>
+            <a:r>
+              <a:rPr lang="en-US" b="1" dirty="0" smtClean="0">
+                <a:solidFill>
+                  <a:schemeClr val="bg1"/>
+                </a:solidFill>
+                <a:latin typeface="Courier New" panose="02070309020205020404" pitchFamily="49" charset="0"/>
+                <a:cs typeface="Courier New" panose="02070309020205020404" pitchFamily="49" charset="0"/>
+              </a:rPr>
+              <a:t>$  echo  $?</a:t>
+            </a:r>
+          </a:p>
+          <a:p>
+            <a:r>
+              <a:rPr lang="en-US" b="1" dirty="0">
+                <a:solidFill>
+                  <a:schemeClr val="bg1"/>
+                </a:solidFill>
+                <a:latin typeface="Courier New" panose="02070309020205020404" pitchFamily="49" charset="0"/>
+                <a:cs typeface="Courier New" panose="02070309020205020404" pitchFamily="49" charset="0"/>
+              </a:rPr>
+              <a:t>3</a:t>
+            </a:r>
+            <a:endParaRPr lang="en-US" b="1" dirty="0">
+              <a:solidFill>
+                <a:schemeClr val="bg1"/>
+              </a:solidFill>
+              <a:latin typeface="Courier New" panose="02070309020205020404" pitchFamily="49" charset="0"/>
+              <a:cs typeface="Courier New" panose="02070309020205020404" pitchFamily="49" charset="0"/>
+            </a:endParaRPr>
+          </a:p>
+        </p:txBody>
+      </p:sp>
+    </p:spTree>
+    <p:extLst>
+      <p:ext uri="{BB962C8B-B14F-4D97-AF65-F5344CB8AC3E}">
+        <p14:creationId xmlns:p14="http://schemas.microsoft.com/office/powerpoint/2010/main" val="155534372"/>
+      </p:ext>
+    </p:extLst>
+  </p:cSld>
+  <p:clrMapOvr>
+    <a:masterClrMapping/>
+  </p:clrMapOvr>
+  <p:timing>
+    <p:tnLst>
+      <p:par>
+        <p:cTn id="1" dur="indefinite" restart="never" nodeType="tmRoot">
+          <p:childTnLst>
+            <p:seq concurrent="1" nextAc="seek">
+              <p:cTn id="2" dur="indefinite" nodeType="mainSeq">
+                <p:childTnLst>
+                  <p:par>
+                    <p:cTn id="3" fill="hold">
+                      <p:stCondLst>
+                        <p:cond delay="indefinite"/>
+                        <p:cond evt="onBegin" delay="0">
+                          <p:tn val="2"/>
+                        </p:cond>
+                      </p:stCondLst>
+                      <p:childTnLst>
+                        <p:par>
+                          <p:cTn id="4" fill="hold">
+                            <p:stCondLst>
+                              <p:cond delay="0"/>
+                            </p:stCondLst>
+                            <p:childTnLst>
+                              <p:par>
+                                <p:cTn id="5" presetID="1" presetClass="entr" presetSubtype="0" fill="hold" grpId="0" nodeType="withEffect">
+                                  <p:stCondLst>
+                                    <p:cond delay="0"/>
+                                  </p:stCondLst>
+                                  <p:childTnLst>
+                                    <p:set>
+                                      <p:cBhvr>
+                                        <p:cTn id="6" dur="1" fill="hold">
+                                          <p:stCondLst>
+                                            <p:cond delay="0"/>
+                                          </p:stCondLst>
+                                        </p:cTn>
+                                        <p:tgtEl>
+                                          <p:spTgt spid="3">
+                                            <p:txEl>
+                                              <p:pRg st="0" end="0"/>
+                                            </p:txEl>
+                                          </p:spTgt>
+                                        </p:tgtEl>
+                                        <p:attrNameLst>
+                                          <p:attrName>style.visibility</p:attrName>
+                                        </p:attrNameLst>
+                                      </p:cBhvr>
+                                      <p:to>
+                                        <p:strVal val="visible"/>
+                                      </p:to>
+                                    </p:set>
+                                  </p:childTnLst>
+                                </p:cTn>
+                              </p:par>
+                              <p:par>
+                                <p:cTn id="7" presetID="1" presetClass="entr" presetSubtype="0" fill="hold" grpId="0" nodeType="withEffect">
+                                  <p:stCondLst>
+                                    <p:cond delay="0"/>
+                                  </p:stCondLst>
+                                  <p:childTnLst>
+                                    <p:set>
+                                      <p:cBhvr>
+                                        <p:cTn id="8" dur="1" fill="hold">
+                                          <p:stCondLst>
+                                            <p:cond delay="0"/>
+                                          </p:stCondLst>
+                                        </p:cTn>
+                                        <p:tgtEl>
+                                          <p:spTgt spid="3">
+                                            <p:txEl>
+                                              <p:pRg st="1" end="1"/>
+                                            </p:txEl>
+                                          </p:spTgt>
+                                        </p:tgtEl>
+                                        <p:attrNameLst>
+                                          <p:attrName>style.visibility</p:attrName>
+                                        </p:attrNameLst>
+                                      </p:cBhvr>
+                                      <p:to>
+                                        <p:strVal val="visible"/>
+                                      </p:to>
+                                    </p:set>
+                                  </p:childTnLst>
+                                </p:cTn>
+                              </p:par>
+                              <p:par>
+                                <p:cTn id="9" presetID="1" presetClass="entr" presetSubtype="0" fill="hold" grpId="0" nodeType="withEffect">
+                                  <p:stCondLst>
+                                    <p:cond delay="0"/>
+                                  </p:stCondLst>
+                                  <p:childTnLst>
+                                    <p:set>
+                                      <p:cBhvr>
+                                        <p:cTn id="10" dur="1" fill="hold">
+                                          <p:stCondLst>
+                                            <p:cond delay="0"/>
+                                          </p:stCondLst>
+                                        </p:cTn>
+                                        <p:tgtEl>
+                                          <p:spTgt spid="3">
+                                            <p:txEl>
+                                              <p:pRg st="2" end="2"/>
+                                            </p:txEl>
+                                          </p:spTgt>
+                                        </p:tgtEl>
+                                        <p:attrNameLst>
+                                          <p:attrName>style.visibility</p:attrName>
+                                        </p:attrNameLst>
+                                      </p:cBhvr>
+                                      <p:to>
+                                        <p:strVal val="visible"/>
+                                      </p:to>
+                                    </p:set>
+                                  </p:childTnLst>
+                                </p:cTn>
+                              </p:par>
+                            </p:childTnLst>
+                          </p:cTn>
+                        </p:par>
+                      </p:childTnLst>
+                    </p:cTn>
+                  </p:par>
+                  <p:par>
+                    <p:cTn id="11" fill="hold">
+                      <p:stCondLst>
+                        <p:cond delay="indefinite"/>
+                      </p:stCondLst>
+                      <p:childTnLst>
+                        <p:par>
+                          <p:cTn id="12" fill="hold">
+                            <p:stCondLst>
+                              <p:cond delay="0"/>
+                            </p:stCondLst>
+                            <p:childTnLst>
+                              <p:par>
+                                <p:cTn id="13" presetID="1" presetClass="entr" presetSubtype="0" fill="hold" grpId="0" nodeType="clickEffect">
+                                  <p:stCondLst>
+                                    <p:cond delay="0"/>
+                                  </p:stCondLst>
+                                  <p:childTnLst>
+                                    <p:set>
+                                      <p:cBhvr>
+                                        <p:cTn id="14" dur="1" fill="hold">
+                                          <p:stCondLst>
+                                            <p:cond delay="0"/>
+                                          </p:stCondLst>
+                                        </p:cTn>
+                                        <p:tgtEl>
+                                          <p:spTgt spid="3">
+                                            <p:txEl>
+                                              <p:pRg st="3" end="3"/>
+                                            </p:txEl>
+                                          </p:spTgt>
+                                        </p:tgtEl>
+                                        <p:attrNameLst>
+                                          <p:attrName>style.visibility</p:attrName>
+                                        </p:attrNameLst>
+                                      </p:cBhvr>
+                                      <p:to>
+                                        <p:strVal val="visible"/>
+                                      </p:to>
+                                    </p:set>
+                                  </p:childTnLst>
+                                </p:cTn>
+                              </p:par>
+                              <p:par>
+                                <p:cTn id="15" presetID="1" presetClass="entr" presetSubtype="0" fill="hold" grpId="0" nodeType="withEffect">
+                                  <p:stCondLst>
+                                    <p:cond delay="0"/>
+                                  </p:stCondLst>
+                                  <p:childTnLst>
+                                    <p:set>
+                                      <p:cBhvr>
+                                        <p:cTn id="16" dur="1" fill="hold">
+                                          <p:stCondLst>
+                                            <p:cond delay="0"/>
+                                          </p:stCondLst>
+                                        </p:cTn>
+                                        <p:tgtEl>
+                                          <p:spTgt spid="3">
+                                            <p:txEl>
+                                              <p:pRg st="4" end="4"/>
+                                            </p:txEl>
+                                          </p:spTgt>
+                                        </p:tgtEl>
+                                        <p:attrNameLst>
+                                          <p:attrName>style.visibility</p:attrName>
+                                        </p:attrNameLst>
+                                      </p:cBhvr>
+                                      <p:to>
+                                        <p:strVal val="visible"/>
+                                      </p:to>
+                                    </p:set>
+                                  </p:childTnLst>
+                                </p:cTn>
+                              </p:par>
+                              <p:par>
+                                <p:cTn id="17" presetID="1" presetClass="entr" presetSubtype="0" fill="hold" grpId="0" nodeType="withEffect">
+                                  <p:stCondLst>
+                                    <p:cond delay="0"/>
+                                  </p:stCondLst>
+                                  <p:childTnLst>
+                                    <p:set>
+                                      <p:cBhvr>
+                                        <p:cTn id="18" dur="1" fill="hold">
+                                          <p:stCondLst>
+                                            <p:cond delay="0"/>
+                                          </p:stCondLst>
+                                        </p:cTn>
+                                        <p:tgtEl>
+                                          <p:spTgt spid="3">
+                                            <p:txEl>
+                                              <p:pRg st="5" end="5"/>
+                                            </p:txEl>
+                                          </p:spTgt>
+                                        </p:tgtEl>
+                                        <p:attrNameLst>
+                                          <p:attrName>style.visibility</p:attrName>
+                                        </p:attrNameLst>
+                                      </p:cBhvr>
+                                      <p:to>
+                                        <p:strVal val="visible"/>
+                                      </p:to>
+                                    </p:set>
+                                  </p:childTnLst>
+                                </p:cTn>
+                              </p:par>
+                              <p:par>
+                                <p:cTn id="19" presetID="1" presetClass="entr" presetSubtype="0" fill="hold" grpId="0" nodeType="withEffect">
+                                  <p:stCondLst>
+                                    <p:cond delay="0"/>
+                                  </p:stCondLst>
+                                  <p:childTnLst>
+                                    <p:set>
+                                      <p:cBhvr>
+                                        <p:cTn id="20" dur="1" fill="hold">
+                                          <p:stCondLst>
+                                            <p:cond delay="0"/>
+                                          </p:stCondLst>
+                                        </p:cTn>
+                                        <p:tgtEl>
+                                          <p:spTgt spid="5"/>
+                                        </p:tgtEl>
+                                        <p:attrNameLst>
+                                          <p:attrName>style.visibility</p:attrName>
+                                        </p:attrNameLst>
+                                      </p:cBhvr>
+                                      <p:to>
+                                        <p:strVal val="visible"/>
+                                      </p:to>
+                                    </p:set>
+                                  </p:childTnLst>
+                                </p:cTn>
+                              </p:par>
+                            </p:childTnLst>
+                          </p:cTn>
+                        </p:par>
+                      </p:childTnLst>
+                    </p:cTn>
+                  </p:par>
+                </p:childTnLst>
+              </p:cTn>
+              <p:prevCondLst>
+                <p:cond evt="onPrev" delay="0">
+                  <p:tgtEl>
+                    <p:sldTgt/>
+                  </p:tgtEl>
+                </p:cond>
+              </p:prevCondLst>
+              <p:nextCondLst>
+                <p:cond evt="onNext" delay="0">
+                  <p:tgtEl>
+                    <p:sldTgt/>
+                  </p:tgtEl>
+                </p:cond>
+              </p:nextCondLst>
+            </p:seq>
+          </p:childTnLst>
+        </p:cTn>
+      </p:par>
+    </p:tnLst>
+    <p:bldLst>
+      <p:bldP spid="3" grpId="0" uiExpand="1" build="p"/>
+      <p:bldP spid="5" grpId="0" animBg="1"/>
+    </p:bldLst>
   </p:timing>
 </p:sld>
 </file>

--- a/CPlusPlus/03_essential_cpp_mod.pptx
+++ b/CPlusPlus/03_essential_cpp_mod.pptx
@@ -5,7 +5,7 @@
     <p:sldMasterId id="2147483660" r:id="rId1"/>
   </p:sldMasterIdLst>
   <p:notesMasterIdLst>
-    <p:notesMasterId r:id="rId21"/>
+    <p:notesMasterId r:id="rId22"/>
   </p:notesMasterIdLst>
   <p:sldIdLst>
     <p:sldId id="257" r:id="rId2"/>
@@ -27,6 +27,7 @@
     <p:sldId id="275" r:id="rId18"/>
     <p:sldId id="276" r:id="rId19"/>
     <p:sldId id="277" r:id="rId20"/>
+    <p:sldId id="278" r:id="rId21"/>
   </p:sldIdLst>
   <p:sldSz cx="9144000" cy="6858000" type="screen4x3"/>
   <p:notesSz cx="6858000" cy="9144000"/>
@@ -215,7 +216,7 @@
           <a:p>
             <a:fld id="{65F1378B-C2AB-4698-A639-9C0E3F833333}" type="datetimeFigureOut">
               <a:rPr lang="en-US" smtClean="0"/>
-              <a:t>2017-02-24</a:t>
+              <a:t>2017-03-01</a:t>
             </a:fld>
             <a:endParaRPr lang="en-US"/>
           </a:p>
@@ -614,7 +615,7 @@
           <a:p>
             <a:fld id="{5786021F-A61E-4517-8760-BC87D1A92FA2}" type="datetime1">
               <a:rPr lang="en-US" smtClean="0"/>
-              <a:t>2017-02-24</a:t>
+              <a:t>2017-03-01</a:t>
             </a:fld>
             <a:endParaRPr lang="en-US"/>
           </a:p>
@@ -784,7 +785,7 @@
           <a:p>
             <a:fld id="{1319E2CA-33D9-482F-BBF4-3C2EF9A11FD9}" type="datetime1">
               <a:rPr lang="en-US" smtClean="0"/>
-              <a:t>2017-02-24</a:t>
+              <a:t>2017-03-01</a:t>
             </a:fld>
             <a:endParaRPr lang="en-US"/>
           </a:p>
@@ -964,7 +965,7 @@
           <a:p>
             <a:fld id="{E0855842-D24D-4D96-893F-FC8253D498B3}" type="datetime1">
               <a:rPr lang="en-US" smtClean="0"/>
-              <a:t>2017-02-24</a:t>
+              <a:t>2017-03-01</a:t>
             </a:fld>
             <a:endParaRPr lang="en-US"/>
           </a:p>
@@ -1134,7 +1135,7 @@
           <a:p>
             <a:fld id="{4F17A02C-CCD5-4EAA-AD62-6AF1BBBA5098}" type="datetime1">
               <a:rPr lang="en-US" smtClean="0"/>
-              <a:t>2017-02-24</a:t>
+              <a:t>2017-03-01</a:t>
             </a:fld>
             <a:endParaRPr lang="en-US"/>
           </a:p>
@@ -1378,7 +1379,7 @@
           <a:p>
             <a:fld id="{3C16106F-9685-4E44-9262-E438E92F03CD}" type="datetime1">
               <a:rPr lang="en-US" smtClean="0"/>
-              <a:t>2017-02-24</a:t>
+              <a:t>2017-03-01</a:t>
             </a:fld>
             <a:endParaRPr lang="en-US"/>
           </a:p>
@@ -1610,7 +1611,7 @@
           <a:p>
             <a:fld id="{BA74F6A0-DDD4-49C4-A22A-B3084067F398}" type="datetime1">
               <a:rPr lang="en-US" smtClean="0"/>
-              <a:t>2017-02-24</a:t>
+              <a:t>2017-03-01</a:t>
             </a:fld>
             <a:endParaRPr lang="en-US"/>
           </a:p>
@@ -1977,7 +1978,7 @@
           <a:p>
             <a:fld id="{EFA42ADE-A4E3-4963-8866-B76841D074B7}" type="datetime1">
               <a:rPr lang="en-US" smtClean="0"/>
-              <a:t>2017-02-24</a:t>
+              <a:t>2017-03-01</a:t>
             </a:fld>
             <a:endParaRPr lang="en-US"/>
           </a:p>
@@ -2095,7 +2096,7 @@
           <a:p>
             <a:fld id="{9BF63FB9-06BC-40F3-9571-396BEEB1EB3D}" type="datetime1">
               <a:rPr lang="en-US" smtClean="0"/>
-              <a:t>2017-02-24</a:t>
+              <a:t>2017-03-01</a:t>
             </a:fld>
             <a:endParaRPr lang="en-US"/>
           </a:p>
@@ -2190,7 +2191,7 @@
           <a:p>
             <a:fld id="{A2766F7D-06DD-44B0-8ACC-315F25A1E086}" type="datetime1">
               <a:rPr lang="en-US" smtClean="0"/>
-              <a:t>2017-02-24</a:t>
+              <a:t>2017-03-01</a:t>
             </a:fld>
             <a:endParaRPr lang="en-US"/>
           </a:p>
@@ -2467,7 +2468,7 @@
           <a:p>
             <a:fld id="{19AB181A-4E09-4B9D-B55E-138F3038D59A}" type="datetime1">
               <a:rPr lang="en-US" smtClean="0"/>
-              <a:t>2017-02-24</a:t>
+              <a:t>2017-03-01</a:t>
             </a:fld>
             <a:endParaRPr lang="en-US"/>
           </a:p>
@@ -2724,7 +2725,7 @@
           <a:p>
             <a:fld id="{DABD2A41-686D-44E1-829D-0CDE584BAA73}" type="datetime1">
               <a:rPr lang="en-US" smtClean="0"/>
-              <a:t>2017-02-24</a:t>
+              <a:t>2017-03-01</a:t>
             </a:fld>
             <a:endParaRPr lang="en-US"/>
           </a:p>
@@ -2937,7 +2938,7 @@
           <a:p>
             <a:fld id="{6FCAA38F-FF33-40B5-8182-D4E420F5D6EB}" type="datetime1">
               <a:rPr lang="en-US" smtClean="0"/>
-              <a:t>2017-02-24</a:t>
+              <a:t>2017-03-01</a:t>
             </a:fld>
             <a:endParaRPr lang="en-US"/>
           </a:p>
@@ -7625,11 +7626,7 @@
             <a:pPr lvl="1"/>
             <a:r>
               <a:rPr lang="en-US" dirty="0" smtClean="0"/>
-              <a:t>valid state of object</a:t>
-            </a:r>
-            <a:r>
-              <a:rPr lang="en-US" dirty="0" smtClean="0"/>
-              <a:t>?</a:t>
+              <a:t>valid state of object?</a:t>
             </a:r>
           </a:p>
           <a:p>
@@ -7642,13 +7639,8 @@
             <a:pPr lvl="1"/>
             <a:r>
               <a:rPr lang="en-US" dirty="0" smtClean="0"/>
-              <a:t>e.g., opening </a:t>
-            </a:r>
-            <a:r>
-              <a:rPr lang="en-US" dirty="0" smtClean="0"/>
-              <a:t>files</a:t>
-            </a:r>
-            <a:endParaRPr lang="en-US" dirty="0" smtClean="0"/>
+              <a:t>e.g., opening files</a:t>
+            </a:r>
           </a:p>
           <a:p>
             <a:r>
@@ -9179,14 +9171,7 @@
                 <a:latin typeface="Courier New" pitchFamily="49" charset="0"/>
                 <a:cs typeface="Courier New" pitchFamily="49" charset="0"/>
               </a:rPr>
-              <a:t>   </a:t>
-            </a:r>
-            <a:r>
-              <a:rPr lang="nn-NO" sz="1600" dirty="0" smtClean="0">
-                <a:latin typeface="Courier New" pitchFamily="49" charset="0"/>
-                <a:cs typeface="Courier New" pitchFamily="49" charset="0"/>
-              </a:rPr>
-              <a:t>exit(1);</a:t>
+              <a:t>   exit(1);</a:t>
             </a:r>
             <a:endParaRPr lang="nn-NO" sz="1600" dirty="0">
               <a:latin typeface="Courier New" pitchFamily="49" charset="0"/>
@@ -10561,17 +10546,7 @@
                 <a:latin typeface="Courier New" panose="02070309020205020404" pitchFamily="49" charset="0"/>
                 <a:cs typeface="Courier New" panose="02070309020205020404" pitchFamily="49" charset="0"/>
               </a:rPr>
-              <a:t>$  </a:t>
-            </a:r>
-            <a:r>
-              <a:rPr lang="en-US" b="1" dirty="0" smtClean="0">
-                <a:solidFill>
-                  <a:schemeClr val="bg1"/>
-                </a:solidFill>
-                <a:latin typeface="Courier New" panose="02070309020205020404" pitchFamily="49" charset="0"/>
-                <a:cs typeface="Courier New" panose="02070309020205020404" pitchFamily="49" charset="0"/>
-              </a:rPr>
-              <a:t>fac.exe  -1</a:t>
+              <a:t>$  fac.exe  -1</a:t>
             </a:r>
           </a:p>
           <a:p>
@@ -10609,13 +10584,6 @@
               </a:rPr>
               <a:t>3</a:t>
             </a:r>
-            <a:endParaRPr lang="en-US" b="1" dirty="0">
-              <a:solidFill>
-                <a:schemeClr val="bg1"/>
-              </a:solidFill>
-              <a:latin typeface="Courier New" panose="02070309020205020404" pitchFamily="49" charset="0"/>
-              <a:cs typeface="Courier New" panose="02070309020205020404" pitchFamily="49" charset="0"/>
-            </a:endParaRPr>
           </a:p>
         </p:txBody>
       </p:sp>
@@ -11109,6 +11077,132 @@
       <p:bldP spid="3" grpId="0" animBg="1"/>
     </p:bldLst>
   </p:timing>
+</p:sld>
+</file>
+
+<file path=ppt/slides/slide20.xml><?xml version="1.0" encoding="utf-8"?>
+<p:sld xmlns:a="http://schemas.openxmlformats.org/drawingml/2006/main" xmlns:r="http://schemas.openxmlformats.org/officeDocument/2006/relationships" xmlns:p="http://schemas.openxmlformats.org/presentationml/2006/main">
+  <p:cSld>
+    <p:spTree>
+      <p:nvGrpSpPr>
+        <p:cNvPr id="1" name=""/>
+        <p:cNvGrpSpPr/>
+        <p:nvPr/>
+      </p:nvGrpSpPr>
+      <p:grpSpPr>
+        <a:xfrm>
+          <a:off x="0" y="0"/>
+          <a:ext cx="0" cy="0"/>
+          <a:chOff x="0" y="0"/>
+          <a:chExt cx="0" cy="0"/>
+        </a:xfrm>
+      </p:grpSpPr>
+      <p:sp>
+        <p:nvSpPr>
+          <p:cNvPr id="2" name="Title 1"/>
+          <p:cNvSpPr>
+            <a:spLocks noGrp="1"/>
+          </p:cNvSpPr>
+          <p:nvPr>
+            <p:ph type="title"/>
+          </p:nvPr>
+        </p:nvSpPr>
+        <p:spPr/>
+        <p:txBody>
+          <a:bodyPr/>
+          <a:lstStyle/>
+          <a:p>
+            <a:r>
+              <a:rPr lang="en-US" dirty="0" smtClean="0"/>
+              <a:t>What was left out/added?</a:t>
+            </a:r>
+            <a:endParaRPr lang="en-US" dirty="0"/>
+          </a:p>
+        </p:txBody>
+      </p:sp>
+      <p:sp>
+        <p:nvSpPr>
+          <p:cNvPr id="3" name="Content Placeholder 2"/>
+          <p:cNvSpPr>
+            <a:spLocks noGrp="1"/>
+          </p:cNvSpPr>
+          <p:nvPr>
+            <p:ph idx="1"/>
+          </p:nvPr>
+        </p:nvSpPr>
+        <p:spPr/>
+        <p:txBody>
+          <a:bodyPr/>
+          <a:lstStyle/>
+          <a:p>
+            <a:r>
+              <a:rPr lang="en-US" dirty="0" smtClean="0"/>
+              <a:t>Left out</a:t>
+            </a:r>
+          </a:p>
+          <a:p>
+            <a:pPr lvl="1"/>
+            <a:r>
+              <a:rPr lang="en-US" dirty="0" smtClean="0"/>
+              <a:t>defining your own namespaces</a:t>
+            </a:r>
+          </a:p>
+          <a:p>
+            <a:r>
+              <a:rPr lang="en-US" dirty="0" smtClean="0"/>
+              <a:t>Added</a:t>
+            </a:r>
+          </a:p>
+          <a:p>
+            <a:pPr lvl="1"/>
+            <a:r>
+              <a:rPr lang="en-US" dirty="0" smtClean="0"/>
+              <a:t>building software using make</a:t>
+            </a:r>
+          </a:p>
+          <a:p>
+            <a:pPr lvl="1"/>
+            <a:r>
+              <a:rPr lang="en-US" dirty="0" smtClean="0"/>
+              <a:t>exit status for using in shell</a:t>
+            </a:r>
+            <a:endParaRPr lang="en-US" dirty="0"/>
+          </a:p>
+        </p:txBody>
+      </p:sp>
+      <p:sp>
+        <p:nvSpPr>
+          <p:cNvPr id="4" name="Slide Number Placeholder 3"/>
+          <p:cNvSpPr>
+            <a:spLocks noGrp="1"/>
+          </p:cNvSpPr>
+          <p:nvPr>
+            <p:ph type="sldNum" sz="quarter" idx="12"/>
+          </p:nvPr>
+        </p:nvSpPr>
+        <p:spPr/>
+        <p:txBody>
+          <a:bodyPr/>
+          <a:lstStyle/>
+          <a:p>
+            <a:fld id="{2F8BA72C-5DC7-4014-AC42-C5F5AAAF9B79}" type="slidenum">
+              <a:rPr lang="en-US" smtClean="0"/>
+              <a:t>20</a:t>
+            </a:fld>
+            <a:endParaRPr lang="en-US"/>
+          </a:p>
+        </p:txBody>
+      </p:sp>
+    </p:spTree>
+    <p:extLst>
+      <p:ext uri="{BB962C8B-B14F-4D97-AF65-F5344CB8AC3E}">
+        <p14:creationId xmlns:p14="http://schemas.microsoft.com/office/powerpoint/2010/main" val="708193798"/>
+      </p:ext>
+    </p:extLst>
+  </p:cSld>
+  <p:clrMapOvr>
+    <a:masterClrMapping/>
+  </p:clrMapOvr>
 </p:sld>
 </file>
 
